--- a/1.5-build-tools/Инструменты сборки.pptx
+++ b/1.5-build-tools/Инструменты сборки.pptx
@@ -1,46 +1,46 @@
 
 <file path=ppt/presentation.xml><?xml version="1.0" encoding="utf-8"?>
-<p:presentation xmlns:a="http://schemas.openxmlformats.org/drawingml/2006/main" xmlns:r="http://schemas.openxmlformats.org/officeDocument/2006/relationships" xmlns:mc="http://schemas.openxmlformats.org/markup-compatibility/2006" xmlns:mv="urn:schemas-microsoft-com:mac:vml" xmlns:p="http://schemas.openxmlformats.org/presentationml/2006/main" xmlns:c="http://schemas.openxmlformats.org/drawingml/2006/chart" xmlns:dgm="http://schemas.openxmlformats.org/drawingml/2006/diagram" xmlns:o="urn:schemas-microsoft-com:office:office" xmlns:v="urn:schemas-microsoft-com:vml" xmlns:pvml="urn:schemas-microsoft-com:office:powerpoint" xmlns:com="http://schemas.openxmlformats.org/drawingml/2006/compatibility" xmlns:p14="http://schemas.microsoft.com/office/powerpoint/2010/main" xmlns:p15="http://schemas.microsoft.com/office/powerpoint/2012/main" xmlns:ahyp="http://schemas.microsoft.com/office/drawing/2018/hyperlinkcolor" autoCompressPictures="0" embedTrueTypeFonts="1" strictFirstAndLastChars="0" saveSubsetFonts="1">
+<p:presentation xmlns:a="http://schemas.openxmlformats.org/drawingml/2006/main" xmlns:r="http://schemas.openxmlformats.org/officeDocument/2006/relationships" xmlns:p="http://schemas.openxmlformats.org/presentationml/2006/main" strictFirstAndLastChars="0" embedTrueTypeFonts="1" saveSubsetFonts="1" autoCompressPictures="0">
   <p:sldMasterIdLst>
-    <p:sldMasterId id="2147483659" r:id="rId5"/>
+    <p:sldMasterId id="2147483659" r:id="rId1"/>
   </p:sldMasterIdLst>
   <p:notesMasterIdLst>
-    <p:notesMasterId r:id="rId6"/>
+    <p:notesMasterId r:id="rId14"/>
   </p:notesMasterIdLst>
   <p:sldIdLst>
-    <p:sldId id="256" r:id="rId7"/>
-    <p:sldId id="257" r:id="rId8"/>
-    <p:sldId id="258" r:id="rId9"/>
-    <p:sldId id="259" r:id="rId10"/>
-    <p:sldId id="260" r:id="rId11"/>
-    <p:sldId id="261" r:id="rId12"/>
-    <p:sldId id="262" r:id="rId13"/>
-    <p:sldId id="263" r:id="rId14"/>
-    <p:sldId id="264" r:id="rId15"/>
-    <p:sldId id="265" r:id="rId16"/>
-    <p:sldId id="266" r:id="rId17"/>
-    <p:sldId id="267" r:id="rId18"/>
+    <p:sldId id="256" r:id="rId2"/>
+    <p:sldId id="257" r:id="rId3"/>
+    <p:sldId id="258" r:id="rId4"/>
+    <p:sldId id="259" r:id="rId5"/>
+    <p:sldId id="260" r:id="rId6"/>
+    <p:sldId id="261" r:id="rId7"/>
+    <p:sldId id="262" r:id="rId8"/>
+    <p:sldId id="263" r:id="rId9"/>
+    <p:sldId id="264" r:id="rId10"/>
+    <p:sldId id="265" r:id="rId11"/>
+    <p:sldId id="266" r:id="rId12"/>
+    <p:sldId id="267" r:id="rId13"/>
   </p:sldIdLst>
-  <p:sldSz cy="5143500" cx="9144000"/>
+  <p:sldSz cx="9144000" cy="5143500" type="screen16x9"/>
   <p:notesSz cx="6858000" cy="9144000"/>
   <p:embeddedFontLst>
     <p:embeddedFont>
-      <p:font typeface="Raleway"/>
+      <p:font typeface="Lato" panose="020B0604020202020204" charset="0"/>
+      <p:regular r:id="rId15"/>
+      <p:bold r:id="rId16"/>
+      <p:italic r:id="rId17"/>
+      <p:boldItalic r:id="rId18"/>
+    </p:embeddedFont>
+    <p:embeddedFont>
+      <p:font typeface="Raleway" panose="020B0604020202020204" charset="-52"/>
       <p:regular r:id="rId19"/>
       <p:bold r:id="rId20"/>
       <p:italic r:id="rId21"/>
       <p:boldItalic r:id="rId22"/>
     </p:embeddedFont>
-    <p:embeddedFont>
-      <p:font typeface="Lato"/>
-      <p:regular r:id="rId23"/>
-      <p:bold r:id="rId24"/>
-      <p:italic r:id="rId25"/>
-      <p:boldItalic r:id="rId26"/>
-    </p:embeddedFont>
   </p:embeddedFontLst>
   <p:defaultTextStyle>
-    <a:defPPr lvl="0" marR="0" rtl="0" algn="l">
+    <a:defPPr marR="0" lvl="0" algn="l" rtl="0">
       <a:lnSpc>
         <a:spcPct val="100000"/>
       </a:lnSpc>
@@ -51,7 +51,7 @@
         <a:spcPts val="0"/>
       </a:spcAft>
     </a:defPPr>
-    <a:lvl1pPr lvl="0" marR="0" rtl="0" algn="l">
+    <a:lvl1pPr marR="0" lvl="0" algn="l" rtl="0">
       <a:lnSpc>
         <a:spcPct val="100000"/>
       </a:lnSpc>
@@ -65,7 +65,7 @@
         <a:srgbClr val="000000"/>
       </a:buClr>
       <a:buFont typeface="Arial"/>
-      <a:defRPr b="0" i="0" sz="1400" u="none" cap="none" strike="noStrike">
+      <a:defRPr sz="1400" b="0" i="0" u="none" strike="noStrike" cap="none">
         <a:solidFill>
           <a:srgbClr val="000000"/>
         </a:solidFill>
@@ -75,7 +75,7 @@
         <a:sym typeface="Arial"/>
       </a:defRPr>
     </a:lvl1pPr>
-    <a:lvl2pPr lvl="1" marR="0" rtl="0" algn="l">
+    <a:lvl2pPr marR="0" lvl="1" algn="l" rtl="0">
       <a:lnSpc>
         <a:spcPct val="100000"/>
       </a:lnSpc>
@@ -89,7 +89,7 @@
         <a:srgbClr val="000000"/>
       </a:buClr>
       <a:buFont typeface="Arial"/>
-      <a:defRPr b="0" i="0" sz="1400" u="none" cap="none" strike="noStrike">
+      <a:defRPr sz="1400" b="0" i="0" u="none" strike="noStrike" cap="none">
         <a:solidFill>
           <a:srgbClr val="000000"/>
         </a:solidFill>
@@ -99,7 +99,7 @@
         <a:sym typeface="Arial"/>
       </a:defRPr>
     </a:lvl2pPr>
-    <a:lvl3pPr lvl="2" marR="0" rtl="0" algn="l">
+    <a:lvl3pPr marR="0" lvl="2" algn="l" rtl="0">
       <a:lnSpc>
         <a:spcPct val="100000"/>
       </a:lnSpc>
@@ -113,7 +113,7 @@
         <a:srgbClr val="000000"/>
       </a:buClr>
       <a:buFont typeface="Arial"/>
-      <a:defRPr b="0" i="0" sz="1400" u="none" cap="none" strike="noStrike">
+      <a:defRPr sz="1400" b="0" i="0" u="none" strike="noStrike" cap="none">
         <a:solidFill>
           <a:srgbClr val="000000"/>
         </a:solidFill>
@@ -123,7 +123,7 @@
         <a:sym typeface="Arial"/>
       </a:defRPr>
     </a:lvl3pPr>
-    <a:lvl4pPr lvl="3" marR="0" rtl="0" algn="l">
+    <a:lvl4pPr marR="0" lvl="3" algn="l" rtl="0">
       <a:lnSpc>
         <a:spcPct val="100000"/>
       </a:lnSpc>
@@ -137,7 +137,7 @@
         <a:srgbClr val="000000"/>
       </a:buClr>
       <a:buFont typeface="Arial"/>
-      <a:defRPr b="0" i="0" sz="1400" u="none" cap="none" strike="noStrike">
+      <a:defRPr sz="1400" b="0" i="0" u="none" strike="noStrike" cap="none">
         <a:solidFill>
           <a:srgbClr val="000000"/>
         </a:solidFill>
@@ -147,7 +147,7 @@
         <a:sym typeface="Arial"/>
       </a:defRPr>
     </a:lvl4pPr>
-    <a:lvl5pPr lvl="4" marR="0" rtl="0" algn="l">
+    <a:lvl5pPr marR="0" lvl="4" algn="l" rtl="0">
       <a:lnSpc>
         <a:spcPct val="100000"/>
       </a:lnSpc>
@@ -161,7 +161,7 @@
         <a:srgbClr val="000000"/>
       </a:buClr>
       <a:buFont typeface="Arial"/>
-      <a:defRPr b="0" i="0" sz="1400" u="none" cap="none" strike="noStrike">
+      <a:defRPr sz="1400" b="0" i="0" u="none" strike="noStrike" cap="none">
         <a:solidFill>
           <a:srgbClr val="000000"/>
         </a:solidFill>
@@ -171,7 +171,7 @@
         <a:sym typeface="Arial"/>
       </a:defRPr>
     </a:lvl5pPr>
-    <a:lvl6pPr lvl="5" marR="0" rtl="0" algn="l">
+    <a:lvl6pPr marR="0" lvl="5" algn="l" rtl="0">
       <a:lnSpc>
         <a:spcPct val="100000"/>
       </a:lnSpc>
@@ -185,7 +185,7 @@
         <a:srgbClr val="000000"/>
       </a:buClr>
       <a:buFont typeface="Arial"/>
-      <a:defRPr b="0" i="0" sz="1400" u="none" cap="none" strike="noStrike">
+      <a:defRPr sz="1400" b="0" i="0" u="none" strike="noStrike" cap="none">
         <a:solidFill>
           <a:srgbClr val="000000"/>
         </a:solidFill>
@@ -195,7 +195,7 @@
         <a:sym typeface="Arial"/>
       </a:defRPr>
     </a:lvl6pPr>
-    <a:lvl7pPr lvl="6" marR="0" rtl="0" algn="l">
+    <a:lvl7pPr marR="0" lvl="6" algn="l" rtl="0">
       <a:lnSpc>
         <a:spcPct val="100000"/>
       </a:lnSpc>
@@ -209,7 +209,7 @@
         <a:srgbClr val="000000"/>
       </a:buClr>
       <a:buFont typeface="Arial"/>
-      <a:defRPr b="0" i="0" sz="1400" u="none" cap="none" strike="noStrike">
+      <a:defRPr sz="1400" b="0" i="0" u="none" strike="noStrike" cap="none">
         <a:solidFill>
           <a:srgbClr val="000000"/>
         </a:solidFill>
@@ -219,7 +219,7 @@
         <a:sym typeface="Arial"/>
       </a:defRPr>
     </a:lvl7pPr>
-    <a:lvl8pPr lvl="7" marR="0" rtl="0" algn="l">
+    <a:lvl8pPr marR="0" lvl="7" algn="l" rtl="0">
       <a:lnSpc>
         <a:spcPct val="100000"/>
       </a:lnSpc>
@@ -233,7 +233,7 @@
         <a:srgbClr val="000000"/>
       </a:buClr>
       <a:buFont typeface="Arial"/>
-      <a:defRPr b="0" i="0" sz="1400" u="none" cap="none" strike="noStrike">
+      <a:defRPr sz="1400" b="0" i="0" u="none" strike="noStrike" cap="none">
         <a:solidFill>
           <a:srgbClr val="000000"/>
         </a:solidFill>
@@ -243,7 +243,7 @@
         <a:sym typeface="Arial"/>
       </a:defRPr>
     </a:lvl8pPr>
-    <a:lvl9pPr lvl="8" marR="0" rtl="0" algn="l">
+    <a:lvl9pPr marR="0" lvl="8" algn="l" rtl="0">
       <a:lnSpc>
         <a:spcPct val="100000"/>
       </a:lnSpc>
@@ -257,7 +257,7 @@
         <a:srgbClr val="000000"/>
       </a:buClr>
       <a:buFont typeface="Arial"/>
-      <a:defRPr b="0" i="0" sz="1400" u="none" cap="none" strike="noStrike">
+      <a:defRPr sz="1400" b="0" i="0" u="none" strike="noStrike" cap="none">
         <a:solidFill>
           <a:srgbClr val="000000"/>
         </a:solidFill>
@@ -270,7 +270,7 @@
   </p:defaultTextStyle>
   <p:extLst>
     <p:ext uri="{EFAFB233-063F-42B5-8137-9DF3F51BA10A}">
-      <p15:sldGuideLst>
+      <p15:sldGuideLst xmlns:p15="http://schemas.microsoft.com/office/powerpoint/2012/main">
         <p15:guide id="1" orient="horz" pos="1620">
           <p15:clr>
             <a:srgbClr val="A4A3A4"/>
@@ -288,11 +288,16 @@
 </file>
 
 <file path=ppt/notesMasters/notesMaster1.xml><?xml version="1.0" encoding="utf-8"?>
-<p:notesMaster xmlns:a="http://schemas.openxmlformats.org/drawingml/2006/main" xmlns:r="http://schemas.openxmlformats.org/officeDocument/2006/relationships" xmlns:mc="http://schemas.openxmlformats.org/markup-compatibility/2006" xmlns:mv="urn:schemas-microsoft-com:mac:vml" xmlns:p="http://schemas.openxmlformats.org/presentationml/2006/main" xmlns:c="http://schemas.openxmlformats.org/drawingml/2006/chart" xmlns:dgm="http://schemas.openxmlformats.org/drawingml/2006/diagram" xmlns:o="urn:schemas-microsoft-com:office:office" xmlns:v="urn:schemas-microsoft-com:vml" xmlns:pvml="urn:schemas-microsoft-com:office:powerpoint" xmlns:com="http://schemas.openxmlformats.org/drawingml/2006/compatibility" xmlns:p14="http://schemas.microsoft.com/office/powerpoint/2010/main" xmlns:p15="http://schemas.microsoft.com/office/powerpoint/2012/main" xmlns:ahyp="http://schemas.microsoft.com/office/drawing/2018/hyperlinkcolor">
+<p:notesMaster xmlns:a="http://schemas.openxmlformats.org/drawingml/2006/main" xmlns:r="http://schemas.openxmlformats.org/officeDocument/2006/relationships" xmlns:p="http://schemas.openxmlformats.org/presentationml/2006/main">
   <p:cSld>
+    <p:bg>
+      <p:bgRef idx="1001">
+        <a:schemeClr val="bg1"/>
+      </p:bgRef>
+    </p:bg>
     <p:spTree>
       <p:nvGrpSpPr>
-        <p:cNvPr id="2" name="Shape 2"/>
+        <p:cNvPr id="1" name="Shape 2"/>
         <p:cNvGrpSpPr/>
         <p:nvPr/>
       </p:nvGrpSpPr>
@@ -307,9 +312,11 @@
       <p:sp>
         <p:nvSpPr>
           <p:cNvPr id="3" name="Google Shape;3;n"/>
-          <p:cNvSpPr/>
+          <p:cNvSpPr>
+            <a:spLocks noGrp="1" noRot="1" noChangeAspect="1"/>
+          </p:cNvSpPr>
           <p:nvPr>
-            <p:ph idx="2" type="sldImg"/>
+            <p:ph type="sldImg" idx="2"/>
           </p:nvPr>
         </p:nvSpPr>
         <p:spPr>
@@ -318,9 +325,13 @@
             <a:ext cx="6096075" cy="3429000"/>
           </a:xfrm>
           <a:custGeom>
-            <a:rect b="b" l="l" r="r" t="t"/>
+            <a:avLst/>
+            <a:gdLst/>
+            <a:ahLst/>
+            <a:cxnLst/>
+            <a:rect l="l" t="t" r="r" b="b"/>
             <a:pathLst>
-              <a:path extrusionOk="0" h="120000" w="120000">
+              <a:path w="120000" h="120000" extrusionOk="0">
                 <a:moveTo>
                   <a:pt x="0" y="0"/>
                 </a:moveTo>
@@ -338,23 +349,25 @@
             </a:pathLst>
           </a:custGeom>
           <a:noFill/>
-          <a:ln cap="flat" cmpd="sng" w="9525">
+          <a:ln w="9525" cap="flat" cmpd="sng">
             <a:solidFill>
               <a:srgbClr val="000000"/>
             </a:solidFill>
             <a:prstDash val="solid"/>
             <a:round/>
-            <a:headEnd len="sm" w="sm" type="none"/>
-            <a:tailEnd len="sm" w="sm" type="none"/>
+            <a:headEnd type="none" w="sm" len="sm"/>
+            <a:tailEnd type="none" w="sm" len="sm"/>
           </a:ln>
         </p:spPr>
       </p:sp>
       <p:sp>
         <p:nvSpPr>
           <p:cNvPr id="4" name="Google Shape;4;n"/>
-          <p:cNvSpPr txBox="1"/>
+          <p:cNvSpPr txBox="1">
+            <a:spLocks noGrp="1"/>
+          </p:cNvSpPr>
           <p:nvPr>
-            <p:ph idx="1" type="body"/>
+            <p:ph type="body" idx="1"/>
           </p:nvPr>
         </p:nvSpPr>
         <p:spPr>
@@ -371,11 +384,11 @@
           </a:ln>
         </p:spPr>
         <p:txBody>
-          <a:bodyPr anchorCtr="0" anchor="t" bIns="91425" lIns="91425" spcFirstLastPara="1" rIns="91425" wrap="square" tIns="91425">
+          <a:bodyPr spcFirstLastPara="1" wrap="square" lIns="91425" tIns="91425" rIns="91425" bIns="91425" anchor="t" anchorCtr="0">
             <a:noAutofit/>
           </a:bodyPr>
           <a:lstStyle>
-            <a:lvl1pPr indent="-298450" lvl="0" marL="457200">
+            <a:lvl1pPr marL="457200" lvl="0" indent="-298450">
               <a:spcBef>
                 <a:spcPts val="0"/>
               </a:spcBef>
@@ -386,7 +399,7 @@
               <a:buChar char="●"/>
               <a:defRPr sz="1100"/>
             </a:lvl1pPr>
-            <a:lvl2pPr indent="-298450" lvl="1" marL="914400">
+            <a:lvl2pPr marL="914400" lvl="1" indent="-298450">
               <a:spcBef>
                 <a:spcPts val="0"/>
               </a:spcBef>
@@ -397,7 +410,7 @@
               <a:buChar char="○"/>
               <a:defRPr sz="1100"/>
             </a:lvl2pPr>
-            <a:lvl3pPr indent="-298450" lvl="2" marL="1371600">
+            <a:lvl3pPr marL="1371600" lvl="2" indent="-298450">
               <a:spcBef>
                 <a:spcPts val="0"/>
               </a:spcBef>
@@ -408,7 +421,7 @@
               <a:buChar char="■"/>
               <a:defRPr sz="1100"/>
             </a:lvl3pPr>
-            <a:lvl4pPr indent="-298450" lvl="3" marL="1828800">
+            <a:lvl4pPr marL="1828800" lvl="3" indent="-298450">
               <a:spcBef>
                 <a:spcPts val="0"/>
               </a:spcBef>
@@ -419,7 +432,7 @@
               <a:buChar char="●"/>
               <a:defRPr sz="1100"/>
             </a:lvl4pPr>
-            <a:lvl5pPr indent="-298450" lvl="4" marL="2286000">
+            <a:lvl5pPr marL="2286000" lvl="4" indent="-298450">
               <a:spcBef>
                 <a:spcPts val="0"/>
               </a:spcBef>
@@ -430,7 +443,7 @@
               <a:buChar char="○"/>
               <a:defRPr sz="1100"/>
             </a:lvl5pPr>
-            <a:lvl6pPr indent="-298450" lvl="5" marL="2743200">
+            <a:lvl6pPr marL="2743200" lvl="5" indent="-298450">
               <a:spcBef>
                 <a:spcPts val="0"/>
               </a:spcBef>
@@ -441,7 +454,7 @@
               <a:buChar char="■"/>
               <a:defRPr sz="1100"/>
             </a:lvl6pPr>
-            <a:lvl7pPr indent="-298450" lvl="6" marL="3200400">
+            <a:lvl7pPr marL="3200400" lvl="6" indent="-298450">
               <a:spcBef>
                 <a:spcPts val="0"/>
               </a:spcBef>
@@ -452,7 +465,7 @@
               <a:buChar char="●"/>
               <a:defRPr sz="1100"/>
             </a:lvl7pPr>
-            <a:lvl8pPr indent="-298450" lvl="7" marL="3657600">
+            <a:lvl8pPr marL="3657600" lvl="7" indent="-298450">
               <a:spcBef>
                 <a:spcPts val="0"/>
               </a:spcBef>
@@ -463,7 +476,7 @@
               <a:buChar char="○"/>
               <a:defRPr sz="1100"/>
             </a:lvl8pPr>
-            <a:lvl9pPr indent="-298450" lvl="8" marL="4114800">
+            <a:lvl9pPr marL="4114800" lvl="8" indent="-298450">
               <a:spcBef>
                 <a:spcPts val="0"/>
               </a:spcBef>
@@ -475,14 +488,16 @@
               <a:defRPr sz="1100"/>
             </a:lvl9pPr>
           </a:lstStyle>
-          <a:p/>
+          <a:p>
+            <a:endParaRPr/>
+          </a:p>
         </p:txBody>
       </p:sp>
     </p:spTree>
   </p:cSld>
-  <p:clrMap accent1="accent1" accent2="accent2" accent3="accent3" accent4="accent4" accent5="accent5" accent6="accent6" bg1="lt1" bg2="dk2" tx1="dk1" tx2="lt2" folHlink="folHlink" hlink="hlink"/>
+  <p:clrMap bg1="lt1" tx1="dk1" bg2="dk2" tx2="lt2" accent1="accent1" accent2="accent2" accent3="accent3" accent4="accent4" accent5="accent5" accent6="accent6" hlink="hlink" folHlink="folHlink"/>
   <p:notesStyle>
-    <a:defPPr lvl="0" marR="0" rtl="0" algn="l">
+    <a:defPPr marR="0" lvl="0" algn="l" rtl="0">
       <a:lnSpc>
         <a:spcPct val="100000"/>
       </a:lnSpc>
@@ -493,7 +508,7 @@
         <a:spcPts val="0"/>
       </a:spcAft>
     </a:defPPr>
-    <a:lvl1pPr lvl="0" marR="0" rtl="0" algn="l">
+    <a:lvl1pPr marR="0" lvl="0" algn="l" rtl="0">
       <a:lnSpc>
         <a:spcPct val="100000"/>
       </a:lnSpc>
@@ -507,7 +522,7 @@
         <a:srgbClr val="000000"/>
       </a:buClr>
       <a:buFont typeface="Arial"/>
-      <a:defRPr b="0" i="0" sz="1400" u="none" cap="none" strike="noStrike">
+      <a:defRPr sz="1400" b="0" i="0" u="none" strike="noStrike" cap="none">
         <a:solidFill>
           <a:srgbClr val="000000"/>
         </a:solidFill>
@@ -517,7 +532,7 @@
         <a:sym typeface="Arial"/>
       </a:defRPr>
     </a:lvl1pPr>
-    <a:lvl2pPr lvl="1" marR="0" rtl="0" algn="l">
+    <a:lvl2pPr marR="0" lvl="1" algn="l" rtl="0">
       <a:lnSpc>
         <a:spcPct val="100000"/>
       </a:lnSpc>
@@ -531,7 +546,7 @@
         <a:srgbClr val="000000"/>
       </a:buClr>
       <a:buFont typeface="Arial"/>
-      <a:defRPr b="0" i="0" sz="1400" u="none" cap="none" strike="noStrike">
+      <a:defRPr sz="1400" b="0" i="0" u="none" strike="noStrike" cap="none">
         <a:solidFill>
           <a:srgbClr val="000000"/>
         </a:solidFill>
@@ -541,7 +556,7 @@
         <a:sym typeface="Arial"/>
       </a:defRPr>
     </a:lvl2pPr>
-    <a:lvl3pPr lvl="2" marR="0" rtl="0" algn="l">
+    <a:lvl3pPr marR="0" lvl="2" algn="l" rtl="0">
       <a:lnSpc>
         <a:spcPct val="100000"/>
       </a:lnSpc>
@@ -555,7 +570,7 @@
         <a:srgbClr val="000000"/>
       </a:buClr>
       <a:buFont typeface="Arial"/>
-      <a:defRPr b="0" i="0" sz="1400" u="none" cap="none" strike="noStrike">
+      <a:defRPr sz="1400" b="0" i="0" u="none" strike="noStrike" cap="none">
         <a:solidFill>
           <a:srgbClr val="000000"/>
         </a:solidFill>
@@ -565,7 +580,7 @@
         <a:sym typeface="Arial"/>
       </a:defRPr>
     </a:lvl3pPr>
-    <a:lvl4pPr lvl="3" marR="0" rtl="0" algn="l">
+    <a:lvl4pPr marR="0" lvl="3" algn="l" rtl="0">
       <a:lnSpc>
         <a:spcPct val="100000"/>
       </a:lnSpc>
@@ -579,7 +594,7 @@
         <a:srgbClr val="000000"/>
       </a:buClr>
       <a:buFont typeface="Arial"/>
-      <a:defRPr b="0" i="0" sz="1400" u="none" cap="none" strike="noStrike">
+      <a:defRPr sz="1400" b="0" i="0" u="none" strike="noStrike" cap="none">
         <a:solidFill>
           <a:srgbClr val="000000"/>
         </a:solidFill>
@@ -589,7 +604,7 @@
         <a:sym typeface="Arial"/>
       </a:defRPr>
     </a:lvl4pPr>
-    <a:lvl5pPr lvl="4" marR="0" rtl="0" algn="l">
+    <a:lvl5pPr marR="0" lvl="4" algn="l" rtl="0">
       <a:lnSpc>
         <a:spcPct val="100000"/>
       </a:lnSpc>
@@ -603,7 +618,7 @@
         <a:srgbClr val="000000"/>
       </a:buClr>
       <a:buFont typeface="Arial"/>
-      <a:defRPr b="0" i="0" sz="1400" u="none" cap="none" strike="noStrike">
+      <a:defRPr sz="1400" b="0" i="0" u="none" strike="noStrike" cap="none">
         <a:solidFill>
           <a:srgbClr val="000000"/>
         </a:solidFill>
@@ -613,7 +628,7 @@
         <a:sym typeface="Arial"/>
       </a:defRPr>
     </a:lvl5pPr>
-    <a:lvl6pPr lvl="5" marR="0" rtl="0" algn="l">
+    <a:lvl6pPr marR="0" lvl="5" algn="l" rtl="0">
       <a:lnSpc>
         <a:spcPct val="100000"/>
       </a:lnSpc>
@@ -627,7 +642,7 @@
         <a:srgbClr val="000000"/>
       </a:buClr>
       <a:buFont typeface="Arial"/>
-      <a:defRPr b="0" i="0" sz="1400" u="none" cap="none" strike="noStrike">
+      <a:defRPr sz="1400" b="0" i="0" u="none" strike="noStrike" cap="none">
         <a:solidFill>
           <a:srgbClr val="000000"/>
         </a:solidFill>
@@ -637,7 +652,7 @@
         <a:sym typeface="Arial"/>
       </a:defRPr>
     </a:lvl6pPr>
-    <a:lvl7pPr lvl="6" marR="0" rtl="0" algn="l">
+    <a:lvl7pPr marR="0" lvl="6" algn="l" rtl="0">
       <a:lnSpc>
         <a:spcPct val="100000"/>
       </a:lnSpc>
@@ -651,7 +666,7 @@
         <a:srgbClr val="000000"/>
       </a:buClr>
       <a:buFont typeface="Arial"/>
-      <a:defRPr b="0" i="0" sz="1400" u="none" cap="none" strike="noStrike">
+      <a:defRPr sz="1400" b="0" i="0" u="none" strike="noStrike" cap="none">
         <a:solidFill>
           <a:srgbClr val="000000"/>
         </a:solidFill>
@@ -661,7 +676,7 @@
         <a:sym typeface="Arial"/>
       </a:defRPr>
     </a:lvl7pPr>
-    <a:lvl8pPr lvl="7" marR="0" rtl="0" algn="l">
+    <a:lvl8pPr marR="0" lvl="7" algn="l" rtl="0">
       <a:lnSpc>
         <a:spcPct val="100000"/>
       </a:lnSpc>
@@ -675,7 +690,7 @@
         <a:srgbClr val="000000"/>
       </a:buClr>
       <a:buFont typeface="Arial"/>
-      <a:defRPr b="0" i="0" sz="1400" u="none" cap="none" strike="noStrike">
+      <a:defRPr sz="1400" b="0" i="0" u="none" strike="noStrike" cap="none">
         <a:solidFill>
           <a:srgbClr val="000000"/>
         </a:solidFill>
@@ -685,7 +700,7 @@
         <a:sym typeface="Arial"/>
       </a:defRPr>
     </a:lvl8pPr>
-    <a:lvl9pPr lvl="8" marR="0" rtl="0" algn="l">
+    <a:lvl9pPr marR="0" lvl="8" algn="l" rtl="0">
       <a:lnSpc>
         <a:spcPct val="100000"/>
       </a:lnSpc>
@@ -699,7 +714,7 @@
         <a:srgbClr val="000000"/>
       </a:buClr>
       <a:buFont typeface="Arial"/>
-      <a:defRPr b="0" i="0" sz="1400" u="none" cap="none" strike="noStrike">
+      <a:defRPr sz="1400" b="0" i="0" u="none" strike="noStrike" cap="none">
         <a:solidFill>
           <a:srgbClr val="000000"/>
         </a:solidFill>
@@ -714,11 +729,11 @@
 </file>
 
 <file path=ppt/notesSlides/notesSlide1.xml><?xml version="1.0" encoding="utf-8"?>
-<p:notes xmlns:a="http://schemas.openxmlformats.org/drawingml/2006/main" xmlns:r="http://schemas.openxmlformats.org/officeDocument/2006/relationships" xmlns:mc="http://schemas.openxmlformats.org/markup-compatibility/2006" xmlns:mv="urn:schemas-microsoft-com:mac:vml" xmlns:p="http://schemas.openxmlformats.org/presentationml/2006/main" xmlns:c="http://schemas.openxmlformats.org/drawingml/2006/chart" xmlns:dgm="http://schemas.openxmlformats.org/drawingml/2006/diagram" xmlns:o="urn:schemas-microsoft-com:office:office" xmlns:v="urn:schemas-microsoft-com:vml" xmlns:pvml="urn:schemas-microsoft-com:office:powerpoint" xmlns:com="http://schemas.openxmlformats.org/drawingml/2006/compatibility" xmlns:p14="http://schemas.microsoft.com/office/powerpoint/2010/main" xmlns:p15="http://schemas.microsoft.com/office/powerpoint/2012/main" xmlns:ahyp="http://schemas.microsoft.com/office/drawing/2018/hyperlinkcolor" showMasterPhAnim="0" showMasterSp="0">
+<p:notes xmlns:a="http://schemas.openxmlformats.org/drawingml/2006/main" xmlns:r="http://schemas.openxmlformats.org/officeDocument/2006/relationships" xmlns:p="http://schemas.openxmlformats.org/presentationml/2006/main" showMasterSp="0" showMasterPhAnim="0">
   <p:cSld>
     <p:spTree>
       <p:nvGrpSpPr>
-        <p:cNvPr id="82" name="Shape 82"/>
+        <p:cNvPr id="1" name="Shape 82"/>
         <p:cNvGrpSpPr/>
         <p:nvPr/>
       </p:nvGrpSpPr>
@@ -733,9 +748,11 @@
       <p:sp>
         <p:nvSpPr>
           <p:cNvPr id="83" name="Google Shape;83;p:notes"/>
-          <p:cNvSpPr/>
+          <p:cNvSpPr>
+            <a:spLocks noGrp="1" noRot="1" noChangeAspect="1"/>
+          </p:cNvSpPr>
           <p:nvPr>
-            <p:ph idx="2" type="sldImg"/>
+            <p:ph type="sldImg" idx="2"/>
           </p:nvPr>
         </p:nvSpPr>
         <p:spPr>
@@ -744,9 +761,13 @@
             <a:ext cx="6096075" cy="3429000"/>
           </a:xfrm>
           <a:custGeom>
-            <a:rect b="b" l="l" r="r" t="t"/>
+            <a:avLst/>
+            <a:gdLst/>
+            <a:ahLst/>
+            <a:cxnLst/>
+            <a:rect l="l" t="t" r="r" b="b"/>
             <a:pathLst>
-              <a:path extrusionOk="0" h="120000" w="120000">
+              <a:path w="120000" h="120000" extrusionOk="0">
                 <a:moveTo>
                   <a:pt x="0" y="0"/>
                 </a:moveTo>
@@ -768,9 +789,11 @@
       <p:sp>
         <p:nvSpPr>
           <p:cNvPr id="84" name="Google Shape;84;p:notes"/>
-          <p:cNvSpPr txBox="1"/>
+          <p:cNvSpPr txBox="1">
+            <a:spLocks noGrp="1"/>
+          </p:cNvSpPr>
           <p:nvPr>
-            <p:ph idx="1" type="body"/>
+            <p:ph type="body" idx="1"/>
           </p:nvPr>
         </p:nvSpPr>
         <p:spPr>
@@ -783,12 +806,12 @@
           </a:prstGeom>
         </p:spPr>
         <p:txBody>
-          <a:bodyPr anchorCtr="0" anchor="t" bIns="91425" lIns="91425" spcFirstLastPara="1" rIns="91425" wrap="square" tIns="91425">
+          <a:bodyPr spcFirstLastPara="1" wrap="square" lIns="91425" tIns="91425" rIns="91425" bIns="91425" anchor="t" anchorCtr="0">
             <a:noAutofit/>
           </a:bodyPr>
           <a:lstStyle/>
           <a:p>
-            <a:pPr indent="0" lvl="0" marL="0" rtl="0" algn="l">
+            <a:pPr marL="0" lvl="0" indent="0" algn="l" rtl="0">
               <a:spcBef>
                 <a:spcPts val="0"/>
               </a:spcBef>
@@ -797,9 +820,6 @@
               </a:spcAft>
               <a:buNone/>
             </a:pPr>
-            <a:r>
-              <a:t/>
-            </a:r>
             <a:endParaRPr/>
           </a:p>
         </p:txBody>
@@ -813,11 +833,11 @@
 </file>
 
 <file path=ppt/notesSlides/notesSlide10.xml><?xml version="1.0" encoding="utf-8"?>
-<p:notes xmlns:a="http://schemas.openxmlformats.org/drawingml/2006/main" xmlns:r="http://schemas.openxmlformats.org/officeDocument/2006/relationships" xmlns:mc="http://schemas.openxmlformats.org/markup-compatibility/2006" xmlns:mv="urn:schemas-microsoft-com:mac:vml" xmlns:p="http://schemas.openxmlformats.org/presentationml/2006/main" xmlns:c="http://schemas.openxmlformats.org/drawingml/2006/chart" xmlns:dgm="http://schemas.openxmlformats.org/drawingml/2006/diagram" xmlns:o="urn:schemas-microsoft-com:office:office" xmlns:v="urn:schemas-microsoft-com:vml" xmlns:pvml="urn:schemas-microsoft-com:office:powerpoint" xmlns:com="http://schemas.openxmlformats.org/drawingml/2006/compatibility" xmlns:p14="http://schemas.microsoft.com/office/powerpoint/2010/main" xmlns:p15="http://schemas.microsoft.com/office/powerpoint/2012/main" xmlns:ahyp="http://schemas.microsoft.com/office/drawing/2018/hyperlinkcolor" showMasterPhAnim="0" showMasterSp="0">
+<p:notes xmlns:a="http://schemas.openxmlformats.org/drawingml/2006/main" xmlns:r="http://schemas.openxmlformats.org/officeDocument/2006/relationships" xmlns:p="http://schemas.openxmlformats.org/presentationml/2006/main" showMasterSp="0" showMasterPhAnim="0">
   <p:cSld>
     <p:spTree>
       <p:nvGrpSpPr>
-        <p:cNvPr id="165" name="Shape 165"/>
+        <p:cNvPr id="1" name="Shape 165"/>
         <p:cNvGrpSpPr/>
         <p:nvPr/>
       </p:nvGrpSpPr>
@@ -832,9 +852,11 @@
       <p:sp>
         <p:nvSpPr>
           <p:cNvPr id="166" name="Google Shape;166;g9aebc4d095_0_181:notes"/>
-          <p:cNvSpPr/>
+          <p:cNvSpPr>
+            <a:spLocks noGrp="1" noRot="1" noChangeAspect="1"/>
+          </p:cNvSpPr>
           <p:nvPr>
-            <p:ph idx="2" type="sldImg"/>
+            <p:ph type="sldImg" idx="2"/>
           </p:nvPr>
         </p:nvSpPr>
         <p:spPr>
@@ -843,9 +865,13 @@
             <a:ext cx="6096000" cy="3429000"/>
           </a:xfrm>
           <a:custGeom>
-            <a:rect b="b" l="l" r="r" t="t"/>
+            <a:avLst/>
+            <a:gdLst/>
+            <a:ahLst/>
+            <a:cxnLst/>
+            <a:rect l="l" t="t" r="r" b="b"/>
             <a:pathLst>
-              <a:path extrusionOk="0" h="120000" w="120000">
+              <a:path w="120000" h="120000" extrusionOk="0">
                 <a:moveTo>
                   <a:pt x="0" y="0"/>
                 </a:moveTo>
@@ -867,9 +893,11 @@
       <p:sp>
         <p:nvSpPr>
           <p:cNvPr id="167" name="Google Shape;167;g9aebc4d095_0_181:notes"/>
-          <p:cNvSpPr txBox="1"/>
+          <p:cNvSpPr txBox="1">
+            <a:spLocks noGrp="1"/>
+          </p:cNvSpPr>
           <p:nvPr>
-            <p:ph idx="1" type="body"/>
+            <p:ph type="body" idx="1"/>
           </p:nvPr>
         </p:nvSpPr>
         <p:spPr>
@@ -882,12 +910,12 @@
           </a:prstGeom>
         </p:spPr>
         <p:txBody>
-          <a:bodyPr anchorCtr="0" anchor="t" bIns="91425" lIns="91425" spcFirstLastPara="1" rIns="91425" wrap="square" tIns="91425">
+          <a:bodyPr spcFirstLastPara="1" wrap="square" lIns="91425" tIns="91425" rIns="91425" bIns="91425" anchor="t" anchorCtr="0">
             <a:noAutofit/>
           </a:bodyPr>
           <a:lstStyle/>
           <a:p>
-            <a:pPr indent="0" lvl="0" marL="0" rtl="0" algn="l">
+            <a:pPr marL="0" lvl="0" indent="0" algn="l" rtl="0">
               <a:spcBef>
                 <a:spcPts val="0"/>
               </a:spcBef>
@@ -896,9 +924,6 @@
               </a:spcAft>
               <a:buNone/>
             </a:pPr>
-            <a:r>
-              <a:t/>
-            </a:r>
             <a:endParaRPr/>
           </a:p>
         </p:txBody>
@@ -912,11 +937,11 @@
 </file>
 
 <file path=ppt/notesSlides/notesSlide11.xml><?xml version="1.0" encoding="utf-8"?>
-<p:notes xmlns:a="http://schemas.openxmlformats.org/drawingml/2006/main" xmlns:r="http://schemas.openxmlformats.org/officeDocument/2006/relationships" xmlns:mc="http://schemas.openxmlformats.org/markup-compatibility/2006" xmlns:mv="urn:schemas-microsoft-com:mac:vml" xmlns:p="http://schemas.openxmlformats.org/presentationml/2006/main" xmlns:c="http://schemas.openxmlformats.org/drawingml/2006/chart" xmlns:dgm="http://schemas.openxmlformats.org/drawingml/2006/diagram" xmlns:o="urn:schemas-microsoft-com:office:office" xmlns:v="urn:schemas-microsoft-com:vml" xmlns:pvml="urn:schemas-microsoft-com:office:powerpoint" xmlns:com="http://schemas.openxmlformats.org/drawingml/2006/compatibility" xmlns:p14="http://schemas.microsoft.com/office/powerpoint/2010/main" xmlns:p15="http://schemas.microsoft.com/office/powerpoint/2012/main" xmlns:ahyp="http://schemas.microsoft.com/office/drawing/2018/hyperlinkcolor" showMasterPhAnim="0" showMasterSp="0">
+<p:notes xmlns:a="http://schemas.openxmlformats.org/drawingml/2006/main" xmlns:r="http://schemas.openxmlformats.org/officeDocument/2006/relationships" xmlns:p="http://schemas.openxmlformats.org/presentationml/2006/main" showMasterSp="0" showMasterPhAnim="0">
   <p:cSld>
     <p:spTree>
       <p:nvGrpSpPr>
-        <p:cNvPr id="171" name="Shape 171"/>
+        <p:cNvPr id="1" name="Shape 171"/>
         <p:cNvGrpSpPr/>
         <p:nvPr/>
       </p:nvGrpSpPr>
@@ -931,9 +956,11 @@
       <p:sp>
         <p:nvSpPr>
           <p:cNvPr id="172" name="Google Shape;172;g99cc4b5be5_0_0:notes"/>
-          <p:cNvSpPr/>
+          <p:cNvSpPr>
+            <a:spLocks noGrp="1" noRot="1" noChangeAspect="1"/>
+          </p:cNvSpPr>
           <p:nvPr>
-            <p:ph idx="2" type="sldImg"/>
+            <p:ph type="sldImg" idx="2"/>
           </p:nvPr>
         </p:nvSpPr>
         <p:spPr>
@@ -942,9 +969,13 @@
             <a:ext cx="6096000" cy="3429000"/>
           </a:xfrm>
           <a:custGeom>
-            <a:rect b="b" l="l" r="r" t="t"/>
+            <a:avLst/>
+            <a:gdLst/>
+            <a:ahLst/>
+            <a:cxnLst/>
+            <a:rect l="l" t="t" r="r" b="b"/>
             <a:pathLst>
-              <a:path extrusionOk="0" h="120000" w="120000">
+              <a:path w="120000" h="120000" extrusionOk="0">
                 <a:moveTo>
                   <a:pt x="0" y="0"/>
                 </a:moveTo>
@@ -966,9 +997,11 @@
       <p:sp>
         <p:nvSpPr>
           <p:cNvPr id="173" name="Google Shape;173;g99cc4b5be5_0_0:notes"/>
-          <p:cNvSpPr txBox="1"/>
+          <p:cNvSpPr txBox="1">
+            <a:spLocks noGrp="1"/>
+          </p:cNvSpPr>
           <p:nvPr>
-            <p:ph idx="1" type="body"/>
+            <p:ph type="body" idx="1"/>
           </p:nvPr>
         </p:nvSpPr>
         <p:spPr>
@@ -981,12 +1014,12 @@
           </a:prstGeom>
         </p:spPr>
         <p:txBody>
-          <a:bodyPr anchorCtr="0" anchor="t" bIns="91425" lIns="91425" spcFirstLastPara="1" rIns="91425" wrap="square" tIns="91425">
+          <a:bodyPr spcFirstLastPara="1" wrap="square" lIns="91425" tIns="91425" rIns="91425" bIns="91425" anchor="t" anchorCtr="0">
             <a:noAutofit/>
           </a:bodyPr>
           <a:lstStyle/>
           <a:p>
-            <a:pPr indent="0" lvl="0" marL="0" rtl="0" algn="l">
+            <a:pPr marL="0" lvl="0" indent="0" algn="l" rtl="0">
               <a:spcBef>
                 <a:spcPts val="0"/>
               </a:spcBef>
@@ -995,9 +1028,6 @@
               </a:spcAft>
               <a:buNone/>
             </a:pPr>
-            <a:r>
-              <a:t/>
-            </a:r>
             <a:endParaRPr/>
           </a:p>
         </p:txBody>
@@ -1011,11 +1041,11 @@
 </file>
 
 <file path=ppt/notesSlides/notesSlide12.xml><?xml version="1.0" encoding="utf-8"?>
-<p:notes xmlns:a="http://schemas.openxmlformats.org/drawingml/2006/main" xmlns:r="http://schemas.openxmlformats.org/officeDocument/2006/relationships" xmlns:mc="http://schemas.openxmlformats.org/markup-compatibility/2006" xmlns:mv="urn:schemas-microsoft-com:mac:vml" xmlns:p="http://schemas.openxmlformats.org/presentationml/2006/main" xmlns:c="http://schemas.openxmlformats.org/drawingml/2006/chart" xmlns:dgm="http://schemas.openxmlformats.org/drawingml/2006/diagram" xmlns:o="urn:schemas-microsoft-com:office:office" xmlns:v="urn:schemas-microsoft-com:vml" xmlns:pvml="urn:schemas-microsoft-com:office:powerpoint" xmlns:com="http://schemas.openxmlformats.org/drawingml/2006/compatibility" xmlns:p14="http://schemas.microsoft.com/office/powerpoint/2010/main" xmlns:p15="http://schemas.microsoft.com/office/powerpoint/2012/main" xmlns:ahyp="http://schemas.microsoft.com/office/drawing/2018/hyperlinkcolor" showMasterPhAnim="0" showMasterSp="0">
+<p:notes xmlns:a="http://schemas.openxmlformats.org/drawingml/2006/main" xmlns:r="http://schemas.openxmlformats.org/officeDocument/2006/relationships" xmlns:p="http://schemas.openxmlformats.org/presentationml/2006/main" showMasterSp="0" showMasterPhAnim="0">
   <p:cSld>
     <p:spTree>
       <p:nvGrpSpPr>
-        <p:cNvPr id="179" name="Shape 179"/>
+        <p:cNvPr id="1" name="Shape 179"/>
         <p:cNvGrpSpPr/>
         <p:nvPr/>
       </p:nvGrpSpPr>
@@ -1030,9 +1060,11 @@
       <p:sp>
         <p:nvSpPr>
           <p:cNvPr id="180" name="Google Shape;180;g99cc4b5be5_0_12:notes"/>
-          <p:cNvSpPr/>
+          <p:cNvSpPr>
+            <a:spLocks noGrp="1" noRot="1" noChangeAspect="1"/>
+          </p:cNvSpPr>
           <p:nvPr>
-            <p:ph idx="2" type="sldImg"/>
+            <p:ph type="sldImg" idx="2"/>
           </p:nvPr>
         </p:nvSpPr>
         <p:spPr>
@@ -1041,9 +1073,13 @@
             <a:ext cx="6096000" cy="3429000"/>
           </a:xfrm>
           <a:custGeom>
-            <a:rect b="b" l="l" r="r" t="t"/>
+            <a:avLst/>
+            <a:gdLst/>
+            <a:ahLst/>
+            <a:cxnLst/>
+            <a:rect l="l" t="t" r="r" b="b"/>
             <a:pathLst>
-              <a:path extrusionOk="0" h="120000" w="120000">
+              <a:path w="120000" h="120000" extrusionOk="0">
                 <a:moveTo>
                   <a:pt x="0" y="0"/>
                 </a:moveTo>
@@ -1065,9 +1101,11 @@
       <p:sp>
         <p:nvSpPr>
           <p:cNvPr id="181" name="Google Shape;181;g99cc4b5be5_0_12:notes"/>
-          <p:cNvSpPr txBox="1"/>
+          <p:cNvSpPr txBox="1">
+            <a:spLocks noGrp="1"/>
+          </p:cNvSpPr>
           <p:nvPr>
-            <p:ph idx="1" type="body"/>
+            <p:ph type="body" idx="1"/>
           </p:nvPr>
         </p:nvSpPr>
         <p:spPr>
@@ -1080,12 +1118,12 @@
           </a:prstGeom>
         </p:spPr>
         <p:txBody>
-          <a:bodyPr anchorCtr="0" anchor="t" bIns="91425" lIns="91425" spcFirstLastPara="1" rIns="91425" wrap="square" tIns="91425">
+          <a:bodyPr spcFirstLastPara="1" wrap="square" lIns="91425" tIns="91425" rIns="91425" bIns="91425" anchor="t" anchorCtr="0">
             <a:noAutofit/>
           </a:bodyPr>
           <a:lstStyle/>
           <a:p>
-            <a:pPr indent="0" lvl="0" marL="0" rtl="0" algn="l">
+            <a:pPr marL="0" lvl="0" indent="0" algn="l" rtl="0">
               <a:spcBef>
                 <a:spcPts val="0"/>
               </a:spcBef>
@@ -1094,9 +1132,6 @@
               </a:spcAft>
               <a:buNone/>
             </a:pPr>
-            <a:r>
-              <a:t/>
-            </a:r>
             <a:endParaRPr/>
           </a:p>
         </p:txBody>
@@ -1110,11 +1145,11 @@
 </file>
 
 <file path=ppt/notesSlides/notesSlide2.xml><?xml version="1.0" encoding="utf-8"?>
-<p:notes xmlns:a="http://schemas.openxmlformats.org/drawingml/2006/main" xmlns:r="http://schemas.openxmlformats.org/officeDocument/2006/relationships" xmlns:mc="http://schemas.openxmlformats.org/markup-compatibility/2006" xmlns:mv="urn:schemas-microsoft-com:mac:vml" xmlns:p="http://schemas.openxmlformats.org/presentationml/2006/main" xmlns:c="http://schemas.openxmlformats.org/drawingml/2006/chart" xmlns:dgm="http://schemas.openxmlformats.org/drawingml/2006/diagram" xmlns:o="urn:schemas-microsoft-com:office:office" xmlns:v="urn:schemas-microsoft-com:vml" xmlns:pvml="urn:schemas-microsoft-com:office:powerpoint" xmlns:com="http://schemas.openxmlformats.org/drawingml/2006/compatibility" xmlns:p14="http://schemas.microsoft.com/office/powerpoint/2010/main" xmlns:p15="http://schemas.microsoft.com/office/powerpoint/2012/main" xmlns:ahyp="http://schemas.microsoft.com/office/drawing/2018/hyperlinkcolor" showMasterPhAnim="0" showMasterSp="0">
+<p:notes xmlns:a="http://schemas.openxmlformats.org/drawingml/2006/main" xmlns:r="http://schemas.openxmlformats.org/officeDocument/2006/relationships" xmlns:p="http://schemas.openxmlformats.org/presentationml/2006/main" showMasterSp="0" showMasterPhAnim="0">
   <p:cSld>
     <p:spTree>
       <p:nvGrpSpPr>
-        <p:cNvPr id="88" name="Shape 88"/>
+        <p:cNvPr id="1" name="Shape 88"/>
         <p:cNvGrpSpPr/>
         <p:nvPr/>
       </p:nvGrpSpPr>
@@ -1129,9 +1164,11 @@
       <p:sp>
         <p:nvSpPr>
           <p:cNvPr id="89" name="Google Shape;89;g9aebc4d095_0_84:notes"/>
-          <p:cNvSpPr/>
+          <p:cNvSpPr>
+            <a:spLocks noGrp="1" noRot="1" noChangeAspect="1"/>
+          </p:cNvSpPr>
           <p:nvPr>
-            <p:ph idx="2" type="sldImg"/>
+            <p:ph type="sldImg" idx="2"/>
           </p:nvPr>
         </p:nvSpPr>
         <p:spPr>
@@ -1140,9 +1177,13 @@
             <a:ext cx="6096000" cy="3429000"/>
           </a:xfrm>
           <a:custGeom>
-            <a:rect b="b" l="l" r="r" t="t"/>
+            <a:avLst/>
+            <a:gdLst/>
+            <a:ahLst/>
+            <a:cxnLst/>
+            <a:rect l="l" t="t" r="r" b="b"/>
             <a:pathLst>
-              <a:path extrusionOk="0" h="120000" w="120000">
+              <a:path w="120000" h="120000" extrusionOk="0">
                 <a:moveTo>
                   <a:pt x="0" y="0"/>
                 </a:moveTo>
@@ -1164,9 +1205,11 @@
       <p:sp>
         <p:nvSpPr>
           <p:cNvPr id="90" name="Google Shape;90;g9aebc4d095_0_84:notes"/>
-          <p:cNvSpPr txBox="1"/>
+          <p:cNvSpPr txBox="1">
+            <a:spLocks noGrp="1"/>
+          </p:cNvSpPr>
           <p:nvPr>
-            <p:ph idx="1" type="body"/>
+            <p:ph type="body" idx="1"/>
           </p:nvPr>
         </p:nvSpPr>
         <p:spPr>
@@ -1179,12 +1222,12 @@
           </a:prstGeom>
         </p:spPr>
         <p:txBody>
-          <a:bodyPr anchorCtr="0" anchor="t" bIns="91425" lIns="91425" spcFirstLastPara="1" rIns="91425" wrap="square" tIns="91425">
+          <a:bodyPr spcFirstLastPara="1" wrap="square" lIns="91425" tIns="91425" rIns="91425" bIns="91425" anchor="t" anchorCtr="0">
             <a:noAutofit/>
           </a:bodyPr>
           <a:lstStyle/>
           <a:p>
-            <a:pPr indent="0" lvl="0" marL="0" rtl="0" algn="l">
+            <a:pPr marL="0" lvl="0" indent="0" algn="l" rtl="0">
               <a:spcBef>
                 <a:spcPts val="0"/>
               </a:spcBef>
@@ -1193,9 +1236,6 @@
               </a:spcAft>
               <a:buNone/>
             </a:pPr>
-            <a:r>
-              <a:t/>
-            </a:r>
             <a:endParaRPr/>
           </a:p>
         </p:txBody>
@@ -1209,11 +1249,11 @@
 </file>
 
 <file path=ppt/notesSlides/notesSlide3.xml><?xml version="1.0" encoding="utf-8"?>
-<p:notes xmlns:a="http://schemas.openxmlformats.org/drawingml/2006/main" xmlns:r="http://schemas.openxmlformats.org/officeDocument/2006/relationships" xmlns:mc="http://schemas.openxmlformats.org/markup-compatibility/2006" xmlns:mv="urn:schemas-microsoft-com:mac:vml" xmlns:p="http://schemas.openxmlformats.org/presentationml/2006/main" xmlns:c="http://schemas.openxmlformats.org/drawingml/2006/chart" xmlns:dgm="http://schemas.openxmlformats.org/drawingml/2006/diagram" xmlns:o="urn:schemas-microsoft-com:office:office" xmlns:v="urn:schemas-microsoft-com:vml" xmlns:pvml="urn:schemas-microsoft-com:office:powerpoint" xmlns:com="http://schemas.openxmlformats.org/drawingml/2006/compatibility" xmlns:p14="http://schemas.microsoft.com/office/powerpoint/2010/main" xmlns:p15="http://schemas.microsoft.com/office/powerpoint/2012/main" xmlns:ahyp="http://schemas.microsoft.com/office/drawing/2018/hyperlinkcolor" showMasterPhAnim="0" showMasterSp="0">
+<p:notes xmlns:a="http://schemas.openxmlformats.org/drawingml/2006/main" xmlns:r="http://schemas.openxmlformats.org/officeDocument/2006/relationships" xmlns:p="http://schemas.openxmlformats.org/presentationml/2006/main" showMasterSp="0" showMasterPhAnim="0">
   <p:cSld>
     <p:spTree>
       <p:nvGrpSpPr>
-        <p:cNvPr id="97" name="Shape 97"/>
+        <p:cNvPr id="1" name="Shape 97"/>
         <p:cNvGrpSpPr/>
         <p:nvPr/>
       </p:nvGrpSpPr>
@@ -1228,9 +1268,11 @@
       <p:sp>
         <p:nvSpPr>
           <p:cNvPr id="98" name="Google Shape;98;g9aebc4d095_0_77:notes"/>
-          <p:cNvSpPr/>
+          <p:cNvSpPr>
+            <a:spLocks noGrp="1" noRot="1" noChangeAspect="1"/>
+          </p:cNvSpPr>
           <p:nvPr>
-            <p:ph idx="2" type="sldImg"/>
+            <p:ph type="sldImg" idx="2"/>
           </p:nvPr>
         </p:nvSpPr>
         <p:spPr>
@@ -1239,9 +1281,13 @@
             <a:ext cx="6096000" cy="3429000"/>
           </a:xfrm>
           <a:custGeom>
-            <a:rect b="b" l="l" r="r" t="t"/>
+            <a:avLst/>
+            <a:gdLst/>
+            <a:ahLst/>
+            <a:cxnLst/>
+            <a:rect l="l" t="t" r="r" b="b"/>
             <a:pathLst>
-              <a:path extrusionOk="0" h="120000" w="120000">
+              <a:path w="120000" h="120000" extrusionOk="0">
                 <a:moveTo>
                   <a:pt x="0" y="0"/>
                 </a:moveTo>
@@ -1263,9 +1309,11 @@
       <p:sp>
         <p:nvSpPr>
           <p:cNvPr id="99" name="Google Shape;99;g9aebc4d095_0_77:notes"/>
-          <p:cNvSpPr txBox="1"/>
+          <p:cNvSpPr txBox="1">
+            <a:spLocks noGrp="1"/>
+          </p:cNvSpPr>
           <p:nvPr>
-            <p:ph idx="1" type="body"/>
+            <p:ph type="body" idx="1"/>
           </p:nvPr>
         </p:nvSpPr>
         <p:spPr>
@@ -1278,12 +1326,12 @@
           </a:prstGeom>
         </p:spPr>
         <p:txBody>
-          <a:bodyPr anchorCtr="0" anchor="t" bIns="91425" lIns="91425" spcFirstLastPara="1" rIns="91425" wrap="square" tIns="91425">
+          <a:bodyPr spcFirstLastPara="1" wrap="square" lIns="91425" tIns="91425" rIns="91425" bIns="91425" anchor="t" anchorCtr="0">
             <a:noAutofit/>
           </a:bodyPr>
           <a:lstStyle/>
           <a:p>
-            <a:pPr indent="0" lvl="0" marL="0" rtl="0" algn="l">
+            <a:pPr marL="0" lvl="0" indent="0" algn="l" rtl="0">
               <a:spcBef>
                 <a:spcPts val="0"/>
               </a:spcBef>
@@ -1292,9 +1340,6 @@
               </a:spcAft>
               <a:buNone/>
             </a:pPr>
-            <a:r>
-              <a:t/>
-            </a:r>
             <a:endParaRPr/>
           </a:p>
         </p:txBody>
@@ -1308,11 +1353,11 @@
 </file>
 
 <file path=ppt/notesSlides/notesSlide4.xml><?xml version="1.0" encoding="utf-8"?>
-<p:notes xmlns:a="http://schemas.openxmlformats.org/drawingml/2006/main" xmlns:r="http://schemas.openxmlformats.org/officeDocument/2006/relationships" xmlns:mc="http://schemas.openxmlformats.org/markup-compatibility/2006" xmlns:mv="urn:schemas-microsoft-com:mac:vml" xmlns:p="http://schemas.openxmlformats.org/presentationml/2006/main" xmlns:c="http://schemas.openxmlformats.org/drawingml/2006/chart" xmlns:dgm="http://schemas.openxmlformats.org/drawingml/2006/diagram" xmlns:o="urn:schemas-microsoft-com:office:office" xmlns:v="urn:schemas-microsoft-com:vml" xmlns:pvml="urn:schemas-microsoft-com:office:powerpoint" xmlns:com="http://schemas.openxmlformats.org/drawingml/2006/compatibility" xmlns:p14="http://schemas.microsoft.com/office/powerpoint/2010/main" xmlns:p15="http://schemas.microsoft.com/office/powerpoint/2012/main" xmlns:ahyp="http://schemas.microsoft.com/office/drawing/2018/hyperlinkcolor" showMasterPhAnim="0" showMasterSp="0">
+<p:notes xmlns:a="http://schemas.openxmlformats.org/drawingml/2006/main" xmlns:r="http://schemas.openxmlformats.org/officeDocument/2006/relationships" xmlns:p="http://schemas.openxmlformats.org/presentationml/2006/main" showMasterSp="0" showMasterPhAnim="0">
   <p:cSld>
     <p:spTree>
       <p:nvGrpSpPr>
-        <p:cNvPr id="104" name="Shape 104"/>
+        <p:cNvPr id="1" name="Shape 104"/>
         <p:cNvGrpSpPr/>
         <p:nvPr/>
       </p:nvGrpSpPr>
@@ -1327,9 +1372,11 @@
       <p:sp>
         <p:nvSpPr>
           <p:cNvPr id="105" name="Google Shape;105;g9aebc4d095_0_96:notes"/>
-          <p:cNvSpPr/>
+          <p:cNvSpPr>
+            <a:spLocks noGrp="1" noRot="1" noChangeAspect="1"/>
+          </p:cNvSpPr>
           <p:nvPr>
-            <p:ph idx="2" type="sldImg"/>
+            <p:ph type="sldImg" idx="2"/>
           </p:nvPr>
         </p:nvSpPr>
         <p:spPr>
@@ -1338,9 +1385,13 @@
             <a:ext cx="6096000" cy="3429000"/>
           </a:xfrm>
           <a:custGeom>
-            <a:rect b="b" l="l" r="r" t="t"/>
+            <a:avLst/>
+            <a:gdLst/>
+            <a:ahLst/>
+            <a:cxnLst/>
+            <a:rect l="l" t="t" r="r" b="b"/>
             <a:pathLst>
-              <a:path extrusionOk="0" h="120000" w="120000">
+              <a:path w="120000" h="120000" extrusionOk="0">
                 <a:moveTo>
                   <a:pt x="0" y="0"/>
                 </a:moveTo>
@@ -1362,9 +1413,11 @@
       <p:sp>
         <p:nvSpPr>
           <p:cNvPr id="106" name="Google Shape;106;g9aebc4d095_0_96:notes"/>
-          <p:cNvSpPr txBox="1"/>
+          <p:cNvSpPr txBox="1">
+            <a:spLocks noGrp="1"/>
+          </p:cNvSpPr>
           <p:nvPr>
-            <p:ph idx="1" type="body"/>
+            <p:ph type="body" idx="1"/>
           </p:nvPr>
         </p:nvSpPr>
         <p:spPr>
@@ -1377,12 +1430,12 @@
           </a:prstGeom>
         </p:spPr>
         <p:txBody>
-          <a:bodyPr anchorCtr="0" anchor="t" bIns="91425" lIns="91425" spcFirstLastPara="1" rIns="91425" wrap="square" tIns="91425">
+          <a:bodyPr spcFirstLastPara="1" wrap="square" lIns="91425" tIns="91425" rIns="91425" bIns="91425" anchor="t" anchorCtr="0">
             <a:noAutofit/>
           </a:bodyPr>
           <a:lstStyle/>
           <a:p>
-            <a:pPr indent="0" lvl="0" marL="0" rtl="0" algn="l">
+            <a:pPr marL="0" lvl="0" indent="0" algn="l" rtl="0">
               <a:spcBef>
                 <a:spcPts val="0"/>
               </a:spcBef>
@@ -1391,9 +1444,6 @@
               </a:spcAft>
               <a:buNone/>
             </a:pPr>
-            <a:r>
-              <a:t/>
-            </a:r>
             <a:endParaRPr/>
           </a:p>
         </p:txBody>
@@ -1407,11 +1457,11 @@
 </file>
 
 <file path=ppt/notesSlides/notesSlide5.xml><?xml version="1.0" encoding="utf-8"?>
-<p:notes xmlns:a="http://schemas.openxmlformats.org/drawingml/2006/main" xmlns:r="http://schemas.openxmlformats.org/officeDocument/2006/relationships" xmlns:mc="http://schemas.openxmlformats.org/markup-compatibility/2006" xmlns:mv="urn:schemas-microsoft-com:mac:vml" xmlns:p="http://schemas.openxmlformats.org/presentationml/2006/main" xmlns:c="http://schemas.openxmlformats.org/drawingml/2006/chart" xmlns:dgm="http://schemas.openxmlformats.org/drawingml/2006/diagram" xmlns:o="urn:schemas-microsoft-com:office:office" xmlns:v="urn:schemas-microsoft-com:vml" xmlns:pvml="urn:schemas-microsoft-com:office:powerpoint" xmlns:com="http://schemas.openxmlformats.org/drawingml/2006/compatibility" xmlns:p14="http://schemas.microsoft.com/office/powerpoint/2010/main" xmlns:p15="http://schemas.microsoft.com/office/powerpoint/2012/main" xmlns:ahyp="http://schemas.microsoft.com/office/drawing/2018/hyperlinkcolor" showMasterPhAnim="0" showMasterSp="0">
+<p:notes xmlns:a="http://schemas.openxmlformats.org/drawingml/2006/main" xmlns:r="http://schemas.openxmlformats.org/officeDocument/2006/relationships" xmlns:p="http://schemas.openxmlformats.org/presentationml/2006/main" showMasterSp="0" showMasterPhAnim="0">
   <p:cSld>
     <p:spTree>
       <p:nvGrpSpPr>
-        <p:cNvPr id="110" name="Shape 110"/>
+        <p:cNvPr id="1" name="Shape 110"/>
         <p:cNvGrpSpPr/>
         <p:nvPr/>
       </p:nvGrpSpPr>
@@ -1426,20 +1476,26 @@
       <p:sp>
         <p:nvSpPr>
           <p:cNvPr id="111" name="Google Shape;111;g9aebc4d095_0_108:notes"/>
-          <p:cNvSpPr/>
+          <p:cNvSpPr>
+            <a:spLocks noGrp="1" noRot="1" noChangeAspect="1"/>
+          </p:cNvSpPr>
           <p:nvPr>
-            <p:ph idx="2" type="sldImg"/>
+            <p:ph type="sldImg" idx="2"/>
           </p:nvPr>
         </p:nvSpPr>
         <p:spPr>
           <a:xfrm>
-            <a:off x="381300" y="685800"/>
+            <a:off x="381000" y="685800"/>
             <a:ext cx="6096000" cy="3429000"/>
           </a:xfrm>
           <a:custGeom>
-            <a:rect b="b" l="l" r="r" t="t"/>
+            <a:avLst/>
+            <a:gdLst/>
+            <a:ahLst/>
+            <a:cxnLst/>
+            <a:rect l="l" t="t" r="r" b="b"/>
             <a:pathLst>
-              <a:path extrusionOk="0" h="120000" w="120000">
+              <a:path w="120000" h="120000" extrusionOk="0">
                 <a:moveTo>
                   <a:pt x="0" y="0"/>
                 </a:moveTo>
@@ -1461,9 +1517,11 @@
       <p:sp>
         <p:nvSpPr>
           <p:cNvPr id="112" name="Google Shape;112;g9aebc4d095_0_108:notes"/>
-          <p:cNvSpPr txBox="1"/>
+          <p:cNvSpPr txBox="1">
+            <a:spLocks noGrp="1"/>
+          </p:cNvSpPr>
           <p:nvPr>
-            <p:ph idx="1" type="body"/>
+            <p:ph type="body" idx="1"/>
           </p:nvPr>
         </p:nvSpPr>
         <p:spPr>
@@ -1476,12 +1534,12 @@
           </a:prstGeom>
         </p:spPr>
         <p:txBody>
-          <a:bodyPr anchorCtr="0" anchor="t" bIns="91425" lIns="91425" spcFirstLastPara="1" rIns="91425" wrap="square" tIns="91425">
+          <a:bodyPr spcFirstLastPara="1" wrap="square" lIns="91425" tIns="91425" rIns="91425" bIns="91425" anchor="t" anchorCtr="0">
             <a:noAutofit/>
           </a:bodyPr>
           <a:lstStyle/>
           <a:p>
-            <a:pPr indent="0" lvl="0" marL="0" rtl="0" algn="l">
+            <a:pPr marL="0" lvl="0" indent="0" algn="l" rtl="0">
               <a:spcBef>
                 <a:spcPts val="0"/>
               </a:spcBef>
@@ -1490,9 +1548,6 @@
               </a:spcAft>
               <a:buNone/>
             </a:pPr>
-            <a:r>
-              <a:t/>
-            </a:r>
             <a:endParaRPr/>
           </a:p>
         </p:txBody>
@@ -1506,11 +1561,11 @@
 </file>
 
 <file path=ppt/notesSlides/notesSlide6.xml><?xml version="1.0" encoding="utf-8"?>
-<p:notes xmlns:a="http://schemas.openxmlformats.org/drawingml/2006/main" xmlns:r="http://schemas.openxmlformats.org/officeDocument/2006/relationships" xmlns:mc="http://schemas.openxmlformats.org/markup-compatibility/2006" xmlns:mv="urn:schemas-microsoft-com:mac:vml" xmlns:p="http://schemas.openxmlformats.org/presentationml/2006/main" xmlns:c="http://schemas.openxmlformats.org/drawingml/2006/chart" xmlns:dgm="http://schemas.openxmlformats.org/drawingml/2006/diagram" xmlns:o="urn:schemas-microsoft-com:office:office" xmlns:v="urn:schemas-microsoft-com:vml" xmlns:pvml="urn:schemas-microsoft-com:office:powerpoint" xmlns:com="http://schemas.openxmlformats.org/drawingml/2006/compatibility" xmlns:p14="http://schemas.microsoft.com/office/powerpoint/2010/main" xmlns:p15="http://schemas.microsoft.com/office/powerpoint/2012/main" xmlns:ahyp="http://schemas.microsoft.com/office/drawing/2018/hyperlinkcolor" showMasterPhAnim="0" showMasterSp="0">
+<p:notes xmlns:a="http://schemas.openxmlformats.org/drawingml/2006/main" xmlns:r="http://schemas.openxmlformats.org/officeDocument/2006/relationships" xmlns:p="http://schemas.openxmlformats.org/presentationml/2006/main" showMasterSp="0" showMasterPhAnim="0">
   <p:cSld>
     <p:spTree>
       <p:nvGrpSpPr>
-        <p:cNvPr id="116" name="Shape 116"/>
+        <p:cNvPr id="1" name="Shape 116"/>
         <p:cNvGrpSpPr/>
         <p:nvPr/>
       </p:nvGrpSpPr>
@@ -1525,20 +1580,26 @@
       <p:sp>
         <p:nvSpPr>
           <p:cNvPr id="117" name="Google Shape;117;g9aebc4d095_0_116:notes"/>
-          <p:cNvSpPr/>
+          <p:cNvSpPr>
+            <a:spLocks noGrp="1" noRot="1" noChangeAspect="1"/>
+          </p:cNvSpPr>
           <p:nvPr>
-            <p:ph idx="2" type="sldImg"/>
+            <p:ph type="sldImg" idx="2"/>
           </p:nvPr>
         </p:nvSpPr>
         <p:spPr>
           <a:xfrm>
-            <a:off x="381300" y="685800"/>
+            <a:off x="381000" y="685800"/>
             <a:ext cx="6096000" cy="3429000"/>
           </a:xfrm>
           <a:custGeom>
-            <a:rect b="b" l="l" r="r" t="t"/>
+            <a:avLst/>
+            <a:gdLst/>
+            <a:ahLst/>
+            <a:cxnLst/>
+            <a:rect l="l" t="t" r="r" b="b"/>
             <a:pathLst>
-              <a:path extrusionOk="0" h="120000" w="120000">
+              <a:path w="120000" h="120000" extrusionOk="0">
                 <a:moveTo>
                   <a:pt x="0" y="0"/>
                 </a:moveTo>
@@ -1560,9 +1621,11 @@
       <p:sp>
         <p:nvSpPr>
           <p:cNvPr id="118" name="Google Shape;118;g9aebc4d095_0_116:notes"/>
-          <p:cNvSpPr txBox="1"/>
+          <p:cNvSpPr txBox="1">
+            <a:spLocks noGrp="1"/>
+          </p:cNvSpPr>
           <p:nvPr>
-            <p:ph idx="1" type="body"/>
+            <p:ph type="body" idx="1"/>
           </p:nvPr>
         </p:nvSpPr>
         <p:spPr>
@@ -1575,12 +1638,12 @@
           </a:prstGeom>
         </p:spPr>
         <p:txBody>
-          <a:bodyPr anchorCtr="0" anchor="t" bIns="91425" lIns="91425" spcFirstLastPara="1" rIns="91425" wrap="square" tIns="91425">
+          <a:bodyPr spcFirstLastPara="1" wrap="square" lIns="91425" tIns="91425" rIns="91425" bIns="91425" anchor="t" anchorCtr="0">
             <a:noAutofit/>
           </a:bodyPr>
           <a:lstStyle/>
           <a:p>
-            <a:pPr indent="0" lvl="0" marL="0" rtl="0" algn="l">
+            <a:pPr marL="0" lvl="0" indent="0" algn="l" rtl="0">
               <a:spcBef>
                 <a:spcPts val="0"/>
               </a:spcBef>
@@ -1589,9 +1652,6 @@
               </a:spcAft>
               <a:buNone/>
             </a:pPr>
-            <a:r>
-              <a:t/>
-            </a:r>
             <a:endParaRPr/>
           </a:p>
         </p:txBody>
@@ -1605,11 +1665,11 @@
 </file>
 
 <file path=ppt/notesSlides/notesSlide7.xml><?xml version="1.0" encoding="utf-8"?>
-<p:notes xmlns:a="http://schemas.openxmlformats.org/drawingml/2006/main" xmlns:r="http://schemas.openxmlformats.org/officeDocument/2006/relationships" xmlns:mc="http://schemas.openxmlformats.org/markup-compatibility/2006" xmlns:mv="urn:schemas-microsoft-com:mac:vml" xmlns:p="http://schemas.openxmlformats.org/presentationml/2006/main" xmlns:c="http://schemas.openxmlformats.org/drawingml/2006/chart" xmlns:dgm="http://schemas.openxmlformats.org/drawingml/2006/diagram" xmlns:o="urn:schemas-microsoft-com:office:office" xmlns:v="urn:schemas-microsoft-com:vml" xmlns:pvml="urn:schemas-microsoft-com:office:powerpoint" xmlns:com="http://schemas.openxmlformats.org/drawingml/2006/compatibility" xmlns:p14="http://schemas.microsoft.com/office/powerpoint/2010/main" xmlns:p15="http://schemas.microsoft.com/office/powerpoint/2012/main" xmlns:ahyp="http://schemas.microsoft.com/office/drawing/2018/hyperlinkcolor" showMasterPhAnim="0" showMasterSp="0">
+<p:notes xmlns:a="http://schemas.openxmlformats.org/drawingml/2006/main" xmlns:r="http://schemas.openxmlformats.org/officeDocument/2006/relationships" xmlns:p="http://schemas.openxmlformats.org/presentationml/2006/main" showMasterSp="0" showMasterPhAnim="0">
   <p:cSld>
     <p:spTree>
       <p:nvGrpSpPr>
-        <p:cNvPr id="125" name="Shape 125"/>
+        <p:cNvPr id="1" name="Shape 125"/>
         <p:cNvGrpSpPr/>
         <p:nvPr/>
       </p:nvGrpSpPr>
@@ -1624,9 +1684,11 @@
       <p:sp>
         <p:nvSpPr>
           <p:cNvPr id="126" name="Google Shape;126;g9aebc4d095_0_126:notes"/>
-          <p:cNvSpPr/>
+          <p:cNvSpPr>
+            <a:spLocks noGrp="1" noRot="1" noChangeAspect="1"/>
+          </p:cNvSpPr>
           <p:nvPr>
-            <p:ph idx="2" type="sldImg"/>
+            <p:ph type="sldImg" idx="2"/>
           </p:nvPr>
         </p:nvSpPr>
         <p:spPr>
@@ -1635,9 +1697,13 @@
             <a:ext cx="6096000" cy="3429000"/>
           </a:xfrm>
           <a:custGeom>
-            <a:rect b="b" l="l" r="r" t="t"/>
+            <a:avLst/>
+            <a:gdLst/>
+            <a:ahLst/>
+            <a:cxnLst/>
+            <a:rect l="l" t="t" r="r" b="b"/>
             <a:pathLst>
-              <a:path extrusionOk="0" h="120000" w="120000">
+              <a:path w="120000" h="120000" extrusionOk="0">
                 <a:moveTo>
                   <a:pt x="0" y="0"/>
                 </a:moveTo>
@@ -1659,9 +1725,11 @@
       <p:sp>
         <p:nvSpPr>
           <p:cNvPr id="127" name="Google Shape;127;g9aebc4d095_0_126:notes"/>
-          <p:cNvSpPr txBox="1"/>
+          <p:cNvSpPr txBox="1">
+            <a:spLocks noGrp="1"/>
+          </p:cNvSpPr>
           <p:nvPr>
-            <p:ph idx="1" type="body"/>
+            <p:ph type="body" idx="1"/>
           </p:nvPr>
         </p:nvSpPr>
         <p:spPr>
@@ -1674,12 +1742,12 @@
           </a:prstGeom>
         </p:spPr>
         <p:txBody>
-          <a:bodyPr anchorCtr="0" anchor="t" bIns="91425" lIns="91425" spcFirstLastPara="1" rIns="91425" wrap="square" tIns="91425">
+          <a:bodyPr spcFirstLastPara="1" wrap="square" lIns="91425" tIns="91425" rIns="91425" bIns="91425" anchor="t" anchorCtr="0">
             <a:noAutofit/>
           </a:bodyPr>
           <a:lstStyle/>
           <a:p>
-            <a:pPr indent="0" lvl="0" marL="0" rtl="0" algn="l">
+            <a:pPr marL="0" lvl="0" indent="0" algn="l" rtl="0">
               <a:spcBef>
                 <a:spcPts val="0"/>
               </a:spcBef>
@@ -1688,9 +1756,6 @@
               </a:spcAft>
               <a:buNone/>
             </a:pPr>
-            <a:r>
-              <a:t/>
-            </a:r>
             <a:endParaRPr/>
           </a:p>
         </p:txBody>
@@ -1704,11 +1769,11 @@
 </file>
 
 <file path=ppt/notesSlides/notesSlide8.xml><?xml version="1.0" encoding="utf-8"?>
-<p:notes xmlns:a="http://schemas.openxmlformats.org/drawingml/2006/main" xmlns:r="http://schemas.openxmlformats.org/officeDocument/2006/relationships" xmlns:mc="http://schemas.openxmlformats.org/markup-compatibility/2006" xmlns:mv="urn:schemas-microsoft-com:mac:vml" xmlns:p="http://schemas.openxmlformats.org/presentationml/2006/main" xmlns:c="http://schemas.openxmlformats.org/drawingml/2006/chart" xmlns:dgm="http://schemas.openxmlformats.org/drawingml/2006/diagram" xmlns:o="urn:schemas-microsoft-com:office:office" xmlns:v="urn:schemas-microsoft-com:vml" xmlns:pvml="urn:schemas-microsoft-com:office:powerpoint" xmlns:com="http://schemas.openxmlformats.org/drawingml/2006/compatibility" xmlns:p14="http://schemas.microsoft.com/office/powerpoint/2010/main" xmlns:p15="http://schemas.microsoft.com/office/powerpoint/2012/main" xmlns:ahyp="http://schemas.microsoft.com/office/drawing/2018/hyperlinkcolor" showMasterPhAnim="0" showMasterSp="0">
+<p:notes xmlns:a="http://schemas.openxmlformats.org/drawingml/2006/main" xmlns:r="http://schemas.openxmlformats.org/officeDocument/2006/relationships" xmlns:p="http://schemas.openxmlformats.org/presentationml/2006/main" showMasterSp="0" showMasterPhAnim="0">
   <p:cSld>
     <p:spTree>
       <p:nvGrpSpPr>
-        <p:cNvPr id="131" name="Shape 131"/>
+        <p:cNvPr id="1" name="Shape 131"/>
         <p:cNvGrpSpPr/>
         <p:nvPr/>
       </p:nvGrpSpPr>
@@ -1723,20 +1788,26 @@
       <p:sp>
         <p:nvSpPr>
           <p:cNvPr id="132" name="Google Shape;132;g9aebc4d095_0_139:notes"/>
-          <p:cNvSpPr/>
+          <p:cNvSpPr>
+            <a:spLocks noGrp="1" noRot="1" noChangeAspect="1"/>
+          </p:cNvSpPr>
           <p:nvPr>
-            <p:ph idx="2" type="sldImg"/>
+            <p:ph type="sldImg" idx="2"/>
           </p:nvPr>
         </p:nvSpPr>
         <p:spPr>
           <a:xfrm>
-            <a:off x="381300" y="685800"/>
+            <a:off x="381000" y="685800"/>
             <a:ext cx="6096000" cy="3429000"/>
           </a:xfrm>
           <a:custGeom>
-            <a:rect b="b" l="l" r="r" t="t"/>
+            <a:avLst/>
+            <a:gdLst/>
+            <a:ahLst/>
+            <a:cxnLst/>
+            <a:rect l="l" t="t" r="r" b="b"/>
             <a:pathLst>
-              <a:path extrusionOk="0" h="120000" w="120000">
+              <a:path w="120000" h="120000" extrusionOk="0">
                 <a:moveTo>
                   <a:pt x="0" y="0"/>
                 </a:moveTo>
@@ -1758,9 +1829,11 @@
       <p:sp>
         <p:nvSpPr>
           <p:cNvPr id="133" name="Google Shape;133;g9aebc4d095_0_139:notes"/>
-          <p:cNvSpPr txBox="1"/>
+          <p:cNvSpPr txBox="1">
+            <a:spLocks noGrp="1"/>
+          </p:cNvSpPr>
           <p:nvPr>
-            <p:ph idx="1" type="body"/>
+            <p:ph type="body" idx="1"/>
           </p:nvPr>
         </p:nvSpPr>
         <p:spPr>
@@ -1773,12 +1846,12 @@
           </a:prstGeom>
         </p:spPr>
         <p:txBody>
-          <a:bodyPr anchorCtr="0" anchor="t" bIns="91425" lIns="91425" spcFirstLastPara="1" rIns="91425" wrap="square" tIns="91425">
+          <a:bodyPr spcFirstLastPara="1" wrap="square" lIns="91425" tIns="91425" rIns="91425" bIns="91425" anchor="t" anchorCtr="0">
             <a:noAutofit/>
           </a:bodyPr>
           <a:lstStyle/>
           <a:p>
-            <a:pPr indent="0" lvl="0" marL="0" rtl="0" algn="l">
+            <a:pPr marL="0" lvl="0" indent="0" algn="l" rtl="0">
               <a:spcBef>
                 <a:spcPts val="0"/>
               </a:spcBef>
@@ -1787,9 +1860,6 @@
               </a:spcAft>
               <a:buNone/>
             </a:pPr>
-            <a:r>
-              <a:t/>
-            </a:r>
             <a:endParaRPr/>
           </a:p>
         </p:txBody>
@@ -1803,11 +1873,11 @@
 </file>
 
 <file path=ppt/notesSlides/notesSlide9.xml><?xml version="1.0" encoding="utf-8"?>
-<p:notes xmlns:a="http://schemas.openxmlformats.org/drawingml/2006/main" xmlns:r="http://schemas.openxmlformats.org/officeDocument/2006/relationships" xmlns:mc="http://schemas.openxmlformats.org/markup-compatibility/2006" xmlns:mv="urn:schemas-microsoft-com:mac:vml" xmlns:p="http://schemas.openxmlformats.org/presentationml/2006/main" xmlns:c="http://schemas.openxmlformats.org/drawingml/2006/chart" xmlns:dgm="http://schemas.openxmlformats.org/drawingml/2006/diagram" xmlns:o="urn:schemas-microsoft-com:office:office" xmlns:v="urn:schemas-microsoft-com:vml" xmlns:pvml="urn:schemas-microsoft-com:office:powerpoint" xmlns:com="http://schemas.openxmlformats.org/drawingml/2006/compatibility" xmlns:p14="http://schemas.microsoft.com/office/powerpoint/2010/main" xmlns:p15="http://schemas.microsoft.com/office/powerpoint/2012/main" xmlns:ahyp="http://schemas.microsoft.com/office/drawing/2018/hyperlinkcolor" showMasterPhAnim="0" showMasterSp="0">
+<p:notes xmlns:a="http://schemas.openxmlformats.org/drawingml/2006/main" xmlns:r="http://schemas.openxmlformats.org/officeDocument/2006/relationships" xmlns:p="http://schemas.openxmlformats.org/presentationml/2006/main" showMasterSp="0" showMasterPhAnim="0">
   <p:cSld>
     <p:spTree>
       <p:nvGrpSpPr>
-        <p:cNvPr id="137" name="Shape 137"/>
+        <p:cNvPr id="1" name="Shape 137"/>
         <p:cNvGrpSpPr/>
         <p:nvPr/>
       </p:nvGrpSpPr>
@@ -1822,9 +1892,11 @@
       <p:sp>
         <p:nvSpPr>
           <p:cNvPr id="138" name="Google Shape;138;g9aebc4d095_0_148:notes"/>
-          <p:cNvSpPr/>
+          <p:cNvSpPr>
+            <a:spLocks noGrp="1" noRot="1" noChangeAspect="1"/>
+          </p:cNvSpPr>
           <p:nvPr>
-            <p:ph idx="2" type="sldImg"/>
+            <p:ph type="sldImg" idx="2"/>
           </p:nvPr>
         </p:nvSpPr>
         <p:spPr>
@@ -1833,9 +1905,13 @@
             <a:ext cx="6096000" cy="3429000"/>
           </a:xfrm>
           <a:custGeom>
-            <a:rect b="b" l="l" r="r" t="t"/>
+            <a:avLst/>
+            <a:gdLst/>
+            <a:ahLst/>
+            <a:cxnLst/>
+            <a:rect l="l" t="t" r="r" b="b"/>
             <a:pathLst>
-              <a:path extrusionOk="0" h="120000" w="120000">
+              <a:path w="120000" h="120000" extrusionOk="0">
                 <a:moveTo>
                   <a:pt x="0" y="0"/>
                 </a:moveTo>
@@ -1857,9 +1933,11 @@
       <p:sp>
         <p:nvSpPr>
           <p:cNvPr id="139" name="Google Shape;139;g9aebc4d095_0_148:notes"/>
-          <p:cNvSpPr txBox="1"/>
+          <p:cNvSpPr txBox="1">
+            <a:spLocks noGrp="1"/>
+          </p:cNvSpPr>
           <p:nvPr>
-            <p:ph idx="1" type="body"/>
+            <p:ph type="body" idx="1"/>
           </p:nvPr>
         </p:nvSpPr>
         <p:spPr>
@@ -1872,12 +1950,12 @@
           </a:prstGeom>
         </p:spPr>
         <p:txBody>
-          <a:bodyPr anchorCtr="0" anchor="t" bIns="91425" lIns="91425" spcFirstLastPara="1" rIns="91425" wrap="square" tIns="91425">
+          <a:bodyPr spcFirstLastPara="1" wrap="square" lIns="91425" tIns="91425" rIns="91425" bIns="91425" anchor="t" anchorCtr="0">
             <a:noAutofit/>
           </a:bodyPr>
           <a:lstStyle/>
           <a:p>
-            <a:pPr indent="0" lvl="0" marL="0" rtl="0" algn="l">
+            <a:pPr marL="0" lvl="0" indent="0" algn="l" rtl="0">
               <a:spcBef>
                 <a:spcPts val="0"/>
               </a:spcBef>
@@ -1886,9 +1964,6 @@
               </a:spcAft>
               <a:buNone/>
             </a:pPr>
-            <a:r>
-              <a:t/>
-            </a:r>
             <a:endParaRPr/>
           </a:p>
         </p:txBody>
@@ -1902,18 +1977,19 @@
 </file>
 
 <file path=ppt/slideLayouts/slideLayout1.xml><?xml version="1.0" encoding="utf-8"?>
-<p:sldLayout xmlns:a="http://schemas.openxmlformats.org/drawingml/2006/main" xmlns:r="http://schemas.openxmlformats.org/officeDocument/2006/relationships" xmlns:mc="http://schemas.openxmlformats.org/markup-compatibility/2006" xmlns:mv="urn:schemas-microsoft-com:mac:vml" xmlns:p="http://schemas.openxmlformats.org/presentationml/2006/main" xmlns:c="http://schemas.openxmlformats.org/drawingml/2006/chart" xmlns:dgm="http://schemas.openxmlformats.org/drawingml/2006/diagram" xmlns:o="urn:schemas-microsoft-com:office:office" xmlns:v="urn:schemas-microsoft-com:vml" xmlns:pvml="urn:schemas-microsoft-com:office:powerpoint" xmlns:com="http://schemas.openxmlformats.org/drawingml/2006/compatibility" xmlns:p14="http://schemas.microsoft.com/office/powerpoint/2010/main" xmlns:p15="http://schemas.microsoft.com/office/powerpoint/2012/main" xmlns:ahyp="http://schemas.microsoft.com/office/drawing/2018/hyperlinkcolor" matchingName="Title slide" type="title">
+<p:sldLayout xmlns:a="http://schemas.openxmlformats.org/drawingml/2006/main" xmlns:r="http://schemas.openxmlformats.org/officeDocument/2006/relationships" xmlns:p="http://schemas.openxmlformats.org/presentationml/2006/main" matchingName="Title slide" type="title">
   <p:cSld name="TITLE">
     <p:bg>
       <p:bgPr>
         <a:solidFill>
           <a:schemeClr val="lt2"/>
         </a:solidFill>
+        <a:effectLst/>
       </p:bgPr>
     </p:bg>
     <p:spTree>
       <p:nvGrpSpPr>
-        <p:cNvPr id="9" name="Shape 9"/>
+        <p:cNvPr id="1" name="Shape 9"/>
         <p:cNvGrpSpPr/>
         <p:nvPr/>
       </p:nvGrpSpPr>
@@ -1947,12 +2023,12 @@
           </a:ln>
         </p:spPr>
         <p:txBody>
-          <a:bodyPr anchorCtr="0" anchor="ctr" bIns="91425" lIns="91425" spcFirstLastPara="1" rIns="91425" wrap="square" tIns="91425">
+          <a:bodyPr spcFirstLastPara="1" wrap="square" lIns="91425" tIns="91425" rIns="91425" bIns="91425" anchor="ctr" anchorCtr="0">
             <a:noAutofit/>
           </a:bodyPr>
           <a:lstStyle/>
           <a:p>
-            <a:pPr indent="0" lvl="0" marL="0" rtl="0" algn="l">
+            <a:pPr marL="0" lvl="0" indent="0" algn="l" rtl="0">
               <a:spcBef>
                 <a:spcPts val="0"/>
               </a:spcBef>
@@ -1961,9 +2037,6 @@
               </a:spcAft>
               <a:buNone/>
             </a:pPr>
-            <a:r>
-              <a:t/>
-            </a:r>
             <a:endParaRPr/>
           </a:p>
         </p:txBody>
@@ -2004,12 +2077,12 @@
             </a:ln>
           </p:spPr>
           <p:txBody>
-            <a:bodyPr anchorCtr="0" anchor="ctr" bIns="91425" lIns="91425" spcFirstLastPara="1" rIns="91425" wrap="square" tIns="91425">
+            <a:bodyPr spcFirstLastPara="1" wrap="square" lIns="91425" tIns="91425" rIns="91425" bIns="91425" anchor="ctr" anchorCtr="0">
               <a:noAutofit/>
             </a:bodyPr>
             <a:lstStyle/>
             <a:p>
-              <a:pPr indent="0" lvl="0" marL="0" rtl="0" algn="l">
+              <a:pPr marL="0" lvl="0" indent="0" algn="l" rtl="0">
                 <a:spcBef>
                   <a:spcPts val="0"/>
                 </a:spcBef>
@@ -2018,9 +2091,6 @@
                 </a:spcAft>
                 <a:buNone/>
               </a:pPr>
-              <a:r>
-                <a:t/>
-              </a:r>
               <a:endParaRPr/>
             </a:p>
           </p:txBody>
@@ -2047,12 +2117,12 @@
             </a:ln>
           </p:spPr>
           <p:txBody>
-            <a:bodyPr anchorCtr="0" anchor="ctr" bIns="91425" lIns="91425" spcFirstLastPara="1" rIns="91425" wrap="square" tIns="91425">
+            <a:bodyPr spcFirstLastPara="1" wrap="square" lIns="91425" tIns="91425" rIns="91425" bIns="91425" anchor="ctr" anchorCtr="0">
               <a:noAutofit/>
             </a:bodyPr>
             <a:lstStyle/>
             <a:p>
-              <a:pPr indent="0" lvl="0" marL="0" rtl="0" algn="l">
+              <a:pPr marL="0" lvl="0" indent="0" algn="l" rtl="0">
                 <a:spcBef>
                   <a:spcPts val="0"/>
                 </a:spcBef>
@@ -2061,9 +2131,6 @@
                 </a:spcAft>
                 <a:buNone/>
               </a:pPr>
-              <a:r>
-                <a:t/>
-              </a:r>
               <a:endParaRPr/>
             </a:p>
           </p:txBody>
@@ -2072,7 +2139,9 @@
       <p:sp>
         <p:nvSpPr>
           <p:cNvPr id="14" name="Google Shape;14;p2"/>
-          <p:cNvSpPr txBox="1"/>
+          <p:cNvSpPr txBox="1">
+            <a:spLocks noGrp="1"/>
+          </p:cNvSpPr>
           <p:nvPr>
             <p:ph type="ctrTitle"/>
           </p:nvPr>
@@ -2087,7 +2156,7 @@
           </a:prstGeom>
         </p:spPr>
         <p:txBody>
-          <a:bodyPr anchorCtr="0" anchor="t" bIns="91425" lIns="91425" spcFirstLastPara="1" rIns="91425" wrap="square" tIns="91425">
+          <a:bodyPr spcFirstLastPara="1" wrap="square" lIns="91425" tIns="91425" rIns="91425" bIns="91425" anchor="t" anchorCtr="0">
             <a:noAutofit/>
           </a:bodyPr>
           <a:lstStyle>
@@ -2254,15 +2323,19 @@
               </a:defRPr>
             </a:lvl9pPr>
           </a:lstStyle>
-          <a:p/>
+          <a:p>
+            <a:endParaRPr/>
+          </a:p>
         </p:txBody>
       </p:sp>
       <p:sp>
         <p:nvSpPr>
           <p:cNvPr id="15" name="Google Shape;15;p2"/>
-          <p:cNvSpPr txBox="1"/>
+          <p:cNvSpPr txBox="1">
+            <a:spLocks noGrp="1"/>
+          </p:cNvSpPr>
           <p:nvPr>
-            <p:ph idx="1" type="subTitle"/>
+            <p:ph type="subTitle" idx="1"/>
           </p:nvPr>
         </p:nvSpPr>
         <p:spPr>
@@ -2275,7 +2348,7 @@
           </a:prstGeom>
         </p:spPr>
         <p:txBody>
-          <a:bodyPr anchorCtr="0" anchor="t" bIns="91425" lIns="91425" spcFirstLastPara="1" rIns="91425" wrap="square" tIns="91425">
+          <a:bodyPr spcFirstLastPara="1" wrap="square" lIns="91425" tIns="91425" rIns="91425" bIns="91425" anchor="t" anchorCtr="0">
             <a:noAutofit/>
           </a:bodyPr>
           <a:lstStyle>
@@ -2406,15 +2479,19 @@
               <a:defRPr sz="1600"/>
             </a:lvl9pPr>
           </a:lstStyle>
-          <a:p/>
+          <a:p>
+            <a:endParaRPr/>
+          </a:p>
         </p:txBody>
       </p:sp>
       <p:sp>
         <p:nvSpPr>
           <p:cNvPr id="16" name="Google Shape;16;p2"/>
-          <p:cNvSpPr txBox="1"/>
+          <p:cNvSpPr txBox="1">
+            <a:spLocks noGrp="1"/>
+          </p:cNvSpPr>
           <p:nvPr>
-            <p:ph idx="12" type="sldNum"/>
+            <p:ph type="sldNum" idx="12"/>
           </p:nvPr>
         </p:nvSpPr>
         <p:spPr>
@@ -2427,7 +2504,7 @@
           </a:prstGeom>
         </p:spPr>
         <p:txBody>
-          <a:bodyPr anchorCtr="0" anchor="ctr" bIns="91425" lIns="91425" spcFirstLastPara="1" rIns="91425" wrap="square" tIns="91425">
+          <a:bodyPr spcFirstLastPara="1" wrap="square" lIns="91425" tIns="91425" rIns="91425" bIns="91425" anchor="ctr" anchorCtr="0">
             <a:noAutofit/>
           </a:bodyPr>
           <a:lstStyle>
@@ -2469,7 +2546,7 @@
             </a:lvl9pPr>
           </a:lstStyle>
           <a:p>
-            <a:pPr indent="0" lvl="0" marL="0" rtl="0" algn="r">
+            <a:pPr marL="0" lvl="0" indent="0" algn="r" rtl="0">
               <a:spcBef>
                 <a:spcPts val="0"/>
               </a:spcBef>
@@ -2495,18 +2572,19 @@
 </file>
 
 <file path=ppt/slideLayouts/slideLayout10.xml><?xml version="1.0" encoding="utf-8"?>
-<p:sldLayout xmlns:a="http://schemas.openxmlformats.org/drawingml/2006/main" xmlns:r="http://schemas.openxmlformats.org/officeDocument/2006/relationships" xmlns:mc="http://schemas.openxmlformats.org/markup-compatibility/2006" xmlns:mv="urn:schemas-microsoft-com:mac:vml" xmlns:p="http://schemas.openxmlformats.org/presentationml/2006/main" xmlns:c="http://schemas.openxmlformats.org/drawingml/2006/chart" xmlns:dgm="http://schemas.openxmlformats.org/drawingml/2006/diagram" xmlns:o="urn:schemas-microsoft-com:office:office" xmlns:v="urn:schemas-microsoft-com:vml" xmlns:pvml="urn:schemas-microsoft-com:office:powerpoint" xmlns:com="http://schemas.openxmlformats.org/drawingml/2006/compatibility" xmlns:p14="http://schemas.microsoft.com/office/powerpoint/2010/main" xmlns:p15="http://schemas.microsoft.com/office/powerpoint/2012/main" xmlns:ahyp="http://schemas.microsoft.com/office/drawing/2018/hyperlinkcolor" matchingName="Big number">
+<p:sldLayout xmlns:a="http://schemas.openxmlformats.org/drawingml/2006/main" xmlns:r="http://schemas.openxmlformats.org/officeDocument/2006/relationships" xmlns:p="http://schemas.openxmlformats.org/presentationml/2006/main" matchingName="Big number">
   <p:cSld name="BIG_NUMBER">
     <p:bg>
       <p:bgPr>
         <a:solidFill>
           <a:schemeClr val="dk1"/>
         </a:solidFill>
+        <a:effectLst/>
       </p:bgPr>
     </p:bg>
     <p:spTree>
       <p:nvGrpSpPr>
-        <p:cNvPr id="73" name="Shape 73"/>
+        <p:cNvPr id="1" name="Shape 73"/>
         <p:cNvGrpSpPr/>
         <p:nvPr/>
       </p:nvGrpSpPr>
@@ -2554,12 +2632,12 @@
             </a:ln>
           </p:spPr>
           <p:txBody>
-            <a:bodyPr anchorCtr="0" anchor="ctr" bIns="91425" lIns="91425" spcFirstLastPara="1" rIns="91425" wrap="square" tIns="91425">
+            <a:bodyPr spcFirstLastPara="1" wrap="square" lIns="91425" tIns="91425" rIns="91425" bIns="91425" anchor="ctr" anchorCtr="0">
               <a:noAutofit/>
             </a:bodyPr>
             <a:lstStyle/>
             <a:p>
-              <a:pPr indent="0" lvl="0" marL="0" rtl="0" algn="l">
+              <a:pPr marL="0" lvl="0" indent="0" algn="l" rtl="0">
                 <a:spcBef>
                   <a:spcPts val="0"/>
                 </a:spcBef>
@@ -2568,9 +2646,6 @@
                 </a:spcAft>
                 <a:buNone/>
               </a:pPr>
-              <a:r>
-                <a:t/>
-              </a:r>
               <a:endParaRPr/>
             </a:p>
           </p:txBody>
@@ -2597,12 +2672,12 @@
             </a:ln>
           </p:spPr>
           <p:txBody>
-            <a:bodyPr anchorCtr="0" anchor="ctr" bIns="91425" lIns="91425" spcFirstLastPara="1" rIns="91425" wrap="square" tIns="91425">
+            <a:bodyPr spcFirstLastPara="1" wrap="square" lIns="91425" tIns="91425" rIns="91425" bIns="91425" anchor="ctr" anchorCtr="0">
               <a:noAutofit/>
             </a:bodyPr>
             <a:lstStyle/>
             <a:p>
-              <a:pPr indent="0" lvl="0" marL="0" rtl="0" algn="l">
+              <a:pPr marL="0" lvl="0" indent="0" algn="l" rtl="0">
                 <a:spcBef>
                   <a:spcPts val="0"/>
                 </a:spcBef>
@@ -2611,9 +2686,6 @@
                 </a:spcAft>
                 <a:buNone/>
               </a:pPr>
-              <a:r>
-                <a:t/>
-              </a:r>
               <a:endParaRPr/>
             </a:p>
           </p:txBody>
@@ -2622,9 +2694,11 @@
       <p:sp>
         <p:nvSpPr>
           <p:cNvPr id="77" name="Google Shape;77;p11"/>
-          <p:cNvSpPr txBox="1"/>
+          <p:cNvSpPr txBox="1">
+            <a:spLocks noGrp="1"/>
+          </p:cNvSpPr>
           <p:nvPr>
-            <p:ph hasCustomPrompt="1" type="title"/>
+            <p:ph type="title" hasCustomPrompt="1"/>
           </p:nvPr>
         </p:nvSpPr>
         <p:spPr>
@@ -2637,7 +2711,7 @@
           </a:prstGeom>
         </p:spPr>
         <p:txBody>
-          <a:bodyPr anchorCtr="0" anchor="t" bIns="91425" lIns="91425" spcFirstLastPara="1" rIns="91425" wrap="square" tIns="91425">
+          <a:bodyPr spcFirstLastPara="1" wrap="square" lIns="91425" tIns="91425" rIns="91425" bIns="91425" anchor="t" anchorCtr="0">
             <a:noAutofit/>
           </a:bodyPr>
           <a:lstStyle>
@@ -2814,9 +2888,11 @@
       <p:sp>
         <p:nvSpPr>
           <p:cNvPr id="78" name="Google Shape;78;p11"/>
-          <p:cNvSpPr txBox="1"/>
+          <p:cNvSpPr txBox="1">
+            <a:spLocks noGrp="1"/>
+          </p:cNvSpPr>
           <p:nvPr>
-            <p:ph idx="1" type="body"/>
+            <p:ph type="body" idx="1"/>
           </p:nvPr>
         </p:nvSpPr>
         <p:spPr>
@@ -2829,11 +2905,11 @@
           </a:prstGeom>
         </p:spPr>
         <p:txBody>
-          <a:bodyPr anchorCtr="0" anchor="t" bIns="91425" lIns="91425" spcFirstLastPara="1" rIns="91425" wrap="square" tIns="91425">
+          <a:bodyPr spcFirstLastPara="1" wrap="square" lIns="91425" tIns="91425" rIns="91425" bIns="91425" anchor="t" anchorCtr="0">
             <a:noAutofit/>
           </a:bodyPr>
           <a:lstStyle>
-            <a:lvl1pPr indent="-311150" lvl="0" marL="457200">
+            <a:lvl1pPr marL="457200" lvl="0" indent="-311150">
               <a:spcBef>
                 <a:spcPts val="0"/>
               </a:spcBef>
@@ -2851,7 +2927,7 @@
                 </a:solidFill>
               </a:defRPr>
             </a:lvl1pPr>
-            <a:lvl2pPr indent="-298450" lvl="1" marL="914400">
+            <a:lvl2pPr marL="914400" lvl="1" indent="-298450">
               <a:spcBef>
                 <a:spcPts val="1600"/>
               </a:spcBef>
@@ -2869,7 +2945,7 @@
                 </a:solidFill>
               </a:defRPr>
             </a:lvl2pPr>
-            <a:lvl3pPr indent="-298450" lvl="2" marL="1371600">
+            <a:lvl3pPr marL="1371600" lvl="2" indent="-298450">
               <a:spcBef>
                 <a:spcPts val="1600"/>
               </a:spcBef>
@@ -2887,7 +2963,7 @@
                 </a:solidFill>
               </a:defRPr>
             </a:lvl3pPr>
-            <a:lvl4pPr indent="-298450" lvl="3" marL="1828800">
+            <a:lvl4pPr marL="1828800" lvl="3" indent="-298450">
               <a:spcBef>
                 <a:spcPts val="1600"/>
               </a:spcBef>
@@ -2905,7 +2981,7 @@
                 </a:solidFill>
               </a:defRPr>
             </a:lvl4pPr>
-            <a:lvl5pPr indent="-298450" lvl="4" marL="2286000">
+            <a:lvl5pPr marL="2286000" lvl="4" indent="-298450">
               <a:spcBef>
                 <a:spcPts val="1600"/>
               </a:spcBef>
@@ -2923,7 +2999,7 @@
                 </a:solidFill>
               </a:defRPr>
             </a:lvl5pPr>
-            <a:lvl6pPr indent="-298450" lvl="5" marL="2743200">
+            <a:lvl6pPr marL="2743200" lvl="5" indent="-298450">
               <a:spcBef>
                 <a:spcPts val="1600"/>
               </a:spcBef>
@@ -2941,7 +3017,7 @@
                 </a:solidFill>
               </a:defRPr>
             </a:lvl6pPr>
-            <a:lvl7pPr indent="-298450" lvl="6" marL="3200400">
+            <a:lvl7pPr marL="3200400" lvl="6" indent="-298450">
               <a:spcBef>
                 <a:spcPts val="1600"/>
               </a:spcBef>
@@ -2959,7 +3035,7 @@
                 </a:solidFill>
               </a:defRPr>
             </a:lvl7pPr>
-            <a:lvl8pPr indent="-298450" lvl="7" marL="3657600">
+            <a:lvl8pPr marL="3657600" lvl="7" indent="-298450">
               <a:spcBef>
                 <a:spcPts val="1600"/>
               </a:spcBef>
@@ -2977,7 +3053,7 @@
                 </a:solidFill>
               </a:defRPr>
             </a:lvl8pPr>
-            <a:lvl9pPr indent="-298450" lvl="8" marL="4114800">
+            <a:lvl9pPr marL="4114800" lvl="8" indent="-298450">
               <a:spcBef>
                 <a:spcPts val="1600"/>
               </a:spcBef>
@@ -2996,15 +3072,19 @@
               </a:defRPr>
             </a:lvl9pPr>
           </a:lstStyle>
-          <a:p/>
+          <a:p>
+            <a:endParaRPr/>
+          </a:p>
         </p:txBody>
       </p:sp>
       <p:sp>
         <p:nvSpPr>
           <p:cNvPr id="79" name="Google Shape;79;p11"/>
-          <p:cNvSpPr txBox="1"/>
+          <p:cNvSpPr txBox="1">
+            <a:spLocks noGrp="1"/>
+          </p:cNvSpPr>
           <p:nvPr>
-            <p:ph idx="12" type="sldNum"/>
+            <p:ph type="sldNum" idx="12"/>
           </p:nvPr>
         </p:nvSpPr>
         <p:spPr>
@@ -3017,7 +3097,7 @@
           </a:prstGeom>
         </p:spPr>
         <p:txBody>
-          <a:bodyPr anchorCtr="0" anchor="ctr" bIns="91425" lIns="91425" spcFirstLastPara="1" rIns="91425" wrap="square" tIns="91425">
+          <a:bodyPr spcFirstLastPara="1" wrap="square" lIns="91425" tIns="91425" rIns="91425" bIns="91425" anchor="ctr" anchorCtr="0">
             <a:noAutofit/>
           </a:bodyPr>
           <a:lstStyle>
@@ -3095,7 +3175,7 @@
             </a:lvl9pPr>
           </a:lstStyle>
           <a:p>
-            <a:pPr indent="0" lvl="0" marL="0" rtl="0" algn="r">
+            <a:pPr marL="0" lvl="0" indent="0" algn="r" rtl="0">
               <a:spcBef>
                 <a:spcPts val="0"/>
               </a:spcBef>
@@ -3121,11 +3201,11 @@
 </file>
 
 <file path=ppt/slideLayouts/slideLayout11.xml><?xml version="1.0" encoding="utf-8"?>
-<p:sldLayout xmlns:a="http://schemas.openxmlformats.org/drawingml/2006/main" xmlns:r="http://schemas.openxmlformats.org/officeDocument/2006/relationships" xmlns:mc="http://schemas.openxmlformats.org/markup-compatibility/2006" xmlns:mv="urn:schemas-microsoft-com:mac:vml" xmlns:p="http://schemas.openxmlformats.org/presentationml/2006/main" xmlns:c="http://schemas.openxmlformats.org/drawingml/2006/chart" xmlns:dgm="http://schemas.openxmlformats.org/drawingml/2006/diagram" xmlns:o="urn:schemas-microsoft-com:office:office" xmlns:v="urn:schemas-microsoft-com:vml" xmlns:pvml="urn:schemas-microsoft-com:office:powerpoint" xmlns:com="http://schemas.openxmlformats.org/drawingml/2006/compatibility" xmlns:p14="http://schemas.microsoft.com/office/powerpoint/2010/main" xmlns:p15="http://schemas.microsoft.com/office/powerpoint/2012/main" xmlns:ahyp="http://schemas.microsoft.com/office/drawing/2018/hyperlinkcolor" matchingName="Blank" type="blank">
+<p:sldLayout xmlns:a="http://schemas.openxmlformats.org/drawingml/2006/main" xmlns:r="http://schemas.openxmlformats.org/officeDocument/2006/relationships" xmlns:p="http://schemas.openxmlformats.org/presentationml/2006/main" matchingName="Blank" type="blank">
   <p:cSld name="BLANK">
     <p:spTree>
       <p:nvGrpSpPr>
-        <p:cNvPr id="80" name="Shape 80"/>
+        <p:cNvPr id="1" name="Shape 80"/>
         <p:cNvGrpSpPr/>
         <p:nvPr/>
       </p:nvGrpSpPr>
@@ -3140,9 +3220,11 @@
       <p:sp>
         <p:nvSpPr>
           <p:cNvPr id="81" name="Google Shape;81;p12"/>
-          <p:cNvSpPr txBox="1"/>
+          <p:cNvSpPr txBox="1">
+            <a:spLocks noGrp="1"/>
+          </p:cNvSpPr>
           <p:nvPr>
-            <p:ph idx="12" type="sldNum"/>
+            <p:ph type="sldNum" idx="12"/>
           </p:nvPr>
         </p:nvSpPr>
         <p:spPr>
@@ -3155,7 +3237,7 @@
           </a:prstGeom>
         </p:spPr>
         <p:txBody>
-          <a:bodyPr anchorCtr="0" anchor="ctr" bIns="91425" lIns="91425" spcFirstLastPara="1" rIns="91425" wrap="square" tIns="91425">
+          <a:bodyPr spcFirstLastPara="1" wrap="square" lIns="91425" tIns="91425" rIns="91425" bIns="91425" anchor="ctr" anchorCtr="0">
             <a:noAutofit/>
           </a:bodyPr>
           <a:lstStyle>
@@ -3197,7 +3279,7 @@
             </a:lvl9pPr>
           </a:lstStyle>
           <a:p>
-            <a:pPr indent="0" lvl="0" marL="0" rtl="0" algn="r">
+            <a:pPr marL="0" lvl="0" indent="0" algn="r" rtl="0">
               <a:spcBef>
                 <a:spcPts val="0"/>
               </a:spcBef>
@@ -3223,18 +3305,19 @@
 </file>
 
 <file path=ppt/slideLayouts/slideLayout2.xml><?xml version="1.0" encoding="utf-8"?>
-<p:sldLayout xmlns:a="http://schemas.openxmlformats.org/drawingml/2006/main" xmlns:r="http://schemas.openxmlformats.org/officeDocument/2006/relationships" xmlns:mc="http://schemas.openxmlformats.org/markup-compatibility/2006" xmlns:mv="urn:schemas-microsoft-com:mac:vml" xmlns:p="http://schemas.openxmlformats.org/presentationml/2006/main" xmlns:c="http://schemas.openxmlformats.org/drawingml/2006/chart" xmlns:dgm="http://schemas.openxmlformats.org/drawingml/2006/diagram" xmlns:o="urn:schemas-microsoft-com:office:office" xmlns:v="urn:schemas-microsoft-com:vml" xmlns:pvml="urn:schemas-microsoft-com:office:powerpoint" xmlns:com="http://schemas.openxmlformats.org/drawingml/2006/compatibility" xmlns:p14="http://schemas.microsoft.com/office/powerpoint/2010/main" xmlns:p15="http://schemas.microsoft.com/office/powerpoint/2012/main" xmlns:ahyp="http://schemas.microsoft.com/office/drawing/2018/hyperlinkcolor" matchingName="Section header" type="secHead">
+<p:sldLayout xmlns:a="http://schemas.openxmlformats.org/drawingml/2006/main" xmlns:r="http://schemas.openxmlformats.org/officeDocument/2006/relationships" xmlns:p="http://schemas.openxmlformats.org/presentationml/2006/main" matchingName="Section header" type="secHead">
   <p:cSld name="SECTION_HEADER">
     <p:bg>
       <p:bgPr>
         <a:solidFill>
           <a:schemeClr val="dk1"/>
         </a:solidFill>
+        <a:effectLst/>
       </p:bgPr>
     </p:bg>
     <p:spTree>
       <p:nvGrpSpPr>
-        <p:cNvPr id="17" name="Shape 17"/>
+        <p:cNvPr id="1" name="Shape 17"/>
         <p:cNvGrpSpPr/>
         <p:nvPr/>
       </p:nvGrpSpPr>
@@ -3282,12 +3365,12 @@
             </a:ln>
           </p:spPr>
           <p:txBody>
-            <a:bodyPr anchorCtr="0" anchor="ctr" bIns="91425" lIns="91425" spcFirstLastPara="1" rIns="91425" wrap="square" tIns="91425">
+            <a:bodyPr spcFirstLastPara="1" wrap="square" lIns="91425" tIns="91425" rIns="91425" bIns="91425" anchor="ctr" anchorCtr="0">
               <a:noAutofit/>
             </a:bodyPr>
             <a:lstStyle/>
             <a:p>
-              <a:pPr indent="0" lvl="0" marL="0" rtl="0" algn="l">
+              <a:pPr marL="0" lvl="0" indent="0" algn="l" rtl="0">
                 <a:spcBef>
                   <a:spcPts val="0"/>
                 </a:spcBef>
@@ -3296,9 +3379,6 @@
                 </a:spcAft>
                 <a:buNone/>
               </a:pPr>
-              <a:r>
-                <a:t/>
-              </a:r>
               <a:endParaRPr/>
             </a:p>
           </p:txBody>
@@ -3325,12 +3405,12 @@
             </a:ln>
           </p:spPr>
           <p:txBody>
-            <a:bodyPr anchorCtr="0" anchor="ctr" bIns="91425" lIns="91425" spcFirstLastPara="1" rIns="91425" wrap="square" tIns="91425">
+            <a:bodyPr spcFirstLastPara="1" wrap="square" lIns="91425" tIns="91425" rIns="91425" bIns="91425" anchor="ctr" anchorCtr="0">
               <a:noAutofit/>
             </a:bodyPr>
             <a:lstStyle/>
             <a:p>
-              <a:pPr indent="0" lvl="0" marL="0" rtl="0" algn="l">
+              <a:pPr marL="0" lvl="0" indent="0" algn="l" rtl="0">
                 <a:spcBef>
                   <a:spcPts val="0"/>
                 </a:spcBef>
@@ -3339,9 +3419,6 @@
                 </a:spcAft>
                 <a:buNone/>
               </a:pPr>
-              <a:r>
-                <a:t/>
-              </a:r>
               <a:endParaRPr/>
             </a:p>
           </p:txBody>
@@ -3350,7 +3427,9 @@
       <p:sp>
         <p:nvSpPr>
           <p:cNvPr id="21" name="Google Shape;21;p3"/>
-          <p:cNvSpPr txBox="1"/>
+          <p:cNvSpPr txBox="1">
+            <a:spLocks noGrp="1"/>
+          </p:cNvSpPr>
           <p:nvPr>
             <p:ph type="title"/>
           </p:nvPr>
@@ -3365,7 +3444,7 @@
           </a:prstGeom>
         </p:spPr>
         <p:txBody>
-          <a:bodyPr anchorCtr="0" anchor="t" bIns="91425" lIns="91425" spcFirstLastPara="1" rIns="91425" wrap="square" tIns="91425">
+          <a:bodyPr spcFirstLastPara="1" wrap="square" lIns="91425" tIns="91425" rIns="91425" bIns="91425" anchor="t" anchorCtr="0">
             <a:noAutofit/>
           </a:bodyPr>
           <a:lstStyle>
@@ -3532,15 +3611,19 @@
               </a:defRPr>
             </a:lvl9pPr>
           </a:lstStyle>
-          <a:p/>
+          <a:p>
+            <a:endParaRPr/>
+          </a:p>
         </p:txBody>
       </p:sp>
       <p:sp>
         <p:nvSpPr>
           <p:cNvPr id="22" name="Google Shape;22;p3"/>
-          <p:cNvSpPr txBox="1"/>
+          <p:cNvSpPr txBox="1">
+            <a:spLocks noGrp="1"/>
+          </p:cNvSpPr>
           <p:nvPr>
-            <p:ph idx="12" type="sldNum"/>
+            <p:ph type="sldNum" idx="12"/>
           </p:nvPr>
         </p:nvSpPr>
         <p:spPr>
@@ -3553,7 +3636,7 @@
           </a:prstGeom>
         </p:spPr>
         <p:txBody>
-          <a:bodyPr anchorCtr="0" anchor="ctr" bIns="91425" lIns="91425" spcFirstLastPara="1" rIns="91425" wrap="square" tIns="91425">
+          <a:bodyPr spcFirstLastPara="1" wrap="square" lIns="91425" tIns="91425" rIns="91425" bIns="91425" anchor="ctr" anchorCtr="0">
             <a:noAutofit/>
           </a:bodyPr>
           <a:lstStyle>
@@ -3631,7 +3714,7 @@
             </a:lvl9pPr>
           </a:lstStyle>
           <a:p>
-            <a:pPr indent="0" lvl="0" marL="0" rtl="0" algn="r">
+            <a:pPr marL="0" lvl="0" indent="0" algn="r" rtl="0">
               <a:spcBef>
                 <a:spcPts val="0"/>
               </a:spcBef>
@@ -3657,11 +3740,11 @@
 </file>
 
 <file path=ppt/slideLayouts/slideLayout3.xml><?xml version="1.0" encoding="utf-8"?>
-<p:sldLayout xmlns:a="http://schemas.openxmlformats.org/drawingml/2006/main" xmlns:r="http://schemas.openxmlformats.org/officeDocument/2006/relationships" xmlns:mc="http://schemas.openxmlformats.org/markup-compatibility/2006" xmlns:mv="urn:schemas-microsoft-com:mac:vml" xmlns:p="http://schemas.openxmlformats.org/presentationml/2006/main" xmlns:c="http://schemas.openxmlformats.org/drawingml/2006/chart" xmlns:dgm="http://schemas.openxmlformats.org/drawingml/2006/diagram" xmlns:o="urn:schemas-microsoft-com:office:office" xmlns:v="urn:schemas-microsoft-com:vml" xmlns:pvml="urn:schemas-microsoft-com:office:powerpoint" xmlns:com="http://schemas.openxmlformats.org/drawingml/2006/compatibility" xmlns:p14="http://schemas.microsoft.com/office/powerpoint/2010/main" xmlns:p15="http://schemas.microsoft.com/office/powerpoint/2012/main" xmlns:ahyp="http://schemas.microsoft.com/office/drawing/2018/hyperlinkcolor" matchingName="Title and body" type="tx">
+<p:sldLayout xmlns:a="http://schemas.openxmlformats.org/drawingml/2006/main" xmlns:r="http://schemas.openxmlformats.org/officeDocument/2006/relationships" xmlns:p="http://schemas.openxmlformats.org/presentationml/2006/main" matchingName="Title and body" type="tx">
   <p:cSld name="TITLE_AND_BODY">
     <p:spTree>
       <p:nvGrpSpPr>
-        <p:cNvPr id="23" name="Shape 23"/>
+        <p:cNvPr id="1" name="Shape 23"/>
         <p:cNvGrpSpPr/>
         <p:nvPr/>
       </p:nvGrpSpPr>
@@ -3695,12 +3778,12 @@
           </a:ln>
         </p:spPr>
         <p:txBody>
-          <a:bodyPr anchorCtr="0" anchor="ctr" bIns="91425" lIns="91425" spcFirstLastPara="1" rIns="91425" wrap="square" tIns="91425">
+          <a:bodyPr spcFirstLastPara="1" wrap="square" lIns="91425" tIns="91425" rIns="91425" bIns="91425" anchor="ctr" anchorCtr="0">
             <a:noAutofit/>
           </a:bodyPr>
           <a:lstStyle/>
           <a:p>
-            <a:pPr indent="0" lvl="0" marL="0" rtl="0" algn="l">
+            <a:pPr marL="0" lvl="0" indent="0" algn="l" rtl="0">
               <a:spcBef>
                 <a:spcPts val="0"/>
               </a:spcBef>
@@ -3709,9 +3792,6 @@
               </a:spcAft>
               <a:buNone/>
             </a:pPr>
-            <a:r>
-              <a:t/>
-            </a:r>
             <a:endParaRPr/>
           </a:p>
         </p:txBody>
@@ -3752,12 +3832,12 @@
             </a:ln>
           </p:spPr>
           <p:txBody>
-            <a:bodyPr anchorCtr="0" anchor="ctr" bIns="91425" lIns="91425" spcFirstLastPara="1" rIns="91425" wrap="square" tIns="91425">
+            <a:bodyPr spcFirstLastPara="1" wrap="square" lIns="91425" tIns="91425" rIns="91425" bIns="91425" anchor="ctr" anchorCtr="0">
               <a:noAutofit/>
             </a:bodyPr>
             <a:lstStyle/>
             <a:p>
-              <a:pPr indent="0" lvl="0" marL="0" rtl="0" algn="l">
+              <a:pPr marL="0" lvl="0" indent="0" algn="l" rtl="0">
                 <a:spcBef>
                   <a:spcPts val="0"/>
                 </a:spcBef>
@@ -3766,9 +3846,6 @@
                 </a:spcAft>
                 <a:buNone/>
               </a:pPr>
-              <a:r>
-                <a:t/>
-              </a:r>
               <a:endParaRPr/>
             </a:p>
           </p:txBody>
@@ -3795,12 +3872,12 @@
             </a:ln>
           </p:spPr>
           <p:txBody>
-            <a:bodyPr anchorCtr="0" anchor="ctr" bIns="91425" lIns="91425" spcFirstLastPara="1" rIns="91425" wrap="square" tIns="91425">
+            <a:bodyPr spcFirstLastPara="1" wrap="square" lIns="91425" tIns="91425" rIns="91425" bIns="91425" anchor="ctr" anchorCtr="0">
               <a:noAutofit/>
             </a:bodyPr>
             <a:lstStyle/>
             <a:p>
-              <a:pPr indent="0" lvl="0" marL="0" rtl="0" algn="l">
+              <a:pPr marL="0" lvl="0" indent="0" algn="l" rtl="0">
                 <a:spcBef>
                   <a:spcPts val="0"/>
                 </a:spcBef>
@@ -3809,9 +3886,6 @@
                 </a:spcAft>
                 <a:buNone/>
               </a:pPr>
-              <a:r>
-                <a:t/>
-              </a:r>
               <a:endParaRPr/>
             </a:p>
           </p:txBody>
@@ -3820,7 +3894,9 @@
       <p:sp>
         <p:nvSpPr>
           <p:cNvPr id="28" name="Google Shape;28;p4"/>
-          <p:cNvSpPr txBox="1"/>
+          <p:cNvSpPr txBox="1">
+            <a:spLocks noGrp="1"/>
+          </p:cNvSpPr>
           <p:nvPr>
             <p:ph type="title"/>
           </p:nvPr>
@@ -3835,7 +3911,7 @@
           </a:prstGeom>
         </p:spPr>
         <p:txBody>
-          <a:bodyPr anchorCtr="0" anchor="t" bIns="91425" lIns="91425" spcFirstLastPara="1" rIns="91425" wrap="square" tIns="91425">
+          <a:bodyPr spcFirstLastPara="1" wrap="square" lIns="91425" tIns="91425" rIns="91425" bIns="91425" anchor="t" anchorCtr="0">
             <a:noAutofit/>
           </a:bodyPr>
           <a:lstStyle>
@@ -4002,15 +4078,19 @@
               </a:defRPr>
             </a:lvl9pPr>
           </a:lstStyle>
-          <a:p/>
+          <a:p>
+            <a:endParaRPr/>
+          </a:p>
         </p:txBody>
       </p:sp>
       <p:sp>
         <p:nvSpPr>
           <p:cNvPr id="29" name="Google Shape;29;p4"/>
-          <p:cNvSpPr txBox="1"/>
+          <p:cNvSpPr txBox="1">
+            <a:spLocks noGrp="1"/>
+          </p:cNvSpPr>
           <p:nvPr>
-            <p:ph idx="1" type="body"/>
+            <p:ph type="body" idx="1"/>
           </p:nvPr>
         </p:nvSpPr>
         <p:spPr>
@@ -4023,11 +4103,11 @@
           </a:prstGeom>
         </p:spPr>
         <p:txBody>
-          <a:bodyPr anchorCtr="0" anchor="t" bIns="91425" lIns="91425" spcFirstLastPara="1" rIns="91425" wrap="square" tIns="91425">
+          <a:bodyPr spcFirstLastPara="1" wrap="square" lIns="91425" tIns="91425" rIns="91425" bIns="91425" anchor="t" anchorCtr="0">
             <a:noAutofit/>
           </a:bodyPr>
           <a:lstStyle>
-            <a:lvl1pPr indent="-311150" lvl="0" marL="457200">
+            <a:lvl1pPr marL="457200" lvl="0" indent="-311150">
               <a:spcBef>
                 <a:spcPts val="0"/>
               </a:spcBef>
@@ -4038,7 +4118,7 @@
               <a:buChar char="●"/>
               <a:defRPr/>
             </a:lvl1pPr>
-            <a:lvl2pPr indent="-298450" lvl="1" marL="914400">
+            <a:lvl2pPr marL="914400" lvl="1" indent="-298450">
               <a:spcBef>
                 <a:spcPts val="1600"/>
               </a:spcBef>
@@ -4049,7 +4129,7 @@
               <a:buChar char="○"/>
               <a:defRPr/>
             </a:lvl2pPr>
-            <a:lvl3pPr indent="-298450" lvl="2" marL="1371600">
+            <a:lvl3pPr marL="1371600" lvl="2" indent="-298450">
               <a:spcBef>
                 <a:spcPts val="1600"/>
               </a:spcBef>
@@ -4060,7 +4140,7 @@
               <a:buChar char="■"/>
               <a:defRPr/>
             </a:lvl3pPr>
-            <a:lvl4pPr indent="-298450" lvl="3" marL="1828800">
+            <a:lvl4pPr marL="1828800" lvl="3" indent="-298450">
               <a:spcBef>
                 <a:spcPts val="1600"/>
               </a:spcBef>
@@ -4071,7 +4151,7 @@
               <a:buChar char="●"/>
               <a:defRPr/>
             </a:lvl4pPr>
-            <a:lvl5pPr indent="-298450" lvl="4" marL="2286000">
+            <a:lvl5pPr marL="2286000" lvl="4" indent="-298450">
               <a:spcBef>
                 <a:spcPts val="1600"/>
               </a:spcBef>
@@ -4082,7 +4162,7 @@
               <a:buChar char="○"/>
               <a:defRPr/>
             </a:lvl5pPr>
-            <a:lvl6pPr indent="-298450" lvl="5" marL="2743200">
+            <a:lvl6pPr marL="2743200" lvl="5" indent="-298450">
               <a:spcBef>
                 <a:spcPts val="1600"/>
               </a:spcBef>
@@ -4093,7 +4173,7 @@
               <a:buChar char="■"/>
               <a:defRPr/>
             </a:lvl6pPr>
-            <a:lvl7pPr indent="-298450" lvl="6" marL="3200400">
+            <a:lvl7pPr marL="3200400" lvl="6" indent="-298450">
               <a:spcBef>
                 <a:spcPts val="1600"/>
               </a:spcBef>
@@ -4104,7 +4184,7 @@
               <a:buChar char="●"/>
               <a:defRPr/>
             </a:lvl7pPr>
-            <a:lvl8pPr indent="-298450" lvl="7" marL="3657600">
+            <a:lvl8pPr marL="3657600" lvl="7" indent="-298450">
               <a:spcBef>
                 <a:spcPts val="1600"/>
               </a:spcBef>
@@ -4115,7 +4195,7 @@
               <a:buChar char="○"/>
               <a:defRPr/>
             </a:lvl8pPr>
-            <a:lvl9pPr indent="-298450" lvl="8" marL="4114800">
+            <a:lvl9pPr marL="4114800" lvl="8" indent="-298450">
               <a:spcBef>
                 <a:spcPts val="1600"/>
               </a:spcBef>
@@ -4127,15 +4207,19 @@
               <a:defRPr/>
             </a:lvl9pPr>
           </a:lstStyle>
-          <a:p/>
+          <a:p>
+            <a:endParaRPr/>
+          </a:p>
         </p:txBody>
       </p:sp>
       <p:sp>
         <p:nvSpPr>
           <p:cNvPr id="30" name="Google Shape;30;p4"/>
-          <p:cNvSpPr txBox="1"/>
+          <p:cNvSpPr txBox="1">
+            <a:spLocks noGrp="1"/>
+          </p:cNvSpPr>
           <p:nvPr>
-            <p:ph idx="12" type="sldNum"/>
+            <p:ph type="sldNum" idx="12"/>
           </p:nvPr>
         </p:nvSpPr>
         <p:spPr>
@@ -4148,7 +4232,7 @@
           </a:prstGeom>
         </p:spPr>
         <p:txBody>
-          <a:bodyPr anchorCtr="0" anchor="ctr" bIns="91425" lIns="91425" spcFirstLastPara="1" rIns="91425" wrap="square" tIns="91425">
+          <a:bodyPr spcFirstLastPara="1" wrap="square" lIns="91425" tIns="91425" rIns="91425" bIns="91425" anchor="ctr" anchorCtr="0">
             <a:noAutofit/>
           </a:bodyPr>
           <a:lstStyle>
@@ -4190,7 +4274,7 @@
             </a:lvl9pPr>
           </a:lstStyle>
           <a:p>
-            <a:pPr indent="0" lvl="0" marL="0" rtl="0" algn="r">
+            <a:pPr marL="0" lvl="0" indent="0" algn="r" rtl="0">
               <a:spcBef>
                 <a:spcPts val="0"/>
               </a:spcBef>
@@ -4216,11 +4300,11 @@
 </file>
 
 <file path=ppt/slideLayouts/slideLayout4.xml><?xml version="1.0" encoding="utf-8"?>
-<p:sldLayout xmlns:a="http://schemas.openxmlformats.org/drawingml/2006/main" xmlns:r="http://schemas.openxmlformats.org/officeDocument/2006/relationships" xmlns:mc="http://schemas.openxmlformats.org/markup-compatibility/2006" xmlns:mv="urn:schemas-microsoft-com:mac:vml" xmlns:p="http://schemas.openxmlformats.org/presentationml/2006/main" xmlns:c="http://schemas.openxmlformats.org/drawingml/2006/chart" xmlns:dgm="http://schemas.openxmlformats.org/drawingml/2006/diagram" xmlns:o="urn:schemas-microsoft-com:office:office" xmlns:v="urn:schemas-microsoft-com:vml" xmlns:pvml="urn:schemas-microsoft-com:office:powerpoint" xmlns:com="http://schemas.openxmlformats.org/drawingml/2006/compatibility" xmlns:p14="http://schemas.microsoft.com/office/powerpoint/2010/main" xmlns:p15="http://schemas.microsoft.com/office/powerpoint/2012/main" xmlns:ahyp="http://schemas.microsoft.com/office/drawing/2018/hyperlinkcolor" matchingName="Title and two columns" type="twoColTx">
+<p:sldLayout xmlns:a="http://schemas.openxmlformats.org/drawingml/2006/main" xmlns:r="http://schemas.openxmlformats.org/officeDocument/2006/relationships" xmlns:p="http://schemas.openxmlformats.org/presentationml/2006/main" matchingName="Title and two columns" type="twoColTx">
   <p:cSld name="TITLE_AND_TWO_COLUMNS">
     <p:spTree>
       <p:nvGrpSpPr>
-        <p:cNvPr id="31" name="Shape 31"/>
+        <p:cNvPr id="1" name="Shape 31"/>
         <p:cNvGrpSpPr/>
         <p:nvPr/>
       </p:nvGrpSpPr>
@@ -4254,12 +4338,12 @@
           </a:ln>
         </p:spPr>
         <p:txBody>
-          <a:bodyPr anchorCtr="0" anchor="ctr" bIns="91425" lIns="91425" spcFirstLastPara="1" rIns="91425" wrap="square" tIns="91425">
+          <a:bodyPr spcFirstLastPara="1" wrap="square" lIns="91425" tIns="91425" rIns="91425" bIns="91425" anchor="ctr" anchorCtr="0">
             <a:noAutofit/>
           </a:bodyPr>
           <a:lstStyle/>
           <a:p>
-            <a:pPr indent="0" lvl="0" marL="0" rtl="0" algn="l">
+            <a:pPr marL="0" lvl="0" indent="0" algn="l" rtl="0">
               <a:spcBef>
                 <a:spcPts val="0"/>
               </a:spcBef>
@@ -4268,9 +4352,6 @@
               </a:spcAft>
               <a:buNone/>
             </a:pPr>
-            <a:r>
-              <a:t/>
-            </a:r>
             <a:endParaRPr/>
           </a:p>
         </p:txBody>
@@ -4311,12 +4392,12 @@
             </a:ln>
           </p:spPr>
           <p:txBody>
-            <a:bodyPr anchorCtr="0" anchor="ctr" bIns="91425" lIns="91425" spcFirstLastPara="1" rIns="91425" wrap="square" tIns="91425">
+            <a:bodyPr spcFirstLastPara="1" wrap="square" lIns="91425" tIns="91425" rIns="91425" bIns="91425" anchor="ctr" anchorCtr="0">
               <a:noAutofit/>
             </a:bodyPr>
             <a:lstStyle/>
             <a:p>
-              <a:pPr indent="0" lvl="0" marL="0" rtl="0" algn="l">
+              <a:pPr marL="0" lvl="0" indent="0" algn="l" rtl="0">
                 <a:spcBef>
                   <a:spcPts val="0"/>
                 </a:spcBef>
@@ -4325,9 +4406,6 @@
                 </a:spcAft>
                 <a:buNone/>
               </a:pPr>
-              <a:r>
-                <a:t/>
-              </a:r>
               <a:endParaRPr/>
             </a:p>
           </p:txBody>
@@ -4354,12 +4432,12 @@
             </a:ln>
           </p:spPr>
           <p:txBody>
-            <a:bodyPr anchorCtr="0" anchor="ctr" bIns="91425" lIns="91425" spcFirstLastPara="1" rIns="91425" wrap="square" tIns="91425">
+            <a:bodyPr spcFirstLastPara="1" wrap="square" lIns="91425" tIns="91425" rIns="91425" bIns="91425" anchor="ctr" anchorCtr="0">
               <a:noAutofit/>
             </a:bodyPr>
             <a:lstStyle/>
             <a:p>
-              <a:pPr indent="0" lvl="0" marL="0" rtl="0" algn="l">
+              <a:pPr marL="0" lvl="0" indent="0" algn="l" rtl="0">
                 <a:spcBef>
                   <a:spcPts val="0"/>
                 </a:spcBef>
@@ -4368,9 +4446,6 @@
                 </a:spcAft>
                 <a:buNone/>
               </a:pPr>
-              <a:r>
-                <a:t/>
-              </a:r>
               <a:endParaRPr/>
             </a:p>
           </p:txBody>
@@ -4379,7 +4454,9 @@
       <p:sp>
         <p:nvSpPr>
           <p:cNvPr id="36" name="Google Shape;36;p5"/>
-          <p:cNvSpPr txBox="1"/>
+          <p:cNvSpPr txBox="1">
+            <a:spLocks noGrp="1"/>
+          </p:cNvSpPr>
           <p:nvPr>
             <p:ph type="title"/>
           </p:nvPr>
@@ -4394,7 +4471,7 @@
           </a:prstGeom>
         </p:spPr>
         <p:txBody>
-          <a:bodyPr anchorCtr="0" anchor="t" bIns="91425" lIns="91425" spcFirstLastPara="1" rIns="91425" wrap="square" tIns="91425">
+          <a:bodyPr spcFirstLastPara="1" wrap="square" lIns="91425" tIns="91425" rIns="91425" bIns="91425" anchor="t" anchorCtr="0">
             <a:noAutofit/>
           </a:bodyPr>
           <a:lstStyle>
@@ -4561,15 +4638,19 @@
               </a:defRPr>
             </a:lvl9pPr>
           </a:lstStyle>
-          <a:p/>
+          <a:p>
+            <a:endParaRPr/>
+          </a:p>
         </p:txBody>
       </p:sp>
       <p:sp>
         <p:nvSpPr>
           <p:cNvPr id="37" name="Google Shape;37;p5"/>
-          <p:cNvSpPr txBox="1"/>
+          <p:cNvSpPr txBox="1">
+            <a:spLocks noGrp="1"/>
+          </p:cNvSpPr>
           <p:nvPr>
-            <p:ph idx="1" type="body"/>
+            <p:ph type="body" idx="1"/>
           </p:nvPr>
         </p:nvSpPr>
         <p:spPr>
@@ -4582,11 +4663,11 @@
           </a:prstGeom>
         </p:spPr>
         <p:txBody>
-          <a:bodyPr anchorCtr="0" anchor="t" bIns="91425" lIns="91425" spcFirstLastPara="1" rIns="91425" wrap="square" tIns="91425">
+          <a:bodyPr spcFirstLastPara="1" wrap="square" lIns="91425" tIns="91425" rIns="91425" bIns="91425" anchor="t" anchorCtr="0">
             <a:noAutofit/>
           </a:bodyPr>
           <a:lstStyle>
-            <a:lvl1pPr indent="-311150" lvl="0" marL="457200">
+            <a:lvl1pPr marL="457200" lvl="0" indent="-311150">
               <a:spcBef>
                 <a:spcPts val="0"/>
               </a:spcBef>
@@ -4597,7 +4678,7 @@
               <a:buChar char="●"/>
               <a:defRPr/>
             </a:lvl1pPr>
-            <a:lvl2pPr indent="-298450" lvl="1" marL="914400">
+            <a:lvl2pPr marL="914400" lvl="1" indent="-298450">
               <a:spcBef>
                 <a:spcPts val="1600"/>
               </a:spcBef>
@@ -4608,7 +4689,7 @@
               <a:buChar char="○"/>
               <a:defRPr/>
             </a:lvl2pPr>
-            <a:lvl3pPr indent="-298450" lvl="2" marL="1371600">
+            <a:lvl3pPr marL="1371600" lvl="2" indent="-298450">
               <a:spcBef>
                 <a:spcPts val="1600"/>
               </a:spcBef>
@@ -4619,7 +4700,7 @@
               <a:buChar char="■"/>
               <a:defRPr/>
             </a:lvl3pPr>
-            <a:lvl4pPr indent="-298450" lvl="3" marL="1828800">
+            <a:lvl4pPr marL="1828800" lvl="3" indent="-298450">
               <a:spcBef>
                 <a:spcPts val="1600"/>
               </a:spcBef>
@@ -4630,7 +4711,7 @@
               <a:buChar char="●"/>
               <a:defRPr/>
             </a:lvl4pPr>
-            <a:lvl5pPr indent="-298450" lvl="4" marL="2286000">
+            <a:lvl5pPr marL="2286000" lvl="4" indent="-298450">
               <a:spcBef>
                 <a:spcPts val="1600"/>
               </a:spcBef>
@@ -4641,7 +4722,7 @@
               <a:buChar char="○"/>
               <a:defRPr/>
             </a:lvl5pPr>
-            <a:lvl6pPr indent="-298450" lvl="5" marL="2743200">
+            <a:lvl6pPr marL="2743200" lvl="5" indent="-298450">
               <a:spcBef>
                 <a:spcPts val="1600"/>
               </a:spcBef>
@@ -4652,7 +4733,7 @@
               <a:buChar char="■"/>
               <a:defRPr/>
             </a:lvl6pPr>
-            <a:lvl7pPr indent="-298450" lvl="6" marL="3200400">
+            <a:lvl7pPr marL="3200400" lvl="6" indent="-298450">
               <a:spcBef>
                 <a:spcPts val="1600"/>
               </a:spcBef>
@@ -4663,7 +4744,7 @@
               <a:buChar char="●"/>
               <a:defRPr/>
             </a:lvl7pPr>
-            <a:lvl8pPr indent="-298450" lvl="7" marL="3657600">
+            <a:lvl8pPr marL="3657600" lvl="7" indent="-298450">
               <a:spcBef>
                 <a:spcPts val="1600"/>
               </a:spcBef>
@@ -4674,7 +4755,7 @@
               <a:buChar char="○"/>
               <a:defRPr/>
             </a:lvl8pPr>
-            <a:lvl9pPr indent="-298450" lvl="8" marL="4114800">
+            <a:lvl9pPr marL="4114800" lvl="8" indent="-298450">
               <a:spcBef>
                 <a:spcPts val="1600"/>
               </a:spcBef>
@@ -4686,15 +4767,19 @@
               <a:defRPr/>
             </a:lvl9pPr>
           </a:lstStyle>
-          <a:p/>
+          <a:p>
+            <a:endParaRPr/>
+          </a:p>
         </p:txBody>
       </p:sp>
       <p:sp>
         <p:nvSpPr>
           <p:cNvPr id="38" name="Google Shape;38;p5"/>
-          <p:cNvSpPr txBox="1"/>
+          <p:cNvSpPr txBox="1">
+            <a:spLocks noGrp="1"/>
+          </p:cNvSpPr>
           <p:nvPr>
-            <p:ph idx="2" type="body"/>
+            <p:ph type="body" idx="2"/>
           </p:nvPr>
         </p:nvSpPr>
         <p:spPr>
@@ -4707,11 +4792,11 @@
           </a:prstGeom>
         </p:spPr>
         <p:txBody>
-          <a:bodyPr anchorCtr="0" anchor="t" bIns="91425" lIns="91425" spcFirstLastPara="1" rIns="91425" wrap="square" tIns="91425">
+          <a:bodyPr spcFirstLastPara="1" wrap="square" lIns="91425" tIns="91425" rIns="91425" bIns="91425" anchor="t" anchorCtr="0">
             <a:noAutofit/>
           </a:bodyPr>
           <a:lstStyle>
-            <a:lvl1pPr indent="-311150" lvl="0" marL="457200">
+            <a:lvl1pPr marL="457200" lvl="0" indent="-311150">
               <a:spcBef>
                 <a:spcPts val="0"/>
               </a:spcBef>
@@ -4722,7 +4807,7 @@
               <a:buChar char="●"/>
               <a:defRPr/>
             </a:lvl1pPr>
-            <a:lvl2pPr indent="-298450" lvl="1" marL="914400">
+            <a:lvl2pPr marL="914400" lvl="1" indent="-298450">
               <a:spcBef>
                 <a:spcPts val="1600"/>
               </a:spcBef>
@@ -4733,7 +4818,7 @@
               <a:buChar char="○"/>
               <a:defRPr/>
             </a:lvl2pPr>
-            <a:lvl3pPr indent="-298450" lvl="2" marL="1371600">
+            <a:lvl3pPr marL="1371600" lvl="2" indent="-298450">
               <a:spcBef>
                 <a:spcPts val="1600"/>
               </a:spcBef>
@@ -4744,7 +4829,7 @@
               <a:buChar char="■"/>
               <a:defRPr/>
             </a:lvl3pPr>
-            <a:lvl4pPr indent="-298450" lvl="3" marL="1828800">
+            <a:lvl4pPr marL="1828800" lvl="3" indent="-298450">
               <a:spcBef>
                 <a:spcPts val="1600"/>
               </a:spcBef>
@@ -4755,7 +4840,7 @@
               <a:buChar char="●"/>
               <a:defRPr/>
             </a:lvl4pPr>
-            <a:lvl5pPr indent="-298450" lvl="4" marL="2286000">
+            <a:lvl5pPr marL="2286000" lvl="4" indent="-298450">
               <a:spcBef>
                 <a:spcPts val="1600"/>
               </a:spcBef>
@@ -4766,7 +4851,7 @@
               <a:buChar char="○"/>
               <a:defRPr/>
             </a:lvl5pPr>
-            <a:lvl6pPr indent="-298450" lvl="5" marL="2743200">
+            <a:lvl6pPr marL="2743200" lvl="5" indent="-298450">
               <a:spcBef>
                 <a:spcPts val="1600"/>
               </a:spcBef>
@@ -4777,7 +4862,7 @@
               <a:buChar char="■"/>
               <a:defRPr/>
             </a:lvl6pPr>
-            <a:lvl7pPr indent="-298450" lvl="6" marL="3200400">
+            <a:lvl7pPr marL="3200400" lvl="6" indent="-298450">
               <a:spcBef>
                 <a:spcPts val="1600"/>
               </a:spcBef>
@@ -4788,7 +4873,7 @@
               <a:buChar char="●"/>
               <a:defRPr/>
             </a:lvl7pPr>
-            <a:lvl8pPr indent="-298450" lvl="7" marL="3657600">
+            <a:lvl8pPr marL="3657600" lvl="7" indent="-298450">
               <a:spcBef>
                 <a:spcPts val="1600"/>
               </a:spcBef>
@@ -4799,7 +4884,7 @@
               <a:buChar char="○"/>
               <a:defRPr/>
             </a:lvl8pPr>
-            <a:lvl9pPr indent="-298450" lvl="8" marL="4114800">
+            <a:lvl9pPr marL="4114800" lvl="8" indent="-298450">
               <a:spcBef>
                 <a:spcPts val="1600"/>
               </a:spcBef>
@@ -4811,15 +4896,19 @@
               <a:defRPr/>
             </a:lvl9pPr>
           </a:lstStyle>
-          <a:p/>
+          <a:p>
+            <a:endParaRPr/>
+          </a:p>
         </p:txBody>
       </p:sp>
       <p:sp>
         <p:nvSpPr>
           <p:cNvPr id="39" name="Google Shape;39;p5"/>
-          <p:cNvSpPr txBox="1"/>
+          <p:cNvSpPr txBox="1">
+            <a:spLocks noGrp="1"/>
+          </p:cNvSpPr>
           <p:nvPr>
-            <p:ph idx="12" type="sldNum"/>
+            <p:ph type="sldNum" idx="12"/>
           </p:nvPr>
         </p:nvSpPr>
         <p:spPr>
@@ -4832,7 +4921,7 @@
           </a:prstGeom>
         </p:spPr>
         <p:txBody>
-          <a:bodyPr anchorCtr="0" anchor="ctr" bIns="91425" lIns="91425" spcFirstLastPara="1" rIns="91425" wrap="square" tIns="91425">
+          <a:bodyPr spcFirstLastPara="1" wrap="square" lIns="91425" tIns="91425" rIns="91425" bIns="91425" anchor="ctr" anchorCtr="0">
             <a:noAutofit/>
           </a:bodyPr>
           <a:lstStyle>
@@ -4874,7 +4963,7 @@
             </a:lvl9pPr>
           </a:lstStyle>
           <a:p>
-            <a:pPr indent="0" lvl="0" marL="0" rtl="0" algn="r">
+            <a:pPr marL="0" lvl="0" indent="0" algn="r" rtl="0">
               <a:spcBef>
                 <a:spcPts val="0"/>
               </a:spcBef>
@@ -4900,11 +4989,11 @@
 </file>
 
 <file path=ppt/slideLayouts/slideLayout5.xml><?xml version="1.0" encoding="utf-8"?>
-<p:sldLayout xmlns:a="http://schemas.openxmlformats.org/drawingml/2006/main" xmlns:r="http://schemas.openxmlformats.org/officeDocument/2006/relationships" xmlns:mc="http://schemas.openxmlformats.org/markup-compatibility/2006" xmlns:mv="urn:schemas-microsoft-com:mac:vml" xmlns:p="http://schemas.openxmlformats.org/presentationml/2006/main" xmlns:c="http://schemas.openxmlformats.org/drawingml/2006/chart" xmlns:dgm="http://schemas.openxmlformats.org/drawingml/2006/diagram" xmlns:o="urn:schemas-microsoft-com:office:office" xmlns:v="urn:schemas-microsoft-com:vml" xmlns:pvml="urn:schemas-microsoft-com:office:powerpoint" xmlns:com="http://schemas.openxmlformats.org/drawingml/2006/compatibility" xmlns:p14="http://schemas.microsoft.com/office/powerpoint/2010/main" xmlns:p15="http://schemas.microsoft.com/office/powerpoint/2012/main" xmlns:ahyp="http://schemas.microsoft.com/office/drawing/2018/hyperlinkcolor" matchingName="Title only" type="titleOnly">
+<p:sldLayout xmlns:a="http://schemas.openxmlformats.org/drawingml/2006/main" xmlns:r="http://schemas.openxmlformats.org/officeDocument/2006/relationships" xmlns:p="http://schemas.openxmlformats.org/presentationml/2006/main" matchingName="Title only" type="titleOnly">
   <p:cSld name="TITLE_ONLY">
     <p:spTree>
       <p:nvGrpSpPr>
-        <p:cNvPr id="40" name="Shape 40"/>
+        <p:cNvPr id="1" name="Shape 40"/>
         <p:cNvGrpSpPr/>
         <p:nvPr/>
       </p:nvGrpSpPr>
@@ -4938,12 +5027,12 @@
           </a:ln>
         </p:spPr>
         <p:txBody>
-          <a:bodyPr anchorCtr="0" anchor="ctr" bIns="91425" lIns="91425" spcFirstLastPara="1" rIns="91425" wrap="square" tIns="91425">
+          <a:bodyPr spcFirstLastPara="1" wrap="square" lIns="91425" tIns="91425" rIns="91425" bIns="91425" anchor="ctr" anchorCtr="0">
             <a:noAutofit/>
           </a:bodyPr>
           <a:lstStyle/>
           <a:p>
-            <a:pPr indent="0" lvl="0" marL="0" rtl="0" algn="l">
+            <a:pPr marL="0" lvl="0" indent="0" algn="l" rtl="0">
               <a:spcBef>
                 <a:spcPts val="0"/>
               </a:spcBef>
@@ -4952,9 +5041,6 @@
               </a:spcAft>
               <a:buNone/>
             </a:pPr>
-            <a:r>
-              <a:t/>
-            </a:r>
             <a:endParaRPr/>
           </a:p>
         </p:txBody>
@@ -4995,12 +5081,12 @@
             </a:ln>
           </p:spPr>
           <p:txBody>
-            <a:bodyPr anchorCtr="0" anchor="ctr" bIns="91425" lIns="91425" spcFirstLastPara="1" rIns="91425" wrap="square" tIns="91425">
+            <a:bodyPr spcFirstLastPara="1" wrap="square" lIns="91425" tIns="91425" rIns="91425" bIns="91425" anchor="ctr" anchorCtr="0">
               <a:noAutofit/>
             </a:bodyPr>
             <a:lstStyle/>
             <a:p>
-              <a:pPr indent="0" lvl="0" marL="0" rtl="0" algn="l">
+              <a:pPr marL="0" lvl="0" indent="0" algn="l" rtl="0">
                 <a:spcBef>
                   <a:spcPts val="0"/>
                 </a:spcBef>
@@ -5009,9 +5095,6 @@
                 </a:spcAft>
                 <a:buNone/>
               </a:pPr>
-              <a:r>
-                <a:t/>
-              </a:r>
               <a:endParaRPr/>
             </a:p>
           </p:txBody>
@@ -5038,12 +5121,12 @@
             </a:ln>
           </p:spPr>
           <p:txBody>
-            <a:bodyPr anchorCtr="0" anchor="ctr" bIns="91425" lIns="91425" spcFirstLastPara="1" rIns="91425" wrap="square" tIns="91425">
+            <a:bodyPr spcFirstLastPara="1" wrap="square" lIns="91425" tIns="91425" rIns="91425" bIns="91425" anchor="ctr" anchorCtr="0">
               <a:noAutofit/>
             </a:bodyPr>
             <a:lstStyle/>
             <a:p>
-              <a:pPr indent="0" lvl="0" marL="0" rtl="0" algn="l">
+              <a:pPr marL="0" lvl="0" indent="0" algn="l" rtl="0">
                 <a:spcBef>
                   <a:spcPts val="0"/>
                 </a:spcBef>
@@ -5052,9 +5135,6 @@
                 </a:spcAft>
                 <a:buNone/>
               </a:pPr>
-              <a:r>
-                <a:t/>
-              </a:r>
               <a:endParaRPr/>
             </a:p>
           </p:txBody>
@@ -5063,7 +5143,9 @@
       <p:sp>
         <p:nvSpPr>
           <p:cNvPr id="45" name="Google Shape;45;p6"/>
-          <p:cNvSpPr txBox="1"/>
+          <p:cNvSpPr txBox="1">
+            <a:spLocks noGrp="1"/>
+          </p:cNvSpPr>
           <p:nvPr>
             <p:ph type="title"/>
           </p:nvPr>
@@ -5078,7 +5160,7 @@
           </a:prstGeom>
         </p:spPr>
         <p:txBody>
-          <a:bodyPr anchorCtr="0" anchor="t" bIns="91425" lIns="91425" spcFirstLastPara="1" rIns="91425" wrap="square" tIns="91425">
+          <a:bodyPr spcFirstLastPara="1" wrap="square" lIns="91425" tIns="91425" rIns="91425" bIns="91425" anchor="t" anchorCtr="0">
             <a:noAutofit/>
           </a:bodyPr>
           <a:lstStyle>
@@ -5245,15 +5327,19 @@
               </a:defRPr>
             </a:lvl9pPr>
           </a:lstStyle>
-          <a:p/>
+          <a:p>
+            <a:endParaRPr/>
+          </a:p>
         </p:txBody>
       </p:sp>
       <p:sp>
         <p:nvSpPr>
           <p:cNvPr id="46" name="Google Shape;46;p6"/>
-          <p:cNvSpPr txBox="1"/>
+          <p:cNvSpPr txBox="1">
+            <a:spLocks noGrp="1"/>
+          </p:cNvSpPr>
           <p:nvPr>
-            <p:ph idx="12" type="sldNum"/>
+            <p:ph type="sldNum" idx="12"/>
           </p:nvPr>
         </p:nvSpPr>
         <p:spPr>
@@ -5266,7 +5352,7 @@
           </a:prstGeom>
         </p:spPr>
         <p:txBody>
-          <a:bodyPr anchorCtr="0" anchor="ctr" bIns="91425" lIns="91425" spcFirstLastPara="1" rIns="91425" wrap="square" tIns="91425">
+          <a:bodyPr spcFirstLastPara="1" wrap="square" lIns="91425" tIns="91425" rIns="91425" bIns="91425" anchor="ctr" anchorCtr="0">
             <a:noAutofit/>
           </a:bodyPr>
           <a:lstStyle>
@@ -5308,7 +5394,7 @@
             </a:lvl9pPr>
           </a:lstStyle>
           <a:p>
-            <a:pPr indent="0" lvl="0" marL="0" rtl="0" algn="r">
+            <a:pPr marL="0" lvl="0" indent="0" algn="r" rtl="0">
               <a:spcBef>
                 <a:spcPts val="0"/>
               </a:spcBef>
@@ -5334,11 +5420,11 @@
 </file>
 
 <file path=ppt/slideLayouts/slideLayout6.xml><?xml version="1.0" encoding="utf-8"?>
-<p:sldLayout xmlns:a="http://schemas.openxmlformats.org/drawingml/2006/main" xmlns:r="http://schemas.openxmlformats.org/officeDocument/2006/relationships" xmlns:mc="http://schemas.openxmlformats.org/markup-compatibility/2006" xmlns:mv="urn:schemas-microsoft-com:mac:vml" xmlns:p="http://schemas.openxmlformats.org/presentationml/2006/main" xmlns:c="http://schemas.openxmlformats.org/drawingml/2006/chart" xmlns:dgm="http://schemas.openxmlformats.org/drawingml/2006/diagram" xmlns:o="urn:schemas-microsoft-com:office:office" xmlns:v="urn:schemas-microsoft-com:vml" xmlns:pvml="urn:schemas-microsoft-com:office:powerpoint" xmlns:com="http://schemas.openxmlformats.org/drawingml/2006/compatibility" xmlns:p14="http://schemas.microsoft.com/office/powerpoint/2010/main" xmlns:p15="http://schemas.microsoft.com/office/powerpoint/2012/main" xmlns:ahyp="http://schemas.microsoft.com/office/drawing/2018/hyperlinkcolor" matchingName="One column text">
+<p:sldLayout xmlns:a="http://schemas.openxmlformats.org/drawingml/2006/main" xmlns:r="http://schemas.openxmlformats.org/officeDocument/2006/relationships" xmlns:p="http://schemas.openxmlformats.org/presentationml/2006/main" matchingName="One column text">
   <p:cSld name="ONE_COLUMN_TEXT">
     <p:spTree>
       <p:nvGrpSpPr>
-        <p:cNvPr id="47" name="Shape 47"/>
+        <p:cNvPr id="1" name="Shape 47"/>
         <p:cNvGrpSpPr/>
         <p:nvPr/>
       </p:nvGrpSpPr>
@@ -5372,12 +5458,12 @@
           </a:ln>
         </p:spPr>
         <p:txBody>
-          <a:bodyPr anchorCtr="0" anchor="ctr" bIns="91425" lIns="91425" spcFirstLastPara="1" rIns="91425" wrap="square" tIns="91425">
+          <a:bodyPr spcFirstLastPara="1" wrap="square" lIns="91425" tIns="91425" rIns="91425" bIns="91425" anchor="ctr" anchorCtr="0">
             <a:noAutofit/>
           </a:bodyPr>
           <a:lstStyle/>
           <a:p>
-            <a:pPr indent="0" lvl="0" marL="0" rtl="0" algn="l">
+            <a:pPr marL="0" lvl="0" indent="0" algn="l" rtl="0">
               <a:spcBef>
                 <a:spcPts val="0"/>
               </a:spcBef>
@@ -5386,9 +5472,6 @@
               </a:spcAft>
               <a:buNone/>
             </a:pPr>
-            <a:r>
-              <a:t/>
-            </a:r>
             <a:endParaRPr/>
           </a:p>
         </p:txBody>
@@ -5429,12 +5512,12 @@
             </a:ln>
           </p:spPr>
           <p:txBody>
-            <a:bodyPr anchorCtr="0" anchor="ctr" bIns="91425" lIns="91425" spcFirstLastPara="1" rIns="91425" wrap="square" tIns="91425">
+            <a:bodyPr spcFirstLastPara="1" wrap="square" lIns="91425" tIns="91425" rIns="91425" bIns="91425" anchor="ctr" anchorCtr="0">
               <a:noAutofit/>
             </a:bodyPr>
             <a:lstStyle/>
             <a:p>
-              <a:pPr indent="0" lvl="0" marL="0" rtl="0" algn="l">
+              <a:pPr marL="0" lvl="0" indent="0" algn="l" rtl="0">
                 <a:spcBef>
                   <a:spcPts val="0"/>
                 </a:spcBef>
@@ -5443,9 +5526,6 @@
                 </a:spcAft>
                 <a:buNone/>
               </a:pPr>
-              <a:r>
-                <a:t/>
-              </a:r>
               <a:endParaRPr/>
             </a:p>
           </p:txBody>
@@ -5472,12 +5552,12 @@
             </a:ln>
           </p:spPr>
           <p:txBody>
-            <a:bodyPr anchorCtr="0" anchor="ctr" bIns="91425" lIns="91425" spcFirstLastPara="1" rIns="91425" wrap="square" tIns="91425">
+            <a:bodyPr spcFirstLastPara="1" wrap="square" lIns="91425" tIns="91425" rIns="91425" bIns="91425" anchor="ctr" anchorCtr="0">
               <a:noAutofit/>
             </a:bodyPr>
             <a:lstStyle/>
             <a:p>
-              <a:pPr indent="0" lvl="0" marL="0" rtl="0" algn="l">
+              <a:pPr marL="0" lvl="0" indent="0" algn="l" rtl="0">
                 <a:spcBef>
                   <a:spcPts val="0"/>
                 </a:spcBef>
@@ -5486,9 +5566,6 @@
                 </a:spcAft>
                 <a:buNone/>
               </a:pPr>
-              <a:r>
-                <a:t/>
-              </a:r>
               <a:endParaRPr/>
             </a:p>
           </p:txBody>
@@ -5497,7 +5574,9 @@
       <p:sp>
         <p:nvSpPr>
           <p:cNvPr id="52" name="Google Shape;52;p7"/>
-          <p:cNvSpPr txBox="1"/>
+          <p:cNvSpPr txBox="1">
+            <a:spLocks noGrp="1"/>
+          </p:cNvSpPr>
           <p:nvPr>
             <p:ph type="title"/>
           </p:nvPr>
@@ -5512,7 +5591,7 @@
           </a:prstGeom>
         </p:spPr>
         <p:txBody>
-          <a:bodyPr anchorCtr="0" anchor="t" bIns="91425" lIns="91425" spcFirstLastPara="1" rIns="91425" wrap="square" tIns="91425">
+          <a:bodyPr spcFirstLastPara="1" wrap="square" lIns="91425" tIns="91425" rIns="91425" bIns="91425" anchor="t" anchorCtr="0">
             <a:noAutofit/>
           </a:bodyPr>
           <a:lstStyle>
@@ -5679,15 +5758,19 @@
               </a:defRPr>
             </a:lvl9pPr>
           </a:lstStyle>
-          <a:p/>
+          <a:p>
+            <a:endParaRPr/>
+          </a:p>
         </p:txBody>
       </p:sp>
       <p:sp>
         <p:nvSpPr>
           <p:cNvPr id="53" name="Google Shape;53;p7"/>
-          <p:cNvSpPr txBox="1"/>
+          <p:cNvSpPr txBox="1">
+            <a:spLocks noGrp="1"/>
+          </p:cNvSpPr>
           <p:nvPr>
-            <p:ph idx="1" type="body"/>
+            <p:ph type="body" idx="1"/>
           </p:nvPr>
         </p:nvSpPr>
         <p:spPr>
@@ -5700,11 +5783,11 @@
           </a:prstGeom>
         </p:spPr>
         <p:txBody>
-          <a:bodyPr anchorCtr="0" anchor="t" bIns="91425" lIns="91425" spcFirstLastPara="1" rIns="91425" wrap="square" tIns="91425">
+          <a:bodyPr spcFirstLastPara="1" wrap="square" lIns="91425" tIns="91425" rIns="91425" bIns="91425" anchor="t" anchorCtr="0">
             <a:noAutofit/>
           </a:bodyPr>
           <a:lstStyle>
-            <a:lvl1pPr indent="-311150" lvl="0" marL="457200">
+            <a:lvl1pPr marL="457200" lvl="0" indent="-311150">
               <a:spcBef>
                 <a:spcPts val="0"/>
               </a:spcBef>
@@ -5715,7 +5798,7 @@
               <a:buChar char="●"/>
               <a:defRPr/>
             </a:lvl1pPr>
-            <a:lvl2pPr indent="-298450" lvl="1" marL="914400">
+            <a:lvl2pPr marL="914400" lvl="1" indent="-298450">
               <a:spcBef>
                 <a:spcPts val="1600"/>
               </a:spcBef>
@@ -5726,7 +5809,7 @@
               <a:buChar char="○"/>
               <a:defRPr/>
             </a:lvl2pPr>
-            <a:lvl3pPr indent="-298450" lvl="2" marL="1371600">
+            <a:lvl3pPr marL="1371600" lvl="2" indent="-298450">
               <a:spcBef>
                 <a:spcPts val="1600"/>
               </a:spcBef>
@@ -5737,7 +5820,7 @@
               <a:buChar char="■"/>
               <a:defRPr/>
             </a:lvl3pPr>
-            <a:lvl4pPr indent="-298450" lvl="3" marL="1828800">
+            <a:lvl4pPr marL="1828800" lvl="3" indent="-298450">
               <a:spcBef>
                 <a:spcPts val="1600"/>
               </a:spcBef>
@@ -5748,7 +5831,7 @@
               <a:buChar char="●"/>
               <a:defRPr/>
             </a:lvl4pPr>
-            <a:lvl5pPr indent="-298450" lvl="4" marL="2286000">
+            <a:lvl5pPr marL="2286000" lvl="4" indent="-298450">
               <a:spcBef>
                 <a:spcPts val="1600"/>
               </a:spcBef>
@@ -5759,7 +5842,7 @@
               <a:buChar char="○"/>
               <a:defRPr/>
             </a:lvl5pPr>
-            <a:lvl6pPr indent="-298450" lvl="5" marL="2743200">
+            <a:lvl6pPr marL="2743200" lvl="5" indent="-298450">
               <a:spcBef>
                 <a:spcPts val="1600"/>
               </a:spcBef>
@@ -5770,7 +5853,7 @@
               <a:buChar char="■"/>
               <a:defRPr/>
             </a:lvl6pPr>
-            <a:lvl7pPr indent="-298450" lvl="6" marL="3200400">
+            <a:lvl7pPr marL="3200400" lvl="6" indent="-298450">
               <a:spcBef>
                 <a:spcPts val="1600"/>
               </a:spcBef>
@@ -5781,7 +5864,7 @@
               <a:buChar char="●"/>
               <a:defRPr/>
             </a:lvl7pPr>
-            <a:lvl8pPr indent="-298450" lvl="7" marL="3657600">
+            <a:lvl8pPr marL="3657600" lvl="7" indent="-298450">
               <a:spcBef>
                 <a:spcPts val="1600"/>
               </a:spcBef>
@@ -5792,7 +5875,7 @@
               <a:buChar char="○"/>
               <a:defRPr/>
             </a:lvl8pPr>
-            <a:lvl9pPr indent="-298450" lvl="8" marL="4114800">
+            <a:lvl9pPr marL="4114800" lvl="8" indent="-298450">
               <a:spcBef>
                 <a:spcPts val="1600"/>
               </a:spcBef>
@@ -5804,15 +5887,19 @@
               <a:defRPr/>
             </a:lvl9pPr>
           </a:lstStyle>
-          <a:p/>
+          <a:p>
+            <a:endParaRPr/>
+          </a:p>
         </p:txBody>
       </p:sp>
       <p:sp>
         <p:nvSpPr>
           <p:cNvPr id="54" name="Google Shape;54;p7"/>
-          <p:cNvSpPr txBox="1"/>
+          <p:cNvSpPr txBox="1">
+            <a:spLocks noGrp="1"/>
+          </p:cNvSpPr>
           <p:nvPr>
-            <p:ph idx="12" type="sldNum"/>
+            <p:ph type="sldNum" idx="12"/>
           </p:nvPr>
         </p:nvSpPr>
         <p:spPr>
@@ -5825,7 +5912,7 @@
           </a:prstGeom>
         </p:spPr>
         <p:txBody>
-          <a:bodyPr anchorCtr="0" anchor="ctr" bIns="91425" lIns="91425" spcFirstLastPara="1" rIns="91425" wrap="square" tIns="91425">
+          <a:bodyPr spcFirstLastPara="1" wrap="square" lIns="91425" tIns="91425" rIns="91425" bIns="91425" anchor="ctr" anchorCtr="0">
             <a:noAutofit/>
           </a:bodyPr>
           <a:lstStyle>
@@ -5867,7 +5954,7 @@
             </a:lvl9pPr>
           </a:lstStyle>
           <a:p>
-            <a:pPr indent="0" lvl="0" marL="0" rtl="0" algn="r">
+            <a:pPr marL="0" lvl="0" indent="0" algn="r" rtl="0">
               <a:spcBef>
                 <a:spcPts val="0"/>
               </a:spcBef>
@@ -5893,18 +5980,19 @@
 </file>
 
 <file path=ppt/slideLayouts/slideLayout7.xml><?xml version="1.0" encoding="utf-8"?>
-<p:sldLayout xmlns:a="http://schemas.openxmlformats.org/drawingml/2006/main" xmlns:r="http://schemas.openxmlformats.org/officeDocument/2006/relationships" xmlns:mc="http://schemas.openxmlformats.org/markup-compatibility/2006" xmlns:mv="urn:schemas-microsoft-com:mac:vml" xmlns:p="http://schemas.openxmlformats.org/presentationml/2006/main" xmlns:c="http://schemas.openxmlformats.org/drawingml/2006/chart" xmlns:dgm="http://schemas.openxmlformats.org/drawingml/2006/diagram" xmlns:o="urn:schemas-microsoft-com:office:office" xmlns:v="urn:schemas-microsoft-com:vml" xmlns:pvml="urn:schemas-microsoft-com:office:powerpoint" xmlns:com="http://schemas.openxmlformats.org/drawingml/2006/compatibility" xmlns:p14="http://schemas.microsoft.com/office/powerpoint/2010/main" xmlns:p15="http://schemas.microsoft.com/office/powerpoint/2012/main" xmlns:ahyp="http://schemas.microsoft.com/office/drawing/2018/hyperlinkcolor" matchingName="Main point">
+<p:sldLayout xmlns:a="http://schemas.openxmlformats.org/drawingml/2006/main" xmlns:r="http://schemas.openxmlformats.org/officeDocument/2006/relationships" xmlns:p="http://schemas.openxmlformats.org/presentationml/2006/main" matchingName="Main point">
   <p:cSld name="MAIN_POINT">
     <p:bg>
       <p:bgPr>
         <a:solidFill>
           <a:schemeClr val="accent3"/>
         </a:solidFill>
+        <a:effectLst/>
       </p:bgPr>
     </p:bg>
     <p:spTree>
       <p:nvGrpSpPr>
-        <p:cNvPr id="55" name="Shape 55"/>
+        <p:cNvPr id="1" name="Shape 55"/>
         <p:cNvGrpSpPr/>
         <p:nvPr/>
       </p:nvGrpSpPr>
@@ -5952,12 +6040,12 @@
             </a:ln>
           </p:spPr>
           <p:txBody>
-            <a:bodyPr anchorCtr="0" anchor="ctr" bIns="91425" lIns="91425" spcFirstLastPara="1" rIns="91425" wrap="square" tIns="91425">
+            <a:bodyPr spcFirstLastPara="1" wrap="square" lIns="91425" tIns="91425" rIns="91425" bIns="91425" anchor="ctr" anchorCtr="0">
               <a:noAutofit/>
             </a:bodyPr>
             <a:lstStyle/>
             <a:p>
-              <a:pPr indent="0" lvl="0" marL="0" rtl="0" algn="l">
+              <a:pPr marL="0" lvl="0" indent="0" algn="l" rtl="0">
                 <a:spcBef>
                   <a:spcPts val="0"/>
                 </a:spcBef>
@@ -5966,9 +6054,6 @@
                 </a:spcAft>
                 <a:buNone/>
               </a:pPr>
-              <a:r>
-                <a:t/>
-              </a:r>
               <a:endParaRPr/>
             </a:p>
           </p:txBody>
@@ -5995,12 +6080,12 @@
             </a:ln>
           </p:spPr>
           <p:txBody>
-            <a:bodyPr anchorCtr="0" anchor="ctr" bIns="91425" lIns="91425" spcFirstLastPara="1" rIns="91425" wrap="square" tIns="91425">
+            <a:bodyPr spcFirstLastPara="1" wrap="square" lIns="91425" tIns="91425" rIns="91425" bIns="91425" anchor="ctr" anchorCtr="0">
               <a:noAutofit/>
             </a:bodyPr>
             <a:lstStyle/>
             <a:p>
-              <a:pPr indent="0" lvl="0" marL="0" rtl="0" algn="l">
+              <a:pPr marL="0" lvl="0" indent="0" algn="l" rtl="0">
                 <a:spcBef>
                   <a:spcPts val="0"/>
                 </a:spcBef>
@@ -6009,9 +6094,6 @@
                 </a:spcAft>
                 <a:buNone/>
               </a:pPr>
-              <a:r>
-                <a:t/>
-              </a:r>
               <a:endParaRPr/>
             </a:p>
           </p:txBody>
@@ -6020,7 +6102,9 @@
       <p:sp>
         <p:nvSpPr>
           <p:cNvPr id="59" name="Google Shape;59;p8"/>
-          <p:cNvSpPr txBox="1"/>
+          <p:cNvSpPr txBox="1">
+            <a:spLocks noGrp="1"/>
+          </p:cNvSpPr>
           <p:nvPr>
             <p:ph type="title"/>
           </p:nvPr>
@@ -6035,7 +6119,7 @@
           </a:prstGeom>
         </p:spPr>
         <p:txBody>
-          <a:bodyPr anchorCtr="0" anchor="ctr" bIns="91425" lIns="91425" spcFirstLastPara="1" rIns="91425" wrap="square" tIns="91425">
+          <a:bodyPr spcFirstLastPara="1" wrap="square" lIns="91425" tIns="91425" rIns="91425" bIns="91425" anchor="ctr" anchorCtr="0">
             <a:noAutofit/>
           </a:bodyPr>
           <a:lstStyle>
@@ -6202,15 +6286,19 @@
               </a:defRPr>
             </a:lvl9pPr>
           </a:lstStyle>
-          <a:p/>
+          <a:p>
+            <a:endParaRPr/>
+          </a:p>
         </p:txBody>
       </p:sp>
       <p:sp>
         <p:nvSpPr>
           <p:cNvPr id="60" name="Google Shape;60;p8"/>
-          <p:cNvSpPr txBox="1"/>
+          <p:cNvSpPr txBox="1">
+            <a:spLocks noGrp="1"/>
+          </p:cNvSpPr>
           <p:nvPr>
-            <p:ph idx="12" type="sldNum"/>
+            <p:ph type="sldNum" idx="12"/>
           </p:nvPr>
         </p:nvSpPr>
         <p:spPr>
@@ -6223,7 +6311,7 @@
           </a:prstGeom>
         </p:spPr>
         <p:txBody>
-          <a:bodyPr anchorCtr="0" anchor="ctr" bIns="91425" lIns="91425" spcFirstLastPara="1" rIns="91425" wrap="square" tIns="91425">
+          <a:bodyPr spcFirstLastPara="1" wrap="square" lIns="91425" tIns="91425" rIns="91425" bIns="91425" anchor="ctr" anchorCtr="0">
             <a:noAutofit/>
           </a:bodyPr>
           <a:lstStyle>
@@ -6301,7 +6389,7 @@
             </a:lvl9pPr>
           </a:lstStyle>
           <a:p>
-            <a:pPr indent="0" lvl="0" marL="0" rtl="0" algn="r">
+            <a:pPr marL="0" lvl="0" indent="0" algn="r" rtl="0">
               <a:spcBef>
                 <a:spcPts val="0"/>
               </a:spcBef>
@@ -6327,11 +6415,11 @@
 </file>
 
 <file path=ppt/slideLayouts/slideLayout8.xml><?xml version="1.0" encoding="utf-8"?>
-<p:sldLayout xmlns:a="http://schemas.openxmlformats.org/drawingml/2006/main" xmlns:r="http://schemas.openxmlformats.org/officeDocument/2006/relationships" xmlns:mc="http://schemas.openxmlformats.org/markup-compatibility/2006" xmlns:mv="urn:schemas-microsoft-com:mac:vml" xmlns:p="http://schemas.openxmlformats.org/presentationml/2006/main" xmlns:c="http://schemas.openxmlformats.org/drawingml/2006/chart" xmlns:dgm="http://schemas.openxmlformats.org/drawingml/2006/diagram" xmlns:o="urn:schemas-microsoft-com:office:office" xmlns:v="urn:schemas-microsoft-com:vml" xmlns:pvml="urn:schemas-microsoft-com:office:powerpoint" xmlns:com="http://schemas.openxmlformats.org/drawingml/2006/compatibility" xmlns:p14="http://schemas.microsoft.com/office/powerpoint/2010/main" xmlns:p15="http://schemas.microsoft.com/office/powerpoint/2012/main" xmlns:ahyp="http://schemas.microsoft.com/office/drawing/2018/hyperlinkcolor" matchingName="Section title and description">
+<p:sldLayout xmlns:a="http://schemas.openxmlformats.org/drawingml/2006/main" xmlns:r="http://schemas.openxmlformats.org/officeDocument/2006/relationships" xmlns:p="http://schemas.openxmlformats.org/presentationml/2006/main" matchingName="Section title and description">
   <p:cSld name="SECTION_TITLE_AND_DESCRIPTION">
     <p:spTree>
       <p:nvGrpSpPr>
-        <p:cNvPr id="61" name="Shape 61"/>
+        <p:cNvPr id="1" name="Shape 61"/>
         <p:cNvGrpSpPr/>
         <p:nvPr/>
       </p:nvGrpSpPr>
@@ -6365,12 +6453,12 @@
           </a:ln>
         </p:spPr>
         <p:txBody>
-          <a:bodyPr anchorCtr="0" anchor="ctr" bIns="91425" lIns="91425" spcFirstLastPara="1" rIns="91425" wrap="square" tIns="91425">
+          <a:bodyPr spcFirstLastPara="1" wrap="square" lIns="91425" tIns="91425" rIns="91425" bIns="91425" anchor="ctr" anchorCtr="0">
             <a:noAutofit/>
           </a:bodyPr>
           <a:lstStyle/>
           <a:p>
-            <a:pPr indent="0" lvl="0" marL="0" rtl="0" algn="l">
+            <a:pPr marL="0" lvl="0" indent="0" algn="l" rtl="0">
               <a:spcBef>
                 <a:spcPts val="0"/>
               </a:spcBef>
@@ -6379,9 +6467,6 @@
               </a:spcAft>
               <a:buNone/>
             </a:pPr>
-            <a:r>
-              <a:t/>
-            </a:r>
             <a:endParaRPr/>
           </a:p>
         </p:txBody>
@@ -6422,12 +6507,12 @@
             </a:ln>
           </p:spPr>
           <p:txBody>
-            <a:bodyPr anchorCtr="0" anchor="ctr" bIns="91425" lIns="91425" spcFirstLastPara="1" rIns="91425" wrap="square" tIns="91425">
+            <a:bodyPr spcFirstLastPara="1" wrap="square" lIns="91425" tIns="91425" rIns="91425" bIns="91425" anchor="ctr" anchorCtr="0">
               <a:noAutofit/>
             </a:bodyPr>
             <a:lstStyle/>
             <a:p>
-              <a:pPr indent="0" lvl="0" marL="0" rtl="0" algn="l">
+              <a:pPr marL="0" lvl="0" indent="0" algn="l" rtl="0">
                 <a:spcBef>
                   <a:spcPts val="0"/>
                 </a:spcBef>
@@ -6436,9 +6521,6 @@
                 </a:spcAft>
                 <a:buNone/>
               </a:pPr>
-              <a:r>
-                <a:t/>
-              </a:r>
               <a:endParaRPr/>
             </a:p>
           </p:txBody>
@@ -6465,12 +6547,12 @@
             </a:ln>
           </p:spPr>
           <p:txBody>
-            <a:bodyPr anchorCtr="0" anchor="ctr" bIns="91425" lIns="91425" spcFirstLastPara="1" rIns="91425" wrap="square" tIns="91425">
+            <a:bodyPr spcFirstLastPara="1" wrap="square" lIns="91425" tIns="91425" rIns="91425" bIns="91425" anchor="ctr" anchorCtr="0">
               <a:noAutofit/>
             </a:bodyPr>
             <a:lstStyle/>
             <a:p>
-              <a:pPr indent="0" lvl="0" marL="0" rtl="0" algn="l">
+              <a:pPr marL="0" lvl="0" indent="0" algn="l" rtl="0">
                 <a:spcBef>
                   <a:spcPts val="0"/>
                 </a:spcBef>
@@ -6479,9 +6561,6 @@
                 </a:spcAft>
                 <a:buNone/>
               </a:pPr>
-              <a:r>
-                <a:t/>
-              </a:r>
               <a:endParaRPr/>
             </a:p>
           </p:txBody>
@@ -6490,7 +6569,9 @@
       <p:sp>
         <p:nvSpPr>
           <p:cNvPr id="66" name="Google Shape;66;p9"/>
-          <p:cNvSpPr txBox="1"/>
+          <p:cNvSpPr txBox="1">
+            <a:spLocks noGrp="1"/>
+          </p:cNvSpPr>
           <p:nvPr>
             <p:ph type="title"/>
           </p:nvPr>
@@ -6505,7 +6586,7 @@
           </a:prstGeom>
         </p:spPr>
         <p:txBody>
-          <a:bodyPr anchorCtr="0" anchor="t" bIns="91425" lIns="91425" spcFirstLastPara="1" rIns="91425" wrap="square" tIns="91425">
+          <a:bodyPr spcFirstLastPara="1" wrap="square" lIns="91425" tIns="91425" rIns="91425" bIns="91425" anchor="t" anchorCtr="0">
             <a:noAutofit/>
           </a:bodyPr>
           <a:lstStyle>
@@ -6672,15 +6753,19 @@
               </a:defRPr>
             </a:lvl9pPr>
           </a:lstStyle>
-          <a:p/>
+          <a:p>
+            <a:endParaRPr/>
+          </a:p>
         </p:txBody>
       </p:sp>
       <p:sp>
         <p:nvSpPr>
           <p:cNvPr id="67" name="Google Shape;67;p9"/>
-          <p:cNvSpPr txBox="1"/>
+          <p:cNvSpPr txBox="1">
+            <a:spLocks noGrp="1"/>
+          </p:cNvSpPr>
           <p:nvPr>
-            <p:ph idx="1" type="subTitle"/>
+            <p:ph type="subTitle" idx="1"/>
           </p:nvPr>
         </p:nvSpPr>
         <p:spPr>
@@ -6693,7 +6778,7 @@
           </a:prstGeom>
         </p:spPr>
         <p:txBody>
-          <a:bodyPr anchorCtr="0" anchor="t" bIns="91425" lIns="91425" spcFirstLastPara="1" rIns="91425" wrap="square" tIns="91425">
+          <a:bodyPr spcFirstLastPara="1" wrap="square" lIns="91425" tIns="91425" rIns="91425" bIns="91425" anchor="t" anchorCtr="0">
             <a:noAutofit/>
           </a:bodyPr>
           <a:lstStyle>
@@ -6824,15 +6909,19 @@
               <a:defRPr sz="1600"/>
             </a:lvl9pPr>
           </a:lstStyle>
-          <a:p/>
+          <a:p>
+            <a:endParaRPr/>
+          </a:p>
         </p:txBody>
       </p:sp>
       <p:sp>
         <p:nvSpPr>
           <p:cNvPr id="68" name="Google Shape;68;p9"/>
-          <p:cNvSpPr txBox="1"/>
+          <p:cNvSpPr txBox="1">
+            <a:spLocks noGrp="1"/>
+          </p:cNvSpPr>
           <p:nvPr>
-            <p:ph idx="2" type="body"/>
+            <p:ph type="body" idx="2"/>
           </p:nvPr>
         </p:nvSpPr>
         <p:spPr>
@@ -6845,11 +6934,11 @@
           </a:prstGeom>
         </p:spPr>
         <p:txBody>
-          <a:bodyPr anchorCtr="0" anchor="t" bIns="91425" lIns="91425" spcFirstLastPara="1" rIns="91425" wrap="square" tIns="91425">
+          <a:bodyPr spcFirstLastPara="1" wrap="square" lIns="91425" tIns="91425" rIns="91425" bIns="91425" anchor="t" anchorCtr="0">
             <a:noAutofit/>
           </a:bodyPr>
           <a:lstStyle>
-            <a:lvl1pPr indent="-311150" lvl="0" marL="457200">
+            <a:lvl1pPr marL="457200" lvl="0" indent="-311150">
               <a:spcBef>
                 <a:spcPts val="0"/>
               </a:spcBef>
@@ -6860,7 +6949,7 @@
               <a:buChar char="●"/>
               <a:defRPr/>
             </a:lvl1pPr>
-            <a:lvl2pPr indent="-298450" lvl="1" marL="914400">
+            <a:lvl2pPr marL="914400" lvl="1" indent="-298450">
               <a:spcBef>
                 <a:spcPts val="1600"/>
               </a:spcBef>
@@ -6871,7 +6960,7 @@
               <a:buChar char="○"/>
               <a:defRPr/>
             </a:lvl2pPr>
-            <a:lvl3pPr indent="-298450" lvl="2" marL="1371600">
+            <a:lvl3pPr marL="1371600" lvl="2" indent="-298450">
               <a:spcBef>
                 <a:spcPts val="1600"/>
               </a:spcBef>
@@ -6882,7 +6971,7 @@
               <a:buChar char="■"/>
               <a:defRPr/>
             </a:lvl3pPr>
-            <a:lvl4pPr indent="-298450" lvl="3" marL="1828800">
+            <a:lvl4pPr marL="1828800" lvl="3" indent="-298450">
               <a:spcBef>
                 <a:spcPts val="1600"/>
               </a:spcBef>
@@ -6893,7 +6982,7 @@
               <a:buChar char="●"/>
               <a:defRPr/>
             </a:lvl4pPr>
-            <a:lvl5pPr indent="-298450" lvl="4" marL="2286000">
+            <a:lvl5pPr marL="2286000" lvl="4" indent="-298450">
               <a:spcBef>
                 <a:spcPts val="1600"/>
               </a:spcBef>
@@ -6904,7 +6993,7 @@
               <a:buChar char="○"/>
               <a:defRPr/>
             </a:lvl5pPr>
-            <a:lvl6pPr indent="-298450" lvl="5" marL="2743200">
+            <a:lvl6pPr marL="2743200" lvl="5" indent="-298450">
               <a:spcBef>
                 <a:spcPts val="1600"/>
               </a:spcBef>
@@ -6915,7 +7004,7 @@
               <a:buChar char="■"/>
               <a:defRPr/>
             </a:lvl6pPr>
-            <a:lvl7pPr indent="-298450" lvl="6" marL="3200400">
+            <a:lvl7pPr marL="3200400" lvl="6" indent="-298450">
               <a:spcBef>
                 <a:spcPts val="1600"/>
               </a:spcBef>
@@ -6926,7 +7015,7 @@
               <a:buChar char="●"/>
               <a:defRPr/>
             </a:lvl7pPr>
-            <a:lvl8pPr indent="-298450" lvl="7" marL="3657600">
+            <a:lvl8pPr marL="3657600" lvl="7" indent="-298450">
               <a:spcBef>
                 <a:spcPts val="1600"/>
               </a:spcBef>
@@ -6937,7 +7026,7 @@
               <a:buChar char="○"/>
               <a:defRPr/>
             </a:lvl8pPr>
-            <a:lvl9pPr indent="-298450" lvl="8" marL="4114800">
+            <a:lvl9pPr marL="4114800" lvl="8" indent="-298450">
               <a:spcBef>
                 <a:spcPts val="1600"/>
               </a:spcBef>
@@ -6949,15 +7038,19 @@
               <a:defRPr/>
             </a:lvl9pPr>
           </a:lstStyle>
-          <a:p/>
+          <a:p>
+            <a:endParaRPr/>
+          </a:p>
         </p:txBody>
       </p:sp>
       <p:sp>
         <p:nvSpPr>
           <p:cNvPr id="69" name="Google Shape;69;p9"/>
-          <p:cNvSpPr txBox="1"/>
+          <p:cNvSpPr txBox="1">
+            <a:spLocks noGrp="1"/>
+          </p:cNvSpPr>
           <p:nvPr>
-            <p:ph idx="12" type="sldNum"/>
+            <p:ph type="sldNum" idx="12"/>
           </p:nvPr>
         </p:nvSpPr>
         <p:spPr>
@@ -6970,7 +7063,7 @@
           </a:prstGeom>
         </p:spPr>
         <p:txBody>
-          <a:bodyPr anchorCtr="0" anchor="ctr" bIns="91425" lIns="91425" spcFirstLastPara="1" rIns="91425" wrap="square" tIns="91425">
+          <a:bodyPr spcFirstLastPara="1" wrap="square" lIns="91425" tIns="91425" rIns="91425" bIns="91425" anchor="ctr" anchorCtr="0">
             <a:noAutofit/>
           </a:bodyPr>
           <a:lstStyle>
@@ -7012,7 +7105,7 @@
             </a:lvl9pPr>
           </a:lstStyle>
           <a:p>
-            <a:pPr indent="0" lvl="0" marL="0" rtl="0" algn="r">
+            <a:pPr marL="0" lvl="0" indent="0" algn="r" rtl="0">
               <a:spcBef>
                 <a:spcPts val="0"/>
               </a:spcBef>
@@ -7038,11 +7131,11 @@
 </file>
 
 <file path=ppt/slideLayouts/slideLayout9.xml><?xml version="1.0" encoding="utf-8"?>
-<p:sldLayout xmlns:a="http://schemas.openxmlformats.org/drawingml/2006/main" xmlns:r="http://schemas.openxmlformats.org/officeDocument/2006/relationships" xmlns:mc="http://schemas.openxmlformats.org/markup-compatibility/2006" xmlns:mv="urn:schemas-microsoft-com:mac:vml" xmlns:p="http://schemas.openxmlformats.org/presentationml/2006/main" xmlns:c="http://schemas.openxmlformats.org/drawingml/2006/chart" xmlns:dgm="http://schemas.openxmlformats.org/drawingml/2006/diagram" xmlns:o="urn:schemas-microsoft-com:office:office" xmlns:v="urn:schemas-microsoft-com:vml" xmlns:pvml="urn:schemas-microsoft-com:office:powerpoint" xmlns:com="http://schemas.openxmlformats.org/drawingml/2006/compatibility" xmlns:p14="http://schemas.microsoft.com/office/powerpoint/2010/main" xmlns:p15="http://schemas.microsoft.com/office/powerpoint/2012/main" xmlns:ahyp="http://schemas.microsoft.com/office/drawing/2018/hyperlinkcolor" matchingName="Caption">
+<p:sldLayout xmlns:a="http://schemas.openxmlformats.org/drawingml/2006/main" xmlns:r="http://schemas.openxmlformats.org/officeDocument/2006/relationships" xmlns:p="http://schemas.openxmlformats.org/presentationml/2006/main" matchingName="Caption">
   <p:cSld name="CAPTION_ONLY">
     <p:spTree>
       <p:nvGrpSpPr>
-        <p:cNvPr id="70" name="Shape 70"/>
+        <p:cNvPr id="1" name="Shape 70"/>
         <p:cNvGrpSpPr/>
         <p:nvPr/>
       </p:nvGrpSpPr>
@@ -7057,9 +7150,11 @@
       <p:sp>
         <p:nvSpPr>
           <p:cNvPr id="71" name="Google Shape;71;p10"/>
-          <p:cNvSpPr txBox="1"/>
+          <p:cNvSpPr txBox="1">
+            <a:spLocks noGrp="1"/>
+          </p:cNvSpPr>
           <p:nvPr>
-            <p:ph idx="1" type="body"/>
+            <p:ph type="body" idx="1"/>
           </p:nvPr>
         </p:nvSpPr>
         <p:spPr>
@@ -7072,11 +7167,11 @@
           </a:prstGeom>
         </p:spPr>
         <p:txBody>
-          <a:bodyPr anchorCtr="0" anchor="ctr" bIns="91425" lIns="91425" spcFirstLastPara="1" rIns="91425" wrap="square" tIns="91425">
+          <a:bodyPr spcFirstLastPara="1" wrap="square" lIns="91425" tIns="91425" rIns="91425" bIns="91425" anchor="ctr" anchorCtr="0">
             <a:noAutofit/>
           </a:bodyPr>
           <a:lstStyle>
-            <a:lvl1pPr indent="-228600" lvl="0" marL="457200">
+            <a:lvl1pPr marL="457200" lvl="0" indent="-228600">
               <a:lnSpc>
                 <a:spcPct val="100000"/>
               </a:lnSpc>
@@ -7091,15 +7186,19 @@
               <a:defRPr/>
             </a:lvl1pPr>
           </a:lstStyle>
-          <a:p/>
+          <a:p>
+            <a:endParaRPr/>
+          </a:p>
         </p:txBody>
       </p:sp>
       <p:sp>
         <p:nvSpPr>
           <p:cNvPr id="72" name="Google Shape;72;p10"/>
-          <p:cNvSpPr txBox="1"/>
+          <p:cNvSpPr txBox="1">
+            <a:spLocks noGrp="1"/>
+          </p:cNvSpPr>
           <p:nvPr>
-            <p:ph idx="12" type="sldNum"/>
+            <p:ph type="sldNum" idx="12"/>
           </p:nvPr>
         </p:nvSpPr>
         <p:spPr>
@@ -7112,7 +7211,7 @@
           </a:prstGeom>
         </p:spPr>
         <p:txBody>
-          <a:bodyPr anchorCtr="0" anchor="ctr" bIns="91425" lIns="91425" spcFirstLastPara="1" rIns="91425" wrap="square" tIns="91425">
+          <a:bodyPr spcFirstLastPara="1" wrap="square" lIns="91425" tIns="91425" rIns="91425" bIns="91425" anchor="ctr" anchorCtr="0">
             <a:noAutofit/>
           </a:bodyPr>
           <a:lstStyle>
@@ -7154,7 +7253,7 @@
             </a:lvl9pPr>
           </a:lstStyle>
           <a:p>
-            <a:pPr indent="0" lvl="0" marL="0" rtl="0" algn="r">
+            <a:pPr marL="0" lvl="0" indent="0" algn="r" rtl="0">
               <a:spcBef>
                 <a:spcPts val="0"/>
               </a:spcBef>
@@ -7180,18 +7279,19 @@
 </file>
 
 <file path=ppt/slideMasters/slideMaster1.xml><?xml version="1.0" encoding="utf-8"?>
-<p:sldMaster xmlns:a="http://schemas.openxmlformats.org/drawingml/2006/main" xmlns:r="http://schemas.openxmlformats.org/officeDocument/2006/relationships" xmlns:mc="http://schemas.openxmlformats.org/markup-compatibility/2006" xmlns:mv="urn:schemas-microsoft-com:mac:vml" xmlns:p="http://schemas.openxmlformats.org/presentationml/2006/main" xmlns:c="http://schemas.openxmlformats.org/drawingml/2006/chart" xmlns:dgm="http://schemas.openxmlformats.org/drawingml/2006/diagram" xmlns:o="urn:schemas-microsoft-com:office:office" xmlns:v="urn:schemas-microsoft-com:vml" xmlns:pvml="urn:schemas-microsoft-com:office:powerpoint" xmlns:com="http://schemas.openxmlformats.org/drawingml/2006/compatibility" xmlns:p14="http://schemas.microsoft.com/office/powerpoint/2010/main" xmlns:p15="http://schemas.microsoft.com/office/powerpoint/2012/main" xmlns:ahyp="http://schemas.microsoft.com/office/drawing/2018/hyperlinkcolor">
+<p:sldMaster xmlns:a="http://schemas.openxmlformats.org/drawingml/2006/main" xmlns:r="http://schemas.openxmlformats.org/officeDocument/2006/relationships" xmlns:p="http://schemas.openxmlformats.org/presentationml/2006/main">
   <p:cSld name="streamline">
     <p:bg>
       <p:bgPr>
         <a:solidFill>
           <a:schemeClr val="lt1"/>
         </a:solidFill>
+        <a:effectLst/>
       </p:bgPr>
     </p:bg>
     <p:spTree>
       <p:nvGrpSpPr>
-        <p:cNvPr id="5" name="Shape 5"/>
+        <p:cNvPr id="1" name="Shape 5"/>
         <p:cNvGrpSpPr/>
         <p:nvPr/>
       </p:nvGrpSpPr>
@@ -7206,7 +7306,9 @@
       <p:sp>
         <p:nvSpPr>
           <p:cNvPr id="6" name="Google Shape;6;p1"/>
-          <p:cNvSpPr txBox="1"/>
+          <p:cNvSpPr txBox="1">
+            <a:spLocks noGrp="1"/>
+          </p:cNvSpPr>
           <p:nvPr>
             <p:ph type="title"/>
           </p:nvPr>
@@ -7225,7 +7327,7 @@
           </a:ln>
         </p:spPr>
         <p:txBody>
-          <a:bodyPr anchorCtr="0" anchor="t" bIns="91425" lIns="91425" spcFirstLastPara="1" rIns="91425" wrap="square" tIns="91425">
+          <a:bodyPr spcFirstLastPara="1" wrap="square" lIns="91425" tIns="91425" rIns="91425" bIns="91425" anchor="t" anchorCtr="0">
             <a:noAutofit/>
           </a:bodyPr>
           <a:lstStyle>
@@ -7239,7 +7341,7 @@
               <a:buSzPts val="2800"/>
               <a:buFont typeface="Raleway"/>
               <a:buNone/>
-              <a:defRPr b="1" sz="2800">
+              <a:defRPr sz="2800" b="1">
                 <a:latin typeface="Raleway"/>
                 <a:ea typeface="Raleway"/>
                 <a:cs typeface="Raleway"/>
@@ -7256,7 +7358,7 @@
               <a:buSzPts val="2800"/>
               <a:buFont typeface="Raleway"/>
               <a:buNone/>
-              <a:defRPr b="1" sz="2800">
+              <a:defRPr sz="2800" b="1">
                 <a:latin typeface="Raleway"/>
                 <a:ea typeface="Raleway"/>
                 <a:cs typeface="Raleway"/>
@@ -7273,7 +7375,7 @@
               <a:buSzPts val="2800"/>
               <a:buFont typeface="Raleway"/>
               <a:buNone/>
-              <a:defRPr b="1" sz="2800">
+              <a:defRPr sz="2800" b="1">
                 <a:latin typeface="Raleway"/>
                 <a:ea typeface="Raleway"/>
                 <a:cs typeface="Raleway"/>
@@ -7290,7 +7392,7 @@
               <a:buSzPts val="2800"/>
               <a:buFont typeface="Raleway"/>
               <a:buNone/>
-              <a:defRPr b="1" sz="2800">
+              <a:defRPr sz="2800" b="1">
                 <a:latin typeface="Raleway"/>
                 <a:ea typeface="Raleway"/>
                 <a:cs typeface="Raleway"/>
@@ -7307,7 +7409,7 @@
               <a:buSzPts val="2800"/>
               <a:buFont typeface="Raleway"/>
               <a:buNone/>
-              <a:defRPr b="1" sz="2800">
+              <a:defRPr sz="2800" b="1">
                 <a:latin typeface="Raleway"/>
                 <a:ea typeface="Raleway"/>
                 <a:cs typeface="Raleway"/>
@@ -7324,7 +7426,7 @@
               <a:buSzPts val="2800"/>
               <a:buFont typeface="Raleway"/>
               <a:buNone/>
-              <a:defRPr b="1" sz="2800">
+              <a:defRPr sz="2800" b="1">
                 <a:latin typeface="Raleway"/>
                 <a:ea typeface="Raleway"/>
                 <a:cs typeface="Raleway"/>
@@ -7341,7 +7443,7 @@
               <a:buSzPts val="2800"/>
               <a:buFont typeface="Raleway"/>
               <a:buNone/>
-              <a:defRPr b="1" sz="2800">
+              <a:defRPr sz="2800" b="1">
                 <a:latin typeface="Raleway"/>
                 <a:ea typeface="Raleway"/>
                 <a:cs typeface="Raleway"/>
@@ -7358,7 +7460,7 @@
               <a:buSzPts val="2800"/>
               <a:buFont typeface="Raleway"/>
               <a:buNone/>
-              <a:defRPr b="1" sz="2800">
+              <a:defRPr sz="2800" b="1">
                 <a:latin typeface="Raleway"/>
                 <a:ea typeface="Raleway"/>
                 <a:cs typeface="Raleway"/>
@@ -7375,7 +7477,7 @@
               <a:buSzPts val="2800"/>
               <a:buFont typeface="Raleway"/>
               <a:buNone/>
-              <a:defRPr b="1" sz="2800">
+              <a:defRPr sz="2800" b="1">
                 <a:latin typeface="Raleway"/>
                 <a:ea typeface="Raleway"/>
                 <a:cs typeface="Raleway"/>
@@ -7383,15 +7485,19 @@
               </a:defRPr>
             </a:lvl9pPr>
           </a:lstStyle>
-          <a:p/>
+          <a:p>
+            <a:endParaRPr/>
+          </a:p>
         </p:txBody>
       </p:sp>
       <p:sp>
         <p:nvSpPr>
           <p:cNvPr id="7" name="Google Shape;7;p1"/>
-          <p:cNvSpPr txBox="1"/>
+          <p:cNvSpPr txBox="1">
+            <a:spLocks noGrp="1"/>
+          </p:cNvSpPr>
           <p:nvPr>
-            <p:ph idx="1" type="body"/>
+            <p:ph type="body" idx="1"/>
           </p:nvPr>
         </p:nvSpPr>
         <p:spPr>
@@ -7408,11 +7514,11 @@
           </a:ln>
         </p:spPr>
         <p:txBody>
-          <a:bodyPr anchorCtr="0" anchor="t" bIns="91425" lIns="91425" spcFirstLastPara="1" rIns="91425" wrap="square" tIns="91425">
+          <a:bodyPr spcFirstLastPara="1" wrap="square" lIns="91425" tIns="91425" rIns="91425" bIns="91425" anchor="t" anchorCtr="0">
             <a:noAutofit/>
           </a:bodyPr>
           <a:lstStyle>
-            <a:lvl1pPr indent="-311150" lvl="0" marL="457200">
+            <a:lvl1pPr marL="457200" lvl="0" indent="-311150">
               <a:lnSpc>
                 <a:spcPct val="115000"/>
               </a:lnSpc>
@@ -7438,7 +7544,7 @@
                 <a:sym typeface="Lato"/>
               </a:defRPr>
             </a:lvl1pPr>
-            <a:lvl2pPr indent="-298450" lvl="1" marL="914400">
+            <a:lvl2pPr marL="914400" lvl="1" indent="-298450">
               <a:lnSpc>
                 <a:spcPct val="115000"/>
               </a:lnSpc>
@@ -7464,7 +7570,7 @@
                 <a:sym typeface="Lato"/>
               </a:defRPr>
             </a:lvl2pPr>
-            <a:lvl3pPr indent="-298450" lvl="2" marL="1371600">
+            <a:lvl3pPr marL="1371600" lvl="2" indent="-298450">
               <a:lnSpc>
                 <a:spcPct val="115000"/>
               </a:lnSpc>
@@ -7490,7 +7596,7 @@
                 <a:sym typeface="Lato"/>
               </a:defRPr>
             </a:lvl3pPr>
-            <a:lvl4pPr indent="-298450" lvl="3" marL="1828800">
+            <a:lvl4pPr marL="1828800" lvl="3" indent="-298450">
               <a:lnSpc>
                 <a:spcPct val="115000"/>
               </a:lnSpc>
@@ -7516,7 +7622,7 @@
                 <a:sym typeface="Lato"/>
               </a:defRPr>
             </a:lvl4pPr>
-            <a:lvl5pPr indent="-298450" lvl="4" marL="2286000">
+            <a:lvl5pPr marL="2286000" lvl="4" indent="-298450">
               <a:lnSpc>
                 <a:spcPct val="115000"/>
               </a:lnSpc>
@@ -7542,7 +7648,7 @@
                 <a:sym typeface="Lato"/>
               </a:defRPr>
             </a:lvl5pPr>
-            <a:lvl6pPr indent="-298450" lvl="5" marL="2743200">
+            <a:lvl6pPr marL="2743200" lvl="5" indent="-298450">
               <a:lnSpc>
                 <a:spcPct val="115000"/>
               </a:lnSpc>
@@ -7568,7 +7674,7 @@
                 <a:sym typeface="Lato"/>
               </a:defRPr>
             </a:lvl6pPr>
-            <a:lvl7pPr indent="-298450" lvl="6" marL="3200400">
+            <a:lvl7pPr marL="3200400" lvl="6" indent="-298450">
               <a:lnSpc>
                 <a:spcPct val="115000"/>
               </a:lnSpc>
@@ -7594,7 +7700,7 @@
                 <a:sym typeface="Lato"/>
               </a:defRPr>
             </a:lvl7pPr>
-            <a:lvl8pPr indent="-298450" lvl="7" marL="3657600">
+            <a:lvl8pPr marL="3657600" lvl="7" indent="-298450">
               <a:lnSpc>
                 <a:spcPct val="115000"/>
               </a:lnSpc>
@@ -7620,7 +7726,7 @@
                 <a:sym typeface="Lato"/>
               </a:defRPr>
             </a:lvl8pPr>
-            <a:lvl9pPr indent="-298450" lvl="8" marL="4114800">
+            <a:lvl9pPr marL="4114800" lvl="8" indent="-298450">
               <a:lnSpc>
                 <a:spcPct val="115000"/>
               </a:lnSpc>
@@ -7647,15 +7753,19 @@
               </a:defRPr>
             </a:lvl9pPr>
           </a:lstStyle>
-          <a:p/>
+          <a:p>
+            <a:endParaRPr/>
+          </a:p>
         </p:txBody>
       </p:sp>
       <p:sp>
         <p:nvSpPr>
           <p:cNvPr id="8" name="Google Shape;8;p1"/>
-          <p:cNvSpPr txBox="1"/>
+          <p:cNvSpPr txBox="1">
+            <a:spLocks noGrp="1"/>
+          </p:cNvSpPr>
           <p:nvPr>
-            <p:ph idx="12" type="sldNum"/>
+            <p:ph type="sldNum" idx="12"/>
           </p:nvPr>
         </p:nvSpPr>
         <p:spPr>
@@ -7672,7 +7782,7 @@
           </a:ln>
         </p:spPr>
         <p:txBody>
-          <a:bodyPr anchorCtr="0" anchor="ctr" bIns="91425" lIns="91425" spcFirstLastPara="1" rIns="91425" wrap="square" tIns="91425">
+          <a:bodyPr spcFirstLastPara="1" wrap="square" lIns="91425" tIns="91425" rIns="91425" bIns="91425" anchor="ctr" anchorCtr="0">
             <a:noAutofit/>
           </a:bodyPr>
           <a:lstStyle>
@@ -7786,7 +7896,7 @@
             </a:lvl9pPr>
           </a:lstStyle>
           <a:p>
-            <a:pPr indent="0" lvl="0" marL="0" rtl="0" algn="r">
+            <a:pPr marL="0" lvl="0" indent="0" algn="r" rtl="0">
               <a:spcBef>
                 <a:spcPts val="0"/>
               </a:spcBef>
@@ -7805,7 +7915,7 @@
       </p:sp>
     </p:spTree>
   </p:cSld>
-  <p:clrMap accent1="accent1" accent2="accent2" accent3="accent3" accent4="accent4" accent5="accent5" accent6="accent6" bg1="lt1" bg2="dk2" tx1="dk1" tx2="lt2" folHlink="folHlink" hlink="hlink"/>
+  <p:clrMap bg1="lt1" tx1="dk1" bg2="dk2" tx2="lt2" accent1="accent1" accent2="accent2" accent3="accent3" accent4="accent4" accent5="accent5" accent6="accent6" hlink="hlink" folHlink="folHlink"/>
   <p:sldLayoutIdLst>
     <p:sldLayoutId id="2147483648" r:id="rId1"/>
     <p:sldLayoutId id="2147483649" r:id="rId2"/>
@@ -7819,10 +7929,10 @@
     <p:sldLayoutId id="2147483657" r:id="rId10"/>
     <p:sldLayoutId id="2147483658" r:id="rId11"/>
   </p:sldLayoutIdLst>
-  <p:hf dt="0" ftr="0" hdr="0" sldNum="0"/>
+  <p:hf sldNum="0" hdr="0" ftr="0" dt="0"/>
   <p:txStyles>
     <p:titleStyle>
-      <a:defPPr lvl="0" marR="0" rtl="0" algn="l">
+      <a:defPPr marR="0" lvl="0" algn="l" rtl="0">
         <a:lnSpc>
           <a:spcPct val="100000"/>
         </a:lnSpc>
@@ -7833,7 +7943,7 @@
           <a:spcPts val="0"/>
         </a:spcAft>
       </a:defPPr>
-      <a:lvl1pPr lvl="0" marR="0" rtl="0" algn="l">
+      <a:lvl1pPr marR="0" lvl="0" algn="l" rtl="0">
         <a:lnSpc>
           <a:spcPct val="100000"/>
         </a:lnSpc>
@@ -7847,7 +7957,7 @@
           <a:srgbClr val="000000"/>
         </a:buClr>
         <a:buFont typeface="Arial"/>
-        <a:defRPr b="0" i="0" sz="1400" u="none" cap="none" strike="noStrike">
+        <a:defRPr sz="1400" b="0" i="0" u="none" strike="noStrike" cap="none">
           <a:solidFill>
             <a:srgbClr val="000000"/>
           </a:solidFill>
@@ -7857,7 +7967,7 @@
           <a:sym typeface="Arial"/>
         </a:defRPr>
       </a:lvl1pPr>
-      <a:lvl2pPr lvl="1" marR="0" rtl="0" algn="l">
+      <a:lvl2pPr marR="0" lvl="1" algn="l" rtl="0">
         <a:lnSpc>
           <a:spcPct val="100000"/>
         </a:lnSpc>
@@ -7871,7 +7981,7 @@
           <a:srgbClr val="000000"/>
         </a:buClr>
         <a:buFont typeface="Arial"/>
-        <a:defRPr b="0" i="0" sz="1400" u="none" cap="none" strike="noStrike">
+        <a:defRPr sz="1400" b="0" i="0" u="none" strike="noStrike" cap="none">
           <a:solidFill>
             <a:srgbClr val="000000"/>
           </a:solidFill>
@@ -7881,7 +7991,7 @@
           <a:sym typeface="Arial"/>
         </a:defRPr>
       </a:lvl2pPr>
-      <a:lvl3pPr lvl="2" marR="0" rtl="0" algn="l">
+      <a:lvl3pPr marR="0" lvl="2" algn="l" rtl="0">
         <a:lnSpc>
           <a:spcPct val="100000"/>
         </a:lnSpc>
@@ -7895,7 +8005,7 @@
           <a:srgbClr val="000000"/>
         </a:buClr>
         <a:buFont typeface="Arial"/>
-        <a:defRPr b="0" i="0" sz="1400" u="none" cap="none" strike="noStrike">
+        <a:defRPr sz="1400" b="0" i="0" u="none" strike="noStrike" cap="none">
           <a:solidFill>
             <a:srgbClr val="000000"/>
           </a:solidFill>
@@ -7905,7 +8015,7 @@
           <a:sym typeface="Arial"/>
         </a:defRPr>
       </a:lvl3pPr>
-      <a:lvl4pPr lvl="3" marR="0" rtl="0" algn="l">
+      <a:lvl4pPr marR="0" lvl="3" algn="l" rtl="0">
         <a:lnSpc>
           <a:spcPct val="100000"/>
         </a:lnSpc>
@@ -7919,7 +8029,7 @@
           <a:srgbClr val="000000"/>
         </a:buClr>
         <a:buFont typeface="Arial"/>
-        <a:defRPr b="0" i="0" sz="1400" u="none" cap="none" strike="noStrike">
+        <a:defRPr sz="1400" b="0" i="0" u="none" strike="noStrike" cap="none">
           <a:solidFill>
             <a:srgbClr val="000000"/>
           </a:solidFill>
@@ -7929,7 +8039,7 @@
           <a:sym typeface="Arial"/>
         </a:defRPr>
       </a:lvl4pPr>
-      <a:lvl5pPr lvl="4" marR="0" rtl="0" algn="l">
+      <a:lvl5pPr marR="0" lvl="4" algn="l" rtl="0">
         <a:lnSpc>
           <a:spcPct val="100000"/>
         </a:lnSpc>
@@ -7943,7 +8053,7 @@
           <a:srgbClr val="000000"/>
         </a:buClr>
         <a:buFont typeface="Arial"/>
-        <a:defRPr b="0" i="0" sz="1400" u="none" cap="none" strike="noStrike">
+        <a:defRPr sz="1400" b="0" i="0" u="none" strike="noStrike" cap="none">
           <a:solidFill>
             <a:srgbClr val="000000"/>
           </a:solidFill>
@@ -7953,7 +8063,7 @@
           <a:sym typeface="Arial"/>
         </a:defRPr>
       </a:lvl5pPr>
-      <a:lvl6pPr lvl="5" marR="0" rtl="0" algn="l">
+      <a:lvl6pPr marR="0" lvl="5" algn="l" rtl="0">
         <a:lnSpc>
           <a:spcPct val="100000"/>
         </a:lnSpc>
@@ -7967,7 +8077,7 @@
           <a:srgbClr val="000000"/>
         </a:buClr>
         <a:buFont typeface="Arial"/>
-        <a:defRPr b="0" i="0" sz="1400" u="none" cap="none" strike="noStrike">
+        <a:defRPr sz="1400" b="0" i="0" u="none" strike="noStrike" cap="none">
           <a:solidFill>
             <a:srgbClr val="000000"/>
           </a:solidFill>
@@ -7977,7 +8087,7 @@
           <a:sym typeface="Arial"/>
         </a:defRPr>
       </a:lvl6pPr>
-      <a:lvl7pPr lvl="6" marR="0" rtl="0" algn="l">
+      <a:lvl7pPr marR="0" lvl="6" algn="l" rtl="0">
         <a:lnSpc>
           <a:spcPct val="100000"/>
         </a:lnSpc>
@@ -7991,7 +8101,7 @@
           <a:srgbClr val="000000"/>
         </a:buClr>
         <a:buFont typeface="Arial"/>
-        <a:defRPr b="0" i="0" sz="1400" u="none" cap="none" strike="noStrike">
+        <a:defRPr sz="1400" b="0" i="0" u="none" strike="noStrike" cap="none">
           <a:solidFill>
             <a:srgbClr val="000000"/>
           </a:solidFill>
@@ -8001,7 +8111,7 @@
           <a:sym typeface="Arial"/>
         </a:defRPr>
       </a:lvl7pPr>
-      <a:lvl8pPr lvl="7" marR="0" rtl="0" algn="l">
+      <a:lvl8pPr marR="0" lvl="7" algn="l" rtl="0">
         <a:lnSpc>
           <a:spcPct val="100000"/>
         </a:lnSpc>
@@ -8015,7 +8125,7 @@
           <a:srgbClr val="000000"/>
         </a:buClr>
         <a:buFont typeface="Arial"/>
-        <a:defRPr b="0" i="0" sz="1400" u="none" cap="none" strike="noStrike">
+        <a:defRPr sz="1400" b="0" i="0" u="none" strike="noStrike" cap="none">
           <a:solidFill>
             <a:srgbClr val="000000"/>
           </a:solidFill>
@@ -8025,7 +8135,7 @@
           <a:sym typeface="Arial"/>
         </a:defRPr>
       </a:lvl8pPr>
-      <a:lvl9pPr lvl="8" marR="0" rtl="0" algn="l">
+      <a:lvl9pPr marR="0" lvl="8" algn="l" rtl="0">
         <a:lnSpc>
           <a:spcPct val="100000"/>
         </a:lnSpc>
@@ -8039,7 +8149,7 @@
           <a:srgbClr val="000000"/>
         </a:buClr>
         <a:buFont typeface="Arial"/>
-        <a:defRPr b="0" i="0" sz="1400" u="none" cap="none" strike="noStrike">
+        <a:defRPr sz="1400" b="0" i="0" u="none" strike="noStrike" cap="none">
           <a:solidFill>
             <a:srgbClr val="000000"/>
           </a:solidFill>
@@ -8051,7 +8161,7 @@
       </a:lvl9pPr>
     </p:titleStyle>
     <p:bodyStyle>
-      <a:defPPr lvl="0" marR="0" rtl="0" algn="l">
+      <a:defPPr marR="0" lvl="0" algn="l" rtl="0">
         <a:lnSpc>
           <a:spcPct val="100000"/>
         </a:lnSpc>
@@ -8062,7 +8172,7 @@
           <a:spcPts val="0"/>
         </a:spcAft>
       </a:defPPr>
-      <a:lvl1pPr lvl="0" marR="0" rtl="0" algn="l">
+      <a:lvl1pPr marR="0" lvl="0" algn="l" rtl="0">
         <a:lnSpc>
           <a:spcPct val="100000"/>
         </a:lnSpc>
@@ -8076,7 +8186,7 @@
           <a:srgbClr val="000000"/>
         </a:buClr>
         <a:buFont typeface="Arial"/>
-        <a:defRPr b="0" i="0" sz="1400" u="none" cap="none" strike="noStrike">
+        <a:defRPr sz="1400" b="0" i="0" u="none" strike="noStrike" cap="none">
           <a:solidFill>
             <a:srgbClr val="000000"/>
           </a:solidFill>
@@ -8086,7 +8196,7 @@
           <a:sym typeface="Arial"/>
         </a:defRPr>
       </a:lvl1pPr>
-      <a:lvl2pPr lvl="1" marR="0" rtl="0" algn="l">
+      <a:lvl2pPr marR="0" lvl="1" algn="l" rtl="0">
         <a:lnSpc>
           <a:spcPct val="100000"/>
         </a:lnSpc>
@@ -8100,7 +8210,7 @@
           <a:srgbClr val="000000"/>
         </a:buClr>
         <a:buFont typeface="Arial"/>
-        <a:defRPr b="0" i="0" sz="1400" u="none" cap="none" strike="noStrike">
+        <a:defRPr sz="1400" b="0" i="0" u="none" strike="noStrike" cap="none">
           <a:solidFill>
             <a:srgbClr val="000000"/>
           </a:solidFill>
@@ -8110,7 +8220,7 @@
           <a:sym typeface="Arial"/>
         </a:defRPr>
       </a:lvl2pPr>
-      <a:lvl3pPr lvl="2" marR="0" rtl="0" algn="l">
+      <a:lvl3pPr marR="0" lvl="2" algn="l" rtl="0">
         <a:lnSpc>
           <a:spcPct val="100000"/>
         </a:lnSpc>
@@ -8124,7 +8234,7 @@
           <a:srgbClr val="000000"/>
         </a:buClr>
         <a:buFont typeface="Arial"/>
-        <a:defRPr b="0" i="0" sz="1400" u="none" cap="none" strike="noStrike">
+        <a:defRPr sz="1400" b="0" i="0" u="none" strike="noStrike" cap="none">
           <a:solidFill>
             <a:srgbClr val="000000"/>
           </a:solidFill>
@@ -8134,7 +8244,7 @@
           <a:sym typeface="Arial"/>
         </a:defRPr>
       </a:lvl3pPr>
-      <a:lvl4pPr lvl="3" marR="0" rtl="0" algn="l">
+      <a:lvl4pPr marR="0" lvl="3" algn="l" rtl="0">
         <a:lnSpc>
           <a:spcPct val="100000"/>
         </a:lnSpc>
@@ -8148,7 +8258,7 @@
           <a:srgbClr val="000000"/>
         </a:buClr>
         <a:buFont typeface="Arial"/>
-        <a:defRPr b="0" i="0" sz="1400" u="none" cap="none" strike="noStrike">
+        <a:defRPr sz="1400" b="0" i="0" u="none" strike="noStrike" cap="none">
           <a:solidFill>
             <a:srgbClr val="000000"/>
           </a:solidFill>
@@ -8158,7 +8268,7 @@
           <a:sym typeface="Arial"/>
         </a:defRPr>
       </a:lvl4pPr>
-      <a:lvl5pPr lvl="4" marR="0" rtl="0" algn="l">
+      <a:lvl5pPr marR="0" lvl="4" algn="l" rtl="0">
         <a:lnSpc>
           <a:spcPct val="100000"/>
         </a:lnSpc>
@@ -8172,7 +8282,7 @@
           <a:srgbClr val="000000"/>
         </a:buClr>
         <a:buFont typeface="Arial"/>
-        <a:defRPr b="0" i="0" sz="1400" u="none" cap="none" strike="noStrike">
+        <a:defRPr sz="1400" b="0" i="0" u="none" strike="noStrike" cap="none">
           <a:solidFill>
             <a:srgbClr val="000000"/>
           </a:solidFill>
@@ -8182,7 +8292,7 @@
           <a:sym typeface="Arial"/>
         </a:defRPr>
       </a:lvl5pPr>
-      <a:lvl6pPr lvl="5" marR="0" rtl="0" algn="l">
+      <a:lvl6pPr marR="0" lvl="5" algn="l" rtl="0">
         <a:lnSpc>
           <a:spcPct val="100000"/>
         </a:lnSpc>
@@ -8196,7 +8306,7 @@
           <a:srgbClr val="000000"/>
         </a:buClr>
         <a:buFont typeface="Arial"/>
-        <a:defRPr b="0" i="0" sz="1400" u="none" cap="none" strike="noStrike">
+        <a:defRPr sz="1400" b="0" i="0" u="none" strike="noStrike" cap="none">
           <a:solidFill>
             <a:srgbClr val="000000"/>
           </a:solidFill>
@@ -8206,7 +8316,7 @@
           <a:sym typeface="Arial"/>
         </a:defRPr>
       </a:lvl6pPr>
-      <a:lvl7pPr lvl="6" marR="0" rtl="0" algn="l">
+      <a:lvl7pPr marR="0" lvl="6" algn="l" rtl="0">
         <a:lnSpc>
           <a:spcPct val="100000"/>
         </a:lnSpc>
@@ -8220,7 +8330,7 @@
           <a:srgbClr val="000000"/>
         </a:buClr>
         <a:buFont typeface="Arial"/>
-        <a:defRPr b="0" i="0" sz="1400" u="none" cap="none" strike="noStrike">
+        <a:defRPr sz="1400" b="0" i="0" u="none" strike="noStrike" cap="none">
           <a:solidFill>
             <a:srgbClr val="000000"/>
           </a:solidFill>
@@ -8230,7 +8340,7 @@
           <a:sym typeface="Arial"/>
         </a:defRPr>
       </a:lvl7pPr>
-      <a:lvl8pPr lvl="7" marR="0" rtl="0" algn="l">
+      <a:lvl8pPr marR="0" lvl="7" algn="l" rtl="0">
         <a:lnSpc>
           <a:spcPct val="100000"/>
         </a:lnSpc>
@@ -8244,7 +8354,7 @@
           <a:srgbClr val="000000"/>
         </a:buClr>
         <a:buFont typeface="Arial"/>
-        <a:defRPr b="0" i="0" sz="1400" u="none" cap="none" strike="noStrike">
+        <a:defRPr sz="1400" b="0" i="0" u="none" strike="noStrike" cap="none">
           <a:solidFill>
             <a:srgbClr val="000000"/>
           </a:solidFill>
@@ -8254,7 +8364,7 @@
           <a:sym typeface="Arial"/>
         </a:defRPr>
       </a:lvl8pPr>
-      <a:lvl9pPr lvl="8" marR="0" rtl="0" algn="l">
+      <a:lvl9pPr marR="0" lvl="8" algn="l" rtl="0">
         <a:lnSpc>
           <a:spcPct val="100000"/>
         </a:lnSpc>
@@ -8268,7 +8378,7 @@
           <a:srgbClr val="000000"/>
         </a:buClr>
         <a:buFont typeface="Arial"/>
-        <a:defRPr b="0" i="0" sz="1400" u="none" cap="none" strike="noStrike">
+        <a:defRPr sz="1400" b="0" i="0" u="none" strike="noStrike" cap="none">
           <a:solidFill>
             <a:srgbClr val="000000"/>
           </a:solidFill>
@@ -8280,7 +8390,7 @@
       </a:lvl9pPr>
     </p:bodyStyle>
     <p:otherStyle>
-      <a:defPPr lvl="0" marR="0" rtl="0" algn="l">
+      <a:defPPr marR="0" lvl="0" algn="l" rtl="0">
         <a:lnSpc>
           <a:spcPct val="100000"/>
         </a:lnSpc>
@@ -8291,7 +8401,7 @@
           <a:spcPts val="0"/>
         </a:spcAft>
       </a:defPPr>
-      <a:lvl1pPr lvl="0" marR="0" rtl="0" algn="l">
+      <a:lvl1pPr marR="0" lvl="0" algn="l" rtl="0">
         <a:lnSpc>
           <a:spcPct val="100000"/>
         </a:lnSpc>
@@ -8305,7 +8415,7 @@
           <a:srgbClr val="000000"/>
         </a:buClr>
         <a:buFont typeface="Arial"/>
-        <a:defRPr b="0" i="0" sz="1400" u="none" cap="none" strike="noStrike">
+        <a:defRPr sz="1400" b="0" i="0" u="none" strike="noStrike" cap="none">
           <a:solidFill>
             <a:srgbClr val="000000"/>
           </a:solidFill>
@@ -8315,7 +8425,7 @@
           <a:sym typeface="Arial"/>
         </a:defRPr>
       </a:lvl1pPr>
-      <a:lvl2pPr lvl="1" marR="0" rtl="0" algn="l">
+      <a:lvl2pPr marR="0" lvl="1" algn="l" rtl="0">
         <a:lnSpc>
           <a:spcPct val="100000"/>
         </a:lnSpc>
@@ -8329,7 +8439,7 @@
           <a:srgbClr val="000000"/>
         </a:buClr>
         <a:buFont typeface="Arial"/>
-        <a:defRPr b="0" i="0" sz="1400" u="none" cap="none" strike="noStrike">
+        <a:defRPr sz="1400" b="0" i="0" u="none" strike="noStrike" cap="none">
           <a:solidFill>
             <a:srgbClr val="000000"/>
           </a:solidFill>
@@ -8339,7 +8449,7 @@
           <a:sym typeface="Arial"/>
         </a:defRPr>
       </a:lvl2pPr>
-      <a:lvl3pPr lvl="2" marR="0" rtl="0" algn="l">
+      <a:lvl3pPr marR="0" lvl="2" algn="l" rtl="0">
         <a:lnSpc>
           <a:spcPct val="100000"/>
         </a:lnSpc>
@@ -8353,7 +8463,7 @@
           <a:srgbClr val="000000"/>
         </a:buClr>
         <a:buFont typeface="Arial"/>
-        <a:defRPr b="0" i="0" sz="1400" u="none" cap="none" strike="noStrike">
+        <a:defRPr sz="1400" b="0" i="0" u="none" strike="noStrike" cap="none">
           <a:solidFill>
             <a:srgbClr val="000000"/>
           </a:solidFill>
@@ -8363,7 +8473,7 @@
           <a:sym typeface="Arial"/>
         </a:defRPr>
       </a:lvl3pPr>
-      <a:lvl4pPr lvl="3" marR="0" rtl="0" algn="l">
+      <a:lvl4pPr marR="0" lvl="3" algn="l" rtl="0">
         <a:lnSpc>
           <a:spcPct val="100000"/>
         </a:lnSpc>
@@ -8377,7 +8487,7 @@
           <a:srgbClr val="000000"/>
         </a:buClr>
         <a:buFont typeface="Arial"/>
-        <a:defRPr b="0" i="0" sz="1400" u="none" cap="none" strike="noStrike">
+        <a:defRPr sz="1400" b="0" i="0" u="none" strike="noStrike" cap="none">
           <a:solidFill>
             <a:srgbClr val="000000"/>
           </a:solidFill>
@@ -8387,7 +8497,7 @@
           <a:sym typeface="Arial"/>
         </a:defRPr>
       </a:lvl4pPr>
-      <a:lvl5pPr lvl="4" marR="0" rtl="0" algn="l">
+      <a:lvl5pPr marR="0" lvl="4" algn="l" rtl="0">
         <a:lnSpc>
           <a:spcPct val="100000"/>
         </a:lnSpc>
@@ -8401,7 +8511,7 @@
           <a:srgbClr val="000000"/>
         </a:buClr>
         <a:buFont typeface="Arial"/>
-        <a:defRPr b="0" i="0" sz="1400" u="none" cap="none" strike="noStrike">
+        <a:defRPr sz="1400" b="0" i="0" u="none" strike="noStrike" cap="none">
           <a:solidFill>
             <a:srgbClr val="000000"/>
           </a:solidFill>
@@ -8411,7 +8521,7 @@
           <a:sym typeface="Arial"/>
         </a:defRPr>
       </a:lvl5pPr>
-      <a:lvl6pPr lvl="5" marR="0" rtl="0" algn="l">
+      <a:lvl6pPr marR="0" lvl="5" algn="l" rtl="0">
         <a:lnSpc>
           <a:spcPct val="100000"/>
         </a:lnSpc>
@@ -8425,7 +8535,7 @@
           <a:srgbClr val="000000"/>
         </a:buClr>
         <a:buFont typeface="Arial"/>
-        <a:defRPr b="0" i="0" sz="1400" u="none" cap="none" strike="noStrike">
+        <a:defRPr sz="1400" b="0" i="0" u="none" strike="noStrike" cap="none">
           <a:solidFill>
             <a:srgbClr val="000000"/>
           </a:solidFill>
@@ -8435,7 +8545,7 @@
           <a:sym typeface="Arial"/>
         </a:defRPr>
       </a:lvl6pPr>
-      <a:lvl7pPr lvl="6" marR="0" rtl="0" algn="l">
+      <a:lvl7pPr marR="0" lvl="6" algn="l" rtl="0">
         <a:lnSpc>
           <a:spcPct val="100000"/>
         </a:lnSpc>
@@ -8449,7 +8559,7 @@
           <a:srgbClr val="000000"/>
         </a:buClr>
         <a:buFont typeface="Arial"/>
-        <a:defRPr b="0" i="0" sz="1400" u="none" cap="none" strike="noStrike">
+        <a:defRPr sz="1400" b="0" i="0" u="none" strike="noStrike" cap="none">
           <a:solidFill>
             <a:srgbClr val="000000"/>
           </a:solidFill>
@@ -8459,7 +8569,7 @@
           <a:sym typeface="Arial"/>
         </a:defRPr>
       </a:lvl7pPr>
-      <a:lvl8pPr lvl="7" marR="0" rtl="0" algn="l">
+      <a:lvl8pPr marR="0" lvl="7" algn="l" rtl="0">
         <a:lnSpc>
           <a:spcPct val="100000"/>
         </a:lnSpc>
@@ -8473,7 +8583,7 @@
           <a:srgbClr val="000000"/>
         </a:buClr>
         <a:buFont typeface="Arial"/>
-        <a:defRPr b="0" i="0" sz="1400" u="none" cap="none" strike="noStrike">
+        <a:defRPr sz="1400" b="0" i="0" u="none" strike="noStrike" cap="none">
           <a:solidFill>
             <a:srgbClr val="000000"/>
           </a:solidFill>
@@ -8483,7 +8593,7 @@
           <a:sym typeface="Arial"/>
         </a:defRPr>
       </a:lvl8pPr>
-      <a:lvl9pPr lvl="8" marR="0" rtl="0" algn="l">
+      <a:lvl9pPr marR="0" lvl="8" algn="l" rtl="0">
         <a:lnSpc>
           <a:spcPct val="100000"/>
         </a:lnSpc>
@@ -8497,7 +8607,7 @@
           <a:srgbClr val="000000"/>
         </a:buClr>
         <a:buFont typeface="Arial"/>
-        <a:defRPr b="0" i="0" sz="1400" u="none" cap="none" strike="noStrike">
+        <a:defRPr sz="1400" b="0" i="0" u="none" strike="noStrike" cap="none">
           <a:solidFill>
             <a:srgbClr val="000000"/>
           </a:solidFill>
@@ -8513,11 +8623,11 @@
 </file>
 
 <file path=ppt/slides/slide1.xml><?xml version="1.0" encoding="utf-8"?>
-<p:sld xmlns:a="http://schemas.openxmlformats.org/drawingml/2006/main" xmlns:r="http://schemas.openxmlformats.org/officeDocument/2006/relationships" xmlns:mc="http://schemas.openxmlformats.org/markup-compatibility/2006" xmlns:mv="urn:schemas-microsoft-com:mac:vml" xmlns:p="http://schemas.openxmlformats.org/presentationml/2006/main" xmlns:c="http://schemas.openxmlformats.org/drawingml/2006/chart" xmlns:dgm="http://schemas.openxmlformats.org/drawingml/2006/diagram" xmlns:o="urn:schemas-microsoft-com:office:office" xmlns:v="urn:schemas-microsoft-com:vml" xmlns:pvml="urn:schemas-microsoft-com:office:powerpoint" xmlns:com="http://schemas.openxmlformats.org/drawingml/2006/compatibility" xmlns:p14="http://schemas.microsoft.com/office/powerpoint/2010/main" xmlns:p15="http://schemas.microsoft.com/office/powerpoint/2012/main" xmlns:ahyp="http://schemas.microsoft.com/office/drawing/2018/hyperlinkcolor">
+<p:sld xmlns:a="http://schemas.openxmlformats.org/drawingml/2006/main" xmlns:r="http://schemas.openxmlformats.org/officeDocument/2006/relationships" xmlns:p="http://schemas.openxmlformats.org/presentationml/2006/main">
   <p:cSld>
     <p:spTree>
       <p:nvGrpSpPr>
-        <p:cNvPr id="85" name="Shape 85"/>
+        <p:cNvPr id="1" name="Shape 85"/>
         <p:cNvGrpSpPr/>
         <p:nvPr/>
       </p:nvGrpSpPr>
@@ -8532,7 +8642,9 @@
       <p:sp>
         <p:nvSpPr>
           <p:cNvPr id="86" name="Google Shape;86;p13"/>
-          <p:cNvSpPr txBox="1"/>
+          <p:cNvSpPr txBox="1">
+            <a:spLocks noGrp="1"/>
+          </p:cNvSpPr>
           <p:nvPr>
             <p:ph type="ctrTitle"/>
           </p:nvPr>
@@ -8547,12 +8659,12 @@
           </a:prstGeom>
         </p:spPr>
         <p:txBody>
-          <a:bodyPr anchorCtr="0" anchor="t" bIns="91425" lIns="91425" spcFirstLastPara="1" rIns="91425" wrap="square" tIns="91425">
+          <a:bodyPr spcFirstLastPara="1" wrap="square" lIns="91425" tIns="91425" rIns="91425" bIns="91425" anchor="t" anchorCtr="0">
             <a:noAutofit/>
           </a:bodyPr>
           <a:lstStyle/>
           <a:p>
-            <a:pPr indent="0" lvl="0" marL="0" rtl="0" algn="l">
+            <a:pPr marL="0" lvl="0" indent="0" algn="l" rtl="0">
               <a:spcBef>
                 <a:spcPts val="0"/>
               </a:spcBef>
@@ -8572,9 +8684,11 @@
       <p:sp>
         <p:nvSpPr>
           <p:cNvPr id="87" name="Google Shape;87;p13"/>
-          <p:cNvSpPr txBox="1"/>
+          <p:cNvSpPr txBox="1">
+            <a:spLocks noGrp="1"/>
+          </p:cNvSpPr>
           <p:nvPr>
-            <p:ph idx="1" type="subTitle"/>
+            <p:ph type="subTitle" idx="1"/>
           </p:nvPr>
         </p:nvSpPr>
         <p:spPr>
@@ -8587,12 +8701,12 @@
           </a:prstGeom>
         </p:spPr>
         <p:txBody>
-          <a:bodyPr anchorCtr="0" anchor="t" bIns="91425" lIns="91425" spcFirstLastPara="1" rIns="91425" wrap="square" tIns="91425">
+          <a:bodyPr spcFirstLastPara="1" wrap="square" lIns="91425" tIns="91425" rIns="91425" bIns="91425" anchor="t" anchorCtr="0">
             <a:noAutofit/>
           </a:bodyPr>
           <a:lstStyle/>
           <a:p>
-            <a:pPr indent="0" lvl="0" marL="0" rtl="0" algn="l">
+            <a:pPr marL="0" lvl="0" indent="0" algn="l" rtl="0">
               <a:spcBef>
                 <a:spcPts val="0"/>
               </a:spcBef>
@@ -8618,11 +8732,11 @@
 </file>
 
 <file path=ppt/slides/slide10.xml><?xml version="1.0" encoding="utf-8"?>
-<p:sld xmlns:a="http://schemas.openxmlformats.org/drawingml/2006/main" xmlns:r="http://schemas.openxmlformats.org/officeDocument/2006/relationships" xmlns:mc="http://schemas.openxmlformats.org/markup-compatibility/2006" xmlns:mv="urn:schemas-microsoft-com:mac:vml" xmlns:p="http://schemas.openxmlformats.org/presentationml/2006/main" xmlns:c="http://schemas.openxmlformats.org/drawingml/2006/chart" xmlns:dgm="http://schemas.openxmlformats.org/drawingml/2006/diagram" xmlns:o="urn:schemas-microsoft-com:office:office" xmlns:v="urn:schemas-microsoft-com:vml" xmlns:pvml="urn:schemas-microsoft-com:office:powerpoint" xmlns:com="http://schemas.openxmlformats.org/drawingml/2006/compatibility" xmlns:p14="http://schemas.microsoft.com/office/powerpoint/2010/main" xmlns:p15="http://schemas.microsoft.com/office/powerpoint/2012/main" xmlns:ahyp="http://schemas.microsoft.com/office/drawing/2018/hyperlinkcolor">
+<p:sld xmlns:a="http://schemas.openxmlformats.org/drawingml/2006/main" xmlns:r="http://schemas.openxmlformats.org/officeDocument/2006/relationships" xmlns:p="http://schemas.openxmlformats.org/presentationml/2006/main">
   <p:cSld>
     <p:spTree>
       <p:nvGrpSpPr>
-        <p:cNvPr id="168" name="Shape 168"/>
+        <p:cNvPr id="1" name="Shape 168"/>
         <p:cNvGrpSpPr/>
         <p:nvPr/>
       </p:nvGrpSpPr>
@@ -8637,7 +8751,9 @@
       <p:sp>
         <p:nvSpPr>
           <p:cNvPr id="169" name="Google Shape;169;p22"/>
-          <p:cNvSpPr txBox="1"/>
+          <p:cNvSpPr txBox="1">
+            <a:spLocks noGrp="1"/>
+          </p:cNvSpPr>
           <p:nvPr>
             <p:ph type="title"/>
           </p:nvPr>
@@ -8652,12 +8768,12 @@
           </a:prstGeom>
         </p:spPr>
         <p:txBody>
-          <a:bodyPr anchorCtr="0" anchor="t" bIns="91425" lIns="91425" spcFirstLastPara="1" rIns="91425" wrap="square" tIns="91425">
+          <a:bodyPr spcFirstLastPara="1" wrap="square" lIns="91425" tIns="91425" rIns="91425" bIns="91425" anchor="t" anchorCtr="0">
             <a:noAutofit/>
           </a:bodyPr>
           <a:lstStyle/>
           <a:p>
-            <a:pPr indent="0" lvl="0" marL="0" rtl="0" algn="l">
+            <a:pPr marL="0" lvl="0" indent="0" algn="l" rtl="0">
               <a:spcBef>
                 <a:spcPts val="0"/>
               </a:spcBef>
@@ -8677,9 +8793,11 @@
       <p:sp>
         <p:nvSpPr>
           <p:cNvPr id="170" name="Google Shape;170;p22"/>
-          <p:cNvSpPr txBox="1"/>
+          <p:cNvSpPr txBox="1">
+            <a:spLocks noGrp="1"/>
+          </p:cNvSpPr>
           <p:nvPr>
-            <p:ph idx="1" type="body"/>
+            <p:ph type="body" idx="1"/>
           </p:nvPr>
         </p:nvSpPr>
         <p:spPr>
@@ -8695,12 +8813,12 @@
           </a:solidFill>
         </p:spPr>
         <p:txBody>
-          <a:bodyPr anchorCtr="0" anchor="t" bIns="91425" lIns="91425" spcFirstLastPara="1" rIns="91425" wrap="square" tIns="91425">
+          <a:bodyPr spcFirstLastPara="1" wrap="square" lIns="91425" tIns="91425" rIns="91425" bIns="91425" anchor="t" anchorCtr="0">
             <a:noAutofit/>
           </a:bodyPr>
           <a:lstStyle/>
           <a:p>
-            <a:pPr indent="0" lvl="0" marL="0" rtl="0" algn="l">
+            <a:pPr marL="0" lvl="0" indent="0" algn="l" rtl="0">
               <a:lnSpc>
                 <a:spcPct val="115000"/>
               </a:lnSpc>
@@ -8741,7 +8859,7 @@
             </a:endParaRPr>
           </a:p>
           <a:p>
-            <a:pPr indent="0" lvl="0" marL="0" rtl="0" algn="l">
+            <a:pPr marL="0" lvl="0" indent="0" algn="l" rtl="0">
               <a:lnSpc>
                 <a:spcPct val="115000"/>
               </a:lnSpc>
@@ -8857,7 +8975,7 @@
             </a:endParaRPr>
           </a:p>
           <a:p>
-            <a:pPr indent="0" lvl="0" marL="0" rtl="0" algn="l">
+            <a:pPr marL="0" lvl="0" indent="0" algn="l" rtl="0">
               <a:lnSpc>
                 <a:spcPct val="115000"/>
               </a:lnSpc>
@@ -8913,7 +9031,7 @@
             </a:endParaRPr>
           </a:p>
           <a:p>
-            <a:pPr indent="0" lvl="0" marL="0" rtl="0" algn="l">
+            <a:pPr marL="0" lvl="0" indent="0" algn="l" rtl="0">
               <a:lnSpc>
                 <a:spcPct val="115000"/>
               </a:lnSpc>
@@ -9029,7 +9147,7 @@
             </a:endParaRPr>
           </a:p>
           <a:p>
-            <a:pPr indent="0" lvl="0" marL="152400" marR="152400" rtl="0" algn="l">
+            <a:pPr marL="152400" marR="152400" lvl="0" indent="0" algn="l" rtl="0">
               <a:lnSpc>
                 <a:spcPct val="115000"/>
               </a:lnSpc>
@@ -9070,7 +9188,7 @@
             </a:endParaRPr>
           </a:p>
           <a:p>
-            <a:pPr indent="0" lvl="0" marL="0" rtl="0" algn="l">
+            <a:pPr marL="0" lvl="0" indent="0" algn="l" rtl="0">
               <a:spcBef>
                 <a:spcPts val="0"/>
               </a:spcBef>
@@ -9079,9 +9197,6 @@
               </a:spcAft>
               <a:buNone/>
             </a:pPr>
-            <a:r>
-              <a:t/>
-            </a:r>
             <a:endParaRPr/>
           </a:p>
         </p:txBody>
@@ -9095,11 +9210,11 @@
 </file>
 
 <file path=ppt/slides/slide11.xml><?xml version="1.0" encoding="utf-8"?>
-<p:sld xmlns:a="http://schemas.openxmlformats.org/drawingml/2006/main" xmlns:r="http://schemas.openxmlformats.org/officeDocument/2006/relationships" xmlns:mc="http://schemas.openxmlformats.org/markup-compatibility/2006" xmlns:mv="urn:schemas-microsoft-com:mac:vml" xmlns:p="http://schemas.openxmlformats.org/presentationml/2006/main" xmlns:c="http://schemas.openxmlformats.org/drawingml/2006/chart" xmlns:dgm="http://schemas.openxmlformats.org/drawingml/2006/diagram" xmlns:o="urn:schemas-microsoft-com:office:office" xmlns:v="urn:schemas-microsoft-com:vml" xmlns:pvml="urn:schemas-microsoft-com:office:powerpoint" xmlns:com="http://schemas.openxmlformats.org/drawingml/2006/compatibility" xmlns:p14="http://schemas.microsoft.com/office/powerpoint/2010/main" xmlns:p15="http://schemas.microsoft.com/office/powerpoint/2012/main" xmlns:ahyp="http://schemas.microsoft.com/office/drawing/2018/hyperlinkcolor">
+<p:sld xmlns:a="http://schemas.openxmlformats.org/drawingml/2006/main" xmlns:r="http://schemas.openxmlformats.org/officeDocument/2006/relationships" xmlns:p="http://schemas.openxmlformats.org/presentationml/2006/main">
   <p:cSld>
     <p:spTree>
       <p:nvGrpSpPr>
-        <p:cNvPr id="174" name="Shape 174"/>
+        <p:cNvPr id="1" name="Shape 174"/>
         <p:cNvGrpSpPr/>
         <p:nvPr/>
       </p:nvGrpSpPr>
@@ -9114,7 +9229,9 @@
       <p:sp>
         <p:nvSpPr>
           <p:cNvPr id="175" name="Google Shape;175;p23"/>
-          <p:cNvSpPr txBox="1"/>
+          <p:cNvSpPr txBox="1">
+            <a:spLocks noGrp="1"/>
+          </p:cNvSpPr>
           <p:nvPr>
             <p:ph type="title"/>
           </p:nvPr>
@@ -9129,12 +9246,12 @@
           </a:prstGeom>
         </p:spPr>
         <p:txBody>
-          <a:bodyPr anchorCtr="0" anchor="t" bIns="91425" lIns="91425" spcFirstLastPara="1" rIns="91425" wrap="square" tIns="91425">
+          <a:bodyPr spcFirstLastPara="1" wrap="square" lIns="91425" tIns="91425" rIns="91425" bIns="91425" anchor="t" anchorCtr="0">
             <a:noAutofit/>
           </a:bodyPr>
           <a:lstStyle/>
           <a:p>
-            <a:pPr indent="0" lvl="0" marL="0" rtl="0" algn="l">
+            <a:pPr marL="0" lvl="0" indent="0" algn="l" rtl="0">
               <a:spcBef>
                 <a:spcPts val="0"/>
               </a:spcBef>
@@ -9154,9 +9271,11 @@
       <p:sp>
         <p:nvSpPr>
           <p:cNvPr id="176" name="Google Shape;176;p23"/>
-          <p:cNvSpPr txBox="1"/>
+          <p:cNvSpPr txBox="1">
+            <a:spLocks noGrp="1"/>
+          </p:cNvSpPr>
           <p:nvPr>
-            <p:ph idx="1" type="body"/>
+            <p:ph type="body" idx="1"/>
           </p:nvPr>
         </p:nvSpPr>
         <p:spPr>
@@ -9169,12 +9288,12 @@
           </a:prstGeom>
         </p:spPr>
         <p:txBody>
-          <a:bodyPr anchorCtr="0" anchor="t" bIns="91425" lIns="91425" spcFirstLastPara="1" rIns="91425" wrap="square" tIns="91425">
+          <a:bodyPr spcFirstLastPara="1" wrap="square" lIns="91425" tIns="91425" rIns="91425" bIns="91425" anchor="t" anchorCtr="0">
             <a:noAutofit/>
           </a:bodyPr>
           <a:lstStyle/>
           <a:p>
-            <a:pPr indent="0" lvl="0" marL="0" rtl="0" algn="l">
+            <a:pPr marL="0" lvl="0" indent="0" algn="l" rtl="0">
               <a:spcBef>
                 <a:spcPts val="0"/>
               </a:spcBef>
@@ -9190,7 +9309,7 @@
             <a:endParaRPr/>
           </a:p>
           <a:p>
-            <a:pPr indent="0" lvl="0" marL="0" marR="152400" rtl="0" algn="l">
+            <a:pPr marL="0" marR="152400" lvl="0" indent="0" algn="l" rtl="0">
               <a:lnSpc>
                 <a:spcPct val="145000"/>
               </a:lnSpc>
@@ -9231,7 +9350,7 @@
             </a:endParaRPr>
           </a:p>
           <a:p>
-            <a:pPr indent="0" lvl="0" marL="0" rtl="0" algn="l">
+            <a:pPr marL="0" lvl="0" indent="0" algn="l" rtl="0">
               <a:spcBef>
                 <a:spcPts val="1200"/>
               </a:spcBef>
@@ -9240,13 +9359,10 @@
               </a:spcAft>
               <a:buNone/>
             </a:pPr>
-            <a:r>
-              <a:t/>
-            </a:r>
             <a:endParaRPr/>
           </a:p>
           <a:p>
-            <a:pPr indent="0" lvl="0" marL="152400" marR="152400" rtl="0" algn="l">
+            <a:pPr marL="152400" marR="152400" lvl="0" indent="0" algn="l" rtl="0">
               <a:lnSpc>
                 <a:spcPct val="100000"/>
               </a:lnSpc>
@@ -9258,9 +9374,6 @@
               </a:spcAft>
               <a:buNone/>
             </a:pPr>
-            <a:r>
-              <a:t/>
-            </a:r>
             <a:endParaRPr sz="1000">
               <a:solidFill>
                 <a:srgbClr val="333333"/>
@@ -9275,7 +9388,7 @@
             </a:endParaRPr>
           </a:p>
           <a:p>
-            <a:pPr indent="0" lvl="0" marL="0" rtl="0" algn="l">
+            <a:pPr marL="0" lvl="0" indent="0" algn="l" rtl="0">
               <a:spcBef>
                 <a:spcPts val="1200"/>
               </a:spcBef>
@@ -9284,10 +9397,7 @@
               </a:spcAft>
               <a:buNone/>
             </a:pPr>
-            <a:r>
-              <a:t/>
-            </a:r>
-            <a:endParaRPr i="1" sz="1000">
+            <a:endParaRPr sz="1000" i="1">
               <a:solidFill>
                 <a:srgbClr val="8C8C8C"/>
               </a:solidFill>
@@ -9301,7 +9411,7 @@
             </a:endParaRPr>
           </a:p>
           <a:p>
-            <a:pPr indent="0" lvl="0" marL="0" rtl="0" algn="l">
+            <a:pPr marL="0" lvl="0" indent="0" algn="l" rtl="0">
               <a:spcBef>
                 <a:spcPts val="1600"/>
               </a:spcBef>
@@ -9310,9 +9420,6 @@
               </a:spcAft>
               <a:buNone/>
             </a:pPr>
-            <a:r>
-              <a:t/>
-            </a:r>
             <a:endParaRPr/>
           </a:p>
         </p:txBody>
@@ -9339,12 +9446,12 @@
           </a:ln>
         </p:spPr>
         <p:txBody>
-          <a:bodyPr anchorCtr="0" anchor="t" bIns="91425" lIns="91425" spcFirstLastPara="1" rIns="91425" wrap="square" tIns="91425">
+          <a:bodyPr spcFirstLastPara="1" wrap="square" lIns="91425" tIns="91425" rIns="91425" bIns="91425" anchor="t" anchorCtr="0">
             <a:noAutofit/>
           </a:bodyPr>
           <a:lstStyle/>
           <a:p>
-            <a:pPr indent="0" lvl="0" marL="0" rtl="0" algn="l">
+            <a:pPr marL="0" lvl="0" indent="0" algn="l" rtl="0">
               <a:spcBef>
                 <a:spcPts val="0"/>
               </a:spcBef>
@@ -9487,7 +9594,7 @@
             </a:endParaRPr>
           </a:p>
           <a:p>
-            <a:pPr indent="0" lvl="0" marL="0" rtl="0" algn="l">
+            <a:pPr marL="0" lvl="0" indent="0" algn="l" rtl="0">
               <a:spcBef>
                 <a:spcPts val="0"/>
               </a:spcBef>
@@ -9540,7 +9647,7 @@
             </a:endParaRPr>
           </a:p>
           <a:p>
-            <a:pPr indent="0" lvl="0" marL="0" rtl="0" algn="l">
+            <a:pPr marL="0" lvl="0" indent="0" algn="l" rtl="0">
               <a:spcBef>
                 <a:spcPts val="0"/>
               </a:spcBef>
@@ -9608,7 +9715,7 @@
             </a:endParaRPr>
           </a:p>
           <a:p>
-            <a:pPr indent="0" lvl="0" marL="0" rtl="0" algn="l">
+            <a:pPr marL="0" lvl="0" indent="0" algn="l" rtl="0">
               <a:spcBef>
                 <a:spcPts val="0"/>
               </a:spcBef>
@@ -9661,7 +9768,7 @@
             </a:endParaRPr>
           </a:p>
           <a:p>
-            <a:pPr indent="0" lvl="0" marL="0" marR="152400" rtl="0" algn="l">
+            <a:pPr marL="0" marR="152400" lvl="0" indent="0" algn="l" rtl="0">
               <a:spcBef>
                 <a:spcPts val="0"/>
               </a:spcBef>
@@ -9697,9 +9804,11 @@
       <p:sp>
         <p:nvSpPr>
           <p:cNvPr id="178" name="Google Shape;178;p23"/>
-          <p:cNvSpPr txBox="1"/>
+          <p:cNvSpPr txBox="1">
+            <a:spLocks noGrp="1"/>
+          </p:cNvSpPr>
           <p:nvPr>
-            <p:ph idx="1" type="body"/>
+            <p:ph type="body" idx="1"/>
           </p:nvPr>
         </p:nvSpPr>
         <p:spPr>
@@ -9712,12 +9821,12 @@
           </a:prstGeom>
         </p:spPr>
         <p:txBody>
-          <a:bodyPr anchorCtr="0" anchor="t" bIns="91425" lIns="91425" spcFirstLastPara="1" rIns="91425" wrap="square" tIns="91425">
+          <a:bodyPr spcFirstLastPara="1" wrap="square" lIns="91425" tIns="91425" rIns="91425" bIns="91425" anchor="t" anchorCtr="0">
             <a:noAutofit/>
           </a:bodyPr>
           <a:lstStyle/>
           <a:p>
-            <a:pPr indent="0" lvl="0" marL="0" rtl="0" algn="l">
+            <a:pPr marL="0" lvl="0" indent="0" algn="l" rtl="0">
               <a:spcBef>
                 <a:spcPts val="0"/>
               </a:spcBef>
@@ -9733,7 +9842,7 @@
             <a:endParaRPr/>
           </a:p>
           <a:p>
-            <a:pPr indent="0" lvl="0" marL="152400" marR="152400" rtl="0" algn="l">
+            <a:pPr marL="152400" marR="152400" lvl="0" indent="0" algn="l" rtl="0">
               <a:lnSpc>
                 <a:spcPct val="100000"/>
               </a:lnSpc>
@@ -9745,9 +9854,6 @@
               </a:spcAft>
               <a:buNone/>
             </a:pPr>
-            <a:r>
-              <a:t/>
-            </a:r>
             <a:endParaRPr sz="1000">
               <a:solidFill>
                 <a:srgbClr val="333333"/>
@@ -9762,7 +9868,7 @@
             </a:endParaRPr>
           </a:p>
           <a:p>
-            <a:pPr indent="0" lvl="0" marL="0" rtl="0" algn="l">
+            <a:pPr marL="0" lvl="0" indent="0" algn="l" rtl="0">
               <a:spcBef>
                 <a:spcPts val="1200"/>
               </a:spcBef>
@@ -9771,10 +9877,7 @@
               </a:spcAft>
               <a:buNone/>
             </a:pPr>
-            <a:r>
-              <a:t/>
-            </a:r>
-            <a:endParaRPr i="1" sz="1000">
+            <a:endParaRPr sz="1000" i="1">
               <a:solidFill>
                 <a:srgbClr val="8C8C8C"/>
               </a:solidFill>
@@ -9788,7 +9891,7 @@
             </a:endParaRPr>
           </a:p>
           <a:p>
-            <a:pPr indent="0" lvl="0" marL="0" rtl="0" algn="l">
+            <a:pPr marL="0" lvl="0" indent="0" algn="l" rtl="0">
               <a:spcBef>
                 <a:spcPts val="1600"/>
               </a:spcBef>
@@ -9797,9 +9900,6 @@
               </a:spcAft>
               <a:buNone/>
             </a:pPr>
-            <a:r>
-              <a:t/>
-            </a:r>
             <a:endParaRPr/>
           </a:p>
         </p:txBody>
@@ -9813,11 +9913,11 @@
 </file>
 
 <file path=ppt/slides/slide12.xml><?xml version="1.0" encoding="utf-8"?>
-<p:sld xmlns:a="http://schemas.openxmlformats.org/drawingml/2006/main" xmlns:r="http://schemas.openxmlformats.org/officeDocument/2006/relationships" xmlns:mc="http://schemas.openxmlformats.org/markup-compatibility/2006" xmlns:mv="urn:schemas-microsoft-com:mac:vml" xmlns:p="http://schemas.openxmlformats.org/presentationml/2006/main" xmlns:c="http://schemas.openxmlformats.org/drawingml/2006/chart" xmlns:dgm="http://schemas.openxmlformats.org/drawingml/2006/diagram" xmlns:o="urn:schemas-microsoft-com:office:office" xmlns:v="urn:schemas-microsoft-com:vml" xmlns:pvml="urn:schemas-microsoft-com:office:powerpoint" xmlns:com="http://schemas.openxmlformats.org/drawingml/2006/compatibility" xmlns:p14="http://schemas.microsoft.com/office/powerpoint/2010/main" xmlns:p15="http://schemas.microsoft.com/office/powerpoint/2012/main" xmlns:ahyp="http://schemas.microsoft.com/office/drawing/2018/hyperlinkcolor">
+<p:sld xmlns:a="http://schemas.openxmlformats.org/drawingml/2006/main" xmlns:r="http://schemas.openxmlformats.org/officeDocument/2006/relationships" xmlns:p="http://schemas.openxmlformats.org/presentationml/2006/main">
   <p:cSld>
     <p:spTree>
       <p:nvGrpSpPr>
-        <p:cNvPr id="182" name="Shape 182"/>
+        <p:cNvPr id="1" name="Shape 182"/>
         <p:cNvGrpSpPr/>
         <p:nvPr/>
       </p:nvGrpSpPr>
@@ -9832,7 +9932,9 @@
       <p:sp>
         <p:nvSpPr>
           <p:cNvPr id="183" name="Google Shape;183;p24"/>
-          <p:cNvSpPr txBox="1"/>
+          <p:cNvSpPr txBox="1">
+            <a:spLocks noGrp="1"/>
+          </p:cNvSpPr>
           <p:nvPr>
             <p:ph type="title"/>
           </p:nvPr>
@@ -9847,12 +9949,12 @@
           </a:prstGeom>
         </p:spPr>
         <p:txBody>
-          <a:bodyPr anchorCtr="0" anchor="t" bIns="91425" lIns="91425" spcFirstLastPara="1" rIns="91425" wrap="square" tIns="91425">
+          <a:bodyPr spcFirstLastPara="1" wrap="square" lIns="91425" tIns="91425" rIns="91425" bIns="91425" anchor="t" anchorCtr="0">
             <a:noAutofit/>
           </a:bodyPr>
           <a:lstStyle/>
           <a:p>
-            <a:pPr indent="0" lvl="0" marL="0" rtl="0" algn="l">
+            <a:pPr marL="0" lvl="0" indent="0" algn="l" rtl="0">
               <a:spcBef>
                 <a:spcPts val="0"/>
               </a:spcBef>
@@ -9872,9 +9974,11 @@
       <p:sp>
         <p:nvSpPr>
           <p:cNvPr id="184" name="Google Shape;184;p24"/>
-          <p:cNvSpPr txBox="1"/>
+          <p:cNvSpPr txBox="1">
+            <a:spLocks noGrp="1"/>
+          </p:cNvSpPr>
           <p:nvPr>
-            <p:ph idx="1" type="body"/>
+            <p:ph type="body" idx="1"/>
           </p:nvPr>
         </p:nvSpPr>
         <p:spPr>
@@ -9890,12 +9994,12 @@
           </a:solidFill>
         </p:spPr>
         <p:txBody>
-          <a:bodyPr anchorCtr="0" anchor="t" bIns="91425" lIns="91425" spcFirstLastPara="1" rIns="91425" wrap="square" tIns="91425">
+          <a:bodyPr spcFirstLastPara="1" wrap="square" lIns="91425" tIns="91425" rIns="91425" bIns="91425" anchor="t" anchorCtr="0">
             <a:noAutofit/>
           </a:bodyPr>
           <a:lstStyle/>
           <a:p>
-            <a:pPr indent="0" lvl="0" marL="0" rtl="0" algn="l">
+            <a:pPr marL="0" lvl="0" indent="0" algn="l" rtl="0">
               <a:lnSpc>
                 <a:spcPct val="100000"/>
               </a:lnSpc>
@@ -9936,7 +10040,7 @@
             </a:endParaRPr>
           </a:p>
           <a:p>
-            <a:pPr indent="0" lvl="0" marL="0" rtl="0" algn="l">
+            <a:pPr marL="0" lvl="0" indent="0" algn="l" rtl="0">
               <a:lnSpc>
                 <a:spcPct val="100000"/>
               </a:lnSpc>
@@ -9977,7 +10081,7 @@
             </a:endParaRPr>
           </a:p>
           <a:p>
-            <a:pPr indent="0" lvl="0" marL="0" rtl="0" algn="l">
+            <a:pPr marL="0" lvl="0" indent="0" algn="l" rtl="0">
               <a:lnSpc>
                 <a:spcPct val="100000"/>
               </a:lnSpc>
@@ -10033,7 +10137,7 @@
             </a:endParaRPr>
           </a:p>
           <a:p>
-            <a:pPr indent="0" lvl="0" marL="0" rtl="0" algn="l">
+            <a:pPr marL="0" lvl="0" indent="0" algn="l" rtl="0">
               <a:lnSpc>
                 <a:spcPct val="100000"/>
               </a:lnSpc>
@@ -10089,7 +10193,7 @@
             </a:endParaRPr>
           </a:p>
           <a:p>
-            <a:pPr indent="0" lvl="0" marL="0" rtl="0" algn="l">
+            <a:pPr marL="0" lvl="0" indent="0" algn="l" rtl="0">
               <a:lnSpc>
                 <a:spcPct val="100000"/>
               </a:lnSpc>
@@ -10130,7 +10234,7 @@
             </a:endParaRPr>
           </a:p>
           <a:p>
-            <a:pPr indent="0" lvl="0" marL="0" rtl="0" algn="l">
+            <a:pPr marL="0" lvl="0" indent="0" algn="l" rtl="0">
               <a:lnSpc>
                 <a:spcPct val="100000"/>
               </a:lnSpc>
@@ -10201,7 +10305,7 @@
             </a:endParaRPr>
           </a:p>
           <a:p>
-            <a:pPr indent="0" lvl="0" marL="0" rtl="0" algn="l">
+            <a:pPr marL="0" lvl="0" indent="0" algn="l" rtl="0">
               <a:lnSpc>
                 <a:spcPct val="100000"/>
               </a:lnSpc>
@@ -10242,7 +10346,7 @@
             </a:endParaRPr>
           </a:p>
           <a:p>
-            <a:pPr indent="0" lvl="0" marL="0" marR="152400" rtl="0" algn="l">
+            <a:pPr marL="0" marR="152400" lvl="0" indent="0" algn="l" rtl="0">
               <a:lnSpc>
                 <a:spcPct val="100000"/>
               </a:lnSpc>
@@ -10283,7 +10387,7 @@
             </a:endParaRPr>
           </a:p>
           <a:p>
-            <a:pPr indent="0" lvl="0" marL="0" rtl="0" algn="l">
+            <a:pPr marL="0" lvl="0" indent="0" algn="l" rtl="0">
               <a:spcBef>
                 <a:spcPts val="0"/>
               </a:spcBef>
@@ -10292,9 +10396,6 @@
               </a:spcAft>
               <a:buNone/>
             </a:pPr>
-            <a:r>
-              <a:t/>
-            </a:r>
             <a:endParaRPr/>
           </a:p>
         </p:txBody>
@@ -10308,11 +10409,11 @@
 </file>
 
 <file path=ppt/slides/slide2.xml><?xml version="1.0" encoding="utf-8"?>
-<p:sld xmlns:a="http://schemas.openxmlformats.org/drawingml/2006/main" xmlns:r="http://schemas.openxmlformats.org/officeDocument/2006/relationships" xmlns:mc="http://schemas.openxmlformats.org/markup-compatibility/2006" xmlns:mv="urn:schemas-microsoft-com:mac:vml" xmlns:p="http://schemas.openxmlformats.org/presentationml/2006/main" xmlns:c="http://schemas.openxmlformats.org/drawingml/2006/chart" xmlns:dgm="http://schemas.openxmlformats.org/drawingml/2006/diagram" xmlns:o="urn:schemas-microsoft-com:office:office" xmlns:v="urn:schemas-microsoft-com:vml" xmlns:pvml="urn:schemas-microsoft-com:office:powerpoint" xmlns:com="http://schemas.openxmlformats.org/drawingml/2006/compatibility" xmlns:p14="http://schemas.microsoft.com/office/powerpoint/2010/main" xmlns:p15="http://schemas.microsoft.com/office/powerpoint/2012/main" xmlns:ahyp="http://schemas.microsoft.com/office/drawing/2018/hyperlinkcolor">
+<p:sld xmlns:a="http://schemas.openxmlformats.org/drawingml/2006/main" xmlns:r="http://schemas.openxmlformats.org/officeDocument/2006/relationships" xmlns:p="http://schemas.openxmlformats.org/presentationml/2006/main">
   <p:cSld>
     <p:spTree>
       <p:nvGrpSpPr>
-        <p:cNvPr id="91" name="Shape 91"/>
+        <p:cNvPr id="1" name="Shape 91"/>
         <p:cNvGrpSpPr/>
         <p:nvPr/>
       </p:nvGrpSpPr>
@@ -10327,7 +10428,9 @@
       <p:sp>
         <p:nvSpPr>
           <p:cNvPr id="92" name="Google Shape;92;p14"/>
-          <p:cNvSpPr txBox="1"/>
+          <p:cNvSpPr txBox="1">
+            <a:spLocks noGrp="1"/>
+          </p:cNvSpPr>
           <p:nvPr>
             <p:ph type="title"/>
           </p:nvPr>
@@ -10342,12 +10445,12 @@
           </a:prstGeom>
         </p:spPr>
         <p:txBody>
-          <a:bodyPr anchorCtr="0" anchor="t" bIns="91425" lIns="91425" spcFirstLastPara="1" rIns="91425" wrap="square" tIns="91425">
+          <a:bodyPr spcFirstLastPara="1" wrap="square" lIns="91425" tIns="91425" rIns="91425" bIns="91425" anchor="t" anchorCtr="0">
             <a:noAutofit/>
           </a:bodyPr>
           <a:lstStyle/>
           <a:p>
-            <a:pPr indent="0" lvl="0" marL="0" rtl="0" algn="l">
+            <a:pPr marL="0" lvl="0" indent="0" algn="l" rtl="0">
               <a:spcBef>
                 <a:spcPts val="0"/>
               </a:spcBef>
@@ -10367,9 +10470,11 @@
       <p:sp>
         <p:nvSpPr>
           <p:cNvPr id="93" name="Google Shape;93;p14"/>
-          <p:cNvSpPr txBox="1"/>
+          <p:cNvSpPr txBox="1">
+            <a:spLocks noGrp="1"/>
+          </p:cNvSpPr>
           <p:nvPr>
-            <p:ph idx="1" type="body"/>
+            <p:ph type="body" idx="1"/>
           </p:nvPr>
         </p:nvSpPr>
         <p:spPr>
@@ -10382,12 +10487,12 @@
           </a:prstGeom>
         </p:spPr>
         <p:txBody>
-          <a:bodyPr anchorCtr="0" anchor="t" bIns="91425" lIns="91425" spcFirstLastPara="1" rIns="91425" wrap="square" tIns="91425">
+          <a:bodyPr spcFirstLastPara="1" wrap="square" lIns="91425" tIns="91425" rIns="91425" bIns="91425" anchor="t" anchorCtr="0">
             <a:noAutofit/>
           </a:bodyPr>
           <a:lstStyle/>
           <a:p>
-            <a:pPr indent="0" lvl="0" marL="0" rtl="0" algn="l">
+            <a:pPr marL="0" lvl="0" indent="0" algn="l" rtl="0">
               <a:spcBef>
                 <a:spcPts val="0"/>
               </a:spcBef>
@@ -10473,9 +10578,11 @@
       <p:sp>
         <p:nvSpPr>
           <p:cNvPr id="96" name="Google Shape;96;p14"/>
-          <p:cNvSpPr txBox="1"/>
+          <p:cNvSpPr txBox="1">
+            <a:spLocks noGrp="1"/>
+          </p:cNvSpPr>
           <p:nvPr>
-            <p:ph idx="1" type="body"/>
+            <p:ph type="body" idx="1"/>
           </p:nvPr>
         </p:nvSpPr>
         <p:spPr>
@@ -10488,12 +10595,12 @@
           </a:prstGeom>
         </p:spPr>
         <p:txBody>
-          <a:bodyPr anchorCtr="0" anchor="t" bIns="91425" lIns="91425" spcFirstLastPara="1" rIns="91425" wrap="square" tIns="91425">
+          <a:bodyPr spcFirstLastPara="1" wrap="square" lIns="91425" tIns="91425" rIns="91425" bIns="91425" anchor="t" anchorCtr="0">
             <a:noAutofit/>
           </a:bodyPr>
           <a:lstStyle/>
           <a:p>
-            <a:pPr indent="0" lvl="0" marL="0" rtl="0" algn="l">
+            <a:pPr marL="0" lvl="0" indent="0" algn="l" rtl="0">
               <a:spcBef>
                 <a:spcPts val="0"/>
               </a:spcBef>
@@ -10529,11 +10636,11 @@
 </file>
 
 <file path=ppt/slides/slide3.xml><?xml version="1.0" encoding="utf-8"?>
-<p:sld xmlns:a="http://schemas.openxmlformats.org/drawingml/2006/main" xmlns:r="http://schemas.openxmlformats.org/officeDocument/2006/relationships" xmlns:mc="http://schemas.openxmlformats.org/markup-compatibility/2006" xmlns:mv="urn:schemas-microsoft-com:mac:vml" xmlns:p="http://schemas.openxmlformats.org/presentationml/2006/main" xmlns:c="http://schemas.openxmlformats.org/drawingml/2006/chart" xmlns:dgm="http://schemas.openxmlformats.org/drawingml/2006/diagram" xmlns:o="urn:schemas-microsoft-com:office:office" xmlns:v="urn:schemas-microsoft-com:vml" xmlns:pvml="urn:schemas-microsoft-com:office:powerpoint" xmlns:com="http://schemas.openxmlformats.org/drawingml/2006/compatibility" xmlns:p14="http://schemas.microsoft.com/office/powerpoint/2010/main" xmlns:p15="http://schemas.microsoft.com/office/powerpoint/2012/main" xmlns:ahyp="http://schemas.microsoft.com/office/drawing/2018/hyperlinkcolor">
+<p:sld xmlns:a="http://schemas.openxmlformats.org/drawingml/2006/main" xmlns:r="http://schemas.openxmlformats.org/officeDocument/2006/relationships" xmlns:p="http://schemas.openxmlformats.org/presentationml/2006/main">
   <p:cSld>
     <p:spTree>
       <p:nvGrpSpPr>
-        <p:cNvPr id="100" name="Shape 100"/>
+        <p:cNvPr id="1" name="Shape 100"/>
         <p:cNvGrpSpPr/>
         <p:nvPr/>
       </p:nvGrpSpPr>
@@ -10548,7 +10655,9 @@
       <p:sp>
         <p:nvSpPr>
           <p:cNvPr id="101" name="Google Shape;101;p15"/>
-          <p:cNvSpPr txBox="1"/>
+          <p:cNvSpPr txBox="1">
+            <a:spLocks noGrp="1"/>
+          </p:cNvSpPr>
           <p:nvPr>
             <p:ph type="title"/>
           </p:nvPr>
@@ -10563,12 +10672,12 @@
           </a:prstGeom>
         </p:spPr>
         <p:txBody>
-          <a:bodyPr anchorCtr="0" anchor="t" bIns="91425" lIns="91425" spcFirstLastPara="1" rIns="91425" wrap="square" tIns="91425">
+          <a:bodyPr spcFirstLastPara="1" wrap="square" lIns="91425" tIns="91425" rIns="91425" bIns="91425" anchor="t" anchorCtr="0">
             <a:noAutofit/>
           </a:bodyPr>
           <a:lstStyle/>
           <a:p>
-            <a:pPr indent="0" lvl="0" marL="0" rtl="0" algn="l">
+            <a:pPr marL="0" lvl="0" indent="0" algn="l" rtl="0">
               <a:spcBef>
                 <a:spcPts val="0"/>
               </a:spcBef>
@@ -10595,9 +10704,11 @@
       <p:sp>
         <p:nvSpPr>
           <p:cNvPr id="102" name="Google Shape;102;p15"/>
-          <p:cNvSpPr txBox="1"/>
+          <p:cNvSpPr txBox="1">
+            <a:spLocks noGrp="1"/>
+          </p:cNvSpPr>
           <p:nvPr>
-            <p:ph idx="1" type="body"/>
+            <p:ph type="body" idx="1"/>
           </p:nvPr>
         </p:nvSpPr>
         <p:spPr>
@@ -10610,12 +10721,12 @@
           </a:prstGeom>
         </p:spPr>
         <p:txBody>
-          <a:bodyPr anchorCtr="0" anchor="t" bIns="91425" lIns="91425" spcFirstLastPara="1" rIns="91425" wrap="square" tIns="91425">
+          <a:bodyPr spcFirstLastPara="1" wrap="square" lIns="91425" tIns="91425" rIns="91425" bIns="91425" anchor="t" anchorCtr="0">
             <a:noAutofit/>
           </a:bodyPr>
           <a:lstStyle/>
           <a:p>
-            <a:pPr indent="-311150" lvl="0" marL="457200" rtl="0" algn="l">
+            <a:pPr marL="457200" lvl="0" indent="-311150" algn="l" rtl="0">
               <a:spcBef>
                 <a:spcPts val="0"/>
               </a:spcBef>
@@ -10630,7 +10741,7 @@
               <a:buChar char="●"/>
             </a:pPr>
             <a:r>
-              <a:rPr b="1" lang="ru">
+              <a:rPr lang="ru" b="1">
                 <a:solidFill>
                   <a:srgbClr val="333333"/>
                 </a:solidFill>
@@ -10664,7 +10775,7 @@
             </a:endParaRPr>
           </a:p>
           <a:p>
-            <a:pPr indent="-311150" lvl="0" marL="457200" rtl="0" algn="l">
+            <a:pPr marL="457200" lvl="0" indent="-311150" algn="l" rtl="0">
               <a:spcBef>
                 <a:spcPts val="0"/>
               </a:spcBef>
@@ -10679,7 +10790,7 @@
               <a:buChar char="●"/>
             </a:pPr>
             <a:r>
-              <a:rPr b="1" lang="ru">
+              <a:rPr lang="ru" b="1">
                 <a:solidFill>
                   <a:srgbClr val="333333"/>
                 </a:solidFill>
@@ -10713,7 +10824,7 @@
             </a:endParaRPr>
           </a:p>
           <a:p>
-            <a:pPr indent="-311150" lvl="0" marL="457200" rtl="0" algn="l">
+            <a:pPr marL="457200" lvl="0" indent="-311150" algn="l" rtl="0">
               <a:spcBef>
                 <a:spcPts val="0"/>
               </a:spcBef>
@@ -10728,7 +10839,7 @@
               <a:buChar char="●"/>
             </a:pPr>
             <a:r>
-              <a:rPr b="1" lang="ru">
+              <a:rPr lang="ru" b="1">
                 <a:solidFill>
                   <a:srgbClr val="333333"/>
                 </a:solidFill>
@@ -10762,7 +10873,7 @@
             </a:endParaRPr>
           </a:p>
           <a:p>
-            <a:pPr indent="0" lvl="0" marL="0" rtl="0" algn="l">
+            <a:pPr marL="0" lvl="0" indent="0" algn="l" rtl="0">
               <a:spcBef>
                 <a:spcPts val="1200"/>
               </a:spcBef>
@@ -10771,9 +10882,6 @@
               </a:spcAft>
               <a:buNone/>
             </a:pPr>
-            <a:r>
-              <a:t/>
-            </a:r>
             <a:endParaRPr/>
           </a:p>
         </p:txBody>
@@ -10815,11 +10923,11 @@
 </file>
 
 <file path=ppt/slides/slide4.xml><?xml version="1.0" encoding="utf-8"?>
-<p:sld xmlns:a="http://schemas.openxmlformats.org/drawingml/2006/main" xmlns:r="http://schemas.openxmlformats.org/officeDocument/2006/relationships" xmlns:mc="http://schemas.openxmlformats.org/markup-compatibility/2006" xmlns:mv="urn:schemas-microsoft-com:mac:vml" xmlns:p="http://schemas.openxmlformats.org/presentationml/2006/main" xmlns:c="http://schemas.openxmlformats.org/drawingml/2006/chart" xmlns:dgm="http://schemas.openxmlformats.org/drawingml/2006/diagram" xmlns:o="urn:schemas-microsoft-com:office:office" xmlns:v="urn:schemas-microsoft-com:vml" xmlns:pvml="urn:schemas-microsoft-com:office:powerpoint" xmlns:com="http://schemas.openxmlformats.org/drawingml/2006/compatibility" xmlns:p14="http://schemas.microsoft.com/office/powerpoint/2010/main" xmlns:p15="http://schemas.microsoft.com/office/powerpoint/2012/main" xmlns:ahyp="http://schemas.microsoft.com/office/drawing/2018/hyperlinkcolor">
+<p:sld xmlns:a="http://schemas.openxmlformats.org/drawingml/2006/main" xmlns:r="http://schemas.openxmlformats.org/officeDocument/2006/relationships" xmlns:p="http://schemas.openxmlformats.org/presentationml/2006/main">
   <p:cSld>
     <p:spTree>
       <p:nvGrpSpPr>
-        <p:cNvPr id="107" name="Shape 107"/>
+        <p:cNvPr id="1" name="Shape 107"/>
         <p:cNvGrpSpPr/>
         <p:nvPr/>
       </p:nvGrpSpPr>
@@ -10834,7 +10942,9 @@
       <p:sp>
         <p:nvSpPr>
           <p:cNvPr id="108" name="Google Shape;108;p16"/>
-          <p:cNvSpPr txBox="1"/>
+          <p:cNvSpPr txBox="1">
+            <a:spLocks noGrp="1"/>
+          </p:cNvSpPr>
           <p:nvPr>
             <p:ph type="title"/>
           </p:nvPr>
@@ -10849,12 +10959,12 @@
           </a:prstGeom>
         </p:spPr>
         <p:txBody>
-          <a:bodyPr anchorCtr="0" anchor="t" bIns="91425" lIns="91425" spcFirstLastPara="1" rIns="91425" wrap="square" tIns="91425">
+          <a:bodyPr spcFirstLastPara="1" wrap="square" lIns="91425" tIns="91425" rIns="91425" bIns="91425" anchor="t" anchorCtr="0">
             <a:noAutofit/>
           </a:bodyPr>
           <a:lstStyle/>
           <a:p>
-            <a:pPr indent="0" lvl="0" marL="0" rtl="0" algn="l">
+            <a:pPr marL="0" lvl="0" indent="0" algn="l" rtl="0">
               <a:spcBef>
                 <a:spcPts val="0"/>
               </a:spcBef>
@@ -10874,9 +10984,11 @@
       <p:sp>
         <p:nvSpPr>
           <p:cNvPr id="109" name="Google Shape;109;p16"/>
-          <p:cNvSpPr txBox="1"/>
+          <p:cNvSpPr txBox="1">
+            <a:spLocks noGrp="1"/>
+          </p:cNvSpPr>
           <p:nvPr>
-            <p:ph idx="1" type="body"/>
+            <p:ph type="body" idx="1"/>
           </p:nvPr>
         </p:nvSpPr>
         <p:spPr>
@@ -10889,12 +11001,12 @@
           </a:prstGeom>
         </p:spPr>
         <p:txBody>
-          <a:bodyPr anchorCtr="0" anchor="t" bIns="91425" lIns="91425" spcFirstLastPara="1" rIns="91425" wrap="square" tIns="91425">
+          <a:bodyPr spcFirstLastPara="1" wrap="square" lIns="91425" tIns="91425" rIns="91425" bIns="91425" anchor="t" anchorCtr="0">
             <a:noAutofit/>
           </a:bodyPr>
           <a:lstStyle/>
           <a:p>
-            <a:pPr indent="-317500" lvl="0" marL="457200" rtl="0" algn="l">
+            <a:pPr marL="457200" lvl="0" indent="-317500" algn="l" rtl="0">
               <a:spcBef>
                 <a:spcPts val="0"/>
               </a:spcBef>
@@ -10909,7 +11021,7 @@
               <a:buChar char="●"/>
             </a:pPr>
             <a:r>
-              <a:rPr b="1" lang="ru" sz="1400">
+              <a:rPr lang="ru" sz="1400" b="1">
                 <a:solidFill>
                   <a:srgbClr val="333333"/>
                 </a:solidFill>
@@ -10943,7 +11055,7 @@
             </a:endParaRPr>
           </a:p>
           <a:p>
-            <a:pPr indent="-317500" lvl="0" marL="457200" rtl="0" algn="l">
+            <a:pPr marL="457200" lvl="0" indent="-317500" algn="l" rtl="0">
               <a:spcBef>
                 <a:spcPts val="0"/>
               </a:spcBef>
@@ -10958,7 +11070,7 @@
               <a:buChar char="●"/>
             </a:pPr>
             <a:r>
-              <a:rPr b="1" lang="ru" sz="1400">
+              <a:rPr lang="ru" sz="1400" b="1">
                 <a:solidFill>
                   <a:srgbClr val="333333"/>
                 </a:solidFill>
@@ -10992,7 +11104,7 @@
             </a:endParaRPr>
           </a:p>
           <a:p>
-            <a:pPr indent="-317500" lvl="0" marL="457200" rtl="0" algn="l">
+            <a:pPr marL="457200" lvl="0" indent="-317500" algn="l" rtl="0">
               <a:spcBef>
                 <a:spcPts val="0"/>
               </a:spcBef>
@@ -11007,7 +11119,7 @@
               <a:buChar char="●"/>
             </a:pPr>
             <a:r>
-              <a:rPr b="1" lang="ru" sz="1400">
+              <a:rPr lang="ru" sz="1400" b="1">
                 <a:solidFill>
                   <a:srgbClr val="333333"/>
                 </a:solidFill>
@@ -11041,7 +11153,7 @@
             </a:endParaRPr>
           </a:p>
           <a:p>
-            <a:pPr indent="-317500" lvl="0" marL="457200" rtl="0" algn="l">
+            <a:pPr marL="457200" lvl="0" indent="-317500" algn="l" rtl="0">
               <a:spcBef>
                 <a:spcPts val="0"/>
               </a:spcBef>
@@ -11056,7 +11168,7 @@
               <a:buChar char="●"/>
             </a:pPr>
             <a:r>
-              <a:rPr b="1" lang="ru" sz="1400">
+              <a:rPr lang="ru" sz="1400" b="1">
                 <a:solidFill>
                   <a:srgbClr val="333333"/>
                 </a:solidFill>
@@ -11090,7 +11202,7 @@
             </a:endParaRPr>
           </a:p>
           <a:p>
-            <a:pPr indent="-317500" lvl="0" marL="457200" rtl="0" algn="l">
+            <a:pPr marL="457200" lvl="0" indent="-317500" algn="l" rtl="0">
               <a:spcBef>
                 <a:spcPts val="0"/>
               </a:spcBef>
@@ -11105,7 +11217,7 @@
               <a:buChar char="●"/>
             </a:pPr>
             <a:r>
-              <a:rPr b="1" lang="ru" sz="1400">
+              <a:rPr lang="ru" sz="1400" b="1">
                 <a:solidFill>
                   <a:srgbClr val="333333"/>
                 </a:solidFill>
@@ -11139,7 +11251,7 @@
             </a:endParaRPr>
           </a:p>
           <a:p>
-            <a:pPr indent="0" lvl="0" marL="0" rtl="0" algn="l">
+            <a:pPr marL="0" lvl="0" indent="0" algn="l" rtl="0">
               <a:spcBef>
                 <a:spcPts val="1200"/>
               </a:spcBef>
@@ -11148,9 +11260,6 @@
               </a:spcAft>
               <a:buNone/>
             </a:pPr>
-            <a:r>
-              <a:t/>
-            </a:r>
             <a:endParaRPr/>
           </a:p>
         </p:txBody>
@@ -11164,11 +11273,11 @@
 </file>
 
 <file path=ppt/slides/slide5.xml><?xml version="1.0" encoding="utf-8"?>
-<p:sld xmlns:a="http://schemas.openxmlformats.org/drawingml/2006/main" xmlns:r="http://schemas.openxmlformats.org/officeDocument/2006/relationships" xmlns:mc="http://schemas.openxmlformats.org/markup-compatibility/2006" xmlns:mv="urn:schemas-microsoft-com:mac:vml" xmlns:p="http://schemas.openxmlformats.org/presentationml/2006/main" xmlns:c="http://schemas.openxmlformats.org/drawingml/2006/chart" xmlns:dgm="http://schemas.openxmlformats.org/drawingml/2006/diagram" xmlns:o="urn:schemas-microsoft-com:office:office" xmlns:v="urn:schemas-microsoft-com:vml" xmlns:pvml="urn:schemas-microsoft-com:office:powerpoint" xmlns:com="http://schemas.openxmlformats.org/drawingml/2006/compatibility" xmlns:p14="http://schemas.microsoft.com/office/powerpoint/2010/main" xmlns:p15="http://schemas.microsoft.com/office/powerpoint/2012/main" xmlns:ahyp="http://schemas.microsoft.com/office/drawing/2018/hyperlinkcolor">
+<p:sld xmlns:a="http://schemas.openxmlformats.org/drawingml/2006/main" xmlns:r="http://schemas.openxmlformats.org/officeDocument/2006/relationships" xmlns:p="http://schemas.openxmlformats.org/presentationml/2006/main">
   <p:cSld>
     <p:spTree>
       <p:nvGrpSpPr>
-        <p:cNvPr id="113" name="Shape 113"/>
+        <p:cNvPr id="1" name="Shape 113"/>
         <p:cNvGrpSpPr/>
         <p:nvPr/>
       </p:nvGrpSpPr>
@@ -11183,7 +11292,9 @@
       <p:sp>
         <p:nvSpPr>
           <p:cNvPr id="114" name="Google Shape;114;p17"/>
-          <p:cNvSpPr txBox="1"/>
+          <p:cNvSpPr txBox="1">
+            <a:spLocks noGrp="1"/>
+          </p:cNvSpPr>
           <p:nvPr>
             <p:ph type="title"/>
           </p:nvPr>
@@ -11198,12 +11309,12 @@
           </a:prstGeom>
         </p:spPr>
         <p:txBody>
-          <a:bodyPr anchorCtr="0" anchor="t" bIns="91425" lIns="91425" spcFirstLastPara="1" rIns="91425" wrap="square" tIns="91425">
+          <a:bodyPr spcFirstLastPara="1" wrap="square" lIns="91425" tIns="91425" rIns="91425" bIns="91425" anchor="t" anchorCtr="0">
             <a:noAutofit/>
           </a:bodyPr>
           <a:lstStyle/>
           <a:p>
-            <a:pPr indent="0" lvl="0" marL="0" rtl="0" algn="l">
+            <a:pPr marL="0" lvl="0" indent="0" algn="l" rtl="0">
               <a:spcBef>
                 <a:spcPts val="0"/>
               </a:spcBef>
@@ -11230,33 +11341,29 @@
       <p:sp>
         <p:nvSpPr>
           <p:cNvPr id="115" name="Google Shape;115;p17"/>
-          <p:cNvSpPr txBox="1"/>
+          <p:cNvSpPr txBox="1">
+            <a:spLocks noGrp="1"/>
+          </p:cNvSpPr>
           <p:nvPr>
-            <p:ph idx="1" type="body"/>
+            <p:ph type="body" idx="1"/>
           </p:nvPr>
         </p:nvSpPr>
         <p:spPr>
           <a:xfrm>
-            <a:off x="729450" y="2078875"/>
-            <a:ext cx="7688700" cy="2261100"/>
+            <a:off x="729450" y="1853850"/>
+            <a:ext cx="7688700" cy="3095420"/>
           </a:xfrm>
           <a:prstGeom prst="rect">
             <a:avLst/>
           </a:prstGeom>
         </p:spPr>
         <p:txBody>
-          <a:bodyPr anchorCtr="0" anchor="t" bIns="91425" lIns="91425" spcFirstLastPara="1" rIns="91425" wrap="square" tIns="91425">
+          <a:bodyPr spcFirstLastPara="1" wrap="square" lIns="91425" tIns="91425" rIns="91425" bIns="91425" anchor="t" anchorCtr="0">
             <a:noAutofit/>
           </a:bodyPr>
           <a:lstStyle/>
           <a:p>
-            <a:pPr indent="-317500" lvl="0" marL="457200" rtl="0" algn="l">
-              <a:spcBef>
-                <a:spcPts val="0"/>
-              </a:spcBef>
-              <a:spcAft>
-                <a:spcPts val="0"/>
-              </a:spcAft>
+            <a:pPr lvl="0" indent="-317500">
               <a:buClr>
                 <a:srgbClr val="333333"/>
               </a:buClr>
@@ -11265,7 +11372,7 @@
               <a:buChar char="●"/>
             </a:pPr>
             <a:r>
-              <a:rPr b="1" lang="ru" sz="1400">
+              <a:rPr lang="en-US" sz="1400" b="1" dirty="0">
                 <a:solidFill>
                   <a:srgbClr val="333333"/>
                 </a:solidFill>
@@ -11274,9 +11381,223 @@
                 <a:cs typeface="Arial"/>
                 <a:sym typeface="Arial"/>
               </a:rPr>
-              <a:t>compile </a:t>
-            </a:r>
-            <a:endParaRPr sz="1400">
+              <a:t>C</a:t>
+            </a:r>
+            <a:r>
+              <a:rPr lang="ru" sz="1400" b="1" dirty="0">
+                <a:solidFill>
+                  <a:srgbClr val="333333"/>
+                </a:solidFill>
+                <a:latin typeface="Arial"/>
+                <a:ea typeface="Arial"/>
+                <a:cs typeface="Arial"/>
+                <a:sym typeface="Arial"/>
+              </a:rPr>
+              <a:t>ompile </a:t>
+            </a:r>
+            <a:r>
+              <a:rPr lang="en-US" sz="1400" b="1" dirty="0">
+                <a:solidFill>
+                  <a:srgbClr val="333333"/>
+                </a:solidFill>
+                <a:latin typeface="Arial"/>
+                <a:ea typeface="Arial"/>
+                <a:cs typeface="Arial"/>
+                <a:sym typeface="Arial"/>
+              </a:rPr>
+              <a:t>- </a:t>
+            </a:r>
+            <a:r>
+              <a:rPr lang="ru-RU" sz="1200" dirty="0">
+                <a:latin typeface="+mn-lt"/>
+                <a:ea typeface="Arial"/>
+                <a:cs typeface="Arial"/>
+                <a:sym typeface="Arial"/>
+              </a:rPr>
+              <a:t>О</a:t>
+            </a:r>
+            <a:r>
+              <a:rPr lang="ru-RU" sz="1200" dirty="0">
+                <a:latin typeface="+mn-lt"/>
+              </a:rPr>
+              <a:t>бласть по умолчанию, используется, если scope не определена. Compile зависимости доступны во всех classpath проекта;</a:t>
+            </a:r>
+            <a:endParaRPr sz="1200" dirty="0">
+              <a:latin typeface="Lato" panose="020B0604020202020204" charset="0"/>
+              <a:ea typeface="Arial"/>
+              <a:cs typeface="Arial"/>
+              <a:sym typeface="Arial"/>
+            </a:endParaRPr>
+          </a:p>
+          <a:p>
+            <a:pPr lvl="0" indent="-317500">
+              <a:buClr>
+                <a:srgbClr val="333333"/>
+              </a:buClr>
+              <a:buSzPts val="1400"/>
+              <a:buFont typeface="Arial"/>
+              <a:buChar char="●"/>
+            </a:pPr>
+            <a:r>
+              <a:rPr lang="en-US" sz="1400" b="1" dirty="0">
+                <a:solidFill>
+                  <a:srgbClr val="333333"/>
+                </a:solidFill>
+                <a:latin typeface="Arial"/>
+                <a:ea typeface="Arial"/>
+                <a:cs typeface="Arial"/>
+                <a:sym typeface="Arial"/>
+              </a:rPr>
+              <a:t>P</a:t>
+            </a:r>
+            <a:r>
+              <a:rPr lang="ru" sz="1400" b="1" dirty="0">
+                <a:solidFill>
+                  <a:srgbClr val="333333"/>
+                </a:solidFill>
+                <a:latin typeface="Arial"/>
+                <a:ea typeface="Arial"/>
+                <a:cs typeface="Arial"/>
+                <a:sym typeface="Arial"/>
+              </a:rPr>
+              <a:t>rovided</a:t>
+            </a:r>
+            <a:r>
+              <a:rPr lang="en-US" sz="1400" b="1" dirty="0">
+                <a:solidFill>
+                  <a:srgbClr val="333333"/>
+                </a:solidFill>
+                <a:latin typeface="Arial"/>
+                <a:ea typeface="Arial"/>
+                <a:cs typeface="Arial"/>
+                <a:sym typeface="Arial"/>
+              </a:rPr>
+              <a:t> </a:t>
+            </a:r>
+            <a:r>
+              <a:rPr lang="ru-RU" sz="1400" b="1" dirty="0">
+                <a:solidFill>
+                  <a:srgbClr val="333333"/>
+                </a:solidFill>
+                <a:latin typeface="Arial"/>
+                <a:ea typeface="Arial"/>
+                <a:cs typeface="Arial"/>
+                <a:sym typeface="Arial"/>
+              </a:rPr>
+              <a:t>-</a:t>
+            </a:r>
+            <a:r>
+              <a:rPr lang="ru" sz="1400" b="1" dirty="0">
+                <a:solidFill>
+                  <a:srgbClr val="333333"/>
+                </a:solidFill>
+                <a:latin typeface="Arial"/>
+                <a:ea typeface="Arial"/>
+                <a:cs typeface="Arial"/>
+                <a:sym typeface="Arial"/>
+              </a:rPr>
+              <a:t> </a:t>
+            </a:r>
+            <a:r>
+              <a:rPr lang="en-US" sz="1400" b="1" dirty="0">
+                <a:solidFill>
+                  <a:srgbClr val="333333"/>
+                </a:solidFill>
+                <a:latin typeface="Arial"/>
+                <a:ea typeface="Arial"/>
+                <a:cs typeface="Arial"/>
+                <a:sym typeface="Arial"/>
+              </a:rPr>
+              <a:t> </a:t>
+            </a:r>
+            <a:r>
+              <a:rPr lang="ru-RU" sz="1200" dirty="0"/>
+              <a:t>Эта зависимость в сборку не попадает. Предполагается, что зависимость (артефакт) уже присутствует в JDK или в WEB-контейнере. Эта область доступна только на этапах компиляции и тестирования и не является транзитивной; </a:t>
+            </a:r>
+            <a:r>
+              <a:rPr lang="ru-RU" sz="1200" b="1" i="1" dirty="0"/>
+              <a:t>Пример: контейнер сервлетов</a:t>
+            </a:r>
+            <a:endParaRPr sz="1200" b="1" i="1" dirty="0">
+              <a:solidFill>
+                <a:srgbClr val="333333"/>
+              </a:solidFill>
+              <a:latin typeface="Lato" panose="020B0604020202020204" charset="0"/>
+              <a:ea typeface="Arial"/>
+              <a:cs typeface="Arial"/>
+              <a:sym typeface="Arial"/>
+            </a:endParaRPr>
+          </a:p>
+          <a:p>
+            <a:r>
+              <a:rPr lang="en-US" sz="1400" b="1" dirty="0">
+                <a:solidFill>
+                  <a:srgbClr val="333333"/>
+                </a:solidFill>
+                <a:latin typeface="Arial"/>
+                <a:ea typeface="Arial"/>
+                <a:cs typeface="Arial"/>
+                <a:sym typeface="Arial"/>
+              </a:rPr>
+              <a:t>R</a:t>
+            </a:r>
+            <a:r>
+              <a:rPr lang="ru" sz="1400" b="1" dirty="0">
+                <a:solidFill>
+                  <a:srgbClr val="333333"/>
+                </a:solidFill>
+                <a:latin typeface="Arial"/>
+                <a:ea typeface="Arial"/>
+                <a:cs typeface="Arial"/>
+                <a:sym typeface="Arial"/>
+              </a:rPr>
+              <a:t>untime</a:t>
+            </a:r>
+            <a:r>
+              <a:rPr lang="en-US" sz="1400" b="1" dirty="0">
+                <a:solidFill>
+                  <a:srgbClr val="333333"/>
+                </a:solidFill>
+                <a:latin typeface="Arial"/>
+                <a:ea typeface="Arial"/>
+                <a:cs typeface="Arial"/>
+                <a:sym typeface="Arial"/>
+              </a:rPr>
+              <a:t> </a:t>
+            </a:r>
+            <a:r>
+              <a:rPr lang="ru-RU" sz="1400" b="1" dirty="0">
+                <a:solidFill>
+                  <a:srgbClr val="333333"/>
+                </a:solidFill>
+                <a:latin typeface="Arial"/>
+                <a:ea typeface="Arial"/>
+                <a:cs typeface="Arial"/>
+                <a:sym typeface="Arial"/>
+              </a:rPr>
+              <a:t>-</a:t>
+            </a:r>
+            <a:r>
+              <a:rPr lang="ru" sz="1400" b="1" dirty="0">
+                <a:solidFill>
+                  <a:srgbClr val="333333"/>
+                </a:solidFill>
+                <a:latin typeface="Arial"/>
+                <a:ea typeface="Arial"/>
+                <a:cs typeface="Arial"/>
+                <a:sym typeface="Arial"/>
+              </a:rPr>
+              <a:t> </a:t>
+            </a:r>
+            <a:r>
+              <a:rPr lang="ru-RU" sz="1200" dirty="0"/>
+              <a:t>зависимость с данной областью видимости не обязательна для compilation и используется в фазе выполнения; </a:t>
+            </a:r>
+            <a:r>
+              <a:rPr lang="ru-RU" sz="1200" b="1" i="1" dirty="0"/>
+              <a:t>Пример: JDBC драйвер</a:t>
+            </a:r>
+            <a:endParaRPr sz="1400" b="1" dirty="0">
               <a:solidFill>
                 <a:srgbClr val="333333"/>
               </a:solidFill>
@@ -11287,13 +11608,7 @@
             </a:endParaRPr>
           </a:p>
           <a:p>
-            <a:pPr indent="-317500" lvl="0" marL="457200" rtl="0" algn="l">
-              <a:spcBef>
-                <a:spcPts val="0"/>
-              </a:spcBef>
-              <a:spcAft>
-                <a:spcPts val="0"/>
-              </a:spcAft>
+            <a:pPr lvl="0" indent="-317500">
               <a:buClr>
                 <a:srgbClr val="333333"/>
               </a:buClr>
@@ -11302,7 +11617,7 @@
               <a:buChar char="●"/>
             </a:pPr>
             <a:r>
-              <a:rPr b="1" lang="ru" sz="1400">
+              <a:rPr lang="en-US" sz="1400" b="1" dirty="0">
                 <a:solidFill>
                   <a:srgbClr val="333333"/>
                 </a:solidFill>
@@ -11311,9 +11626,49 @@
                 <a:cs typeface="Arial"/>
                 <a:sym typeface="Arial"/>
               </a:rPr>
-              <a:t>provided </a:t>
-            </a:r>
-            <a:endParaRPr b="1" sz="1400">
+              <a:t>T</a:t>
+            </a:r>
+            <a:r>
+              <a:rPr lang="ru" sz="1400" b="1" dirty="0">
+                <a:solidFill>
+                  <a:srgbClr val="333333"/>
+                </a:solidFill>
+                <a:latin typeface="Arial"/>
+                <a:ea typeface="Arial"/>
+                <a:cs typeface="Arial"/>
+                <a:sym typeface="Arial"/>
+              </a:rPr>
+              <a:t>est</a:t>
+            </a:r>
+            <a:r>
+              <a:rPr lang="en-US" sz="1400" b="1" dirty="0">
+                <a:solidFill>
+                  <a:srgbClr val="333333"/>
+                </a:solidFill>
+                <a:latin typeface="Arial"/>
+                <a:ea typeface="Arial"/>
+                <a:cs typeface="Arial"/>
+                <a:sym typeface="Arial"/>
+              </a:rPr>
+              <a:t> </a:t>
+            </a:r>
+            <a:r>
+              <a:rPr lang="ru-RU" sz="1400" b="1" dirty="0">
+                <a:solidFill>
+                  <a:srgbClr val="333333"/>
+                </a:solidFill>
+                <a:latin typeface="Arial"/>
+                <a:ea typeface="Arial"/>
+                <a:cs typeface="Arial"/>
+                <a:sym typeface="Arial"/>
+              </a:rPr>
+              <a:t>- </a:t>
+            </a:r>
+            <a:r>
+              <a:rPr lang="ru-RU" dirty="0"/>
+              <a:t>зависимость используется при тестировании кода приложения;</a:t>
+            </a:r>
+            <a:endParaRPr sz="1400" b="1" dirty="0">
               <a:solidFill>
                 <a:srgbClr val="333333"/>
               </a:solidFill>
@@ -11324,13 +11679,7 @@
             </a:endParaRPr>
           </a:p>
           <a:p>
-            <a:pPr indent="-317500" lvl="0" marL="457200" rtl="0" algn="l">
-              <a:spcBef>
-                <a:spcPts val="0"/>
-              </a:spcBef>
-              <a:spcAft>
-                <a:spcPts val="0"/>
-              </a:spcAft>
+            <a:pPr lvl="0" indent="-317500">
               <a:buClr>
                 <a:srgbClr val="333333"/>
               </a:buClr>
@@ -11339,7 +11688,7 @@
               <a:buChar char="●"/>
             </a:pPr>
             <a:r>
-              <a:rPr b="1" lang="ru" sz="1400">
+              <a:rPr lang="en-US" sz="1400" b="1" dirty="0">
                 <a:solidFill>
                   <a:srgbClr val="333333"/>
                 </a:solidFill>
@@ -11348,26 +11697,72 @@
                 <a:cs typeface="Arial"/>
                 <a:sym typeface="Arial"/>
               </a:rPr>
-              <a:t>runtime </a:t>
-            </a:r>
-            <a:endParaRPr b="1" sz="1400">
+              <a:t>S</a:t>
+            </a:r>
+            <a:r>
+              <a:rPr lang="ru" sz="1400" b="1" dirty="0">
+                <a:solidFill>
+                  <a:srgbClr val="333333"/>
+                </a:solidFill>
+                <a:latin typeface="Arial"/>
+                <a:ea typeface="Arial"/>
+                <a:cs typeface="Arial"/>
+                <a:sym typeface="Arial"/>
+              </a:rPr>
+              <a:t>ystem</a:t>
+            </a:r>
+            <a:r>
+              <a:rPr lang="en-US" sz="1400" b="1" dirty="0">
+                <a:solidFill>
+                  <a:srgbClr val="333333"/>
+                </a:solidFill>
+                <a:latin typeface="Arial"/>
+                <a:ea typeface="Arial"/>
+                <a:cs typeface="Arial"/>
+                <a:sym typeface="Arial"/>
+              </a:rPr>
+              <a:t> </a:t>
+            </a:r>
+            <a:r>
+              <a:rPr lang="ru-RU" sz="1400" b="1" dirty="0">
+                <a:solidFill>
+                  <a:srgbClr val="333333"/>
+                </a:solidFill>
+                <a:latin typeface="Arial"/>
+                <a:ea typeface="Arial"/>
+                <a:cs typeface="Arial"/>
+                <a:sym typeface="Arial"/>
+              </a:rPr>
+              <a:t>- </a:t>
+            </a:r>
+            <a:r>
+              <a:rPr lang="ru-RU" sz="1200" dirty="0"/>
+              <a:t>область похожа на provided за исключением того, что необходимо определить физическое расположение артефакта на диске. Артефакт с этой областью видимости maven не ищет в репозитории;</a:t>
+            </a:r>
+            <a:r>
+              <a:rPr lang="ru" sz="1200" b="1" dirty="0">
+                <a:solidFill>
+                  <a:srgbClr val="333333"/>
+                </a:solidFill>
+                <a:latin typeface="Arial"/>
+                <a:ea typeface="Arial"/>
+                <a:cs typeface="Arial"/>
+                <a:sym typeface="Arial"/>
+              </a:rPr>
+              <a:t> </a:t>
+            </a:r>
+            <a:endParaRPr sz="1200" b="1" dirty="0">
               <a:solidFill>
                 <a:srgbClr val="333333"/>
               </a:solidFill>
-              <a:latin typeface="Arial"/>
+              <a:latin typeface="Lato" panose="020B0604020202020204" charset="0"/>
               <a:ea typeface="Arial"/>
               <a:cs typeface="Arial"/>
               <a:sym typeface="Arial"/>
             </a:endParaRPr>
           </a:p>
           <a:p>
-            <a:pPr indent="-317500" lvl="0" marL="457200" rtl="0" algn="l">
-              <a:spcBef>
-                <a:spcPts val="0"/>
-              </a:spcBef>
-              <a:spcAft>
-                <a:spcPts val="0"/>
-              </a:spcAft>
+            <a:pPr lvl="0" indent="-317500">
               <a:buClr>
                 <a:srgbClr val="333333"/>
               </a:buClr>
@@ -11376,7 +11771,7 @@
               <a:buChar char="●"/>
             </a:pPr>
             <a:r>
-              <a:rPr b="1" lang="ru" sz="1400">
+              <a:rPr lang="en-US" sz="1400" b="1" dirty="0">
                 <a:solidFill>
                   <a:srgbClr val="333333"/>
                 </a:solidFill>
@@ -11385,35 +11780,10 @@
                 <a:cs typeface="Arial"/>
                 <a:sym typeface="Arial"/>
               </a:rPr>
-              <a:t>test</a:t>
-            </a:r>
-            <a:endParaRPr b="1" sz="1400">
-              <a:solidFill>
-                <a:srgbClr val="333333"/>
-              </a:solidFill>
-              <a:latin typeface="Arial"/>
-              <a:ea typeface="Arial"/>
-              <a:cs typeface="Arial"/>
-              <a:sym typeface="Arial"/>
-            </a:endParaRPr>
-          </a:p>
-          <a:p>
-            <a:pPr indent="-317500" lvl="0" marL="457200" rtl="0" algn="l">
-              <a:spcBef>
-                <a:spcPts val="0"/>
-              </a:spcBef>
-              <a:spcAft>
-                <a:spcPts val="0"/>
-              </a:spcAft>
-              <a:buClr>
-                <a:srgbClr val="333333"/>
-              </a:buClr>
-              <a:buSzPts val="1400"/>
-              <a:buFont typeface="Arial"/>
-              <a:buChar char="●"/>
-            </a:pPr>
-            <a:r>
-              <a:rPr b="1" lang="ru" sz="1400">
+              <a:t>I</a:t>
+            </a:r>
+            <a:r>
+              <a:rPr lang="ru" sz="1400" b="1" dirty="0">
                 <a:solidFill>
                   <a:srgbClr val="333333"/>
                 </a:solidFill>
@@ -11422,46 +11792,13 @@
                 <a:cs typeface="Arial"/>
                 <a:sym typeface="Arial"/>
               </a:rPr>
-              <a:t>system </a:t>
-            </a:r>
-            <a:endParaRPr b="1" sz="1400">
-              <a:solidFill>
-                <a:srgbClr val="333333"/>
-              </a:solidFill>
-              <a:latin typeface="Arial"/>
-              <a:ea typeface="Arial"/>
-              <a:cs typeface="Arial"/>
-              <a:sym typeface="Arial"/>
-            </a:endParaRPr>
-          </a:p>
-          <a:p>
-            <a:pPr indent="-317500" lvl="0" marL="457200" rtl="0" algn="l">
-              <a:spcBef>
-                <a:spcPts val="0"/>
-              </a:spcBef>
-              <a:spcAft>
-                <a:spcPts val="0"/>
-              </a:spcAft>
-              <a:buClr>
-                <a:srgbClr val="333333"/>
-              </a:buClr>
-              <a:buSzPts val="1400"/>
-              <a:buFont typeface="Arial"/>
-              <a:buChar char="●"/>
-            </a:pPr>
-            <a:r>
-              <a:rPr b="1" lang="ru" sz="1400">
-                <a:solidFill>
-                  <a:srgbClr val="333333"/>
-                </a:solidFill>
-                <a:latin typeface="Arial"/>
-                <a:ea typeface="Arial"/>
-                <a:cs typeface="Arial"/>
-                <a:sym typeface="Arial"/>
-              </a:rPr>
-              <a:t>import </a:t>
-            </a:r>
-            <a:endParaRPr b="1" sz="1400">
+              <a:t>mport - </a:t>
+            </a:r>
+            <a:r>
+              <a:rPr lang="ru-RU" dirty="0"/>
+              <a:t>используется для импорта зависимостей из других артефактов и управлением зависимостями в сложных пакетах, состоящих из нескольких артефактов.</a:t>
+            </a:r>
+            <a:endParaRPr sz="1400" b="1" dirty="0">
               <a:latin typeface="Arial"/>
               <a:ea typeface="Arial"/>
               <a:cs typeface="Arial"/>
@@ -11478,32 +11815,32 @@
   <p:timing>
     <p:tnLst>
       <p:par>
-        <p:cTn dur="indefinite" nodeType="tmRoot" restart="never">
+        <p:cTn id="1" dur="indefinite" restart="never" nodeType="tmRoot">
           <p:childTnLst>
             <p:seq concurrent="1" nextAc="seek">
-              <p:cTn dur="indefinite" id="2" nodeType="mainSeq">
+              <p:cTn id="2" dur="indefinite" nodeType="mainSeq">
                 <p:childTnLst>
                   <p:par>
-                    <p:cTn fill="hold">
+                    <p:cTn id="3" fill="hold">
                       <p:stCondLst>
                         <p:cond delay="indefinite"/>
                       </p:stCondLst>
                       <p:childTnLst>
                         <p:par>
-                          <p:cTn fill="hold">
+                          <p:cTn id="4" fill="hold">
                             <p:stCondLst>
                               <p:cond delay="0"/>
                             </p:stCondLst>
                             <p:childTnLst>
                               <p:par>
-                                <p:cTn fill="hold" nodeType="clickEffect" presetClass="entr" presetID="1" presetSubtype="0">
+                                <p:cTn id="5" presetID="1" presetClass="entr" presetSubtype="0" fill="hold" nodeType="clickEffect">
                                   <p:stCondLst>
                                     <p:cond delay="0"/>
                                   </p:stCondLst>
                                   <p:childTnLst>
                                     <p:set>
                                       <p:cBhvr>
-                                        <p:cTn dur="1" fill="hold">
+                                        <p:cTn id="6" dur="1" fill="hold">
                                           <p:stCondLst>
                                             <p:cond delay="0"/>
                                           </p:stCondLst>
@@ -11531,14 +11868,14 @@
                 </p:childTnLst>
               </p:cTn>
               <p:prevCondLst>
-                <p:cond evt="onPrev">
+                <p:cond evt="onPrev" delay="0">
                   <p:tgtEl>
                     <p:sldTgt/>
                   </p:tgtEl>
                 </p:cond>
               </p:prevCondLst>
               <p:nextCondLst>
-                <p:cond evt="onNext">
+                <p:cond evt="onNext" delay="0">
                   <p:tgtEl>
                     <p:sldTgt/>
                   </p:tgtEl>
@@ -11554,11 +11891,11 @@
 </file>
 
 <file path=ppt/slides/slide6.xml><?xml version="1.0" encoding="utf-8"?>
-<p:sld xmlns:a="http://schemas.openxmlformats.org/drawingml/2006/main" xmlns:r="http://schemas.openxmlformats.org/officeDocument/2006/relationships" xmlns:mc="http://schemas.openxmlformats.org/markup-compatibility/2006" xmlns:mv="urn:schemas-microsoft-com:mac:vml" xmlns:p="http://schemas.openxmlformats.org/presentationml/2006/main" xmlns:c="http://schemas.openxmlformats.org/drawingml/2006/chart" xmlns:dgm="http://schemas.openxmlformats.org/drawingml/2006/diagram" xmlns:o="urn:schemas-microsoft-com:office:office" xmlns:v="urn:schemas-microsoft-com:vml" xmlns:pvml="urn:schemas-microsoft-com:office:powerpoint" xmlns:com="http://schemas.openxmlformats.org/drawingml/2006/compatibility" xmlns:p14="http://schemas.microsoft.com/office/powerpoint/2010/main" xmlns:p15="http://schemas.microsoft.com/office/powerpoint/2012/main" xmlns:ahyp="http://schemas.microsoft.com/office/drawing/2018/hyperlinkcolor">
+<p:sld xmlns:a="http://schemas.openxmlformats.org/drawingml/2006/main" xmlns:r="http://schemas.openxmlformats.org/officeDocument/2006/relationships" xmlns:p="http://schemas.openxmlformats.org/presentationml/2006/main">
   <p:cSld>
     <p:spTree>
       <p:nvGrpSpPr>
-        <p:cNvPr id="119" name="Shape 119"/>
+        <p:cNvPr id="1" name="Shape 119"/>
         <p:cNvGrpSpPr/>
         <p:nvPr/>
       </p:nvGrpSpPr>
@@ -11573,7 +11910,9 @@
       <p:sp>
         <p:nvSpPr>
           <p:cNvPr id="120" name="Google Shape;120;p18"/>
-          <p:cNvSpPr txBox="1"/>
+          <p:cNvSpPr txBox="1">
+            <a:spLocks noGrp="1"/>
+          </p:cNvSpPr>
           <p:nvPr>
             <p:ph type="title"/>
           </p:nvPr>
@@ -11588,12 +11927,12 @@
           </a:prstGeom>
         </p:spPr>
         <p:txBody>
-          <a:bodyPr anchorCtr="0" anchor="t" bIns="91425" lIns="91425" spcFirstLastPara="1" rIns="91425" wrap="square" tIns="91425">
+          <a:bodyPr spcFirstLastPara="1" wrap="square" lIns="91425" tIns="91425" rIns="91425" bIns="91425" anchor="t" anchorCtr="0">
             <a:noAutofit/>
           </a:bodyPr>
           <a:lstStyle/>
           <a:p>
-            <a:pPr indent="0" lvl="0" marL="0" rtl="0" algn="l">
+            <a:pPr marL="0" lvl="0" indent="0" algn="l" rtl="0">
               <a:spcBef>
                 <a:spcPts val="0"/>
               </a:spcBef>
@@ -11613,9 +11952,11 @@
       <p:sp>
         <p:nvSpPr>
           <p:cNvPr id="121" name="Google Shape;121;p18"/>
-          <p:cNvSpPr txBox="1"/>
+          <p:cNvSpPr txBox="1">
+            <a:spLocks noGrp="1"/>
+          </p:cNvSpPr>
           <p:nvPr>
-            <p:ph idx="1" type="body"/>
+            <p:ph type="body" idx="1"/>
           </p:nvPr>
         </p:nvSpPr>
         <p:spPr>
@@ -11628,12 +11969,12 @@
           </a:prstGeom>
         </p:spPr>
         <p:txBody>
-          <a:bodyPr anchorCtr="0" anchor="t" bIns="91425" lIns="91425" spcFirstLastPara="1" rIns="91425" wrap="square" tIns="91425">
+          <a:bodyPr spcFirstLastPara="1" wrap="square" lIns="91425" tIns="91425" rIns="91425" bIns="91425" anchor="t" anchorCtr="0">
             <a:noAutofit/>
           </a:bodyPr>
           <a:lstStyle/>
           <a:p>
-            <a:pPr indent="0" lvl="0" marL="0" rtl="0" algn="l">
+            <a:pPr marL="0" lvl="0" indent="0" algn="l" rtl="0">
               <a:spcBef>
                 <a:spcPts val="0"/>
               </a:spcBef>
@@ -11671,7 +12012,7 @@
             </a:endParaRPr>
           </a:p>
           <a:p>
-            <a:pPr indent="0" lvl="0" marL="0" marR="152400" rtl="0" algn="l">
+            <a:pPr marL="0" marR="152400" lvl="0" indent="0" algn="l" rtl="0">
               <a:lnSpc>
                 <a:spcPct val="145000"/>
               </a:lnSpc>
@@ -11712,7 +12053,7 @@
             </a:endParaRPr>
           </a:p>
           <a:p>
-            <a:pPr indent="0" lvl="0" marL="0" rtl="0" algn="l">
+            <a:pPr marL="0" lvl="0" indent="0" algn="l" rtl="0">
               <a:spcBef>
                 <a:spcPts val="1200"/>
               </a:spcBef>
@@ -11721,9 +12062,6 @@
               </a:spcAft>
               <a:buNone/>
             </a:pPr>
-            <a:r>
-              <a:t/>
-            </a:r>
             <a:endParaRPr/>
           </a:p>
         </p:txBody>
@@ -11762,12 +12100,12 @@
             </a:ln>
           </p:spPr>
           <p:txBody>
-            <a:bodyPr anchorCtr="0" anchor="t" bIns="91425" lIns="91425" spcFirstLastPara="1" rIns="91425" wrap="square" tIns="91425">
+            <a:bodyPr spcFirstLastPara="1" wrap="square" lIns="91425" tIns="91425" rIns="91425" bIns="91425" anchor="t" anchorCtr="0">
               <a:noAutofit/>
             </a:bodyPr>
             <a:lstStyle/>
             <a:p>
-              <a:pPr indent="0" lvl="0" marL="0" rtl="0" algn="l">
+              <a:pPr marL="0" lvl="0" indent="0" algn="l" rtl="0">
                 <a:spcBef>
                   <a:spcPts val="0"/>
                 </a:spcBef>
@@ -11835,7 +12173,7 @@
               </a:endParaRPr>
             </a:p>
             <a:p>
-              <a:pPr indent="0" lvl="0" marL="0" rtl="0" algn="l">
+              <a:pPr marL="0" lvl="0" indent="0" algn="l" rtl="0">
                 <a:spcBef>
                   <a:spcPts val="0"/>
                 </a:spcBef>
@@ -11933,7 +12271,7 @@
               </a:endParaRPr>
             </a:p>
             <a:p>
-              <a:pPr indent="0" lvl="0" marL="0" rtl="0" algn="l">
+              <a:pPr marL="0" lvl="0" indent="0" algn="l" rtl="0">
                 <a:spcBef>
                   <a:spcPts val="0"/>
                 </a:spcBef>
@@ -12031,7 +12369,7 @@
               </a:endParaRPr>
             </a:p>
             <a:p>
-              <a:pPr indent="0" lvl="0" marL="0" rtl="0" algn="l">
+              <a:pPr marL="0" lvl="0" indent="0" algn="l" rtl="0">
                 <a:spcBef>
                   <a:spcPts val="0"/>
                 </a:spcBef>
@@ -12129,7 +12467,7 @@
               </a:endParaRPr>
             </a:p>
             <a:p>
-              <a:pPr indent="0" lvl="0" marL="0" rtl="0" algn="l">
+              <a:pPr marL="0" lvl="0" indent="0" algn="l" rtl="0">
                 <a:spcBef>
                   <a:spcPts val="0"/>
                 </a:spcBef>
@@ -12227,7 +12565,7 @@
               </a:endParaRPr>
             </a:p>
             <a:p>
-              <a:pPr indent="0" lvl="0" marL="0" rtl="0" algn="l">
+              <a:pPr marL="0" lvl="0" indent="0" algn="l" rtl="0">
                 <a:spcBef>
                   <a:spcPts val="0"/>
                 </a:spcBef>
@@ -12295,7 +12633,7 @@
               </a:endParaRPr>
             </a:p>
             <a:p>
-              <a:pPr indent="0" lvl="0" marL="0" rtl="0" algn="l">
+              <a:pPr marL="0" lvl="0" indent="0" algn="l" rtl="0">
                 <a:spcBef>
                   <a:spcPts val="0"/>
                 </a:spcBef>
@@ -12320,7 +12658,7 @@
                 <a:t>        </a:t>
               </a:r>
               <a:r>
-                <a:rPr b="1" lang="ru" sz="1000">
+                <a:rPr lang="ru" sz="1000" b="1">
                   <a:solidFill>
                     <a:srgbClr val="333333"/>
                   </a:solidFill>
@@ -12335,7 +12673,7 @@
                 <a:t>&lt;</a:t>
               </a:r>
               <a:r>
-                <a:rPr b="1" lang="ru" sz="1000">
+                <a:rPr lang="ru" sz="1000" b="1">
                   <a:solidFill>
                     <a:srgbClr val="000080"/>
                   </a:solidFill>
@@ -12350,7 +12688,7 @@
                 <a:t>exclusion</a:t>
               </a:r>
               <a:r>
-                <a:rPr b="1" lang="ru" sz="1000">
+                <a:rPr lang="ru" sz="1000" b="1">
                   <a:solidFill>
                     <a:srgbClr val="333333"/>
                   </a:solidFill>
@@ -12365,7 +12703,7 @@
                 <a:t>&gt;  </a:t>
               </a:r>
               <a:r>
-                <a:rPr b="1" lang="ru" sz="1000">
+                <a:rPr lang="ru" sz="1000" b="1">
                   <a:solidFill>
                     <a:srgbClr val="808080"/>
                   </a:solidFill>
@@ -12379,7 +12717,7 @@
                 </a:rPr>
                 <a:t>&lt;!-- declare the exclusion here --&gt;</a:t>
               </a:r>
-              <a:endParaRPr b="1" sz="1000">
+              <a:endParaRPr sz="1000" b="1">
                 <a:solidFill>
                   <a:srgbClr val="333333"/>
                 </a:solidFill>
@@ -12393,7 +12731,7 @@
               </a:endParaRPr>
             </a:p>
             <a:p>
-              <a:pPr indent="0" lvl="0" marL="0" rtl="0" algn="l">
+              <a:pPr marL="0" lvl="0" indent="0" algn="l" rtl="0">
                 <a:spcBef>
                   <a:spcPts val="0"/>
                 </a:spcBef>
@@ -12403,7 +12741,7 @@
                 <a:buNone/>
               </a:pPr>
               <a:r>
-                <a:rPr b="1" lang="ru" sz="1000">
+                <a:rPr lang="ru" sz="1000" b="1">
                   <a:solidFill>
                     <a:srgbClr val="333333"/>
                   </a:solidFill>
@@ -12418,7 +12756,7 @@
                 <a:t>          &lt;</a:t>
               </a:r>
               <a:r>
-                <a:rPr b="1" lang="ru" sz="1000">
+                <a:rPr lang="ru" sz="1000" b="1">
                   <a:solidFill>
                     <a:srgbClr val="000080"/>
                   </a:solidFill>
@@ -12433,7 +12771,7 @@
                 <a:t>groupId</a:t>
               </a:r>
               <a:r>
-                <a:rPr b="1" lang="ru" sz="1000">
+                <a:rPr lang="ru" sz="1000" b="1">
                   <a:solidFill>
                     <a:srgbClr val="333333"/>
                   </a:solidFill>
@@ -12448,7 +12786,7 @@
                 <a:t>&gt;sample.ProjectB&lt;/</a:t>
               </a:r>
               <a:r>
-                <a:rPr b="1" lang="ru" sz="1000">
+                <a:rPr lang="ru" sz="1000" b="1">
                   <a:solidFill>
                     <a:srgbClr val="000080"/>
                   </a:solidFill>
@@ -12463,7 +12801,7 @@
                 <a:t>groupId</a:t>
               </a:r>
               <a:r>
-                <a:rPr b="1" lang="ru" sz="1000">
+                <a:rPr lang="ru" sz="1000" b="1">
                   <a:solidFill>
                     <a:srgbClr val="333333"/>
                   </a:solidFill>
@@ -12477,7 +12815,7 @@
                 </a:rPr>
                 <a:t>&gt;</a:t>
               </a:r>
-              <a:endParaRPr b="1" sz="1000">
+              <a:endParaRPr sz="1000" b="1">
                 <a:solidFill>
                   <a:srgbClr val="333333"/>
                 </a:solidFill>
@@ -12491,7 +12829,7 @@
               </a:endParaRPr>
             </a:p>
             <a:p>
-              <a:pPr indent="0" lvl="0" marL="0" rtl="0" algn="l">
+              <a:pPr marL="0" lvl="0" indent="0" algn="l" rtl="0">
                 <a:spcBef>
                   <a:spcPts val="0"/>
                 </a:spcBef>
@@ -12501,7 +12839,7 @@
                 <a:buNone/>
               </a:pPr>
               <a:r>
-                <a:rPr b="1" lang="ru" sz="1000">
+                <a:rPr lang="ru" sz="1000" b="1">
                   <a:solidFill>
                     <a:srgbClr val="333333"/>
                   </a:solidFill>
@@ -12516,7 +12854,7 @@
                 <a:t>          &lt;</a:t>
               </a:r>
               <a:r>
-                <a:rPr b="1" lang="ru" sz="1000">
+                <a:rPr lang="ru" sz="1000" b="1">
                   <a:solidFill>
                     <a:srgbClr val="000080"/>
                   </a:solidFill>
@@ -12531,7 +12869,7 @@
                 <a:t>artifactId</a:t>
               </a:r>
               <a:r>
-                <a:rPr b="1" lang="ru" sz="1000">
+                <a:rPr lang="ru" sz="1000" b="1">
                   <a:solidFill>
                     <a:srgbClr val="333333"/>
                   </a:solidFill>
@@ -12546,7 +12884,7 @@
                 <a:t>&gt;Project-B&lt;/</a:t>
               </a:r>
               <a:r>
-                <a:rPr b="1" lang="ru" sz="1000">
+                <a:rPr lang="ru" sz="1000" b="1">
                   <a:solidFill>
                     <a:srgbClr val="000080"/>
                   </a:solidFill>
@@ -12561,7 +12899,7 @@
                 <a:t>artifactId</a:t>
               </a:r>
               <a:r>
-                <a:rPr b="1" lang="ru" sz="1000">
+                <a:rPr lang="ru" sz="1000" b="1">
                   <a:solidFill>
                     <a:srgbClr val="333333"/>
                   </a:solidFill>
@@ -12575,7 +12913,7 @@
                 </a:rPr>
                 <a:t>&gt;</a:t>
               </a:r>
-              <a:endParaRPr b="1" sz="1000">
+              <a:endParaRPr sz="1000" b="1">
                 <a:solidFill>
                   <a:srgbClr val="333333"/>
                 </a:solidFill>
@@ -12589,7 +12927,7 @@
               </a:endParaRPr>
             </a:p>
             <a:p>
-              <a:pPr indent="0" lvl="0" marL="0" rtl="0" algn="l">
+              <a:pPr marL="0" lvl="0" indent="0" algn="l" rtl="0">
                 <a:spcBef>
                   <a:spcPts val="0"/>
                 </a:spcBef>
@@ -12599,7 +12937,7 @@
                 <a:buNone/>
               </a:pPr>
               <a:r>
-                <a:rPr b="1" lang="ru" sz="1000">
+                <a:rPr lang="ru" sz="1000" b="1">
                   <a:solidFill>
                     <a:srgbClr val="333333"/>
                   </a:solidFill>
@@ -12614,7 +12952,7 @@
                 <a:t>        &lt;/</a:t>
               </a:r>
               <a:r>
-                <a:rPr b="1" lang="ru" sz="1000">
+                <a:rPr lang="ru" sz="1000" b="1">
                   <a:solidFill>
                     <a:srgbClr val="000080"/>
                   </a:solidFill>
@@ -12629,7 +12967,7 @@
                 <a:t>exclusion</a:t>
               </a:r>
               <a:r>
-                <a:rPr b="1" lang="ru" sz="1000">
+                <a:rPr lang="ru" sz="1000" b="1">
                   <a:solidFill>
                     <a:srgbClr val="333333"/>
                   </a:solidFill>
@@ -12643,7 +12981,7 @@
                 </a:rPr>
                 <a:t>&gt;</a:t>
               </a:r>
-              <a:endParaRPr b="1" sz="1000">
+              <a:endParaRPr sz="1000" b="1">
                 <a:solidFill>
                   <a:srgbClr val="333333"/>
                 </a:solidFill>
@@ -12657,7 +12995,7 @@
               </a:endParaRPr>
             </a:p>
             <a:p>
-              <a:pPr indent="0" lvl="0" marL="0" rtl="0" algn="l">
+              <a:pPr marL="0" lvl="0" indent="0" algn="l" rtl="0">
                 <a:spcBef>
                   <a:spcPts val="0"/>
                 </a:spcBef>
@@ -12725,7 +13063,7 @@
               </a:endParaRPr>
             </a:p>
             <a:p>
-              <a:pPr indent="0" lvl="0" marL="0" marR="152400" rtl="0" algn="l">
+              <a:pPr marL="0" marR="152400" lvl="0" indent="0" algn="l" rtl="0">
                 <a:lnSpc>
                   <a:spcPct val="145000"/>
                 </a:lnSpc>
@@ -12796,7 +13134,7 @@
               </a:endParaRPr>
             </a:p>
             <a:p>
-              <a:pPr indent="0" lvl="0" marL="0" rtl="0" algn="l">
+              <a:pPr marL="0" lvl="0" indent="0" algn="l" rtl="0">
                 <a:spcBef>
                   <a:spcPts val="1200"/>
                 </a:spcBef>
@@ -12805,9 +13143,6 @@
                 </a:spcAft>
                 <a:buNone/>
               </a:pPr>
-              <a:r>
-                <a:t/>
-              </a:r>
               <a:endParaRPr>
                 <a:latin typeface="Lato"/>
                 <a:ea typeface="Lato"/>
@@ -12837,12 +13172,12 @@
             </a:ln>
           </p:spPr>
           <p:txBody>
-            <a:bodyPr anchorCtr="0" anchor="t" bIns="91425" lIns="91425" spcFirstLastPara="1" rIns="91425" wrap="square" tIns="91425">
+            <a:bodyPr spcFirstLastPara="1" wrap="square" lIns="91425" tIns="91425" rIns="91425" bIns="91425" anchor="t" anchorCtr="0">
               <a:noAutofit/>
             </a:bodyPr>
             <a:lstStyle/>
             <a:p>
-              <a:pPr indent="0" lvl="0" marL="0" rtl="0" algn="l">
+              <a:pPr marL="0" lvl="0" indent="0" algn="l" rtl="0">
                 <a:spcBef>
                   <a:spcPts val="0"/>
                 </a:spcBef>
@@ -12868,32 +13203,32 @@
   <p:timing>
     <p:tnLst>
       <p:par>
-        <p:cTn dur="indefinite" nodeType="tmRoot" restart="never">
+        <p:cTn id="1" dur="indefinite" restart="never" nodeType="tmRoot">
           <p:childTnLst>
             <p:seq concurrent="1" nextAc="seek">
-              <p:cTn dur="indefinite" id="2" nodeType="mainSeq">
+              <p:cTn id="2" dur="indefinite" nodeType="mainSeq">
                 <p:childTnLst>
                   <p:par>
-                    <p:cTn fill="hold">
+                    <p:cTn id="3" fill="hold">
                       <p:stCondLst>
                         <p:cond delay="indefinite"/>
                       </p:stCondLst>
                       <p:childTnLst>
                         <p:par>
-                          <p:cTn fill="hold">
+                          <p:cTn id="4" fill="hold">
                             <p:stCondLst>
                               <p:cond delay="0"/>
                             </p:stCondLst>
                             <p:childTnLst>
                               <p:par>
-                                <p:cTn fill="hold" nodeType="clickEffect" presetClass="entr" presetID="1" presetSubtype="0">
+                                <p:cTn id="5" presetID="1" presetClass="entr" presetSubtype="0" fill="hold" nodeType="clickEffect">
                                   <p:stCondLst>
                                     <p:cond delay="0"/>
                                   </p:stCondLst>
                                   <p:childTnLst>
                                     <p:set>
                                       <p:cBhvr>
-                                        <p:cTn dur="1" fill="hold">
+                                        <p:cTn id="6" dur="1" fill="hold">
                                           <p:stCondLst>
                                             <p:cond delay="0"/>
                                           </p:stCondLst>
@@ -12921,14 +13256,14 @@
                 </p:childTnLst>
               </p:cTn>
               <p:prevCondLst>
-                <p:cond evt="onPrev">
+                <p:cond evt="onPrev" delay="0">
                   <p:tgtEl>
                     <p:sldTgt/>
                   </p:tgtEl>
                 </p:cond>
               </p:prevCondLst>
               <p:nextCondLst>
-                <p:cond evt="onNext">
+                <p:cond evt="onNext" delay="0">
                   <p:tgtEl>
                     <p:sldTgt/>
                   </p:tgtEl>
@@ -12944,11 +13279,11 @@
 </file>
 
 <file path=ppt/slides/slide7.xml><?xml version="1.0" encoding="utf-8"?>
-<p:sld xmlns:a="http://schemas.openxmlformats.org/drawingml/2006/main" xmlns:r="http://schemas.openxmlformats.org/officeDocument/2006/relationships" xmlns:mc="http://schemas.openxmlformats.org/markup-compatibility/2006" xmlns:mv="urn:schemas-microsoft-com:mac:vml" xmlns:p="http://schemas.openxmlformats.org/presentationml/2006/main" xmlns:c="http://schemas.openxmlformats.org/drawingml/2006/chart" xmlns:dgm="http://schemas.openxmlformats.org/drawingml/2006/diagram" xmlns:o="urn:schemas-microsoft-com:office:office" xmlns:v="urn:schemas-microsoft-com:vml" xmlns:pvml="urn:schemas-microsoft-com:office:powerpoint" xmlns:com="http://schemas.openxmlformats.org/drawingml/2006/compatibility" xmlns:p14="http://schemas.microsoft.com/office/powerpoint/2010/main" xmlns:p15="http://schemas.microsoft.com/office/powerpoint/2012/main" xmlns:ahyp="http://schemas.microsoft.com/office/drawing/2018/hyperlinkcolor">
+<p:sld xmlns:a="http://schemas.openxmlformats.org/drawingml/2006/main" xmlns:r="http://schemas.openxmlformats.org/officeDocument/2006/relationships" xmlns:p="http://schemas.openxmlformats.org/presentationml/2006/main">
   <p:cSld>
     <p:spTree>
       <p:nvGrpSpPr>
-        <p:cNvPr id="128" name="Shape 128"/>
+        <p:cNvPr id="1" name="Shape 128"/>
         <p:cNvGrpSpPr/>
         <p:nvPr/>
       </p:nvGrpSpPr>
@@ -12963,7 +13298,9 @@
       <p:sp>
         <p:nvSpPr>
           <p:cNvPr id="129" name="Google Shape;129;p19"/>
-          <p:cNvSpPr txBox="1"/>
+          <p:cNvSpPr txBox="1">
+            <a:spLocks noGrp="1"/>
+          </p:cNvSpPr>
           <p:nvPr>
             <p:ph type="title"/>
           </p:nvPr>
@@ -12978,12 +13315,12 @@
           </a:prstGeom>
         </p:spPr>
         <p:txBody>
-          <a:bodyPr anchorCtr="0" anchor="t" bIns="91425" lIns="91425" spcFirstLastPara="1" rIns="91425" wrap="square" tIns="91425">
+          <a:bodyPr spcFirstLastPara="1" wrap="square" lIns="91425" tIns="91425" rIns="91425" bIns="91425" anchor="t" anchorCtr="0">
             <a:noAutofit/>
           </a:bodyPr>
           <a:lstStyle/>
           <a:p>
-            <a:pPr indent="0" lvl="0" marL="0" rtl="0" algn="l">
+            <a:pPr marL="0" lvl="0" indent="0" algn="l" rtl="0">
               <a:spcBef>
                 <a:spcPts val="0"/>
               </a:spcBef>
@@ -13024,12 +13361,12 @@
           </a:ln>
         </p:spPr>
         <p:txBody>
-          <a:bodyPr anchorCtr="0" anchor="t" bIns="91425" lIns="91425" spcFirstLastPara="1" rIns="91425" wrap="square" tIns="91425">
+          <a:bodyPr spcFirstLastPara="1" wrap="square" lIns="91425" tIns="91425" rIns="91425" bIns="91425" anchor="t" anchorCtr="0">
             <a:noAutofit/>
           </a:bodyPr>
           <a:lstStyle/>
           <a:p>
-            <a:pPr indent="0" lvl="0" marL="0" rtl="0" algn="l">
+            <a:pPr marL="0" lvl="0" indent="0" algn="l" rtl="0">
               <a:spcBef>
                 <a:spcPts val="0"/>
               </a:spcBef>
@@ -13039,7 +13376,7 @@
               <a:buNone/>
             </a:pPr>
             <a:r>
-              <a:rPr i="1" lang="ru" sz="1050">
+              <a:rPr lang="ru" sz="1050" i="1" dirty="0">
                 <a:solidFill>
                   <a:srgbClr val="0066FF"/>
                 </a:solidFill>
@@ -13050,7 +13387,7 @@
               </a:rPr>
               <a:t>&lt;!--Только описывает нужные версии артефактов, но не подкачивает их --&gt;</a:t>
             </a:r>
-            <a:endParaRPr sz="1050">
+            <a:endParaRPr sz="1050" dirty="0">
               <a:solidFill>
                 <a:srgbClr val="0033CC"/>
               </a:solidFill>
@@ -13061,7 +13398,7 @@
             </a:endParaRPr>
           </a:p>
           <a:p>
-            <a:pPr indent="0" lvl="0" marL="0" rtl="0" algn="l">
+            <a:pPr marL="0" lvl="0" indent="0" algn="l" rtl="0">
               <a:spcBef>
                 <a:spcPts val="0"/>
               </a:spcBef>
@@ -13071,7 +13408,7 @@
               <a:buNone/>
             </a:pPr>
             <a:r>
-              <a:rPr lang="ru" sz="1050">
+              <a:rPr lang="ru" sz="1050" dirty="0">
                 <a:solidFill>
                   <a:srgbClr val="0033CC"/>
                 </a:solidFill>
@@ -13083,7 +13420,7 @@
               <a:t>&lt;</a:t>
             </a:r>
             <a:r>
-              <a:rPr b="1" lang="ru" sz="1050">
+              <a:rPr lang="ru" sz="1050" b="1" dirty="0">
                 <a:solidFill>
                   <a:srgbClr val="0033CC"/>
                 </a:solidFill>
@@ -13095,7 +13432,7 @@
               <a:t>dependencyManagement</a:t>
             </a:r>
             <a:r>
-              <a:rPr lang="ru" sz="1050">
+              <a:rPr lang="ru" sz="1050" dirty="0">
                 <a:solidFill>
                   <a:srgbClr val="0033CC"/>
                 </a:solidFill>
@@ -13106,7 +13443,7 @@
               </a:rPr>
               <a:t>&gt;</a:t>
             </a:r>
-            <a:endParaRPr sz="1050">
+            <a:endParaRPr sz="1050" dirty="0">
               <a:latin typeface="Courier New"/>
               <a:ea typeface="Courier New"/>
               <a:cs typeface="Courier New"/>
@@ -13114,7 +13451,7 @@
             </a:endParaRPr>
           </a:p>
           <a:p>
-            <a:pPr indent="0" lvl="0" marL="0" rtl="0" algn="l">
+            <a:pPr marL="0" lvl="0" indent="0" algn="l" rtl="0">
               <a:spcBef>
                 <a:spcPts val="0"/>
               </a:spcBef>
@@ -13124,7 +13461,7 @@
               <a:buNone/>
             </a:pPr>
             <a:r>
-              <a:rPr lang="ru" sz="1050">
+              <a:rPr lang="ru" sz="1050" dirty="0">
                 <a:latin typeface="Courier New"/>
                 <a:ea typeface="Courier New"/>
                 <a:cs typeface="Courier New"/>
@@ -13133,7 +13470,7 @@
               <a:t>    </a:t>
             </a:r>
             <a:r>
-              <a:rPr lang="ru" sz="1050">
+              <a:rPr lang="ru" sz="1050" dirty="0">
                 <a:solidFill>
                   <a:srgbClr val="0033CC"/>
                 </a:solidFill>
@@ -13145,7 +13482,7 @@
               <a:t>&lt;</a:t>
             </a:r>
             <a:r>
-              <a:rPr b="1" lang="ru" sz="1050">
+              <a:rPr lang="ru" sz="1050" b="1" dirty="0">
                 <a:solidFill>
                   <a:srgbClr val="0033CC"/>
                 </a:solidFill>
@@ -13157,7 +13494,7 @@
               <a:t>dependencies</a:t>
             </a:r>
             <a:r>
-              <a:rPr lang="ru" sz="1050">
+              <a:rPr lang="ru" sz="1050" dirty="0">
                 <a:solidFill>
                   <a:srgbClr val="0033CC"/>
                 </a:solidFill>
@@ -13168,7 +13505,7 @@
               </a:rPr>
               <a:t>&gt;</a:t>
             </a:r>
-            <a:endParaRPr sz="1050">
+            <a:endParaRPr sz="1050" dirty="0">
               <a:latin typeface="Courier New"/>
               <a:ea typeface="Courier New"/>
               <a:cs typeface="Courier New"/>
@@ -13176,7 +13513,7 @@
             </a:endParaRPr>
           </a:p>
           <a:p>
-            <a:pPr indent="0" lvl="0" marL="0" rtl="0" algn="l">
+            <a:pPr marL="0" lvl="0" indent="0" algn="l" rtl="0">
               <a:spcBef>
                 <a:spcPts val="0"/>
               </a:spcBef>
@@ -13186,7 +13523,7 @@
               <a:buNone/>
             </a:pPr>
             <a:r>
-              <a:rPr lang="ru" sz="1050">
+              <a:rPr lang="ru" sz="1050" dirty="0">
                 <a:latin typeface="Courier New"/>
                 <a:ea typeface="Courier New"/>
                 <a:cs typeface="Courier New"/>
@@ -13195,7 +13532,7 @@
               <a:t>        </a:t>
             </a:r>
             <a:r>
-              <a:rPr lang="ru" sz="1050">
+              <a:rPr lang="ru" sz="1050" dirty="0">
                 <a:solidFill>
                   <a:srgbClr val="0033CC"/>
                 </a:solidFill>
@@ -13207,7 +13544,7 @@
               <a:t>&lt;</a:t>
             </a:r>
             <a:r>
-              <a:rPr b="1" lang="ru" sz="1050">
+              <a:rPr lang="ru" sz="1050" b="1" dirty="0">
                 <a:solidFill>
                   <a:srgbClr val="0033CC"/>
                 </a:solidFill>
@@ -13219,7 +13556,7 @@
               <a:t>dependency</a:t>
             </a:r>
             <a:r>
-              <a:rPr lang="ru" sz="1050">
+              <a:rPr lang="ru" sz="1050" dirty="0">
                 <a:solidFill>
                   <a:srgbClr val="0033CC"/>
                 </a:solidFill>
@@ -13230,7 +13567,7 @@
               </a:rPr>
               <a:t>&gt;</a:t>
             </a:r>
-            <a:endParaRPr sz="1050">
+            <a:endParaRPr sz="1050" dirty="0">
               <a:latin typeface="Courier New"/>
               <a:ea typeface="Courier New"/>
               <a:cs typeface="Courier New"/>
@@ -13238,7 +13575,7 @@
             </a:endParaRPr>
           </a:p>
           <a:p>
-            <a:pPr indent="0" lvl="0" marL="0" rtl="0" algn="l">
+            <a:pPr marL="0" lvl="0" indent="0" algn="l" rtl="0">
               <a:spcBef>
                 <a:spcPts val="0"/>
               </a:spcBef>
@@ -13248,7 +13585,7 @@
               <a:buNone/>
             </a:pPr>
             <a:r>
-              <a:rPr lang="ru" sz="1050">
+              <a:rPr lang="ru" sz="1050" dirty="0">
                 <a:latin typeface="Courier New"/>
                 <a:ea typeface="Courier New"/>
                 <a:cs typeface="Courier New"/>
@@ -13257,7 +13594,7 @@
               <a:t>            </a:t>
             </a:r>
             <a:r>
-              <a:rPr lang="ru" sz="1050">
+              <a:rPr lang="ru" sz="1050" dirty="0">
                 <a:solidFill>
                   <a:srgbClr val="0033CC"/>
                 </a:solidFill>
@@ -13269,7 +13606,7 @@
               <a:t>&lt;</a:t>
             </a:r>
             <a:r>
-              <a:rPr b="1" lang="ru" sz="1050">
+              <a:rPr lang="ru" sz="1050" b="1" dirty="0">
                 <a:solidFill>
                   <a:srgbClr val="0033CC"/>
                 </a:solidFill>
@@ -13281,7 +13618,7 @@
               <a:t>groupId</a:t>
             </a:r>
             <a:r>
-              <a:rPr lang="ru" sz="1050">
+              <a:rPr lang="ru" sz="1050" dirty="0">
                 <a:solidFill>
                   <a:srgbClr val="0033CC"/>
                 </a:solidFill>
@@ -13293,7 +13630,7 @@
               <a:t>&gt;</a:t>
             </a:r>
             <a:r>
-              <a:rPr lang="ru" sz="1050">
+              <a:rPr lang="ru" sz="1050" dirty="0">
                 <a:latin typeface="Courier New"/>
                 <a:ea typeface="Courier New"/>
                 <a:cs typeface="Courier New"/>
@@ -13302,7 +13639,7 @@
               <a:t>junit</a:t>
             </a:r>
             <a:r>
-              <a:rPr lang="ru" sz="1050">
+              <a:rPr lang="ru" sz="1050" dirty="0">
                 <a:solidFill>
                   <a:srgbClr val="0033CC"/>
                 </a:solidFill>
@@ -13314,7 +13651,7 @@
               <a:t>&lt;/</a:t>
             </a:r>
             <a:r>
-              <a:rPr b="1" lang="ru" sz="1050">
+              <a:rPr lang="ru" sz="1050" b="1" dirty="0">
                 <a:solidFill>
                   <a:srgbClr val="0033CC"/>
                 </a:solidFill>
@@ -13326,7 +13663,7 @@
               <a:t>groupId</a:t>
             </a:r>
             <a:r>
-              <a:rPr lang="ru" sz="1050">
+              <a:rPr lang="ru" sz="1050" dirty="0">
                 <a:solidFill>
                   <a:srgbClr val="0033CC"/>
                 </a:solidFill>
@@ -13337,7 +13674,7 @@
               </a:rPr>
               <a:t>&gt;</a:t>
             </a:r>
-            <a:endParaRPr sz="1050">
+            <a:endParaRPr sz="1050" dirty="0">
               <a:latin typeface="Courier New"/>
               <a:ea typeface="Courier New"/>
               <a:cs typeface="Courier New"/>
@@ -13345,7 +13682,7 @@
             </a:endParaRPr>
           </a:p>
           <a:p>
-            <a:pPr indent="0" lvl="0" marL="0" rtl="0" algn="l">
+            <a:pPr marL="0" lvl="0" indent="0" algn="l" rtl="0">
               <a:spcBef>
                 <a:spcPts val="0"/>
               </a:spcBef>
@@ -13355,7 +13692,7 @@
               <a:buNone/>
             </a:pPr>
             <a:r>
-              <a:rPr lang="ru" sz="1050">
+              <a:rPr lang="ru" sz="1050" dirty="0">
                 <a:latin typeface="Courier New"/>
                 <a:ea typeface="Courier New"/>
                 <a:cs typeface="Courier New"/>
@@ -13364,7 +13701,7 @@
               <a:t>            </a:t>
             </a:r>
             <a:r>
-              <a:rPr lang="ru" sz="1050">
+              <a:rPr lang="ru" sz="1050" dirty="0">
                 <a:solidFill>
                   <a:srgbClr val="0033CC"/>
                 </a:solidFill>
@@ -13376,7 +13713,7 @@
               <a:t>&lt;</a:t>
             </a:r>
             <a:r>
-              <a:rPr b="1" lang="ru" sz="1050">
+              <a:rPr lang="ru" sz="1050" b="1" dirty="0">
                 <a:solidFill>
                   <a:srgbClr val="0033CC"/>
                 </a:solidFill>
@@ -13388,7 +13725,7 @@
               <a:t>artifactId</a:t>
             </a:r>
             <a:r>
-              <a:rPr lang="ru" sz="1050">
+              <a:rPr lang="ru" sz="1050" dirty="0">
                 <a:solidFill>
                   <a:srgbClr val="0033CC"/>
                 </a:solidFill>
@@ -13400,7 +13737,7 @@
               <a:t>&gt;</a:t>
             </a:r>
             <a:r>
-              <a:rPr lang="ru" sz="1050">
+              <a:rPr lang="ru" sz="1050" dirty="0">
                 <a:latin typeface="Courier New"/>
                 <a:ea typeface="Courier New"/>
                 <a:cs typeface="Courier New"/>
@@ -13409,7 +13746,7 @@
               <a:t>junit</a:t>
             </a:r>
             <a:r>
-              <a:rPr lang="ru" sz="1050">
+              <a:rPr lang="ru" sz="1050" dirty="0">
                 <a:solidFill>
                   <a:srgbClr val="0033CC"/>
                 </a:solidFill>
@@ -13421,7 +13758,7 @@
               <a:t>&lt;/</a:t>
             </a:r>
             <a:r>
-              <a:rPr b="1" lang="ru" sz="1050">
+              <a:rPr lang="ru" sz="1050" b="1" dirty="0">
                 <a:solidFill>
                   <a:srgbClr val="0033CC"/>
                 </a:solidFill>
@@ -13433,7 +13770,7 @@
               <a:t>artifactId</a:t>
             </a:r>
             <a:r>
-              <a:rPr lang="ru" sz="1050">
+              <a:rPr lang="ru" sz="1050" dirty="0">
                 <a:solidFill>
                   <a:srgbClr val="0033CC"/>
                 </a:solidFill>
@@ -13444,7 +13781,7 @@
               </a:rPr>
               <a:t>&gt; </a:t>
             </a:r>
-            <a:endParaRPr sz="1050">
+            <a:endParaRPr sz="1050" dirty="0">
               <a:solidFill>
                 <a:srgbClr val="0033CC"/>
               </a:solidFill>
@@ -13455,7 +13792,7 @@
             </a:endParaRPr>
           </a:p>
           <a:p>
-            <a:pPr indent="0" lvl="0" marL="0" rtl="0" algn="l">
+            <a:pPr marL="0" lvl="0" indent="0" algn="l" rtl="0">
               <a:spcBef>
                 <a:spcPts val="0"/>
               </a:spcBef>
@@ -13465,7 +13802,7 @@
               <a:buNone/>
             </a:pPr>
             <a:r>
-              <a:rPr lang="ru" sz="1050">
+              <a:rPr lang="ru" sz="1050" dirty="0">
                 <a:latin typeface="Courier New"/>
                 <a:ea typeface="Courier New"/>
                 <a:cs typeface="Courier New"/>
@@ -13474,7 +13811,7 @@
               <a:t>            </a:t>
             </a:r>
             <a:r>
-              <a:rPr lang="ru" sz="1050">
+              <a:rPr lang="ru" sz="1050" dirty="0">
                 <a:solidFill>
                   <a:srgbClr val="0033CC"/>
                 </a:solidFill>
@@ -13486,7 +13823,7 @@
               <a:t>&lt;</a:t>
             </a:r>
             <a:r>
-              <a:rPr b="1" lang="ru" sz="1050">
+              <a:rPr lang="ru" sz="1050" b="1" dirty="0">
                 <a:solidFill>
                   <a:srgbClr val="0033CC"/>
                 </a:solidFill>
@@ -13498,7 +13835,7 @@
               <a:t>version</a:t>
             </a:r>
             <a:r>
-              <a:rPr lang="ru" sz="1050">
+              <a:rPr lang="ru" sz="1050" dirty="0">
                 <a:solidFill>
                   <a:srgbClr val="0033CC"/>
                 </a:solidFill>
@@ -13510,7 +13847,7 @@
               <a:t>&gt;</a:t>
             </a:r>
             <a:r>
-              <a:rPr lang="ru" sz="1050">
+              <a:rPr lang="ru" sz="1050" dirty="0">
                 <a:latin typeface="Courier New"/>
                 <a:ea typeface="Courier New"/>
                 <a:cs typeface="Courier New"/>
@@ -13519,7 +13856,7 @@
               <a:t>3.8</a:t>
             </a:r>
             <a:r>
-              <a:rPr lang="ru" sz="1050">
+              <a:rPr lang="ru" sz="1050" dirty="0">
                 <a:solidFill>
                   <a:srgbClr val="0033CC"/>
                 </a:solidFill>
@@ -13531,7 +13868,7 @@
               <a:t>&lt;/</a:t>
             </a:r>
             <a:r>
-              <a:rPr b="1" lang="ru" sz="1050">
+              <a:rPr lang="ru" sz="1050" b="1" dirty="0">
                 <a:solidFill>
                   <a:srgbClr val="0033CC"/>
                 </a:solidFill>
@@ -13543,7 +13880,7 @@
               <a:t>version</a:t>
             </a:r>
             <a:r>
-              <a:rPr lang="ru" sz="1050">
+              <a:rPr lang="ru" sz="1050" dirty="0">
                 <a:solidFill>
                   <a:srgbClr val="0033CC"/>
                 </a:solidFill>
@@ -13554,7 +13891,7 @@
               </a:rPr>
               <a:t>&gt;</a:t>
             </a:r>
-            <a:endParaRPr sz="1050">
+            <a:endParaRPr sz="1050" dirty="0">
               <a:latin typeface="Courier New"/>
               <a:ea typeface="Courier New"/>
               <a:cs typeface="Courier New"/>
@@ -13562,7 +13899,7 @@
             </a:endParaRPr>
           </a:p>
           <a:p>
-            <a:pPr indent="0" lvl="0" marL="0" rtl="0" algn="l">
+            <a:pPr marL="0" lvl="0" indent="0" algn="l" rtl="0">
               <a:spcBef>
                 <a:spcPts val="0"/>
               </a:spcBef>
@@ -13572,7 +13909,7 @@
               <a:buNone/>
             </a:pPr>
             <a:r>
-              <a:rPr lang="ru" sz="1050">
+              <a:rPr lang="ru" sz="1050" dirty="0">
                 <a:latin typeface="Courier New"/>
                 <a:ea typeface="Courier New"/>
                 <a:cs typeface="Courier New"/>
@@ -13581,7 +13918,7 @@
               <a:t>        </a:t>
             </a:r>
             <a:r>
-              <a:rPr lang="ru" sz="1050">
+              <a:rPr lang="ru" sz="1050" dirty="0">
                 <a:solidFill>
                   <a:srgbClr val="0033CC"/>
                 </a:solidFill>
@@ -13593,7 +13930,7 @@
               <a:t>&lt;/</a:t>
             </a:r>
             <a:r>
-              <a:rPr b="1" lang="ru" sz="1050">
+              <a:rPr lang="ru" sz="1050" b="1" dirty="0">
                 <a:solidFill>
                   <a:srgbClr val="0033CC"/>
                 </a:solidFill>
@@ -13605,7 +13942,7 @@
               <a:t>dependency</a:t>
             </a:r>
             <a:r>
-              <a:rPr lang="ru" sz="1050">
+              <a:rPr lang="ru" sz="1050" dirty="0">
                 <a:solidFill>
                   <a:srgbClr val="0033CC"/>
                 </a:solidFill>
@@ -13616,7 +13953,7 @@
               </a:rPr>
               <a:t>&gt;</a:t>
             </a:r>
-            <a:endParaRPr sz="1050">
+            <a:endParaRPr sz="1050" dirty="0">
               <a:latin typeface="Courier New"/>
               <a:ea typeface="Courier New"/>
               <a:cs typeface="Courier New"/>
@@ -13624,7 +13961,7 @@
             </a:endParaRPr>
           </a:p>
           <a:p>
-            <a:pPr indent="0" lvl="0" marL="0" rtl="0" algn="l">
+            <a:pPr marL="0" lvl="0" indent="0" algn="l" rtl="0">
               <a:spcBef>
                 <a:spcPts val="0"/>
               </a:spcBef>
@@ -13634,7 +13971,7 @@
               <a:buNone/>
             </a:pPr>
             <a:r>
-              <a:rPr lang="ru" sz="1050">
+              <a:rPr lang="ru" sz="1050" dirty="0">
                 <a:latin typeface="Courier New"/>
                 <a:ea typeface="Courier New"/>
                 <a:cs typeface="Courier New"/>
@@ -13643,7 +13980,7 @@
               <a:t>    </a:t>
             </a:r>
             <a:r>
-              <a:rPr lang="ru" sz="1050">
+              <a:rPr lang="ru" sz="1050" dirty="0">
                 <a:solidFill>
                   <a:srgbClr val="0033CC"/>
                 </a:solidFill>
@@ -13655,7 +13992,7 @@
               <a:t>&lt;/</a:t>
             </a:r>
             <a:r>
-              <a:rPr b="1" lang="ru" sz="1050">
+              <a:rPr lang="ru" sz="1050" b="1" dirty="0">
                 <a:solidFill>
                   <a:srgbClr val="0033CC"/>
                 </a:solidFill>
@@ -13667,7 +14004,7 @@
               <a:t>dependencies</a:t>
             </a:r>
             <a:r>
-              <a:rPr lang="ru" sz="1050">
+              <a:rPr lang="ru" sz="1050" dirty="0">
                 <a:solidFill>
                   <a:srgbClr val="0033CC"/>
                 </a:solidFill>
@@ -13678,7 +14015,7 @@
               </a:rPr>
               <a:t>&gt;</a:t>
             </a:r>
-            <a:endParaRPr sz="1050">
+            <a:endParaRPr sz="1050" dirty="0">
               <a:latin typeface="Courier New"/>
               <a:ea typeface="Courier New"/>
               <a:cs typeface="Courier New"/>
@@ -13686,7 +14023,7 @@
             </a:endParaRPr>
           </a:p>
           <a:p>
-            <a:pPr indent="0" lvl="0" marL="0" rtl="0" algn="l">
+            <a:pPr marL="0" lvl="0" indent="0" algn="l" rtl="0">
               <a:spcBef>
                 <a:spcPts val="0"/>
               </a:spcBef>
@@ -13696,7 +14033,7 @@
               <a:buNone/>
             </a:pPr>
             <a:r>
-              <a:rPr lang="ru" sz="1050">
+              <a:rPr lang="ru" sz="1050" dirty="0">
                 <a:solidFill>
                   <a:srgbClr val="0033CC"/>
                 </a:solidFill>
@@ -13708,7 +14045,7 @@
               <a:t>&lt;/</a:t>
             </a:r>
             <a:r>
-              <a:rPr b="1" lang="ru" sz="1050">
+              <a:rPr lang="ru" sz="1050" b="1" dirty="0">
                 <a:solidFill>
                   <a:srgbClr val="0033CC"/>
                 </a:solidFill>
@@ -13720,7 +14057,7 @@
               <a:t>dependencyManagement</a:t>
             </a:r>
             <a:r>
-              <a:rPr lang="ru" sz="1050">
+              <a:rPr lang="ru" sz="1050" dirty="0">
                 <a:solidFill>
                   <a:srgbClr val="0033CC"/>
                 </a:solidFill>
@@ -13731,7 +14068,7 @@
               </a:rPr>
               <a:t>&gt;</a:t>
             </a:r>
-            <a:endParaRPr sz="1050">
+            <a:endParaRPr sz="1050" dirty="0">
               <a:latin typeface="Courier New"/>
               <a:ea typeface="Courier New"/>
               <a:cs typeface="Courier New"/>
@@ -13739,7 +14076,7 @@
             </a:endParaRPr>
           </a:p>
           <a:p>
-            <a:pPr indent="0" lvl="0" marL="0" rtl="0" algn="l">
+            <a:pPr marL="0" lvl="0" indent="0" algn="l" rtl="0">
               <a:spcBef>
                 <a:spcPts val="0"/>
               </a:spcBef>
@@ -13748,10 +14085,7 @@
               </a:spcAft>
               <a:buNone/>
             </a:pPr>
-            <a:r>
-              <a:t/>
-            </a:r>
-            <a:endParaRPr sz="1050">
+            <a:endParaRPr sz="1050" dirty="0">
               <a:latin typeface="Courier New"/>
               <a:ea typeface="Courier New"/>
               <a:cs typeface="Courier New"/>
@@ -13759,7 +14093,7 @@
             </a:endParaRPr>
           </a:p>
           <a:p>
-            <a:pPr indent="0" lvl="0" marL="0" rtl="0" algn="l">
+            <a:pPr marL="0" lvl="0" indent="0" algn="l" rtl="0">
               <a:spcBef>
                 <a:spcPts val="0"/>
               </a:spcBef>
@@ -13769,7 +14103,7 @@
               <a:buNone/>
             </a:pPr>
             <a:r>
-              <a:rPr i="1" lang="ru" sz="1050">
+              <a:rPr lang="ru" sz="1050" i="1" dirty="0">
                 <a:solidFill>
                   <a:srgbClr val="0066FF"/>
                 </a:solidFill>
@@ -13780,7 +14114,7 @@
               </a:rPr>
               <a:t>&lt;!--Версию уже указывать не нужно, т.к. она определена выше --&gt;</a:t>
             </a:r>
-            <a:endParaRPr sz="1050">
+            <a:endParaRPr sz="1050" dirty="0">
               <a:latin typeface="Courier New"/>
               <a:ea typeface="Courier New"/>
               <a:cs typeface="Courier New"/>
@@ -13788,7 +14122,7 @@
             </a:endParaRPr>
           </a:p>
           <a:p>
-            <a:pPr indent="0" lvl="0" marL="0" rtl="0" algn="l">
+            <a:pPr marL="0" lvl="0" indent="0" algn="l" rtl="0">
               <a:spcBef>
                 <a:spcPts val="0"/>
               </a:spcBef>
@@ -13798,7 +14132,7 @@
               <a:buNone/>
             </a:pPr>
             <a:r>
-              <a:rPr lang="ru" sz="1050">
+              <a:rPr lang="ru" sz="1050" dirty="0">
                 <a:solidFill>
                   <a:srgbClr val="0033CC"/>
                 </a:solidFill>
@@ -13810,7 +14144,7 @@
               <a:t>&lt;</a:t>
             </a:r>
             <a:r>
-              <a:rPr b="1" lang="ru" sz="1050">
+              <a:rPr lang="ru" sz="1050" b="1" dirty="0">
                 <a:solidFill>
                   <a:srgbClr val="0033CC"/>
                 </a:solidFill>
@@ -13822,7 +14156,7 @@
               <a:t>dependencies</a:t>
             </a:r>
             <a:r>
-              <a:rPr lang="ru" sz="1050">
+              <a:rPr lang="ru" sz="1050" dirty="0">
                 <a:solidFill>
                   <a:srgbClr val="0033CC"/>
                 </a:solidFill>
@@ -13833,7 +14167,7 @@
               </a:rPr>
               <a:t>&gt;</a:t>
             </a:r>
-            <a:endParaRPr sz="1050">
+            <a:endParaRPr sz="1050" dirty="0">
               <a:latin typeface="Courier New"/>
               <a:ea typeface="Courier New"/>
               <a:cs typeface="Courier New"/>
@@ -13841,7 +14175,7 @@
             </a:endParaRPr>
           </a:p>
           <a:p>
-            <a:pPr indent="0" lvl="0" marL="0" rtl="0" algn="l">
+            <a:pPr marL="0" lvl="0" indent="0" algn="l" rtl="0">
               <a:spcBef>
                 <a:spcPts val="0"/>
               </a:spcBef>
@@ -13851,7 +14185,7 @@
               <a:buNone/>
             </a:pPr>
             <a:r>
-              <a:rPr lang="ru" sz="1050">
+              <a:rPr lang="ru" sz="1050" dirty="0">
                 <a:latin typeface="Courier New"/>
                 <a:ea typeface="Courier New"/>
                 <a:cs typeface="Courier New"/>
@@ -13860,7 +14194,7 @@
               <a:t>    </a:t>
             </a:r>
             <a:r>
-              <a:rPr lang="ru" sz="1050">
+              <a:rPr lang="ru" sz="1050" dirty="0">
                 <a:solidFill>
                   <a:srgbClr val="0033CC"/>
                 </a:solidFill>
@@ -13872,7 +14206,7 @@
               <a:t>&lt;</a:t>
             </a:r>
             <a:r>
-              <a:rPr b="1" lang="ru" sz="1050">
+              <a:rPr lang="ru" sz="1050" b="1" dirty="0">
                 <a:solidFill>
                   <a:srgbClr val="0033CC"/>
                 </a:solidFill>
@@ -13884,7 +14218,7 @@
               <a:t>dependency</a:t>
             </a:r>
             <a:r>
-              <a:rPr lang="ru" sz="1050">
+              <a:rPr lang="ru" sz="1050" dirty="0">
                 <a:solidFill>
                   <a:srgbClr val="0033CC"/>
                 </a:solidFill>
@@ -13895,7 +14229,7 @@
               </a:rPr>
               <a:t>&gt;</a:t>
             </a:r>
-            <a:endParaRPr sz="1050">
+            <a:endParaRPr sz="1050" dirty="0">
               <a:latin typeface="Courier New"/>
               <a:ea typeface="Courier New"/>
               <a:cs typeface="Courier New"/>
@@ -13903,7 +14237,7 @@
             </a:endParaRPr>
           </a:p>
           <a:p>
-            <a:pPr indent="0" lvl="0" marL="0" rtl="0" algn="l">
+            <a:pPr marL="0" lvl="0" indent="0" algn="l" rtl="0">
               <a:spcBef>
                 <a:spcPts val="0"/>
               </a:spcBef>
@@ -13913,7 +14247,7 @@
               <a:buNone/>
             </a:pPr>
             <a:r>
-              <a:rPr lang="ru" sz="1050">
+              <a:rPr lang="ru" sz="1050" dirty="0">
                 <a:latin typeface="Courier New"/>
                 <a:ea typeface="Courier New"/>
                 <a:cs typeface="Courier New"/>
@@ -13922,7 +14256,7 @@
               <a:t>        </a:t>
             </a:r>
             <a:r>
-              <a:rPr lang="ru" sz="1050">
+              <a:rPr lang="ru" sz="1050" dirty="0">
                 <a:solidFill>
                   <a:srgbClr val="0033CC"/>
                 </a:solidFill>
@@ -13934,7 +14268,7 @@
               <a:t>&lt;</a:t>
             </a:r>
             <a:r>
-              <a:rPr b="1" lang="ru" sz="1050">
+              <a:rPr lang="ru" sz="1050" b="1" dirty="0">
                 <a:solidFill>
                   <a:srgbClr val="0033CC"/>
                 </a:solidFill>
@@ -13946,7 +14280,7 @@
               <a:t>groupId</a:t>
             </a:r>
             <a:r>
-              <a:rPr lang="ru" sz="1050">
+              <a:rPr lang="ru" sz="1050" dirty="0">
                 <a:solidFill>
                   <a:srgbClr val="0033CC"/>
                 </a:solidFill>
@@ -13958,7 +14292,7 @@
               <a:t>&gt;</a:t>
             </a:r>
             <a:r>
-              <a:rPr lang="ru" sz="1050">
+              <a:rPr lang="ru" sz="1050" dirty="0">
                 <a:latin typeface="Courier New"/>
                 <a:ea typeface="Courier New"/>
                 <a:cs typeface="Courier New"/>
@@ -13967,7 +14301,7 @@
               <a:t>junit</a:t>
             </a:r>
             <a:r>
-              <a:rPr lang="ru" sz="1050">
+              <a:rPr lang="ru" sz="1050" dirty="0">
                 <a:solidFill>
                   <a:srgbClr val="0033CC"/>
                 </a:solidFill>
@@ -13979,7 +14313,7 @@
               <a:t>&lt;/</a:t>
             </a:r>
             <a:r>
-              <a:rPr b="1" lang="ru" sz="1050">
+              <a:rPr lang="ru" sz="1050" b="1" dirty="0">
                 <a:solidFill>
                   <a:srgbClr val="0033CC"/>
                 </a:solidFill>
@@ -13991,7 +14325,7 @@
               <a:t>groupId</a:t>
             </a:r>
             <a:r>
-              <a:rPr lang="ru" sz="1050">
+              <a:rPr lang="ru" sz="1050" dirty="0">
                 <a:solidFill>
                   <a:srgbClr val="0033CC"/>
                 </a:solidFill>
@@ -14002,7 +14336,7 @@
               </a:rPr>
               <a:t>&gt;</a:t>
             </a:r>
-            <a:endParaRPr sz="1050">
+            <a:endParaRPr sz="1050" dirty="0">
               <a:latin typeface="Courier New"/>
               <a:ea typeface="Courier New"/>
               <a:cs typeface="Courier New"/>
@@ -14010,7 +14344,7 @@
             </a:endParaRPr>
           </a:p>
           <a:p>
-            <a:pPr indent="0" lvl="0" marL="0" rtl="0" algn="l">
+            <a:pPr marL="0" lvl="0" indent="0" algn="l" rtl="0">
               <a:spcBef>
                 <a:spcPts val="0"/>
               </a:spcBef>
@@ -14020,7 +14354,7 @@
               <a:buNone/>
             </a:pPr>
             <a:r>
-              <a:rPr lang="ru" sz="1050">
+              <a:rPr lang="ru" sz="1050" dirty="0">
                 <a:latin typeface="Courier New"/>
                 <a:ea typeface="Courier New"/>
                 <a:cs typeface="Courier New"/>
@@ -14029,7 +14363,7 @@
               <a:t>        </a:t>
             </a:r>
             <a:r>
-              <a:rPr lang="ru" sz="1050">
+              <a:rPr lang="ru" sz="1050" dirty="0">
                 <a:solidFill>
                   <a:srgbClr val="0033CC"/>
                 </a:solidFill>
@@ -14041,7 +14375,7 @@
               <a:t>&lt;</a:t>
             </a:r>
             <a:r>
-              <a:rPr b="1" lang="ru" sz="1050">
+              <a:rPr lang="ru" sz="1050" b="1" dirty="0">
                 <a:solidFill>
                   <a:srgbClr val="0033CC"/>
                 </a:solidFill>
@@ -14053,7 +14387,7 @@
               <a:t>artifactId</a:t>
             </a:r>
             <a:r>
-              <a:rPr lang="ru" sz="1050">
+              <a:rPr lang="ru" sz="1050" dirty="0">
                 <a:solidFill>
                   <a:srgbClr val="0033CC"/>
                 </a:solidFill>
@@ -14065,7 +14399,7 @@
               <a:t>&gt;</a:t>
             </a:r>
             <a:r>
-              <a:rPr lang="ru" sz="1050">
+              <a:rPr lang="ru" sz="1050" dirty="0">
                 <a:latin typeface="Courier New"/>
                 <a:ea typeface="Courier New"/>
                 <a:cs typeface="Courier New"/>
@@ -14074,7 +14408,7 @@
               <a:t>junit</a:t>
             </a:r>
             <a:r>
-              <a:rPr lang="ru" sz="1050">
+              <a:rPr lang="ru" sz="1050" dirty="0">
                 <a:solidFill>
                   <a:srgbClr val="0033CC"/>
                 </a:solidFill>
@@ -14086,7 +14420,7 @@
               <a:t>&lt;/</a:t>
             </a:r>
             <a:r>
-              <a:rPr b="1" lang="ru" sz="1050">
+              <a:rPr lang="ru" sz="1050" b="1" dirty="0">
                 <a:solidFill>
                   <a:srgbClr val="0033CC"/>
                 </a:solidFill>
@@ -14098,7 +14432,7 @@
               <a:t>artifactId</a:t>
             </a:r>
             <a:r>
-              <a:rPr lang="ru" sz="1050">
+              <a:rPr lang="ru" sz="1050" dirty="0">
                 <a:solidFill>
                   <a:srgbClr val="0033CC"/>
                 </a:solidFill>
@@ -14110,7 +14444,7 @@
               <a:t>&gt;</a:t>
             </a:r>
             <a:r>
-              <a:rPr lang="ru" sz="1050">
+              <a:rPr lang="ru" sz="1050" dirty="0">
                 <a:latin typeface="Courier New"/>
                 <a:ea typeface="Courier New"/>
                 <a:cs typeface="Courier New"/>
@@ -14118,7 +14452,7 @@
               </a:rPr>
               <a:t> </a:t>
             </a:r>
-            <a:endParaRPr sz="1050">
+            <a:endParaRPr sz="1050" dirty="0">
               <a:latin typeface="Courier New"/>
               <a:ea typeface="Courier New"/>
               <a:cs typeface="Courier New"/>
@@ -14126,7 +14460,7 @@
             </a:endParaRPr>
           </a:p>
           <a:p>
-            <a:pPr indent="0" lvl="0" marL="0" rtl="0" algn="l">
+            <a:pPr marL="0" lvl="0" indent="0" algn="l" rtl="0">
               <a:spcBef>
                 <a:spcPts val="0"/>
               </a:spcBef>
@@ -14136,7 +14470,7 @@
               <a:buNone/>
             </a:pPr>
             <a:r>
-              <a:rPr lang="ru" sz="1050">
+              <a:rPr lang="ru" sz="1050" dirty="0">
                 <a:latin typeface="Courier New"/>
                 <a:ea typeface="Courier New"/>
                 <a:cs typeface="Courier New"/>
@@ -14145,7 +14479,7 @@
               <a:t>    </a:t>
             </a:r>
             <a:r>
-              <a:rPr lang="ru" sz="1050">
+              <a:rPr lang="ru" sz="1050" dirty="0">
                 <a:solidFill>
                   <a:srgbClr val="0033CC"/>
                 </a:solidFill>
@@ -14157,7 +14491,7 @@
               <a:t>&lt;/</a:t>
             </a:r>
             <a:r>
-              <a:rPr b="1" lang="ru" sz="1050">
+              <a:rPr lang="ru" sz="1050" b="1" dirty="0">
                 <a:solidFill>
                   <a:srgbClr val="0033CC"/>
                 </a:solidFill>
@@ -14169,7 +14503,7 @@
               <a:t>dependency</a:t>
             </a:r>
             <a:r>
-              <a:rPr lang="ru" sz="1050">
+              <a:rPr lang="ru" sz="1050" dirty="0">
                 <a:solidFill>
                   <a:srgbClr val="0033CC"/>
                 </a:solidFill>
@@ -14180,7 +14514,7 @@
               </a:rPr>
               <a:t>&gt;</a:t>
             </a:r>
-            <a:endParaRPr sz="1050">
+            <a:endParaRPr sz="1050" dirty="0">
               <a:latin typeface="Courier New"/>
               <a:ea typeface="Courier New"/>
               <a:cs typeface="Courier New"/>
@@ -14188,7 +14522,7 @@
             </a:endParaRPr>
           </a:p>
           <a:p>
-            <a:pPr indent="0" lvl="0" marL="38100" marR="38100" rtl="0" algn="l">
+            <a:pPr marL="38100" marR="38100" lvl="0" indent="0" algn="l" rtl="0">
               <a:lnSpc>
                 <a:spcPct val="150000"/>
               </a:lnSpc>
@@ -14201,7 +14535,7 @@
               <a:buNone/>
             </a:pPr>
             <a:r>
-              <a:rPr lang="ru" sz="1050">
+              <a:rPr lang="ru" sz="1050" dirty="0">
                 <a:solidFill>
                   <a:srgbClr val="0033CC"/>
                 </a:solidFill>
@@ -14213,7 +14547,7 @@
               <a:t>&lt;/</a:t>
             </a:r>
             <a:r>
-              <a:rPr b="1" lang="ru" sz="1050">
+              <a:rPr lang="ru" sz="1050" b="1" dirty="0">
                 <a:solidFill>
                   <a:srgbClr val="0033CC"/>
                 </a:solidFill>
@@ -14225,7 +14559,7 @@
               <a:t>dependencies</a:t>
             </a:r>
             <a:r>
-              <a:rPr lang="ru" sz="1050">
+              <a:rPr lang="ru" sz="1050" dirty="0">
                 <a:solidFill>
                   <a:srgbClr val="0033CC"/>
                 </a:solidFill>
@@ -14236,7 +14570,7 @@
               </a:rPr>
               <a:t>&gt;</a:t>
             </a:r>
-            <a:endParaRPr sz="1050">
+            <a:endParaRPr sz="1050" dirty="0">
               <a:solidFill>
                 <a:srgbClr val="0033CC"/>
               </a:solidFill>
@@ -14247,7 +14581,7 @@
             </a:endParaRPr>
           </a:p>
           <a:p>
-            <a:pPr indent="0" lvl="0" marL="0" rtl="0" algn="l">
+            <a:pPr marL="0" lvl="0" indent="0" algn="l" rtl="0">
               <a:spcBef>
                 <a:spcPts val="0"/>
               </a:spcBef>
@@ -14256,10 +14590,7 @@
               </a:spcAft>
               <a:buNone/>
             </a:pPr>
-            <a:r>
-              <a:t/>
-            </a:r>
-            <a:endParaRPr>
+            <a:endParaRPr dirty="0">
               <a:latin typeface="Lato"/>
               <a:ea typeface="Lato"/>
               <a:cs typeface="Lato"/>
@@ -14277,11 +14608,11 @@
 </file>
 
 <file path=ppt/slides/slide8.xml><?xml version="1.0" encoding="utf-8"?>
-<p:sld xmlns:a="http://schemas.openxmlformats.org/drawingml/2006/main" xmlns:r="http://schemas.openxmlformats.org/officeDocument/2006/relationships" xmlns:mc="http://schemas.openxmlformats.org/markup-compatibility/2006" xmlns:mv="urn:schemas-microsoft-com:mac:vml" xmlns:p="http://schemas.openxmlformats.org/presentationml/2006/main" xmlns:c="http://schemas.openxmlformats.org/drawingml/2006/chart" xmlns:dgm="http://schemas.openxmlformats.org/drawingml/2006/diagram" xmlns:o="urn:schemas-microsoft-com:office:office" xmlns:v="urn:schemas-microsoft-com:vml" xmlns:pvml="urn:schemas-microsoft-com:office:powerpoint" xmlns:com="http://schemas.openxmlformats.org/drawingml/2006/compatibility" xmlns:p14="http://schemas.microsoft.com/office/powerpoint/2010/main" xmlns:p15="http://schemas.microsoft.com/office/powerpoint/2012/main" xmlns:ahyp="http://schemas.microsoft.com/office/drawing/2018/hyperlinkcolor">
+<p:sld xmlns:a="http://schemas.openxmlformats.org/drawingml/2006/main" xmlns:r="http://schemas.openxmlformats.org/officeDocument/2006/relationships" xmlns:p="http://schemas.openxmlformats.org/presentationml/2006/main">
   <p:cSld>
     <p:spTree>
       <p:nvGrpSpPr>
-        <p:cNvPr id="134" name="Shape 134"/>
+        <p:cNvPr id="1" name="Shape 134"/>
         <p:cNvGrpSpPr/>
         <p:nvPr/>
       </p:nvGrpSpPr>
@@ -14296,7 +14627,9 @@
       <p:sp>
         <p:nvSpPr>
           <p:cNvPr id="135" name="Google Shape;135;p20"/>
-          <p:cNvSpPr txBox="1"/>
+          <p:cNvSpPr txBox="1">
+            <a:spLocks noGrp="1"/>
+          </p:cNvSpPr>
           <p:nvPr>
             <p:ph type="title"/>
           </p:nvPr>
@@ -14311,12 +14644,12 @@
           </a:prstGeom>
         </p:spPr>
         <p:txBody>
-          <a:bodyPr anchorCtr="0" anchor="t" bIns="91425" lIns="91425" spcFirstLastPara="1" rIns="91425" wrap="square" tIns="91425">
+          <a:bodyPr spcFirstLastPara="1" wrap="square" lIns="91425" tIns="91425" rIns="91425" bIns="91425" anchor="t" anchorCtr="0">
             <a:noAutofit/>
           </a:bodyPr>
           <a:lstStyle/>
           <a:p>
-            <a:pPr indent="0" lvl="0" marL="0" rtl="0" algn="l">
+            <a:pPr marL="0" lvl="0" indent="0" algn="l" rtl="0">
               <a:spcBef>
                 <a:spcPts val="0"/>
               </a:spcBef>
@@ -14341,7 +14674,7 @@
         </p:nvGraphicFramePr>
         <p:xfrm>
           <a:off x="729450" y="2027150"/>
-          <a:ext cx="3000000" cy="3000000"/>
+          <a:ext cx="5448300" cy="1650367"/>
         </p:xfrm>
         <a:graphic>
           <a:graphicData uri="http://schemas.openxmlformats.org/drawingml/2006/table">
@@ -14351,8 +14684,20 @@
                 <a:tableStyleId>{C581B2C0-2CA6-47D1-A9CB-A2E818ACE926}</a:tableStyleId>
               </a:tblPr>
               <a:tblGrid>
-                <a:gridCol w="1238250"/>
-                <a:gridCol w="4210050"/>
+                <a:gridCol w="1238250">
+                  <a:extLst>
+                    <a:ext uri="{9D8B030D-6E8A-4147-A177-3AD203B41FA5}">
+                      <a16:colId xmlns:a16="http://schemas.microsoft.com/office/drawing/2014/main" val="20000"/>
+                    </a:ext>
+                  </a:extLst>
+                </a:gridCol>
+                <a:gridCol w="4210050">
+                  <a:extLst>
+                    <a:ext uri="{9D8B030D-6E8A-4147-A177-3AD203B41FA5}">
+                      <a16:colId xmlns:a16="http://schemas.microsoft.com/office/drawing/2014/main" val="20001"/>
+                    </a:ext>
+                  </a:extLst>
+                </a:gridCol>
               </a:tblGrid>
               <a:tr h="295275">
                 <a:tc>
@@ -14360,7 +14705,7 @@
                     <a:bodyPr/>
                     <a:lstStyle/>
                     <a:p>
-                      <a:pPr indent="0" lvl="0" marL="0" rtl="0" algn="ctr">
+                      <a:pPr marL="0" lvl="0" indent="0" algn="ctr" rtl="0">
                         <a:lnSpc>
                           <a:spcPct val="115000"/>
                         </a:lnSpc>
@@ -14373,48 +14718,48 @@
                         <a:buNone/>
                       </a:pPr>
                       <a:r>
-                        <a:rPr b="1" lang="ru" sz="1100"/>
+                        <a:rPr lang="ru" sz="1100" b="1"/>
                         <a:t>Maven Scope</a:t>
                       </a:r>
-                      <a:endParaRPr b="1" sz="1100"/>
+                      <a:endParaRPr sz="1100" b="1"/>
                     </a:p>
                   </a:txBody>
-                  <a:tcPr marT="57150" marB="57150" marR="123825" marL="123825">
-                    <a:lnL cap="flat" cmpd="sng" w="9525">
+                  <a:tcPr marL="123825" marR="123825" marT="57150" marB="57150">
+                    <a:lnL w="9525" cap="flat" cmpd="sng">
                       <a:solidFill>
                         <a:srgbClr val="DDDDDD"/>
                       </a:solidFill>
                       <a:prstDash val="solid"/>
                       <a:round/>
-                      <a:headEnd len="sm" w="sm" type="none"/>
-                      <a:tailEnd len="sm" w="sm" type="none"/>
+                      <a:headEnd type="none" w="sm" len="sm"/>
+                      <a:tailEnd type="none" w="sm" len="sm"/>
                     </a:lnL>
-                    <a:lnR cap="flat" cmpd="sng" w="9525">
+                    <a:lnR w="9525" cap="flat" cmpd="sng">
                       <a:solidFill>
                         <a:srgbClr val="DDDDDD"/>
                       </a:solidFill>
                       <a:prstDash val="solid"/>
                       <a:round/>
-                      <a:headEnd len="sm" w="sm" type="none"/>
-                      <a:tailEnd len="sm" w="sm" type="none"/>
+                      <a:headEnd type="none" w="sm" len="sm"/>
+                      <a:tailEnd type="none" w="sm" len="sm"/>
                     </a:lnR>
-                    <a:lnT cap="flat" cmpd="sng" w="9525">
+                    <a:lnT w="9525" cap="flat" cmpd="sng">
                       <a:solidFill>
                         <a:srgbClr val="DDDDDD"/>
                       </a:solidFill>
                       <a:prstDash val="solid"/>
                       <a:round/>
-                      <a:headEnd len="sm" w="sm" type="none"/>
-                      <a:tailEnd len="sm" w="sm" type="none"/>
+                      <a:headEnd type="none" w="sm" len="sm"/>
+                      <a:tailEnd type="none" w="sm" len="sm"/>
                     </a:lnT>
-                    <a:lnB cap="flat" cmpd="sng" w="9525">
+                    <a:lnB w="9525" cap="flat" cmpd="sng">
                       <a:solidFill>
                         <a:srgbClr val="DDDDDD"/>
                       </a:solidFill>
                       <a:prstDash val="solid"/>
                       <a:round/>
-                      <a:headEnd len="sm" w="sm" type="none"/>
-                      <a:tailEnd len="sm" w="sm" type="none"/>
+                      <a:headEnd type="none" w="sm" len="sm"/>
+                      <a:tailEnd type="none" w="sm" len="sm"/>
                     </a:lnB>
                   </a:tcPr>
                 </a:tc>
@@ -14423,7 +14768,7 @@
                     <a:bodyPr/>
                     <a:lstStyle/>
                     <a:p>
-                      <a:pPr indent="0" lvl="0" marL="0" rtl="0" algn="ctr">
+                      <a:pPr marL="0" lvl="0" indent="0" algn="ctr" rtl="0">
                         <a:lnSpc>
                           <a:spcPct val="115000"/>
                         </a:lnSpc>
@@ -14436,51 +14781,56 @@
                         <a:buNone/>
                       </a:pPr>
                       <a:r>
-                        <a:rPr b="1" lang="ru" sz="1100"/>
+                        <a:rPr lang="ru" sz="1100" b="1"/>
                         <a:t>Equivalent Gradle Configuration</a:t>
                       </a:r>
-                      <a:endParaRPr b="1" sz="1100"/>
+                      <a:endParaRPr sz="1100" b="1"/>
                     </a:p>
                   </a:txBody>
-                  <a:tcPr marT="57150" marB="57150" marR="123825" marL="123825">
-                    <a:lnL cap="flat" cmpd="sng" w="9525">
+                  <a:tcPr marL="123825" marR="123825" marT="57150" marB="57150">
+                    <a:lnL w="9525" cap="flat" cmpd="sng">
                       <a:solidFill>
                         <a:srgbClr val="DDDDDD"/>
                       </a:solidFill>
                       <a:prstDash val="solid"/>
                       <a:round/>
-                      <a:headEnd len="sm" w="sm" type="none"/>
-                      <a:tailEnd len="sm" w="sm" type="none"/>
+                      <a:headEnd type="none" w="sm" len="sm"/>
+                      <a:tailEnd type="none" w="sm" len="sm"/>
                     </a:lnL>
-                    <a:lnR cap="flat" cmpd="sng" w="9525">
+                    <a:lnR w="9525" cap="flat" cmpd="sng">
                       <a:solidFill>
                         <a:srgbClr val="DDDDDD"/>
                       </a:solidFill>
                       <a:prstDash val="solid"/>
                       <a:round/>
-                      <a:headEnd len="sm" w="sm" type="none"/>
-                      <a:tailEnd len="sm" w="sm" type="none"/>
+                      <a:headEnd type="none" w="sm" len="sm"/>
+                      <a:tailEnd type="none" w="sm" len="sm"/>
                     </a:lnR>
-                    <a:lnT cap="flat" cmpd="sng" w="9525">
+                    <a:lnT w="9525" cap="flat" cmpd="sng">
                       <a:solidFill>
                         <a:srgbClr val="DDDDDD"/>
                       </a:solidFill>
                       <a:prstDash val="solid"/>
                       <a:round/>
-                      <a:headEnd len="sm" w="sm" type="none"/>
-                      <a:tailEnd len="sm" w="sm" type="none"/>
+                      <a:headEnd type="none" w="sm" len="sm"/>
+                      <a:tailEnd type="none" w="sm" len="sm"/>
                     </a:lnT>
-                    <a:lnB cap="flat" cmpd="sng" w="9525">
+                    <a:lnB w="9525" cap="flat" cmpd="sng">
                       <a:solidFill>
                         <a:srgbClr val="DDDDDD"/>
                       </a:solidFill>
                       <a:prstDash val="solid"/>
                       <a:round/>
-                      <a:headEnd len="sm" w="sm" type="none"/>
-                      <a:tailEnd len="sm" w="sm" type="none"/>
+                      <a:headEnd type="none" w="sm" len="sm"/>
+                      <a:tailEnd type="none" w="sm" len="sm"/>
                     </a:lnB>
                   </a:tcPr>
                 </a:tc>
+                <a:extLst>
+                  <a:ext uri="{0D108BD9-81ED-4DB2-BD59-A6C34878D82A}">
+                    <a16:rowId xmlns:a16="http://schemas.microsoft.com/office/drawing/2014/main" val="10000"/>
+                  </a:ext>
+                </a:extLst>
               </a:tr>
               <a:tr h="295275">
                 <a:tc>
@@ -14488,7 +14838,7 @@
                     <a:bodyPr/>
                     <a:lstStyle/>
                     <a:p>
-                      <a:pPr indent="0" lvl="0" marL="0" rtl="0" algn="l">
+                      <a:pPr marL="0" lvl="0" indent="0" algn="l" rtl="0">
                         <a:lnSpc>
                           <a:spcPct val="115000"/>
                         </a:lnSpc>
@@ -14507,42 +14857,42 @@
                       <a:endParaRPr/>
                     </a:p>
                   </a:txBody>
-                  <a:tcPr marT="57150" marB="57150" marR="123825" marL="123825">
-                    <a:lnL cap="flat" cmpd="sng" w="9525">
+                  <a:tcPr marL="123825" marR="123825" marT="57150" marB="57150">
+                    <a:lnL w="9525" cap="flat" cmpd="sng">
                       <a:solidFill>
                         <a:srgbClr val="DDDDDD"/>
                       </a:solidFill>
                       <a:prstDash val="solid"/>
                       <a:round/>
-                      <a:headEnd len="sm" w="sm" type="none"/>
-                      <a:tailEnd len="sm" w="sm" type="none"/>
+                      <a:headEnd type="none" w="sm" len="sm"/>
+                      <a:tailEnd type="none" w="sm" len="sm"/>
                     </a:lnL>
-                    <a:lnR cap="flat" cmpd="sng" w="9525">
+                    <a:lnR w="9525" cap="flat" cmpd="sng">
                       <a:solidFill>
                         <a:srgbClr val="DDDDDD"/>
                       </a:solidFill>
                       <a:prstDash val="solid"/>
                       <a:round/>
-                      <a:headEnd len="sm" w="sm" type="none"/>
-                      <a:tailEnd len="sm" w="sm" type="none"/>
+                      <a:headEnd type="none" w="sm" len="sm"/>
+                      <a:tailEnd type="none" w="sm" len="sm"/>
                     </a:lnR>
-                    <a:lnT cap="flat" cmpd="sng" w="9525">
+                    <a:lnT w="9525" cap="flat" cmpd="sng">
                       <a:solidFill>
                         <a:srgbClr val="DDDDDD"/>
                       </a:solidFill>
                       <a:prstDash val="solid"/>
                       <a:round/>
-                      <a:headEnd len="sm" w="sm" type="none"/>
-                      <a:tailEnd len="sm" w="sm" type="none"/>
+                      <a:headEnd type="none" w="sm" len="sm"/>
+                      <a:tailEnd type="none" w="sm" len="sm"/>
                     </a:lnT>
-                    <a:lnB cap="flat" cmpd="sng" w="9525">
+                    <a:lnB w="9525" cap="flat" cmpd="sng">
                       <a:solidFill>
                         <a:srgbClr val="DDDDDD"/>
                       </a:solidFill>
                       <a:prstDash val="solid"/>
                       <a:round/>
-                      <a:headEnd len="sm" w="sm" type="none"/>
-                      <a:tailEnd len="sm" w="sm" type="none"/>
+                      <a:headEnd type="none" w="sm" len="sm"/>
+                      <a:tailEnd type="none" w="sm" len="sm"/>
                     </a:lnB>
                   </a:tcPr>
                 </a:tc>
@@ -14551,7 +14901,7 @@
                     <a:bodyPr/>
                     <a:lstStyle/>
                     <a:p>
-                      <a:pPr indent="0" lvl="0" marL="0" rtl="0" algn="l">
+                      <a:pPr marL="0" lvl="0" indent="0" algn="l" rtl="0">
                         <a:lnSpc>
                           <a:spcPct val="115000"/>
                         </a:lnSpc>
@@ -14592,45 +14942,50 @@
                       <a:endParaRPr sz="1100"/>
                     </a:p>
                   </a:txBody>
-                  <a:tcPr marT="57150" marB="57150" marR="123825" marL="123825">
-                    <a:lnL cap="flat" cmpd="sng" w="9525">
+                  <a:tcPr marL="123825" marR="123825" marT="57150" marB="57150">
+                    <a:lnL w="9525" cap="flat" cmpd="sng">
                       <a:solidFill>
                         <a:srgbClr val="DDDDDD"/>
                       </a:solidFill>
                       <a:prstDash val="solid"/>
                       <a:round/>
-                      <a:headEnd len="sm" w="sm" type="none"/>
-                      <a:tailEnd len="sm" w="sm" type="none"/>
+                      <a:headEnd type="none" w="sm" len="sm"/>
+                      <a:tailEnd type="none" w="sm" len="sm"/>
                     </a:lnL>
-                    <a:lnR cap="flat" cmpd="sng" w="9525">
+                    <a:lnR w="9525" cap="flat" cmpd="sng">
                       <a:solidFill>
                         <a:srgbClr val="DDDDDD"/>
                       </a:solidFill>
                       <a:prstDash val="solid"/>
                       <a:round/>
-                      <a:headEnd len="sm" w="sm" type="none"/>
-                      <a:tailEnd len="sm" w="sm" type="none"/>
+                      <a:headEnd type="none" w="sm" len="sm"/>
+                      <a:tailEnd type="none" w="sm" len="sm"/>
                     </a:lnR>
-                    <a:lnT cap="flat" cmpd="sng" w="9525">
+                    <a:lnT w="9525" cap="flat" cmpd="sng">
                       <a:solidFill>
                         <a:srgbClr val="DDDDDD"/>
                       </a:solidFill>
                       <a:prstDash val="solid"/>
                       <a:round/>
-                      <a:headEnd len="sm" w="sm" type="none"/>
-                      <a:tailEnd len="sm" w="sm" type="none"/>
+                      <a:headEnd type="none" w="sm" len="sm"/>
+                      <a:tailEnd type="none" w="sm" len="sm"/>
                     </a:lnT>
-                    <a:lnB cap="flat" cmpd="sng" w="9525">
+                    <a:lnB w="9525" cap="flat" cmpd="sng">
                       <a:solidFill>
                         <a:srgbClr val="DDDDDD"/>
                       </a:solidFill>
                       <a:prstDash val="solid"/>
                       <a:round/>
-                      <a:headEnd len="sm" w="sm" type="none"/>
-                      <a:tailEnd len="sm" w="sm" type="none"/>
+                      <a:headEnd type="none" w="sm" len="sm"/>
+                      <a:tailEnd type="none" w="sm" len="sm"/>
                     </a:lnB>
                   </a:tcPr>
                 </a:tc>
+                <a:extLst>
+                  <a:ext uri="{0D108BD9-81ED-4DB2-BD59-A6C34878D82A}">
+                    <a16:rowId xmlns:a16="http://schemas.microsoft.com/office/drawing/2014/main" val="10001"/>
+                  </a:ext>
+                </a:extLst>
               </a:tr>
               <a:tr h="295275">
                 <a:tc>
@@ -14638,7 +14993,7 @@
                     <a:bodyPr/>
                     <a:lstStyle/>
                     <a:p>
-                      <a:pPr indent="0" lvl="0" marL="0" rtl="0" algn="l">
+                      <a:pPr marL="0" lvl="0" indent="0" algn="l" rtl="0">
                         <a:lnSpc>
                           <a:spcPct val="115000"/>
                         </a:lnSpc>
@@ -14657,42 +15012,42 @@
                       <a:endParaRPr/>
                     </a:p>
                   </a:txBody>
-                  <a:tcPr marT="57150" marB="57150" marR="123825" marL="123825">
-                    <a:lnL cap="flat" cmpd="sng" w="9525">
+                  <a:tcPr marL="123825" marR="123825" marT="57150" marB="57150">
+                    <a:lnL w="9525" cap="flat" cmpd="sng">
                       <a:solidFill>
                         <a:srgbClr val="DDDDDD"/>
                       </a:solidFill>
                       <a:prstDash val="solid"/>
                       <a:round/>
-                      <a:headEnd len="sm" w="sm" type="none"/>
-                      <a:tailEnd len="sm" w="sm" type="none"/>
+                      <a:headEnd type="none" w="sm" len="sm"/>
+                      <a:tailEnd type="none" w="sm" len="sm"/>
                     </a:lnL>
-                    <a:lnR cap="flat" cmpd="sng" w="9525">
+                    <a:lnR w="9525" cap="flat" cmpd="sng">
                       <a:solidFill>
                         <a:srgbClr val="DDDDDD"/>
                       </a:solidFill>
                       <a:prstDash val="solid"/>
                       <a:round/>
-                      <a:headEnd len="sm" w="sm" type="none"/>
-                      <a:tailEnd len="sm" w="sm" type="none"/>
+                      <a:headEnd type="none" w="sm" len="sm"/>
+                      <a:tailEnd type="none" w="sm" len="sm"/>
                     </a:lnR>
-                    <a:lnT cap="flat" cmpd="sng" w="9525">
+                    <a:lnT w="9525" cap="flat" cmpd="sng">
                       <a:solidFill>
                         <a:srgbClr val="DDDDDD"/>
                       </a:solidFill>
                       <a:prstDash val="solid"/>
                       <a:round/>
-                      <a:headEnd len="sm" w="sm" type="none"/>
-                      <a:tailEnd len="sm" w="sm" type="none"/>
+                      <a:headEnd type="none" w="sm" len="sm"/>
+                      <a:tailEnd type="none" w="sm" len="sm"/>
                     </a:lnT>
-                    <a:lnB cap="flat" cmpd="sng" w="9525">
+                    <a:lnB w="9525" cap="flat" cmpd="sng">
                       <a:solidFill>
                         <a:srgbClr val="DDDDDD"/>
                       </a:solidFill>
                       <a:prstDash val="solid"/>
                       <a:round/>
-                      <a:headEnd len="sm" w="sm" type="none"/>
-                      <a:tailEnd len="sm" w="sm" type="none"/>
+                      <a:headEnd type="none" w="sm" len="sm"/>
+                      <a:tailEnd type="none" w="sm" len="sm"/>
                     </a:lnB>
                   </a:tcPr>
                 </a:tc>
@@ -14701,7 +15056,7 @@
                     <a:bodyPr/>
                     <a:lstStyle/>
                     <a:p>
-                      <a:pPr indent="0" lvl="0" marL="0" rtl="0" algn="l">
+                      <a:pPr marL="0" lvl="0" indent="0" algn="l" rtl="0">
                         <a:lnSpc>
                           <a:spcPct val="115000"/>
                         </a:lnSpc>
@@ -14730,45 +15085,50 @@
                       </a:endParaRPr>
                     </a:p>
                   </a:txBody>
-                  <a:tcPr marT="57150" marB="57150" marR="123825" marL="123825">
-                    <a:lnL cap="flat" cmpd="sng" w="9525">
+                  <a:tcPr marL="123825" marR="123825" marT="57150" marB="57150">
+                    <a:lnL w="9525" cap="flat" cmpd="sng">
                       <a:solidFill>
                         <a:srgbClr val="DDDDDD"/>
                       </a:solidFill>
                       <a:prstDash val="solid"/>
                       <a:round/>
-                      <a:headEnd len="sm" w="sm" type="none"/>
-                      <a:tailEnd len="sm" w="sm" type="none"/>
+                      <a:headEnd type="none" w="sm" len="sm"/>
+                      <a:tailEnd type="none" w="sm" len="sm"/>
                     </a:lnL>
-                    <a:lnR cap="flat" cmpd="sng" w="9525">
+                    <a:lnR w="9525" cap="flat" cmpd="sng">
                       <a:solidFill>
                         <a:srgbClr val="DDDDDD"/>
                       </a:solidFill>
                       <a:prstDash val="solid"/>
                       <a:round/>
-                      <a:headEnd len="sm" w="sm" type="none"/>
-                      <a:tailEnd len="sm" w="sm" type="none"/>
+                      <a:headEnd type="none" w="sm" len="sm"/>
+                      <a:tailEnd type="none" w="sm" len="sm"/>
                     </a:lnR>
-                    <a:lnT cap="flat" cmpd="sng" w="9525">
+                    <a:lnT w="9525" cap="flat" cmpd="sng">
                       <a:solidFill>
                         <a:srgbClr val="DDDDDD"/>
                       </a:solidFill>
                       <a:prstDash val="solid"/>
                       <a:round/>
-                      <a:headEnd len="sm" w="sm" type="none"/>
-                      <a:tailEnd len="sm" w="sm" type="none"/>
+                      <a:headEnd type="none" w="sm" len="sm"/>
+                      <a:tailEnd type="none" w="sm" len="sm"/>
                     </a:lnT>
-                    <a:lnB cap="flat" cmpd="sng" w="9525">
+                    <a:lnB w="9525" cap="flat" cmpd="sng">
                       <a:solidFill>
                         <a:srgbClr val="DDDDDD"/>
                       </a:solidFill>
                       <a:prstDash val="solid"/>
                       <a:round/>
-                      <a:headEnd len="sm" w="sm" type="none"/>
-                      <a:tailEnd len="sm" w="sm" type="none"/>
+                      <a:headEnd type="none" w="sm" len="sm"/>
+                      <a:tailEnd type="none" w="sm" len="sm"/>
                     </a:lnB>
                   </a:tcPr>
                 </a:tc>
+                <a:extLst>
+                  <a:ext uri="{0D108BD9-81ED-4DB2-BD59-A6C34878D82A}">
+                    <a16:rowId xmlns:a16="http://schemas.microsoft.com/office/drawing/2014/main" val="10002"/>
+                  </a:ext>
+                </a:extLst>
               </a:tr>
               <a:tr h="295275">
                 <a:tc>
@@ -14776,7 +15136,7 @@
                     <a:bodyPr/>
                     <a:lstStyle/>
                     <a:p>
-                      <a:pPr indent="0" lvl="0" marL="0" rtl="0" algn="l">
+                      <a:pPr marL="0" lvl="0" indent="0" algn="l" rtl="0">
                         <a:lnSpc>
                           <a:spcPct val="115000"/>
                         </a:lnSpc>
@@ -14795,42 +15155,42 @@
                       <a:endParaRPr/>
                     </a:p>
                   </a:txBody>
-                  <a:tcPr marT="57150" marB="57150" marR="123825" marL="123825">
-                    <a:lnL cap="flat" cmpd="sng" w="9525">
+                  <a:tcPr marL="123825" marR="123825" marT="57150" marB="57150">
+                    <a:lnL w="9525" cap="flat" cmpd="sng">
                       <a:solidFill>
                         <a:srgbClr val="DDDDDD"/>
                       </a:solidFill>
                       <a:prstDash val="solid"/>
                       <a:round/>
-                      <a:headEnd len="sm" w="sm" type="none"/>
-                      <a:tailEnd len="sm" w="sm" type="none"/>
+                      <a:headEnd type="none" w="sm" len="sm"/>
+                      <a:tailEnd type="none" w="sm" len="sm"/>
                     </a:lnL>
-                    <a:lnR cap="flat" cmpd="sng" w="9525">
+                    <a:lnR w="9525" cap="flat" cmpd="sng">
                       <a:solidFill>
                         <a:srgbClr val="DDDDDD"/>
                       </a:solidFill>
                       <a:prstDash val="solid"/>
                       <a:round/>
-                      <a:headEnd len="sm" w="sm" type="none"/>
-                      <a:tailEnd len="sm" w="sm" type="none"/>
+                      <a:headEnd type="none" w="sm" len="sm"/>
+                      <a:tailEnd type="none" w="sm" len="sm"/>
                     </a:lnR>
-                    <a:lnT cap="flat" cmpd="sng" w="9525">
+                    <a:lnT w="9525" cap="flat" cmpd="sng">
                       <a:solidFill>
                         <a:srgbClr val="DDDDDD"/>
                       </a:solidFill>
                       <a:prstDash val="solid"/>
                       <a:round/>
-                      <a:headEnd len="sm" w="sm" type="none"/>
-                      <a:tailEnd len="sm" w="sm" type="none"/>
+                      <a:headEnd type="none" w="sm" len="sm"/>
+                      <a:tailEnd type="none" w="sm" len="sm"/>
                     </a:lnT>
-                    <a:lnB cap="flat" cmpd="sng" w="9525">
+                    <a:lnB w="9525" cap="flat" cmpd="sng">
                       <a:solidFill>
                         <a:srgbClr val="DDDDDD"/>
                       </a:solidFill>
                       <a:prstDash val="solid"/>
                       <a:round/>
-                      <a:headEnd len="sm" w="sm" type="none"/>
-                      <a:tailEnd len="sm" w="sm" type="none"/>
+                      <a:headEnd type="none" w="sm" len="sm"/>
+                      <a:tailEnd type="none" w="sm" len="sm"/>
                     </a:lnB>
                   </a:tcPr>
                 </a:tc>
@@ -14839,7 +15199,7 @@
                     <a:bodyPr/>
                     <a:lstStyle/>
                     <a:p>
-                      <a:pPr indent="0" lvl="0" marL="0" rtl="0" algn="l">
+                      <a:pPr marL="0" lvl="0" indent="0" algn="l" rtl="0">
                         <a:lnSpc>
                           <a:spcPct val="115000"/>
                         </a:lnSpc>
@@ -14868,45 +15228,50 @@
                       </a:endParaRPr>
                     </a:p>
                   </a:txBody>
-                  <a:tcPr marT="57150" marB="57150" marR="123825" marL="123825">
-                    <a:lnL cap="flat" cmpd="sng" w="9525">
+                  <a:tcPr marL="123825" marR="123825" marT="57150" marB="57150">
+                    <a:lnL w="9525" cap="flat" cmpd="sng">
                       <a:solidFill>
                         <a:srgbClr val="DDDDDD"/>
                       </a:solidFill>
                       <a:prstDash val="solid"/>
                       <a:round/>
-                      <a:headEnd len="sm" w="sm" type="none"/>
-                      <a:tailEnd len="sm" w="sm" type="none"/>
+                      <a:headEnd type="none" w="sm" len="sm"/>
+                      <a:tailEnd type="none" w="sm" len="sm"/>
                     </a:lnL>
-                    <a:lnR cap="flat" cmpd="sng" w="9525">
+                    <a:lnR w="9525" cap="flat" cmpd="sng">
                       <a:solidFill>
                         <a:srgbClr val="DDDDDD"/>
                       </a:solidFill>
                       <a:prstDash val="solid"/>
                       <a:round/>
-                      <a:headEnd len="sm" w="sm" type="none"/>
-                      <a:tailEnd len="sm" w="sm" type="none"/>
+                      <a:headEnd type="none" w="sm" len="sm"/>
+                      <a:tailEnd type="none" w="sm" len="sm"/>
                     </a:lnR>
-                    <a:lnT cap="flat" cmpd="sng" w="9525">
+                    <a:lnT w="9525" cap="flat" cmpd="sng">
                       <a:solidFill>
                         <a:srgbClr val="DDDDDD"/>
                       </a:solidFill>
                       <a:prstDash val="solid"/>
                       <a:round/>
-                      <a:headEnd len="sm" w="sm" type="none"/>
-                      <a:tailEnd len="sm" w="sm" type="none"/>
+                      <a:headEnd type="none" w="sm" len="sm"/>
+                      <a:tailEnd type="none" w="sm" len="sm"/>
                     </a:lnT>
-                    <a:lnB cap="flat" cmpd="sng" w="9525">
+                    <a:lnB w="9525" cap="flat" cmpd="sng">
                       <a:solidFill>
                         <a:srgbClr val="DDDDDD"/>
                       </a:solidFill>
                       <a:prstDash val="solid"/>
                       <a:round/>
-                      <a:headEnd len="sm" w="sm" type="none"/>
-                      <a:tailEnd len="sm" w="sm" type="none"/>
+                      <a:headEnd type="none" w="sm" len="sm"/>
+                      <a:tailEnd type="none" w="sm" len="sm"/>
                     </a:lnB>
                   </a:tcPr>
                 </a:tc>
+                <a:extLst>
+                  <a:ext uri="{0D108BD9-81ED-4DB2-BD59-A6C34878D82A}">
+                    <a16:rowId xmlns:a16="http://schemas.microsoft.com/office/drawing/2014/main" val="10003"/>
+                  </a:ext>
+                </a:extLst>
               </a:tr>
               <a:tr h="295275">
                 <a:tc>
@@ -14914,7 +15279,7 @@
                     <a:bodyPr/>
                     <a:lstStyle/>
                     <a:p>
-                      <a:pPr indent="0" lvl="0" marL="0" rtl="0" algn="l">
+                      <a:pPr marL="0" lvl="0" indent="0" algn="l" rtl="0">
                         <a:lnSpc>
                           <a:spcPct val="115000"/>
                         </a:lnSpc>
@@ -14933,42 +15298,42 @@
                       <a:endParaRPr/>
                     </a:p>
                   </a:txBody>
-                  <a:tcPr marT="57150" marB="57150" marR="123825" marL="123825">
-                    <a:lnL cap="flat" cmpd="sng" w="9525">
+                  <a:tcPr marL="123825" marR="123825" marT="57150" marB="57150">
+                    <a:lnL w="9525" cap="flat" cmpd="sng">
                       <a:solidFill>
                         <a:srgbClr val="DDDDDD"/>
                       </a:solidFill>
                       <a:prstDash val="solid"/>
                       <a:round/>
-                      <a:headEnd len="sm" w="sm" type="none"/>
-                      <a:tailEnd len="sm" w="sm" type="none"/>
+                      <a:headEnd type="none" w="sm" len="sm"/>
+                      <a:tailEnd type="none" w="sm" len="sm"/>
                     </a:lnL>
-                    <a:lnR cap="flat" cmpd="sng" w="9525">
+                    <a:lnR w="9525" cap="flat" cmpd="sng">
                       <a:solidFill>
                         <a:srgbClr val="DDDDDD"/>
                       </a:solidFill>
                       <a:prstDash val="solid"/>
                       <a:round/>
-                      <a:headEnd len="sm" w="sm" type="none"/>
-                      <a:tailEnd len="sm" w="sm" type="none"/>
+                      <a:headEnd type="none" w="sm" len="sm"/>
+                      <a:tailEnd type="none" w="sm" len="sm"/>
                     </a:lnR>
-                    <a:lnT cap="flat" cmpd="sng" w="9525">
+                    <a:lnT w="9525" cap="flat" cmpd="sng">
                       <a:solidFill>
                         <a:srgbClr val="DDDDDD"/>
                       </a:solidFill>
                       <a:prstDash val="solid"/>
                       <a:round/>
-                      <a:headEnd len="sm" w="sm" type="none"/>
-                      <a:tailEnd len="sm" w="sm" type="none"/>
+                      <a:headEnd type="none" w="sm" len="sm"/>
+                      <a:tailEnd type="none" w="sm" len="sm"/>
                     </a:lnT>
-                    <a:lnB cap="flat" cmpd="sng" w="9525">
+                    <a:lnB w="9525" cap="flat" cmpd="sng">
                       <a:solidFill>
                         <a:srgbClr val="DDDDDD"/>
                       </a:solidFill>
                       <a:prstDash val="solid"/>
                       <a:round/>
-                      <a:headEnd len="sm" w="sm" type="none"/>
-                      <a:tailEnd len="sm" w="sm" type="none"/>
+                      <a:headEnd type="none" w="sm" len="sm"/>
+                      <a:tailEnd type="none" w="sm" len="sm"/>
                     </a:lnB>
                   </a:tcPr>
                 </a:tc>
@@ -14977,7 +15342,7 @@
                     <a:bodyPr/>
                     <a:lstStyle/>
                     <a:p>
-                      <a:pPr indent="0" lvl="0" marL="0" rtl="0" algn="l">
+                      <a:pPr marL="0" lvl="0" indent="0" algn="l" rtl="0">
                         <a:lnSpc>
                           <a:spcPct val="115000"/>
                         </a:lnSpc>
@@ -15006,45 +15371,50 @@
                       </a:endParaRPr>
                     </a:p>
                   </a:txBody>
-                  <a:tcPr marT="57150" marB="57150" marR="123825" marL="123825">
-                    <a:lnL cap="flat" cmpd="sng" w="9525">
+                  <a:tcPr marL="123825" marR="123825" marT="57150" marB="57150">
+                    <a:lnL w="9525" cap="flat" cmpd="sng">
                       <a:solidFill>
                         <a:srgbClr val="DDDDDD"/>
                       </a:solidFill>
                       <a:prstDash val="solid"/>
                       <a:round/>
-                      <a:headEnd len="sm" w="sm" type="none"/>
-                      <a:tailEnd len="sm" w="sm" type="none"/>
+                      <a:headEnd type="none" w="sm" len="sm"/>
+                      <a:tailEnd type="none" w="sm" len="sm"/>
                     </a:lnL>
-                    <a:lnR cap="flat" cmpd="sng" w="9525">
+                    <a:lnR w="9525" cap="flat" cmpd="sng">
                       <a:solidFill>
                         <a:srgbClr val="DDDDDD"/>
                       </a:solidFill>
                       <a:prstDash val="solid"/>
                       <a:round/>
-                      <a:headEnd len="sm" w="sm" type="none"/>
-                      <a:tailEnd len="sm" w="sm" type="none"/>
+                      <a:headEnd type="none" w="sm" len="sm"/>
+                      <a:tailEnd type="none" w="sm" len="sm"/>
                     </a:lnR>
-                    <a:lnT cap="flat" cmpd="sng" w="9525">
+                    <a:lnT w="9525" cap="flat" cmpd="sng">
                       <a:solidFill>
                         <a:srgbClr val="DDDDDD"/>
                       </a:solidFill>
                       <a:prstDash val="solid"/>
                       <a:round/>
-                      <a:headEnd len="sm" w="sm" type="none"/>
-                      <a:tailEnd len="sm" w="sm" type="none"/>
+                      <a:headEnd type="none" w="sm" len="sm"/>
+                      <a:tailEnd type="none" w="sm" len="sm"/>
                     </a:lnT>
-                    <a:lnB cap="flat" cmpd="sng" w="9525">
+                    <a:lnB w="9525" cap="flat" cmpd="sng">
                       <a:solidFill>
                         <a:srgbClr val="DDDDDD"/>
                       </a:solidFill>
                       <a:prstDash val="solid"/>
                       <a:round/>
-                      <a:headEnd len="sm" w="sm" type="none"/>
-                      <a:tailEnd len="sm" w="sm" type="none"/>
+                      <a:headEnd type="none" w="sm" len="sm"/>
+                      <a:tailEnd type="none" w="sm" len="sm"/>
                     </a:lnB>
                   </a:tcPr>
                 </a:tc>
+                <a:extLst>
+                  <a:ext uri="{0D108BD9-81ED-4DB2-BD59-A6C34878D82A}">
+                    <a16:rowId xmlns:a16="http://schemas.microsoft.com/office/drawing/2014/main" val="10004"/>
+                  </a:ext>
+                </a:extLst>
               </a:tr>
             </a:tbl>
           </a:graphicData>
@@ -15059,11 +15429,11 @@
 </file>
 
 <file path=ppt/slides/slide9.xml><?xml version="1.0" encoding="utf-8"?>
-<p:sld xmlns:a="http://schemas.openxmlformats.org/drawingml/2006/main" xmlns:r="http://schemas.openxmlformats.org/officeDocument/2006/relationships" xmlns:mc="http://schemas.openxmlformats.org/markup-compatibility/2006" xmlns:mv="urn:schemas-microsoft-com:mac:vml" xmlns:p="http://schemas.openxmlformats.org/presentationml/2006/main" xmlns:c="http://schemas.openxmlformats.org/drawingml/2006/chart" xmlns:dgm="http://schemas.openxmlformats.org/drawingml/2006/diagram" xmlns:o="urn:schemas-microsoft-com:office:office" xmlns:v="urn:schemas-microsoft-com:vml" xmlns:pvml="urn:schemas-microsoft-com:office:powerpoint" xmlns:com="http://schemas.openxmlformats.org/drawingml/2006/compatibility" xmlns:p14="http://schemas.microsoft.com/office/powerpoint/2010/main" xmlns:p15="http://schemas.microsoft.com/office/powerpoint/2012/main" xmlns:ahyp="http://schemas.microsoft.com/office/drawing/2018/hyperlinkcolor">
+<p:sld xmlns:a="http://schemas.openxmlformats.org/drawingml/2006/main" xmlns:r="http://schemas.openxmlformats.org/officeDocument/2006/relationships" xmlns:p="http://schemas.openxmlformats.org/presentationml/2006/main">
   <p:cSld>
     <p:spTree>
       <p:nvGrpSpPr>
-        <p:cNvPr id="140" name="Shape 140"/>
+        <p:cNvPr id="1" name="Shape 140"/>
         <p:cNvGrpSpPr/>
         <p:nvPr/>
       </p:nvGrpSpPr>
@@ -15078,7 +15448,9 @@
       <p:sp>
         <p:nvSpPr>
           <p:cNvPr id="141" name="Google Shape;141;p21"/>
-          <p:cNvSpPr txBox="1"/>
+          <p:cNvSpPr txBox="1">
+            <a:spLocks noGrp="1"/>
+          </p:cNvSpPr>
           <p:nvPr>
             <p:ph type="title"/>
           </p:nvPr>
@@ -15093,12 +15465,12 @@
           </a:prstGeom>
         </p:spPr>
         <p:txBody>
-          <a:bodyPr anchorCtr="0" anchor="t" bIns="91425" lIns="91425" spcFirstLastPara="1" rIns="91425" wrap="square" tIns="91425">
+          <a:bodyPr spcFirstLastPara="1" wrap="square" lIns="91425" tIns="91425" rIns="91425" bIns="91425" anchor="t" anchorCtr="0">
             <a:noAutofit/>
           </a:bodyPr>
           <a:lstStyle/>
           <a:p>
-            <a:pPr indent="0" lvl="0" marL="0" rtl="0" algn="l">
+            <a:pPr marL="0" lvl="0" indent="0" algn="l" rtl="0">
               <a:spcBef>
                 <a:spcPts val="0"/>
               </a:spcBef>
@@ -15132,23 +15504,23 @@
           <a:solidFill>
             <a:schemeClr val="lt2"/>
           </a:solidFill>
-          <a:ln cap="flat" cmpd="sng" w="9525">
+          <a:ln w="9525" cap="flat" cmpd="sng">
             <a:solidFill>
               <a:schemeClr val="dk2"/>
             </a:solidFill>
             <a:prstDash val="solid"/>
             <a:round/>
-            <a:headEnd len="sm" w="sm" type="none"/>
-            <a:tailEnd len="sm" w="sm" type="none"/>
+            <a:headEnd type="none" w="sm" len="sm"/>
+            <a:tailEnd type="none" w="sm" len="sm"/>
           </a:ln>
         </p:spPr>
         <p:txBody>
-          <a:bodyPr anchorCtr="0" anchor="ctr" bIns="91425" lIns="91425" spcFirstLastPara="1" rIns="91425" wrap="square" tIns="91425">
+          <a:bodyPr spcFirstLastPara="1" wrap="square" lIns="91425" tIns="91425" rIns="91425" bIns="91425" anchor="ctr" anchorCtr="0">
             <a:noAutofit/>
           </a:bodyPr>
           <a:lstStyle/>
           <a:p>
-            <a:pPr indent="0" lvl="0" marL="0" rtl="0" algn="ctr">
+            <a:pPr marL="0" lvl="0" indent="0" algn="ctr" rtl="0">
               <a:spcBef>
                 <a:spcPts val="0"/>
               </a:spcBef>
@@ -15182,23 +15554,23 @@
           <a:solidFill>
             <a:schemeClr val="lt2"/>
           </a:solidFill>
-          <a:ln cap="flat" cmpd="sng" w="9525">
+          <a:ln w="9525" cap="flat" cmpd="sng">
             <a:solidFill>
               <a:schemeClr val="dk2"/>
             </a:solidFill>
             <a:prstDash val="solid"/>
             <a:round/>
-            <a:headEnd len="sm" w="sm" type="none"/>
-            <a:tailEnd len="sm" w="sm" type="none"/>
+            <a:headEnd type="none" w="sm" len="sm"/>
+            <a:tailEnd type="none" w="sm" len="sm"/>
           </a:ln>
         </p:spPr>
         <p:txBody>
-          <a:bodyPr anchorCtr="0" anchor="ctr" bIns="91425" lIns="91425" spcFirstLastPara="1" rIns="91425" wrap="square" tIns="91425">
+          <a:bodyPr spcFirstLastPara="1" wrap="square" lIns="91425" tIns="91425" rIns="91425" bIns="91425" anchor="ctr" anchorCtr="0">
             <a:noAutofit/>
           </a:bodyPr>
           <a:lstStyle/>
           <a:p>
-            <a:pPr indent="0" lvl="0" marL="0" rtl="0" algn="ctr">
+            <a:pPr marL="0" lvl="0" indent="0" algn="ctr" rtl="0">
               <a:spcBef>
                 <a:spcPts val="0"/>
               </a:spcBef>
@@ -15232,23 +15604,23 @@
           <a:solidFill>
             <a:schemeClr val="lt2"/>
           </a:solidFill>
-          <a:ln cap="flat" cmpd="sng" w="9525">
+          <a:ln w="9525" cap="flat" cmpd="sng">
             <a:solidFill>
               <a:schemeClr val="dk2"/>
             </a:solidFill>
             <a:prstDash val="solid"/>
             <a:round/>
-            <a:headEnd len="sm" w="sm" type="none"/>
-            <a:tailEnd len="sm" w="sm" type="none"/>
+            <a:headEnd type="none" w="sm" len="sm"/>
+            <a:tailEnd type="none" w="sm" len="sm"/>
           </a:ln>
         </p:spPr>
         <p:txBody>
-          <a:bodyPr anchorCtr="0" anchor="ctr" bIns="91425" lIns="91425" spcFirstLastPara="1" rIns="91425" wrap="square" tIns="91425">
+          <a:bodyPr spcFirstLastPara="1" wrap="square" lIns="91425" tIns="91425" rIns="91425" bIns="91425" anchor="ctr" anchorCtr="0">
             <a:noAutofit/>
           </a:bodyPr>
           <a:lstStyle/>
           <a:p>
-            <a:pPr indent="0" lvl="0" marL="0" rtl="0" algn="ctr">
+            <a:pPr marL="0" lvl="0" indent="0" algn="ctr" rtl="0">
               <a:spcBef>
                 <a:spcPts val="0"/>
               </a:spcBef>
@@ -15283,14 +15655,14 @@
             <a:avLst/>
           </a:prstGeom>
           <a:noFill/>
-          <a:ln cap="flat" cmpd="sng" w="9525">
+          <a:ln w="9525" cap="flat" cmpd="sng">
             <a:solidFill>
               <a:schemeClr val="dk2"/>
             </a:solidFill>
             <a:prstDash val="solid"/>
             <a:round/>
-            <a:headEnd len="med" w="med" type="none"/>
-            <a:tailEnd len="med" w="med" type="triangle"/>
+            <a:headEnd type="none" w="med" len="med"/>
+            <a:tailEnd type="triangle" w="med" len="med"/>
           </a:ln>
         </p:spPr>
       </p:cxnSp>
@@ -15312,14 +15684,14 @@
             <a:avLst/>
           </a:prstGeom>
           <a:noFill/>
-          <a:ln cap="flat" cmpd="sng" w="9525">
+          <a:ln w="9525" cap="flat" cmpd="sng">
             <a:solidFill>
               <a:schemeClr val="dk2"/>
             </a:solidFill>
             <a:prstDash val="solid"/>
             <a:round/>
-            <a:headEnd len="med" w="med" type="none"/>
-            <a:tailEnd len="med" w="med" type="triangle"/>
+            <a:headEnd type="none" w="med" len="med"/>
+            <a:tailEnd type="triangle" w="med" len="med"/>
           </a:ln>
         </p:spPr>
       </p:cxnSp>
@@ -15343,12 +15715,12 @@
           </a:ln>
         </p:spPr>
         <p:txBody>
-          <a:bodyPr anchorCtr="0" anchor="t" bIns="91425" lIns="91425" spcFirstLastPara="1" rIns="91425" wrap="square" tIns="91425">
+          <a:bodyPr spcFirstLastPara="1" wrap="square" lIns="91425" tIns="91425" rIns="91425" bIns="91425" anchor="t" anchorCtr="0">
             <a:noAutofit/>
           </a:bodyPr>
           <a:lstStyle/>
           <a:p>
-            <a:pPr indent="0" lvl="0" marL="0" rtl="0" algn="l">
+            <a:pPr marL="0" lvl="0" indent="0" algn="l" rtl="0">
               <a:spcBef>
                 <a:spcPts val="0"/>
               </a:spcBef>
@@ -15395,12 +15767,12 @@
           </a:ln>
         </p:spPr>
         <p:txBody>
-          <a:bodyPr anchorCtr="0" anchor="t" bIns="91425" lIns="91425" spcFirstLastPara="1" rIns="91425" wrap="square" tIns="91425">
+          <a:bodyPr spcFirstLastPara="1" wrap="square" lIns="91425" tIns="91425" rIns="91425" bIns="91425" anchor="t" anchorCtr="0">
             <a:noAutofit/>
           </a:bodyPr>
           <a:lstStyle/>
           <a:p>
-            <a:pPr indent="0" lvl="0" marL="0" rtl="0" algn="l">
+            <a:pPr marL="0" lvl="0" indent="0" algn="l" rtl="0">
               <a:spcBef>
                 <a:spcPts val="0"/>
               </a:spcBef>
@@ -15426,7 +15798,7 @@
             </a:endParaRPr>
           </a:p>
           <a:p>
-            <a:pPr indent="0" lvl="0" marL="0" rtl="0" algn="l">
+            <a:pPr marL="0" lvl="0" indent="0" algn="l" rtl="0">
               <a:spcBef>
                 <a:spcPts val="0"/>
               </a:spcBef>
@@ -15442,16 +15814,7 @@
                 <a:cs typeface="Courier New"/>
                 <a:sym typeface="Courier New"/>
               </a:rPr>
-              <a:t>  </a:t>
-            </a:r>
-            <a:r>
-              <a:rPr lang="ru" sz="1000">
-                <a:latin typeface="Courier New"/>
-                <a:ea typeface="Courier New"/>
-                <a:cs typeface="Courier New"/>
-                <a:sym typeface="Courier New"/>
-              </a:rPr>
-              <a:t>getCredentials();</a:t>
+              <a:t>  getCredentials();</a:t>
             </a:r>
             <a:endParaRPr sz="1000">
               <a:latin typeface="Courier New"/>
@@ -15461,7 +15824,7 @@
             </a:endParaRPr>
           </a:p>
           <a:p>
-            <a:pPr indent="0" lvl="0" marL="0" rtl="0" algn="l">
+            <a:pPr marL="0" lvl="0" indent="0" algn="l" rtl="0">
               <a:spcBef>
                 <a:spcPts val="0"/>
               </a:spcBef>
@@ -15487,7 +15850,7 @@
             </a:endParaRPr>
           </a:p>
           <a:p>
-            <a:pPr indent="0" lvl="0" marL="0" rtl="0" algn="l">
+            <a:pPr marL="0" lvl="0" indent="0" algn="l" rtl="0">
               <a:spcBef>
                 <a:spcPts val="0"/>
               </a:spcBef>
@@ -15496,9 +15859,6 @@
               </a:spcAft>
               <a:buNone/>
             </a:pPr>
-            <a:r>
-              <a:t/>
-            </a:r>
             <a:endParaRPr>
               <a:latin typeface="Lato"/>
               <a:ea typeface="Lato"/>
@@ -15528,12 +15888,12 @@
           </a:ln>
         </p:spPr>
         <p:txBody>
-          <a:bodyPr anchorCtr="0" anchor="t" bIns="91425" lIns="91425" spcFirstLastPara="1" rIns="91425" wrap="square" tIns="91425">
+          <a:bodyPr spcFirstLastPara="1" wrap="square" lIns="91425" tIns="91425" rIns="91425" bIns="91425" anchor="t" anchorCtr="0">
             <a:noAutofit/>
           </a:bodyPr>
           <a:lstStyle/>
           <a:p>
-            <a:pPr indent="0" lvl="0" marL="0" rtl="0" algn="l">
+            <a:pPr marL="0" lvl="0" indent="0" algn="l" rtl="0">
               <a:spcBef>
                 <a:spcPts val="0"/>
               </a:spcBef>
@@ -15578,14 +15938,14 @@
             <a:avLst/>
           </a:prstGeom>
           <a:noFill/>
-          <a:ln cap="flat" cmpd="sng" w="9525">
+          <a:ln w="9525" cap="flat" cmpd="sng">
             <a:solidFill>
               <a:schemeClr val="dk2"/>
             </a:solidFill>
             <a:prstDash val="dot"/>
             <a:round/>
-            <a:headEnd len="med" w="med" type="none"/>
-            <a:tailEnd len="med" w="med" type="triangle"/>
+            <a:headEnd type="none" w="med" len="med"/>
+            <a:tailEnd type="triangle" w="med" len="med"/>
           </a:ln>
         </p:spPr>
       </p:cxnSp>
@@ -15607,14 +15967,14 @@
             <a:avLst/>
           </a:prstGeom>
           <a:noFill/>
-          <a:ln cap="flat" cmpd="sng" w="9525">
+          <a:ln w="9525" cap="flat" cmpd="sng">
             <a:solidFill>
               <a:schemeClr val="dk2"/>
             </a:solidFill>
             <a:prstDash val="dot"/>
             <a:round/>
-            <a:headEnd len="med" w="med" type="none"/>
-            <a:tailEnd len="med" w="med" type="triangle"/>
+            <a:headEnd type="none" w="med" len="med"/>
+            <a:tailEnd type="triangle" w="med" len="med"/>
           </a:ln>
         </p:spPr>
       </p:cxnSp>
@@ -15636,14 +15996,14 @@
             <a:avLst/>
           </a:prstGeom>
           <a:noFill/>
-          <a:ln cap="flat" cmpd="sng" w="9525">
+          <a:ln w="9525" cap="flat" cmpd="sng">
             <a:solidFill>
               <a:schemeClr val="dk2"/>
             </a:solidFill>
             <a:prstDash val="solid"/>
             <a:round/>
-            <a:headEnd len="med" w="med" type="none"/>
-            <a:tailEnd len="med" w="med" type="triangle"/>
+            <a:headEnd type="none" w="med" len="med"/>
+            <a:tailEnd type="triangle" w="med" len="med"/>
           </a:ln>
         </p:spPr>
       </p:cxnSp>
@@ -15664,23 +16024,23 @@
           <a:solidFill>
             <a:schemeClr val="lt2"/>
           </a:solidFill>
-          <a:ln cap="flat" cmpd="sng" w="9525">
+          <a:ln w="9525" cap="flat" cmpd="sng">
             <a:solidFill>
               <a:schemeClr val="dk2"/>
             </a:solidFill>
             <a:prstDash val="solid"/>
             <a:round/>
-            <a:headEnd len="sm" w="sm" type="none"/>
-            <a:tailEnd len="sm" w="sm" type="none"/>
+            <a:headEnd type="none" w="sm" len="sm"/>
+            <a:tailEnd type="none" w="sm" len="sm"/>
           </a:ln>
         </p:spPr>
         <p:txBody>
-          <a:bodyPr anchorCtr="0" anchor="ctr" bIns="91425" lIns="91425" spcFirstLastPara="1" rIns="91425" wrap="square" tIns="91425">
+          <a:bodyPr spcFirstLastPara="1" wrap="square" lIns="91425" tIns="91425" rIns="91425" bIns="91425" anchor="ctr" anchorCtr="0">
             <a:noAutofit/>
           </a:bodyPr>
           <a:lstStyle/>
           <a:p>
-            <a:pPr indent="0" lvl="0" marL="0" rtl="0" algn="ctr">
+            <a:pPr marL="0" lvl="0" indent="0" algn="ctr" rtl="0">
               <a:spcBef>
                 <a:spcPts val="0"/>
               </a:spcBef>
@@ -15714,23 +16074,23 @@
           <a:solidFill>
             <a:schemeClr val="lt2"/>
           </a:solidFill>
-          <a:ln cap="flat" cmpd="sng" w="9525">
+          <a:ln w="9525" cap="flat" cmpd="sng">
             <a:solidFill>
               <a:schemeClr val="dk2"/>
             </a:solidFill>
             <a:prstDash val="solid"/>
             <a:round/>
-            <a:headEnd len="sm" w="sm" type="none"/>
-            <a:tailEnd len="sm" w="sm" type="none"/>
+            <a:headEnd type="none" w="sm" len="sm"/>
+            <a:tailEnd type="none" w="sm" len="sm"/>
           </a:ln>
         </p:spPr>
         <p:txBody>
-          <a:bodyPr anchorCtr="0" anchor="ctr" bIns="91425" lIns="91425" spcFirstLastPara="1" rIns="91425" wrap="square" tIns="91425">
+          <a:bodyPr spcFirstLastPara="1" wrap="square" lIns="91425" tIns="91425" rIns="91425" bIns="91425" anchor="ctr" anchorCtr="0">
             <a:noAutofit/>
           </a:bodyPr>
           <a:lstStyle/>
           <a:p>
-            <a:pPr indent="0" lvl="0" marL="0" rtl="0" algn="ctr">
+            <a:pPr marL="0" lvl="0" indent="0" algn="ctr" rtl="0">
               <a:spcBef>
                 <a:spcPts val="0"/>
               </a:spcBef>
@@ -15764,23 +16124,23 @@
           <a:solidFill>
             <a:schemeClr val="lt2"/>
           </a:solidFill>
-          <a:ln cap="flat" cmpd="sng" w="9525">
+          <a:ln w="9525" cap="flat" cmpd="sng">
             <a:solidFill>
               <a:schemeClr val="dk2"/>
             </a:solidFill>
             <a:prstDash val="solid"/>
             <a:round/>
-            <a:headEnd len="sm" w="sm" type="none"/>
-            <a:tailEnd len="sm" w="sm" type="none"/>
+            <a:headEnd type="none" w="sm" len="sm"/>
+            <a:tailEnd type="none" w="sm" len="sm"/>
           </a:ln>
         </p:spPr>
         <p:txBody>
-          <a:bodyPr anchorCtr="0" anchor="ctr" bIns="91425" lIns="91425" spcFirstLastPara="1" rIns="91425" wrap="square" tIns="91425">
+          <a:bodyPr spcFirstLastPara="1" wrap="square" lIns="91425" tIns="91425" rIns="91425" bIns="91425" anchor="ctr" anchorCtr="0">
             <a:noAutofit/>
           </a:bodyPr>
           <a:lstStyle/>
           <a:p>
-            <a:pPr indent="0" lvl="0" marL="0" rtl="0" algn="ctr">
+            <a:pPr marL="0" lvl="0" indent="0" algn="ctr" rtl="0">
               <a:spcBef>
                 <a:spcPts val="0"/>
               </a:spcBef>
@@ -15815,14 +16175,14 @@
             <a:avLst/>
           </a:prstGeom>
           <a:noFill/>
-          <a:ln cap="flat" cmpd="sng" w="9525">
+          <a:ln w="9525" cap="flat" cmpd="sng">
             <a:solidFill>
               <a:schemeClr val="dk2"/>
             </a:solidFill>
             <a:prstDash val="solid"/>
             <a:round/>
-            <a:headEnd len="med" w="med" type="none"/>
-            <a:tailEnd len="med" w="med" type="triangle"/>
+            <a:headEnd type="none" w="med" len="med"/>
+            <a:tailEnd type="triangle" w="med" len="med"/>
           </a:ln>
         </p:spPr>
       </p:cxnSp>
@@ -15844,14 +16204,14 @@
             <a:avLst/>
           </a:prstGeom>
           <a:noFill/>
-          <a:ln cap="flat" cmpd="sng" w="9525">
+          <a:ln w="9525" cap="flat" cmpd="sng">
             <a:solidFill>
               <a:schemeClr val="dk2"/>
             </a:solidFill>
             <a:prstDash val="solid"/>
             <a:round/>
-            <a:headEnd len="med" w="med" type="none"/>
-            <a:tailEnd len="med" w="med" type="triangle"/>
+            <a:headEnd type="none" w="med" len="med"/>
+            <a:tailEnd type="triangle" w="med" len="med"/>
           </a:ln>
         </p:spPr>
       </p:cxnSp>
@@ -15875,12 +16235,12 @@
           </a:ln>
         </p:spPr>
         <p:txBody>
-          <a:bodyPr anchorCtr="0" anchor="t" bIns="91425" lIns="91425" spcFirstLastPara="1" rIns="91425" wrap="square" tIns="91425">
+          <a:bodyPr spcFirstLastPara="1" wrap="square" lIns="91425" tIns="91425" rIns="91425" bIns="91425" anchor="t" anchorCtr="0">
             <a:noAutofit/>
           </a:bodyPr>
           <a:lstStyle/>
           <a:p>
-            <a:pPr indent="0" lvl="0" marL="0" rtl="0" algn="l">
+            <a:pPr marL="0" lvl="0" indent="0" algn="l" rtl="0">
               <a:spcBef>
                 <a:spcPts val="0"/>
               </a:spcBef>
@@ -15927,12 +16287,12 @@
           </a:ln>
         </p:spPr>
         <p:txBody>
-          <a:bodyPr anchorCtr="0" anchor="t" bIns="91425" lIns="91425" spcFirstLastPara="1" rIns="91425" wrap="square" tIns="91425">
+          <a:bodyPr spcFirstLastPara="1" wrap="square" lIns="91425" tIns="91425" rIns="91425" bIns="91425" anchor="t" anchorCtr="0">
             <a:noAutofit/>
           </a:bodyPr>
           <a:lstStyle/>
           <a:p>
-            <a:pPr indent="0" lvl="0" marL="0" rtl="0" algn="l">
+            <a:pPr marL="0" lvl="0" indent="0" algn="l" rtl="0">
               <a:spcBef>
                 <a:spcPts val="0"/>
               </a:spcBef>
@@ -15958,7 +16318,7 @@
             </a:endParaRPr>
           </a:p>
           <a:p>
-            <a:pPr indent="0" lvl="0" marL="0" rtl="0" algn="l">
+            <a:pPr marL="0" lvl="0" indent="0" algn="l" rtl="0">
               <a:spcBef>
                 <a:spcPts val="0"/>
               </a:spcBef>
@@ -15984,7 +16344,7 @@
             </a:endParaRPr>
           </a:p>
           <a:p>
-            <a:pPr indent="0" lvl="0" marL="0" rtl="0" algn="l">
+            <a:pPr marL="0" lvl="0" indent="0" algn="l" rtl="0">
               <a:spcBef>
                 <a:spcPts val="0"/>
               </a:spcBef>
@@ -16010,7 +16370,7 @@
             </a:endParaRPr>
           </a:p>
           <a:p>
-            <a:pPr indent="0" lvl="0" marL="0" rtl="0" algn="l">
+            <a:pPr marL="0" lvl="0" indent="0" algn="l" rtl="0">
               <a:spcBef>
                 <a:spcPts val="0"/>
               </a:spcBef>
@@ -16019,9 +16379,6 @@
               </a:spcAft>
               <a:buNone/>
             </a:pPr>
-            <a:r>
-              <a:t/>
-            </a:r>
             <a:endParaRPr>
               <a:latin typeface="Lato"/>
               <a:ea typeface="Lato"/>
@@ -16049,14 +16406,14 @@
             <a:avLst/>
           </a:prstGeom>
           <a:noFill/>
-          <a:ln cap="flat" cmpd="sng" w="9525">
+          <a:ln w="9525" cap="flat" cmpd="sng">
             <a:solidFill>
               <a:schemeClr val="dk2"/>
             </a:solidFill>
             <a:prstDash val="dot"/>
             <a:round/>
-            <a:headEnd len="med" w="med" type="none"/>
-            <a:tailEnd len="med" w="med" type="triangle"/>
+            <a:headEnd type="none" w="med" len="med"/>
+            <a:tailEnd type="triangle" w="med" len="med"/>
           </a:ln>
         </p:spPr>
       </p:cxnSp>
@@ -16078,14 +16435,14 @@
             <a:avLst/>
           </a:prstGeom>
           <a:noFill/>
-          <a:ln cap="flat" cmpd="sng" w="9525">
+          <a:ln w="9525" cap="flat" cmpd="sng">
             <a:solidFill>
               <a:schemeClr val="dk2"/>
             </a:solidFill>
             <a:prstDash val="dot"/>
             <a:round/>
-            <a:headEnd len="med" w="med" type="none"/>
-            <a:tailEnd len="med" w="med" type="triangle"/>
+            <a:headEnd type="none" w="med" len="med"/>
+            <a:tailEnd type="triangle" w="med" len="med"/>
           </a:ln>
         </p:spPr>
       </p:cxnSp>
@@ -16107,14 +16464,14 @@
             <a:avLst/>
           </a:prstGeom>
           <a:noFill/>
-          <a:ln cap="flat" cmpd="sng" w="9525">
+          <a:ln w="9525" cap="flat" cmpd="sng">
             <a:solidFill>
               <a:schemeClr val="dk2"/>
             </a:solidFill>
             <a:prstDash val="solid"/>
             <a:round/>
-            <a:headEnd len="med" w="med" type="none"/>
-            <a:tailEnd len="med" w="med" type="triangle"/>
+            <a:headEnd type="none" w="med" len="med"/>
+            <a:tailEnd type="triangle" w="med" len="med"/>
           </a:ln>
         </p:spPr>
       </p:cxnSp>
@@ -16131,29 +16488,29 @@
           </a:xfrm>
           <a:prstGeom prst="mathMultiply">
             <a:avLst>
-              <a:gd fmla="val 23520" name="adj1"/>
+              <a:gd name="adj1" fmla="val 23520"/>
             </a:avLst>
           </a:prstGeom>
           <a:solidFill>
             <a:srgbClr val="FF0000"/>
           </a:solidFill>
-          <a:ln cap="flat" cmpd="sng" w="9525">
+          <a:ln w="9525" cap="flat" cmpd="sng">
             <a:solidFill>
               <a:schemeClr val="dk2"/>
             </a:solidFill>
             <a:prstDash val="solid"/>
             <a:round/>
-            <a:headEnd len="sm" w="sm" type="none"/>
-            <a:tailEnd len="sm" w="sm" type="none"/>
+            <a:headEnd type="none" w="sm" len="sm"/>
+            <a:tailEnd type="none" w="sm" len="sm"/>
           </a:ln>
         </p:spPr>
         <p:txBody>
-          <a:bodyPr anchorCtr="0" anchor="ctr" bIns="91425" lIns="91425" spcFirstLastPara="1" rIns="91425" wrap="square" tIns="91425">
+          <a:bodyPr spcFirstLastPara="1" wrap="square" lIns="91425" tIns="91425" rIns="91425" bIns="91425" anchor="ctr" anchorCtr="0">
             <a:noAutofit/>
           </a:bodyPr>
           <a:lstStyle/>
           <a:p>
-            <a:pPr indent="0" lvl="0" marL="0" rtl="0" algn="l">
+            <a:pPr marL="0" lvl="0" indent="0" algn="l" rtl="0">
               <a:spcBef>
                 <a:spcPts val="0"/>
               </a:spcBef>
@@ -16162,9 +16519,6 @@
               </a:spcAft>
               <a:buNone/>
             </a:pPr>
-            <a:r>
-              <a:t/>
-            </a:r>
             <a:endParaRPr/>
           </a:p>
         </p:txBody>
@@ -16189,12 +16543,12 @@
           </a:ln>
         </p:spPr>
         <p:txBody>
-          <a:bodyPr anchorCtr="0" anchor="t" bIns="91425" lIns="91425" spcFirstLastPara="1" rIns="91425" wrap="square" tIns="91425">
+          <a:bodyPr spcFirstLastPara="1" wrap="square" lIns="91425" tIns="91425" rIns="91425" bIns="91425" anchor="t" anchorCtr="0">
             <a:noAutofit/>
           </a:bodyPr>
           <a:lstStyle/>
           <a:p>
-            <a:pPr indent="0" lvl="0" marL="0" rtl="0" algn="l">
+            <a:pPr marL="0" lvl="0" indent="0" algn="l" rtl="0">
               <a:spcBef>
                 <a:spcPts val="0"/>
               </a:spcBef>
@@ -16230,7 +16584,7 @@
 </file>
 
 <file path=ppt/theme/theme1.xml><?xml version="1.0" encoding="utf-8"?>
-<a:theme xmlns:a="http://schemas.openxmlformats.org/drawingml/2006/main" xmlns:r="http://schemas.openxmlformats.org/officeDocument/2006/relationships" name="Streamline">
+<a:theme xmlns:a="http://schemas.openxmlformats.org/drawingml/2006/main" name="Streamline">
   <a:themeElements>
     <a:clrScheme name="Streamline">
       <a:dk1>
@@ -16505,11 +16859,13 @@
       </a:bgFillStyleLst>
     </a:fmtScheme>
   </a:themeElements>
+  <a:objectDefaults/>
+  <a:extraClrSchemeLst/>
 </a:theme>
 </file>
 
 <file path=ppt/theme/theme2.xml><?xml version="1.0" encoding="utf-8"?>
-<a:theme xmlns:a="http://schemas.openxmlformats.org/drawingml/2006/main" xmlns:r="http://schemas.openxmlformats.org/officeDocument/2006/relationships">
+<a:theme xmlns:a="http://schemas.openxmlformats.org/drawingml/2006/main">
   <a:themeElements>
     <a:clrScheme name="Default">
       <a:dk1>
@@ -16784,5 +17140,7 @@
       </a:bgFillStyleLst>
     </a:fmtScheme>
   </a:themeElements>
+  <a:objectDefaults/>
+  <a:extraClrSchemeLst/>
 </a:theme>
 </file>
--- a/1.5-build-tools/Инструменты сборки.pptx
+++ b/1.5-build-tools/Инструменты сборки.pptx
@@ -861,7 +861,7 @@
         </p:nvSpPr>
         <p:spPr>
           <a:xfrm>
-            <a:off x="381300" y="685800"/>
+            <a:off x="381000" y="685800"/>
             <a:ext cx="6096000" cy="3429000"/>
           </a:xfrm>
           <a:custGeom>
@@ -8831,7 +8831,7 @@
               <a:buNone/>
             </a:pPr>
             <a:r>
-              <a:rPr lang="ru" sz="1000">
+              <a:rPr lang="ru" sz="1000" dirty="0">
                 <a:solidFill>
                   <a:srgbClr val="333333"/>
                 </a:solidFill>
@@ -8845,7 +8845,7 @@
               </a:rPr>
               <a:t>   dependencies {</a:t>
             </a:r>
-            <a:endParaRPr sz="1000">
+            <a:endParaRPr sz="1000" dirty="0">
               <a:solidFill>
                 <a:srgbClr val="333333"/>
               </a:solidFill>
@@ -8872,7 +8872,7 @@
               <a:buNone/>
             </a:pPr>
             <a:r>
-              <a:rPr lang="ru" sz="1000">
+              <a:rPr lang="ru" sz="1000" dirty="0">
                 <a:solidFill>
                   <a:srgbClr val="333333"/>
                 </a:solidFill>
@@ -8887,7 +8887,7 @@
               <a:t>        testImplementation </a:t>
             </a:r>
             <a:r>
-              <a:rPr lang="ru" sz="1000">
+              <a:rPr lang="ru" sz="1000" dirty="0">
                 <a:solidFill>
                   <a:srgbClr val="008000"/>
                 </a:solidFill>
@@ -8902,7 +8902,7 @@
               <a:t>"junit:junit:</a:t>
             </a:r>
             <a:r>
-              <a:rPr lang="ru" sz="1000">
+              <a:rPr lang="ru" sz="1000" dirty="0">
                 <a:solidFill>
                   <a:srgbClr val="333333"/>
                 </a:solidFill>
@@ -8917,7 +8917,7 @@
               <a:t>$junitVersion</a:t>
             </a:r>
             <a:r>
-              <a:rPr lang="ru" sz="1000">
+              <a:rPr lang="ru" sz="1000" dirty="0">
                 <a:solidFill>
                   <a:srgbClr val="008000"/>
                 </a:solidFill>
@@ -8932,7 +8932,7 @@
               <a:t>"</a:t>
             </a:r>
             <a:r>
-              <a:rPr lang="ru" sz="1000">
+              <a:rPr lang="ru" sz="1000" dirty="0">
                 <a:solidFill>
                   <a:srgbClr val="333333"/>
                 </a:solidFill>
@@ -8947,7 +8947,7 @@
               <a:t> </a:t>
             </a:r>
             <a:r>
-              <a:rPr lang="ru" sz="1000">
+              <a:rPr lang="ru" sz="1000" dirty="0">
                 <a:solidFill>
                   <a:srgbClr val="808080"/>
                 </a:solidFill>
@@ -8961,7 +8961,7 @@
               </a:rPr>
               <a:t>//Где junitVersion=4.12 в файле gradle.properties</a:t>
             </a:r>
-            <a:endParaRPr sz="1000">
+            <a:endParaRPr sz="1000" dirty="0">
               <a:solidFill>
                 <a:srgbClr val="333333"/>
               </a:solidFill>
@@ -8988,7 +8988,7 @@
               <a:buNone/>
             </a:pPr>
             <a:r>
-              <a:rPr lang="ru" sz="1000">
+              <a:rPr lang="ru" sz="1000" dirty="0">
                 <a:solidFill>
                   <a:srgbClr val="333333"/>
                 </a:solidFill>
@@ -9003,7 +9003,7 @@
               <a:t>        api </a:t>
             </a:r>
             <a:r>
-              <a:rPr lang="ru" sz="1000">
+              <a:rPr lang="ru" sz="1000" dirty="0">
                 <a:solidFill>
                   <a:srgbClr val="008000"/>
                 </a:solidFill>
@@ -9017,7 +9017,7 @@
               </a:rPr>
               <a:t>"com.fasterxml.jackson.core:jackson-databind:2.10.2"</a:t>
             </a:r>
-            <a:endParaRPr sz="1000">
+            <a:endParaRPr sz="1000" dirty="0">
               <a:solidFill>
                 <a:srgbClr val="333333"/>
               </a:solidFill>
@@ -9044,7 +9044,7 @@
               <a:buNone/>
             </a:pPr>
             <a:r>
-              <a:rPr lang="ru" sz="1000">
+              <a:rPr lang="ru" sz="1000" dirty="0">
                 <a:solidFill>
                   <a:srgbClr val="333333"/>
                 </a:solidFill>
@@ -9056,12 +9056,12 @@
                 <a:cs typeface="Courier New"/>
                 <a:sym typeface="Courier New"/>
               </a:rPr>
-              <a:t>        api group: </a:t>
-            </a:r>
-            <a:r>
-              <a:rPr lang="ru" sz="1000">
-                <a:solidFill>
-                  <a:srgbClr val="008000"/>
+              <a:t>        </a:t>
+            </a:r>
+            <a:r>
+              <a:rPr lang="en-US" sz="1000" dirty="0">
+                <a:solidFill>
+                  <a:srgbClr val="333333"/>
                 </a:solidFill>
                 <a:highlight>
                   <a:srgbClr val="F7F7F7"/>
@@ -9071,10 +9071,10 @@
                 <a:cs typeface="Courier New"/>
                 <a:sym typeface="Courier New"/>
               </a:rPr>
-              <a:t>'com.fasterxml.jackson.core'</a:t>
-            </a:r>
-            <a:r>
-              <a:rPr lang="ru" sz="1000">
+              <a:t>compile</a:t>
+            </a:r>
+            <a:r>
+              <a:rPr lang="ru" sz="1000" dirty="0">
                 <a:solidFill>
                   <a:srgbClr val="333333"/>
                 </a:solidFill>
@@ -9086,10 +9086,10 @@
                 <a:cs typeface="Courier New"/>
                 <a:sym typeface="Courier New"/>
               </a:rPr>
-              <a:t>, name: </a:t>
-            </a:r>
-            <a:r>
-              <a:rPr lang="ru" sz="1000">
+              <a:t> group: </a:t>
+            </a:r>
+            <a:r>
+              <a:rPr lang="ru" sz="1000" dirty="0">
                 <a:solidFill>
                   <a:srgbClr val="008000"/>
                 </a:solidFill>
@@ -9101,10 +9101,10 @@
                 <a:cs typeface="Courier New"/>
                 <a:sym typeface="Courier New"/>
               </a:rPr>
-              <a:t>'jackson-databind'</a:t>
-            </a:r>
-            <a:r>
-              <a:rPr lang="ru" sz="1000">
+              <a:t>'com.fasterxml.jackson.core'</a:t>
+            </a:r>
+            <a:r>
+              <a:rPr lang="ru" sz="1000" dirty="0">
                 <a:solidFill>
                   <a:srgbClr val="333333"/>
                 </a:solidFill>
@@ -9116,10 +9116,10 @@
                 <a:cs typeface="Courier New"/>
                 <a:sym typeface="Courier New"/>
               </a:rPr>
-              <a:t>, version: </a:t>
-            </a:r>
-            <a:r>
-              <a:rPr lang="ru" sz="1000">
+              <a:t>, name: </a:t>
+            </a:r>
+            <a:r>
+              <a:rPr lang="ru" sz="1000" dirty="0">
                 <a:solidFill>
                   <a:srgbClr val="008000"/>
                 </a:solidFill>
@@ -9131,9 +9131,39 @@
                 <a:cs typeface="Courier New"/>
                 <a:sym typeface="Courier New"/>
               </a:rPr>
+              <a:t>'jackson-databind'</a:t>
+            </a:r>
+            <a:r>
+              <a:rPr lang="ru" sz="1000" dirty="0">
+                <a:solidFill>
+                  <a:srgbClr val="333333"/>
+                </a:solidFill>
+                <a:highlight>
+                  <a:srgbClr val="F7F7F7"/>
+                </a:highlight>
+                <a:latin typeface="Courier New"/>
+                <a:ea typeface="Courier New"/>
+                <a:cs typeface="Courier New"/>
+                <a:sym typeface="Courier New"/>
+              </a:rPr>
+              <a:t>, version: </a:t>
+            </a:r>
+            <a:r>
+              <a:rPr lang="ru" sz="1000" dirty="0">
+                <a:solidFill>
+                  <a:srgbClr val="008000"/>
+                </a:solidFill>
+                <a:highlight>
+                  <a:srgbClr val="F7F7F7"/>
+                </a:highlight>
+                <a:latin typeface="Courier New"/>
+                <a:ea typeface="Courier New"/>
+                <a:cs typeface="Courier New"/>
+                <a:sym typeface="Courier New"/>
+              </a:rPr>
               <a:t>'2.10.2'</a:t>
             </a:r>
-            <a:endParaRPr sz="1000">
+            <a:endParaRPr sz="1000" dirty="0">
               <a:solidFill>
                 <a:srgbClr val="333333"/>
               </a:solidFill>
@@ -9160,7 +9190,7 @@
               <a:buNone/>
             </a:pPr>
             <a:r>
-              <a:rPr lang="ru" sz="1000">
+              <a:rPr lang="ru" sz="1000" dirty="0">
                 <a:solidFill>
                   <a:srgbClr val="333333"/>
                 </a:solidFill>
@@ -9174,7 +9204,7 @@
               </a:rPr>
               <a:t>}</a:t>
             </a:r>
-            <a:endParaRPr sz="1000">
+            <a:endParaRPr sz="1000" dirty="0">
               <a:solidFill>
                 <a:srgbClr val="333333"/>
               </a:solidFill>
@@ -9197,7 +9227,7 @@
               </a:spcAft>
               <a:buNone/>
             </a:pPr>
-            <a:endParaRPr/>
+            <a:endParaRPr dirty="0"/>
           </a:p>
         </p:txBody>
       </p:sp>
